--- a/document/db설계도.pptx
+++ b/document/db설계도.pptx
@@ -6,7 +6,9 @@
   </p:sldMasterIdLst>
   <p:sldIdLst>
     <p:sldId id="256" r:id="rId2"/>
-    <p:sldId id="257" r:id="rId3"/>
+    <p:sldId id="259" r:id="rId3"/>
+    <p:sldId id="257" r:id="rId4"/>
+    <p:sldId id="258" r:id="rId5"/>
   </p:sldIdLst>
   <p:sldSz cx="12192000" cy="6858000"/>
   <p:notesSz cx="6858000" cy="9144000"/>
@@ -111,6 +113,7 @@
         <p14:section name="자료실" id="{89722844-841D-4BC8-B460-DFADAEAC7ADB}">
           <p14:sldIdLst>
             <p14:sldId id="256"/>
+            <p14:sldId id="259"/>
           </p14:sldIdLst>
         </p14:section>
         <p14:section name="회원" id="{B04884BC-A2F8-4AC8-89F7-174E2CFAAB10}">
@@ -118,10 +121,109 @@
             <p14:sldId id="257"/>
           </p14:sldIdLst>
         </p14:section>
+        <p14:section name="동아리" id="{92AFA08A-39E3-4C8F-9460-9AB7D908D2C0}">
+          <p14:sldIdLst>
+            <p14:sldId id="258"/>
+          </p14:sldIdLst>
+        </p14:section>
       </p14:sectionLst>
+    </p:ext>
+    <p:ext uri="{EFAFB233-063F-42B5-8137-9DF3F51BA10A}">
+      <p15:sldGuideLst xmlns:p15="http://schemas.microsoft.com/office/powerpoint/2012/main"/>
     </p:ext>
   </p:extLst>
 </p:presentation>
+</file>
+
+<file path=ppt/changesInfos/changesInfo1.xml><?xml version="1.0" encoding="utf-8"?>
+<pc:chgInfo xmlns:a="http://schemas.openxmlformats.org/drawingml/2006/main" xmlns:r="http://schemas.openxmlformats.org/officeDocument/2006/relationships" xmlns:ac="http://schemas.microsoft.com/office/drawing/2013/main/command" xmlns:pc="http://schemas.microsoft.com/office/powerpoint/2013/main/command">
+  <pc:docChgLst>
+    <pc:chgData name="이 현정" userId="2260549c9764b7a4" providerId="LiveId" clId="{652D61CD-E158-4F57-961D-FF7C974FCABE}"/>
+    <pc:docChg chg="undo custSel addSld delSld modSld delSection modSection">
+      <pc:chgData name="이 현정" userId="2260549c9764b7a4" providerId="LiveId" clId="{652D61CD-E158-4F57-961D-FF7C974FCABE}" dt="2021-01-25T12:14:31.733" v="191"/>
+      <pc:docMkLst>
+        <pc:docMk/>
+      </pc:docMkLst>
+      <pc:sldChg chg="addSp delSp modSp add mod">
+        <pc:chgData name="이 현정" userId="2260549c9764b7a4" providerId="LiveId" clId="{652D61CD-E158-4F57-961D-FF7C974FCABE}" dt="2021-01-25T11:57:45.970" v="155" actId="2166"/>
+        <pc:sldMkLst>
+          <pc:docMk/>
+          <pc:sldMk cId="2932393549" sldId="258"/>
+        </pc:sldMkLst>
+        <pc:spChg chg="mod">
+          <ac:chgData name="이 현정" userId="2260549c9764b7a4" providerId="LiveId" clId="{652D61CD-E158-4F57-961D-FF7C974FCABE}" dt="2021-01-25T09:18:24.861" v="12"/>
+          <ac:spMkLst>
+            <pc:docMk/>
+            <pc:sldMk cId="2932393549" sldId="258"/>
+            <ac:spMk id="4" creationId="{B1B70071-4184-444D-AF41-ABED2AC79688}"/>
+          </ac:spMkLst>
+        </pc:spChg>
+        <pc:spChg chg="add del mod">
+          <ac:chgData name="이 현정" userId="2260549c9764b7a4" providerId="LiveId" clId="{652D61CD-E158-4F57-961D-FF7C974FCABE}" dt="2021-01-25T11:57:14.879" v="113"/>
+          <ac:spMkLst>
+            <pc:docMk/>
+            <pc:sldMk cId="2932393549" sldId="258"/>
+            <ac:spMk id="6" creationId="{ED63BD5D-3D1A-49E5-B6BA-1A5E5C9A2F79}"/>
+          </ac:spMkLst>
+        </pc:spChg>
+        <pc:spChg chg="del mod">
+          <ac:chgData name="이 현정" userId="2260549c9764b7a4" providerId="LiveId" clId="{652D61CD-E158-4F57-961D-FF7C974FCABE}" dt="2021-01-25T09:49:58.143" v="97"/>
+          <ac:spMkLst>
+            <pc:docMk/>
+            <pc:sldMk cId="2932393549" sldId="258"/>
+            <ac:spMk id="9" creationId="{517B55BC-AD0C-462C-88C5-E07FF010F065}"/>
+          </ac:spMkLst>
+        </pc:spChg>
+        <pc:graphicFrameChg chg="mod modGraphic">
+          <ac:chgData name="이 현정" userId="2260549c9764b7a4" providerId="LiveId" clId="{652D61CD-E158-4F57-961D-FF7C974FCABE}" dt="2021-01-25T09:48:09.059" v="93" actId="14734"/>
+          <ac:graphicFrameMkLst>
+            <pc:docMk/>
+            <pc:sldMk cId="2932393549" sldId="258"/>
+            <ac:graphicFrameMk id="2" creationId="{1B2855A4-26FD-4F27-A29A-2BFD263FAD9F}"/>
+          </ac:graphicFrameMkLst>
+        </pc:graphicFrameChg>
+        <pc:graphicFrameChg chg="mod modGraphic">
+          <ac:chgData name="이 현정" userId="2260549c9764b7a4" providerId="LiveId" clId="{652D61CD-E158-4F57-961D-FF7C974FCABE}" dt="2021-01-25T11:57:45.970" v="155" actId="2166"/>
+          <ac:graphicFrameMkLst>
+            <pc:docMk/>
+            <pc:sldMk cId="2932393549" sldId="258"/>
+            <ac:graphicFrameMk id="3" creationId="{4A66AB6B-B705-4832-BCFA-3168B2F6BC95}"/>
+          </ac:graphicFrameMkLst>
+        </pc:graphicFrameChg>
+      </pc:sldChg>
+      <pc:sldChg chg="modSp add del mod">
+        <pc:chgData name="이 현정" userId="2260549c9764b7a4" providerId="LiveId" clId="{652D61CD-E158-4F57-961D-FF7C974FCABE}" dt="2021-01-25T12:04:08.999" v="190" actId="47"/>
+        <pc:sldMkLst>
+          <pc:docMk/>
+          <pc:sldMk cId="349091771" sldId="259"/>
+        </pc:sldMkLst>
+        <pc:spChg chg="mod">
+          <ac:chgData name="이 현정" userId="2260549c9764b7a4" providerId="LiveId" clId="{652D61CD-E158-4F57-961D-FF7C974FCABE}" dt="2021-01-25T12:03:26.239" v="189"/>
+          <ac:spMkLst>
+            <pc:docMk/>
+            <pc:sldMk cId="349091771" sldId="259"/>
+            <ac:spMk id="4" creationId="{B1B70071-4184-444D-AF41-ABED2AC79688}"/>
+          </ac:spMkLst>
+        </pc:spChg>
+        <pc:graphicFrameChg chg="mod modGraphic">
+          <ac:chgData name="이 현정" userId="2260549c9764b7a4" providerId="LiveId" clId="{652D61CD-E158-4F57-961D-FF7C974FCABE}" dt="2021-01-25T12:03:18.196" v="172" actId="1076"/>
+          <ac:graphicFrameMkLst>
+            <pc:docMk/>
+            <pc:sldMk cId="349091771" sldId="259"/>
+            <ac:graphicFrameMk id="2" creationId="{1B2855A4-26FD-4F27-A29A-2BFD263FAD9F}"/>
+          </ac:graphicFrameMkLst>
+        </pc:graphicFrameChg>
+      </pc:sldChg>
+      <pc:sldChg chg="add">
+        <pc:chgData name="이 현정" userId="2260549c9764b7a4" providerId="LiveId" clId="{652D61CD-E158-4F57-961D-FF7C974FCABE}" dt="2021-01-25T12:14:31.733" v="191"/>
+        <pc:sldMkLst>
+          <pc:docMk/>
+          <pc:sldMk cId="1596094519" sldId="259"/>
+        </pc:sldMkLst>
+      </pc:sldChg>
+    </pc:docChg>
+  </pc:docChgLst>
+</pc:chgInfo>
 </file>
 
 <file path=ppt/slideLayouts/slideLayout1.xml><?xml version="1.0" encoding="utf-8"?>
@@ -271,7 +373,7 @@
           <a:p>
             <a:fld id="{8814E35C-E4D8-4661-AA90-51A9BCC45C6B}" type="datetimeFigureOut">
               <a:rPr lang="ko-KR" altLang="en-US" smtClean="0"/>
-              <a:t>2021-01-18</a:t>
+              <a:t>2021-01-25</a:t>
             </a:fld>
             <a:endParaRPr lang="ko-KR" altLang="en-US"/>
           </a:p>
@@ -469,7 +571,7 @@
           <a:p>
             <a:fld id="{8814E35C-E4D8-4661-AA90-51A9BCC45C6B}" type="datetimeFigureOut">
               <a:rPr lang="ko-KR" altLang="en-US" smtClean="0"/>
-              <a:t>2021-01-18</a:t>
+              <a:t>2021-01-25</a:t>
             </a:fld>
             <a:endParaRPr lang="ko-KR" altLang="en-US"/>
           </a:p>
@@ -677,7 +779,7 @@
           <a:p>
             <a:fld id="{8814E35C-E4D8-4661-AA90-51A9BCC45C6B}" type="datetimeFigureOut">
               <a:rPr lang="ko-KR" altLang="en-US" smtClean="0"/>
-              <a:t>2021-01-18</a:t>
+              <a:t>2021-01-25</a:t>
             </a:fld>
             <a:endParaRPr lang="ko-KR" altLang="en-US"/>
           </a:p>
@@ -875,7 +977,7 @@
           <a:p>
             <a:fld id="{8814E35C-E4D8-4661-AA90-51A9BCC45C6B}" type="datetimeFigureOut">
               <a:rPr lang="ko-KR" altLang="en-US" smtClean="0"/>
-              <a:t>2021-01-18</a:t>
+              <a:t>2021-01-25</a:t>
             </a:fld>
             <a:endParaRPr lang="ko-KR" altLang="en-US"/>
           </a:p>
@@ -1150,7 +1252,7 @@
           <a:p>
             <a:fld id="{8814E35C-E4D8-4661-AA90-51A9BCC45C6B}" type="datetimeFigureOut">
               <a:rPr lang="ko-KR" altLang="en-US" smtClean="0"/>
-              <a:t>2021-01-18</a:t>
+              <a:t>2021-01-25</a:t>
             </a:fld>
             <a:endParaRPr lang="ko-KR" altLang="en-US"/>
           </a:p>
@@ -1415,7 +1517,7 @@
           <a:p>
             <a:fld id="{8814E35C-E4D8-4661-AA90-51A9BCC45C6B}" type="datetimeFigureOut">
               <a:rPr lang="ko-KR" altLang="en-US" smtClean="0"/>
-              <a:t>2021-01-18</a:t>
+              <a:t>2021-01-25</a:t>
             </a:fld>
             <a:endParaRPr lang="ko-KR" altLang="en-US"/>
           </a:p>
@@ -1827,7 +1929,7 @@
           <a:p>
             <a:fld id="{8814E35C-E4D8-4661-AA90-51A9BCC45C6B}" type="datetimeFigureOut">
               <a:rPr lang="ko-KR" altLang="en-US" smtClean="0"/>
-              <a:t>2021-01-18</a:t>
+              <a:t>2021-01-25</a:t>
             </a:fld>
             <a:endParaRPr lang="ko-KR" altLang="en-US"/>
           </a:p>
@@ -1968,7 +2070,7 @@
           <a:p>
             <a:fld id="{8814E35C-E4D8-4661-AA90-51A9BCC45C6B}" type="datetimeFigureOut">
               <a:rPr lang="ko-KR" altLang="en-US" smtClean="0"/>
-              <a:t>2021-01-18</a:t>
+              <a:t>2021-01-25</a:t>
             </a:fld>
             <a:endParaRPr lang="ko-KR" altLang="en-US"/>
           </a:p>
@@ -2081,7 +2183,7 @@
           <a:p>
             <a:fld id="{8814E35C-E4D8-4661-AA90-51A9BCC45C6B}" type="datetimeFigureOut">
               <a:rPr lang="ko-KR" altLang="en-US" smtClean="0"/>
-              <a:t>2021-01-18</a:t>
+              <a:t>2021-01-25</a:t>
             </a:fld>
             <a:endParaRPr lang="ko-KR" altLang="en-US"/>
           </a:p>
@@ -2392,7 +2494,7 @@
           <a:p>
             <a:fld id="{8814E35C-E4D8-4661-AA90-51A9BCC45C6B}" type="datetimeFigureOut">
               <a:rPr lang="ko-KR" altLang="en-US" smtClean="0"/>
-              <a:t>2021-01-18</a:t>
+              <a:t>2021-01-25</a:t>
             </a:fld>
             <a:endParaRPr lang="ko-KR" altLang="en-US"/>
           </a:p>
@@ -2680,7 +2782,7 @@
           <a:p>
             <a:fld id="{8814E35C-E4D8-4661-AA90-51A9BCC45C6B}" type="datetimeFigureOut">
               <a:rPr lang="ko-KR" altLang="en-US" smtClean="0"/>
-              <a:t>2021-01-18</a:t>
+              <a:t>2021-01-25</a:t>
             </a:fld>
             <a:endParaRPr lang="ko-KR" altLang="en-US"/>
           </a:p>
@@ -2921,7 +3023,7 @@
           <a:p>
             <a:fld id="{8814E35C-E4D8-4661-AA90-51A9BCC45C6B}" type="datetimeFigureOut">
               <a:rPr lang="ko-KR" altLang="en-US" smtClean="0"/>
-              <a:t>2021-01-18</a:t>
+              <a:t>2021-01-25</a:t>
             </a:fld>
             <a:endParaRPr lang="ko-KR" altLang="en-US"/>
           </a:p>
@@ -3910,6 +4012,564 @@
       </p:grpSpPr>
       <p:graphicFrame>
         <p:nvGraphicFramePr>
+          <p:cNvPr id="5" name="표 2">
+            <a:extLst>
+              <a:ext uri="{FF2B5EF4-FFF2-40B4-BE49-F238E27FC236}">
+                <a16:creationId xmlns:a16="http://schemas.microsoft.com/office/drawing/2014/main" id="{AAE51F3D-8BFF-4A94-A34F-21AA03B4F304}"/>
+              </a:ext>
+            </a:extLst>
+          </p:cNvPr>
+          <p:cNvGraphicFramePr>
+            <a:graphicFrameLocks noGrp="1"/>
+          </p:cNvGraphicFramePr>
+          <p:nvPr/>
+        </p:nvGraphicFramePr>
+        <p:xfrm>
+          <a:off x="2031999" y="1734727"/>
+          <a:ext cx="8127999" cy="1107440"/>
+        </p:xfrm>
+        <a:graphic>
+          <a:graphicData uri="http://schemas.openxmlformats.org/drawingml/2006/table">
+            <a:tbl>
+              <a:tblPr firstRow="1" bandRow="1">
+                <a:tableStyleId>{5C22544A-7EE6-4342-B048-85BDC9FD1C3A}</a:tableStyleId>
+              </a:tblPr>
+              <a:tblGrid>
+                <a:gridCol w="2709333">
+                  <a:extLst>
+                    <a:ext uri="{9D8B030D-6E8A-4147-A177-3AD203B41FA5}">
+                      <a16:colId xmlns:a16="http://schemas.microsoft.com/office/drawing/2014/main" val="2486471654"/>
+                    </a:ext>
+                  </a:extLst>
+                </a:gridCol>
+                <a:gridCol w="2709333">
+                  <a:extLst>
+                    <a:ext uri="{9D8B030D-6E8A-4147-A177-3AD203B41FA5}">
+                      <a16:colId xmlns:a16="http://schemas.microsoft.com/office/drawing/2014/main" val="2572024130"/>
+                    </a:ext>
+                  </a:extLst>
+                </a:gridCol>
+                <a:gridCol w="2709333">
+                  <a:extLst>
+                    <a:ext uri="{9D8B030D-6E8A-4147-A177-3AD203B41FA5}">
+                      <a16:colId xmlns:a16="http://schemas.microsoft.com/office/drawing/2014/main" val="1992522389"/>
+                    </a:ext>
+                  </a:extLst>
+                </a:gridCol>
+              </a:tblGrid>
+              <a:tr h="0">
+                <a:tc>
+                  <a:txBody>
+                    <a:bodyPr/>
+                    <a:lstStyle/>
+                    <a:p>
+                      <a:pPr latinLnBrk="1"/>
+                      <a:r>
+                        <a:rPr lang="en-US" altLang="ko-KR" dirty="0"/>
+                        <a:t>PK – </a:t>
+                      </a:r>
+                      <a:r>
+                        <a:rPr lang="en-US" altLang="ko-KR" dirty="0" err="1"/>
+                        <a:t>auto_increment</a:t>
+                      </a:r>
+                      <a:endParaRPr lang="ko-KR" altLang="en-US" dirty="0"/>
+                    </a:p>
+                  </a:txBody>
+                  <a:tcPr/>
+                </a:tc>
+                <a:tc>
+                  <a:txBody>
+                    <a:bodyPr/>
+                    <a:lstStyle/>
+                    <a:p>
+                      <a:pPr latinLnBrk="1"/>
+                      <a:r>
+                        <a:rPr lang="ko-KR" altLang="en-US" dirty="0"/>
+                        <a:t>대분류</a:t>
+                      </a:r>
+                      <a:r>
+                        <a:rPr lang="en-US" altLang="ko-KR" dirty="0"/>
+                        <a:t>_</a:t>
+                      </a:r>
+                      <a:r>
+                        <a:rPr lang="ko-KR" altLang="en-US" dirty="0"/>
+                        <a:t>이름</a:t>
+                      </a:r>
+                    </a:p>
+                  </a:txBody>
+                  <a:tcPr/>
+                </a:tc>
+                <a:tc>
+                  <a:txBody>
+                    <a:bodyPr/>
+                    <a:lstStyle/>
+                    <a:p>
+                      <a:pPr latinLnBrk="1"/>
+                      <a:r>
+                        <a:rPr lang="ko-KR" altLang="en-US" dirty="0"/>
+                        <a:t>동아리</a:t>
+                      </a:r>
+                      <a:r>
+                        <a:rPr lang="en-US" altLang="ko-KR" dirty="0"/>
+                        <a:t> PK – FK</a:t>
+                      </a:r>
+                      <a:endParaRPr lang="ko-KR" altLang="en-US" dirty="0"/>
+                    </a:p>
+                  </a:txBody>
+                  <a:tcPr/>
+                </a:tc>
+                <a:extLst>
+                  <a:ext uri="{0D108BD9-81ED-4DB2-BD59-A6C34878D82A}">
+                    <a16:rowId xmlns:a16="http://schemas.microsoft.com/office/drawing/2014/main" val="3656576093"/>
+                  </a:ext>
+                </a:extLst>
+              </a:tr>
+              <a:tr h="370840">
+                <a:tc>
+                  <a:txBody>
+                    <a:bodyPr/>
+                    <a:lstStyle/>
+                    <a:p>
+                      <a:pPr latinLnBrk="1"/>
+                      <a:endParaRPr lang="ko-KR" altLang="en-US" dirty="0"/>
+                    </a:p>
+                  </a:txBody>
+                  <a:tcPr/>
+                </a:tc>
+                <a:tc>
+                  <a:txBody>
+                    <a:bodyPr/>
+                    <a:lstStyle/>
+                    <a:p>
+                      <a:pPr latinLnBrk="1"/>
+                      <a:endParaRPr lang="ko-KR" altLang="en-US" dirty="0"/>
+                    </a:p>
+                  </a:txBody>
+                  <a:tcPr/>
+                </a:tc>
+                <a:tc>
+                  <a:txBody>
+                    <a:bodyPr/>
+                    <a:lstStyle/>
+                    <a:p>
+                      <a:pPr latinLnBrk="1"/>
+                      <a:endParaRPr lang="ko-KR" altLang="en-US" dirty="0"/>
+                    </a:p>
+                  </a:txBody>
+                  <a:tcPr/>
+                </a:tc>
+                <a:extLst>
+                  <a:ext uri="{0D108BD9-81ED-4DB2-BD59-A6C34878D82A}">
+                    <a16:rowId xmlns:a16="http://schemas.microsoft.com/office/drawing/2014/main" val="2759135197"/>
+                  </a:ext>
+                </a:extLst>
+              </a:tr>
+              <a:tr h="370840">
+                <a:tc>
+                  <a:txBody>
+                    <a:bodyPr/>
+                    <a:lstStyle/>
+                    <a:p>
+                      <a:pPr latinLnBrk="1"/>
+                      <a:endParaRPr lang="ko-KR" altLang="en-US"/>
+                    </a:p>
+                  </a:txBody>
+                  <a:tcPr/>
+                </a:tc>
+                <a:tc>
+                  <a:txBody>
+                    <a:bodyPr/>
+                    <a:lstStyle/>
+                    <a:p>
+                      <a:pPr latinLnBrk="1"/>
+                      <a:endParaRPr lang="ko-KR" altLang="en-US" dirty="0"/>
+                    </a:p>
+                  </a:txBody>
+                  <a:tcPr/>
+                </a:tc>
+                <a:tc>
+                  <a:txBody>
+                    <a:bodyPr/>
+                    <a:lstStyle/>
+                    <a:p>
+                      <a:pPr latinLnBrk="1"/>
+                      <a:endParaRPr lang="ko-KR" altLang="en-US" dirty="0"/>
+                    </a:p>
+                  </a:txBody>
+                  <a:tcPr/>
+                </a:tc>
+                <a:extLst>
+                  <a:ext uri="{0D108BD9-81ED-4DB2-BD59-A6C34878D82A}">
+                    <a16:rowId xmlns:a16="http://schemas.microsoft.com/office/drawing/2014/main" val="511528374"/>
+                  </a:ext>
+                </a:extLst>
+              </a:tr>
+            </a:tbl>
+          </a:graphicData>
+        </a:graphic>
+      </p:graphicFrame>
+      <p:graphicFrame>
+        <p:nvGraphicFramePr>
+          <p:cNvPr id="6" name="표 3">
+            <a:extLst>
+              <a:ext uri="{FF2B5EF4-FFF2-40B4-BE49-F238E27FC236}">
+                <a16:creationId xmlns:a16="http://schemas.microsoft.com/office/drawing/2014/main" id="{44269E19-2024-475E-9915-E9F8BDD97FCF}"/>
+              </a:ext>
+            </a:extLst>
+          </p:cNvPr>
+          <p:cNvGraphicFramePr>
+            <a:graphicFrameLocks noGrp="1"/>
+          </p:cNvGraphicFramePr>
+          <p:nvPr/>
+        </p:nvGraphicFramePr>
+        <p:xfrm>
+          <a:off x="2032000" y="3615266"/>
+          <a:ext cx="8127999" cy="1483360"/>
+        </p:xfrm>
+        <a:graphic>
+          <a:graphicData uri="http://schemas.openxmlformats.org/drawingml/2006/table">
+            <a:tbl>
+              <a:tblPr firstRow="1" bandRow="1">
+                <a:tableStyleId>{5C22544A-7EE6-4342-B048-85BDC9FD1C3A}</a:tableStyleId>
+              </a:tblPr>
+              <a:tblGrid>
+                <a:gridCol w="2709333">
+                  <a:extLst>
+                    <a:ext uri="{9D8B030D-6E8A-4147-A177-3AD203B41FA5}">
+                      <a16:colId xmlns:a16="http://schemas.microsoft.com/office/drawing/2014/main" val="4252082458"/>
+                    </a:ext>
+                  </a:extLst>
+                </a:gridCol>
+                <a:gridCol w="2709333">
+                  <a:extLst>
+                    <a:ext uri="{9D8B030D-6E8A-4147-A177-3AD203B41FA5}">
+                      <a16:colId xmlns:a16="http://schemas.microsoft.com/office/drawing/2014/main" val="2890333719"/>
+                    </a:ext>
+                  </a:extLst>
+                </a:gridCol>
+                <a:gridCol w="2709333">
+                  <a:extLst>
+                    <a:ext uri="{9D8B030D-6E8A-4147-A177-3AD203B41FA5}">
+                      <a16:colId xmlns:a16="http://schemas.microsoft.com/office/drawing/2014/main" val="4122790503"/>
+                    </a:ext>
+                  </a:extLst>
+                </a:gridCol>
+              </a:tblGrid>
+              <a:tr h="370840">
+                <a:tc>
+                  <a:txBody>
+                    <a:bodyPr/>
+                    <a:lstStyle/>
+                    <a:p>
+                      <a:pPr latinLnBrk="1"/>
+                      <a:r>
+                        <a:rPr lang="en-US" altLang="ko-KR" dirty="0"/>
+                        <a:t>PK</a:t>
+                      </a:r>
+                      <a:r>
+                        <a:rPr lang="ko-KR" altLang="en-US" dirty="0"/>
+                        <a:t> </a:t>
+                      </a:r>
+                      <a:r>
+                        <a:rPr lang="en-US" altLang="ko-KR" dirty="0"/>
+                        <a:t>–</a:t>
+                      </a:r>
+                      <a:r>
+                        <a:rPr lang="ko-KR" altLang="en-US" dirty="0"/>
+                        <a:t> </a:t>
+                      </a:r>
+                      <a:r>
+                        <a:rPr lang="en-US" altLang="ko-KR" dirty="0" err="1"/>
+                        <a:t>auto_increment</a:t>
+                      </a:r>
+                      <a:endParaRPr lang="ko-KR" altLang="en-US" dirty="0"/>
+                    </a:p>
+                  </a:txBody>
+                  <a:tcPr/>
+                </a:tc>
+                <a:tc>
+                  <a:txBody>
+                    <a:bodyPr/>
+                    <a:lstStyle/>
+                    <a:p>
+                      <a:pPr latinLnBrk="1"/>
+                      <a:r>
+                        <a:rPr lang="ko-KR" altLang="en-US" dirty="0"/>
+                        <a:t>소분류</a:t>
+                      </a:r>
+                      <a:r>
+                        <a:rPr lang="en-US" altLang="ko-KR" dirty="0"/>
+                        <a:t>_</a:t>
+                      </a:r>
+                      <a:r>
+                        <a:rPr lang="ko-KR" altLang="en-US" dirty="0"/>
+                        <a:t>이름</a:t>
+                      </a:r>
+                    </a:p>
+                  </a:txBody>
+                  <a:tcPr/>
+                </a:tc>
+                <a:tc>
+                  <a:txBody>
+                    <a:bodyPr/>
+                    <a:lstStyle/>
+                    <a:p>
+                      <a:pPr latinLnBrk="1"/>
+                      <a:r>
+                        <a:rPr lang="ko-KR" altLang="en-US" dirty="0"/>
+                        <a:t>대분류 </a:t>
+                      </a:r>
+                      <a:r>
+                        <a:rPr lang="en-US" altLang="ko-KR" dirty="0"/>
+                        <a:t>PK - FK</a:t>
+                      </a:r>
+                      <a:endParaRPr lang="ko-KR" altLang="en-US" dirty="0"/>
+                    </a:p>
+                  </a:txBody>
+                  <a:tcPr/>
+                </a:tc>
+                <a:extLst>
+                  <a:ext uri="{0D108BD9-81ED-4DB2-BD59-A6C34878D82A}">
+                    <a16:rowId xmlns:a16="http://schemas.microsoft.com/office/drawing/2014/main" val="996086435"/>
+                  </a:ext>
+                </a:extLst>
+              </a:tr>
+              <a:tr h="370840">
+                <a:tc>
+                  <a:txBody>
+                    <a:bodyPr/>
+                    <a:lstStyle/>
+                    <a:p>
+                      <a:pPr latinLnBrk="1"/>
+                      <a:endParaRPr lang="ko-KR" altLang="en-US"/>
+                    </a:p>
+                  </a:txBody>
+                  <a:tcPr/>
+                </a:tc>
+                <a:tc>
+                  <a:txBody>
+                    <a:bodyPr/>
+                    <a:lstStyle/>
+                    <a:p>
+                      <a:pPr latinLnBrk="1"/>
+                      <a:endParaRPr lang="ko-KR" altLang="en-US" dirty="0"/>
+                    </a:p>
+                  </a:txBody>
+                  <a:tcPr/>
+                </a:tc>
+                <a:tc>
+                  <a:txBody>
+                    <a:bodyPr/>
+                    <a:lstStyle/>
+                    <a:p>
+                      <a:pPr latinLnBrk="1"/>
+                      <a:endParaRPr lang="ko-KR" altLang="en-US" dirty="0"/>
+                    </a:p>
+                  </a:txBody>
+                  <a:tcPr/>
+                </a:tc>
+                <a:extLst>
+                  <a:ext uri="{0D108BD9-81ED-4DB2-BD59-A6C34878D82A}">
+                    <a16:rowId xmlns:a16="http://schemas.microsoft.com/office/drawing/2014/main" val="3771572006"/>
+                  </a:ext>
+                </a:extLst>
+              </a:tr>
+              <a:tr h="370840">
+                <a:tc>
+                  <a:txBody>
+                    <a:bodyPr/>
+                    <a:lstStyle/>
+                    <a:p>
+                      <a:pPr latinLnBrk="1"/>
+                      <a:endParaRPr lang="ko-KR" altLang="en-US"/>
+                    </a:p>
+                  </a:txBody>
+                  <a:tcPr/>
+                </a:tc>
+                <a:tc>
+                  <a:txBody>
+                    <a:bodyPr/>
+                    <a:lstStyle/>
+                    <a:p>
+                      <a:pPr latinLnBrk="1"/>
+                      <a:endParaRPr lang="ko-KR" altLang="en-US" dirty="0"/>
+                    </a:p>
+                  </a:txBody>
+                  <a:tcPr/>
+                </a:tc>
+                <a:tc>
+                  <a:txBody>
+                    <a:bodyPr/>
+                    <a:lstStyle/>
+                    <a:p>
+                      <a:pPr latinLnBrk="1"/>
+                      <a:endParaRPr lang="ko-KR" altLang="en-US" dirty="0"/>
+                    </a:p>
+                  </a:txBody>
+                  <a:tcPr/>
+                </a:tc>
+                <a:extLst>
+                  <a:ext uri="{0D108BD9-81ED-4DB2-BD59-A6C34878D82A}">
+                    <a16:rowId xmlns:a16="http://schemas.microsoft.com/office/drawing/2014/main" val="2646865550"/>
+                  </a:ext>
+                </a:extLst>
+              </a:tr>
+              <a:tr h="370840">
+                <a:tc>
+                  <a:txBody>
+                    <a:bodyPr/>
+                    <a:lstStyle/>
+                    <a:p>
+                      <a:pPr latinLnBrk="1"/>
+                      <a:endParaRPr lang="ko-KR" altLang="en-US"/>
+                    </a:p>
+                  </a:txBody>
+                  <a:tcPr/>
+                </a:tc>
+                <a:tc>
+                  <a:txBody>
+                    <a:bodyPr/>
+                    <a:lstStyle/>
+                    <a:p>
+                      <a:pPr latinLnBrk="1"/>
+                      <a:endParaRPr lang="ko-KR" altLang="en-US" dirty="0"/>
+                    </a:p>
+                  </a:txBody>
+                  <a:tcPr/>
+                </a:tc>
+                <a:tc>
+                  <a:txBody>
+                    <a:bodyPr/>
+                    <a:lstStyle/>
+                    <a:p>
+                      <a:pPr latinLnBrk="1"/>
+                      <a:endParaRPr lang="ko-KR" altLang="en-US" dirty="0"/>
+                    </a:p>
+                  </a:txBody>
+                  <a:tcPr/>
+                </a:tc>
+                <a:extLst>
+                  <a:ext uri="{0D108BD9-81ED-4DB2-BD59-A6C34878D82A}">
+                    <a16:rowId xmlns:a16="http://schemas.microsoft.com/office/drawing/2014/main" val="2042527847"/>
+                  </a:ext>
+                </a:extLst>
+              </a:tr>
+            </a:tbl>
+          </a:graphicData>
+        </a:graphic>
+      </p:graphicFrame>
+      <p:sp>
+        <p:nvSpPr>
+          <p:cNvPr id="7" name="TextBox 6">
+            <a:extLst>
+              <a:ext uri="{FF2B5EF4-FFF2-40B4-BE49-F238E27FC236}">
+                <a16:creationId xmlns:a16="http://schemas.microsoft.com/office/drawing/2014/main" id="{D711851F-20C1-4532-8BB6-07A71010E6BB}"/>
+              </a:ext>
+            </a:extLst>
+          </p:cNvPr>
+          <p:cNvSpPr txBox="1"/>
+          <p:nvPr/>
+        </p:nvSpPr>
+        <p:spPr>
+          <a:xfrm>
+            <a:off x="2133600" y="1330960"/>
+            <a:ext cx="2346960" cy="369332"/>
+          </a:xfrm>
+          <a:prstGeom prst="rect">
+            <a:avLst/>
+          </a:prstGeom>
+          <a:noFill/>
+        </p:spPr>
+        <p:txBody>
+          <a:bodyPr wrap="square" rtlCol="0">
+            <a:spAutoFit/>
+          </a:bodyPr>
+          <a:lstStyle/>
+          <a:p>
+            <a:r>
+              <a:rPr lang="ko-KR" altLang="en-US" dirty="0"/>
+              <a:t>대분류 </a:t>
+            </a:r>
+            <a:r>
+              <a:rPr lang="en-US" altLang="ko-KR" dirty="0"/>
+              <a:t>table</a:t>
+            </a:r>
+            <a:endParaRPr lang="ko-KR" altLang="en-US" dirty="0"/>
+          </a:p>
+        </p:txBody>
+      </p:sp>
+      <p:sp>
+        <p:nvSpPr>
+          <p:cNvPr id="8" name="TextBox 7">
+            <a:extLst>
+              <a:ext uri="{FF2B5EF4-FFF2-40B4-BE49-F238E27FC236}">
+                <a16:creationId xmlns:a16="http://schemas.microsoft.com/office/drawing/2014/main" id="{49D1C4CF-A022-49C9-A58F-2DAA93588E27}"/>
+              </a:ext>
+            </a:extLst>
+          </p:cNvPr>
+          <p:cNvSpPr txBox="1"/>
+          <p:nvPr/>
+        </p:nvSpPr>
+        <p:spPr>
+          <a:xfrm>
+            <a:off x="2032000" y="3245934"/>
+            <a:ext cx="2346960" cy="369332"/>
+          </a:xfrm>
+          <a:prstGeom prst="rect">
+            <a:avLst/>
+          </a:prstGeom>
+          <a:noFill/>
+        </p:spPr>
+        <p:txBody>
+          <a:bodyPr wrap="square" rtlCol="0">
+            <a:spAutoFit/>
+          </a:bodyPr>
+          <a:lstStyle/>
+          <a:p>
+            <a:r>
+              <a:rPr lang="ko-KR" altLang="en-US"/>
+              <a:t>소분류 </a:t>
+            </a:r>
+            <a:r>
+              <a:rPr lang="en-US" altLang="ko-KR" dirty="0"/>
+              <a:t>table</a:t>
+            </a:r>
+            <a:endParaRPr lang="ko-KR" altLang="en-US" dirty="0"/>
+          </a:p>
+        </p:txBody>
+      </p:sp>
+    </p:spTree>
+    <p:extLst>
+      <p:ext uri="{BB962C8B-B14F-4D97-AF65-F5344CB8AC3E}">
+        <p14:creationId xmlns:p14="http://schemas.microsoft.com/office/powerpoint/2010/main" val="1596094519"/>
+      </p:ext>
+    </p:extLst>
+  </p:cSld>
+  <p:clrMapOvr>
+    <a:masterClrMapping/>
+  </p:clrMapOvr>
+</p:sld>
+</file>
+
+<file path=ppt/slides/slide3.xml><?xml version="1.0" encoding="utf-8"?>
+<p:sld xmlns:a="http://schemas.openxmlformats.org/drawingml/2006/main" xmlns:r="http://schemas.openxmlformats.org/officeDocument/2006/relationships" xmlns:p="http://schemas.openxmlformats.org/presentationml/2006/main">
+  <p:cSld>
+    <p:spTree>
+      <p:nvGrpSpPr>
+        <p:cNvPr id="1" name=""/>
+        <p:cNvGrpSpPr/>
+        <p:nvPr/>
+      </p:nvGrpSpPr>
+      <p:grpSpPr>
+        <a:xfrm>
+          <a:off x="0" y="0"/>
+          <a:ext cx="0" cy="0"/>
+          <a:chOff x="0" y="0"/>
+          <a:chExt cx="0" cy="0"/>
+        </a:xfrm>
+      </p:grpSpPr>
+      <p:graphicFrame>
+        <p:nvGraphicFramePr>
           <p:cNvPr id="2" name="표 2">
             <a:extLst>
               <a:ext uri="{FF2B5EF4-FFF2-40B4-BE49-F238E27FC236}">
@@ -4517,7 +5177,7 @@
                     <a:lstStyle/>
                     <a:p>
                       <a:pPr latinLnBrk="1"/>
-                      <a:endParaRPr lang="ko-KR" altLang="en-US"/>
+                      <a:endParaRPr lang="ko-KR" altLang="en-US" dirty="0"/>
                     </a:p>
                   </a:txBody>
                   <a:tcPr/>
@@ -4634,7 +5294,7 @@
                     <a:lstStyle/>
                     <a:p>
                       <a:pPr latinLnBrk="1"/>
-                      <a:endParaRPr lang="ko-KR" altLang="en-US"/>
+                      <a:endParaRPr lang="ko-KR" altLang="en-US" dirty="0"/>
                     </a:p>
                   </a:txBody>
                   <a:tcPr/>
@@ -4685,7 +5345,7 @@
                     <a:lstStyle/>
                     <a:p>
                       <a:pPr latinLnBrk="1"/>
-                      <a:endParaRPr lang="ko-KR" altLang="en-US"/>
+                      <a:endParaRPr lang="ko-KR" altLang="en-US" dirty="0"/>
                     </a:p>
                   </a:txBody>
                   <a:tcPr/>
@@ -4796,6 +5456,818 @@
     <p:extLst>
       <p:ext uri="{BB962C8B-B14F-4D97-AF65-F5344CB8AC3E}">
         <p14:creationId xmlns:p14="http://schemas.microsoft.com/office/powerpoint/2010/main" val="1660689953"/>
+      </p:ext>
+    </p:extLst>
+  </p:cSld>
+  <p:clrMapOvr>
+    <a:masterClrMapping/>
+  </p:clrMapOvr>
+</p:sld>
+</file>
+
+<file path=ppt/slides/slide4.xml><?xml version="1.0" encoding="utf-8"?>
+<p:sld xmlns:a="http://schemas.openxmlformats.org/drawingml/2006/main" xmlns:r="http://schemas.openxmlformats.org/officeDocument/2006/relationships" xmlns:p="http://schemas.openxmlformats.org/presentationml/2006/main">
+  <p:cSld>
+    <p:spTree>
+      <p:nvGrpSpPr>
+        <p:cNvPr id="1" name=""/>
+        <p:cNvGrpSpPr/>
+        <p:nvPr/>
+      </p:nvGrpSpPr>
+      <p:grpSpPr>
+        <a:xfrm>
+          <a:off x="0" y="0"/>
+          <a:ext cx="0" cy="0"/>
+          <a:chOff x="0" y="0"/>
+          <a:chExt cx="0" cy="0"/>
+        </a:xfrm>
+      </p:grpSpPr>
+      <p:graphicFrame>
+        <p:nvGraphicFramePr>
+          <p:cNvPr id="2" name="표 2">
+            <a:extLst>
+              <a:ext uri="{FF2B5EF4-FFF2-40B4-BE49-F238E27FC236}">
+                <a16:creationId xmlns:a16="http://schemas.microsoft.com/office/drawing/2014/main" id="{1B2855A4-26FD-4F27-A29A-2BFD263FAD9F}"/>
+              </a:ext>
+            </a:extLst>
+          </p:cNvPr>
+          <p:cNvGraphicFramePr>
+            <a:graphicFrameLocks noGrp="1"/>
+          </p:cNvGraphicFramePr>
+          <p:nvPr>
+            <p:extLst>
+              <p:ext uri="{D42A27DB-BD31-4B8C-83A1-F6EECF244321}">
+                <p14:modId xmlns:p14="http://schemas.microsoft.com/office/powerpoint/2010/main" val="2672182248"/>
+              </p:ext>
+            </p:extLst>
+          </p:nvPr>
+        </p:nvGraphicFramePr>
+        <p:xfrm>
+          <a:off x="957802" y="1013107"/>
+          <a:ext cx="10689701" cy="2026920"/>
+        </p:xfrm>
+        <a:graphic>
+          <a:graphicData uri="http://schemas.openxmlformats.org/drawingml/2006/table">
+            <a:tbl>
+              <a:tblPr firstRow="1" bandRow="1">
+                <a:tableStyleId>{5C22544A-7EE6-4342-B048-85BDC9FD1C3A}</a:tableStyleId>
+              </a:tblPr>
+              <a:tblGrid>
+                <a:gridCol w="1429869">
+                  <a:extLst>
+                    <a:ext uri="{9D8B030D-6E8A-4147-A177-3AD203B41FA5}">
+                      <a16:colId xmlns:a16="http://schemas.microsoft.com/office/drawing/2014/main" val="1818860348"/>
+                    </a:ext>
+                  </a:extLst>
+                </a:gridCol>
+                <a:gridCol w="1429869">
+                  <a:extLst>
+                    <a:ext uri="{9D8B030D-6E8A-4147-A177-3AD203B41FA5}">
+                      <a16:colId xmlns:a16="http://schemas.microsoft.com/office/drawing/2014/main" val="1745494479"/>
+                    </a:ext>
+                  </a:extLst>
+                </a:gridCol>
+                <a:gridCol w="979049">
+                  <a:extLst>
+                    <a:ext uri="{9D8B030D-6E8A-4147-A177-3AD203B41FA5}">
+                      <a16:colId xmlns:a16="http://schemas.microsoft.com/office/drawing/2014/main" val="944405031"/>
+                    </a:ext>
+                  </a:extLst>
+                </a:gridCol>
+                <a:gridCol w="1395664">
+                  <a:extLst>
+                    <a:ext uri="{9D8B030D-6E8A-4147-A177-3AD203B41FA5}">
+                      <a16:colId xmlns:a16="http://schemas.microsoft.com/office/drawing/2014/main" val="3553971249"/>
+                    </a:ext>
+                  </a:extLst>
+                </a:gridCol>
+                <a:gridCol w="1914894">
+                  <a:extLst>
+                    <a:ext uri="{9D8B030D-6E8A-4147-A177-3AD203B41FA5}">
+                      <a16:colId xmlns:a16="http://schemas.microsoft.com/office/drawing/2014/main" val="2099459287"/>
+                    </a:ext>
+                  </a:extLst>
+                </a:gridCol>
+                <a:gridCol w="1568527">
+                  <a:extLst>
+                    <a:ext uri="{9D8B030D-6E8A-4147-A177-3AD203B41FA5}">
+                      <a16:colId xmlns:a16="http://schemas.microsoft.com/office/drawing/2014/main" val="2231416164"/>
+                    </a:ext>
+                  </a:extLst>
+                </a:gridCol>
+                <a:gridCol w="1971829">
+                  <a:extLst>
+                    <a:ext uri="{9D8B030D-6E8A-4147-A177-3AD203B41FA5}">
+                      <a16:colId xmlns:a16="http://schemas.microsoft.com/office/drawing/2014/main" val="1406185506"/>
+                    </a:ext>
+                  </a:extLst>
+                </a:gridCol>
+              </a:tblGrid>
+              <a:tr h="370840">
+                <a:tc>
+                  <a:txBody>
+                    <a:bodyPr/>
+                    <a:lstStyle/>
+                    <a:p>
+                      <a:pPr latinLnBrk="1"/>
+                      <a:r>
+                        <a:rPr lang="en-US" altLang="ko-KR" dirty="0"/>
+                        <a:t>PK – </a:t>
+                      </a:r>
+                      <a:r>
+                        <a:rPr lang="en-US" altLang="ko-KR" dirty="0" err="1"/>
+                        <a:t>auto_increment</a:t>
+                      </a:r>
+                      <a:endParaRPr lang="ko-KR" altLang="en-US" dirty="0"/>
+                    </a:p>
+                  </a:txBody>
+                  <a:tcPr/>
+                </a:tc>
+                <a:tc>
+                  <a:txBody>
+                    <a:bodyPr/>
+                    <a:lstStyle/>
+                    <a:p>
+                      <a:pPr latinLnBrk="1"/>
+                      <a:r>
+                        <a:rPr lang="ko-KR" altLang="en-US" dirty="0"/>
+                        <a:t>동아리이름</a:t>
+                      </a:r>
+                    </a:p>
+                  </a:txBody>
+                  <a:tcPr/>
+                </a:tc>
+                <a:tc>
+                  <a:txBody>
+                    <a:bodyPr/>
+                    <a:lstStyle/>
+                    <a:p>
+                      <a:pPr latinLnBrk="1"/>
+                      <a:r>
+                        <a:rPr lang="ko-KR" altLang="en-US" dirty="0"/>
+                        <a:t>대분류</a:t>
+                      </a:r>
+                    </a:p>
+                  </a:txBody>
+                  <a:tcPr/>
+                </a:tc>
+                <a:tc>
+                  <a:txBody>
+                    <a:bodyPr/>
+                    <a:lstStyle/>
+                    <a:p>
+                      <a:pPr latinLnBrk="1"/>
+                      <a:r>
+                        <a:rPr lang="ko-KR" altLang="en-US" dirty="0"/>
+                        <a:t>소분류</a:t>
+                      </a:r>
+                    </a:p>
+                  </a:txBody>
+                  <a:tcPr/>
+                </a:tc>
+                <a:tc>
+                  <a:txBody>
+                    <a:bodyPr/>
+                    <a:lstStyle/>
+                    <a:p>
+                      <a:pPr latinLnBrk="1"/>
+                      <a:r>
+                        <a:rPr lang="ko-KR" altLang="en-US" dirty="0" err="1"/>
+                        <a:t>프로필이미지</a:t>
+                      </a:r>
+                      <a:endParaRPr lang="ko-KR" altLang="en-US" dirty="0"/>
+                    </a:p>
+                  </a:txBody>
+                  <a:tcPr/>
+                </a:tc>
+                <a:tc>
+                  <a:txBody>
+                    <a:bodyPr/>
+                    <a:lstStyle/>
+                    <a:p>
+                      <a:pPr latinLnBrk="1"/>
+                      <a:r>
+                        <a:rPr lang="ko-KR" altLang="en-US" dirty="0"/>
+                        <a:t>동아리설명</a:t>
+                      </a:r>
+                    </a:p>
+                  </a:txBody>
+                  <a:tcPr/>
+                </a:tc>
+                <a:tc>
+                  <a:txBody>
+                    <a:bodyPr/>
+                    <a:lstStyle/>
+                    <a:p>
+                      <a:pPr latinLnBrk="1"/>
+                      <a:endParaRPr lang="ko-KR" altLang="en-US" dirty="0"/>
+                    </a:p>
+                  </a:txBody>
+                  <a:tcPr/>
+                </a:tc>
+                <a:extLst>
+                  <a:ext uri="{0D108BD9-81ED-4DB2-BD59-A6C34878D82A}">
+                    <a16:rowId xmlns:a16="http://schemas.microsoft.com/office/drawing/2014/main" val="3215540548"/>
+                  </a:ext>
+                </a:extLst>
+              </a:tr>
+              <a:tr h="370840">
+                <a:tc>
+                  <a:txBody>
+                    <a:bodyPr/>
+                    <a:lstStyle/>
+                    <a:p>
+                      <a:pPr latinLnBrk="1"/>
+                      <a:endParaRPr lang="ko-KR" altLang="en-US"/>
+                    </a:p>
+                  </a:txBody>
+                  <a:tcPr/>
+                </a:tc>
+                <a:tc>
+                  <a:txBody>
+                    <a:bodyPr/>
+                    <a:lstStyle/>
+                    <a:p>
+                      <a:pPr latinLnBrk="1"/>
+                      <a:endParaRPr lang="ko-KR" altLang="en-US" dirty="0"/>
+                    </a:p>
+                  </a:txBody>
+                  <a:tcPr/>
+                </a:tc>
+                <a:tc>
+                  <a:txBody>
+                    <a:bodyPr/>
+                    <a:lstStyle/>
+                    <a:p>
+                      <a:pPr latinLnBrk="1"/>
+                      <a:endParaRPr lang="ko-KR" altLang="en-US" dirty="0"/>
+                    </a:p>
+                  </a:txBody>
+                  <a:tcPr/>
+                </a:tc>
+                <a:tc>
+                  <a:txBody>
+                    <a:bodyPr/>
+                    <a:lstStyle/>
+                    <a:p>
+                      <a:pPr latinLnBrk="1"/>
+                      <a:endParaRPr lang="ko-KR" altLang="en-US" dirty="0"/>
+                    </a:p>
+                  </a:txBody>
+                  <a:tcPr/>
+                </a:tc>
+                <a:tc>
+                  <a:txBody>
+                    <a:bodyPr/>
+                    <a:lstStyle/>
+                    <a:p>
+                      <a:pPr latinLnBrk="1"/>
+                      <a:endParaRPr lang="ko-KR" altLang="en-US"/>
+                    </a:p>
+                  </a:txBody>
+                  <a:tcPr/>
+                </a:tc>
+                <a:tc>
+                  <a:txBody>
+                    <a:bodyPr/>
+                    <a:lstStyle/>
+                    <a:p>
+                      <a:pPr latinLnBrk="1"/>
+                      <a:endParaRPr lang="ko-KR" altLang="en-US" dirty="0"/>
+                    </a:p>
+                  </a:txBody>
+                  <a:tcPr/>
+                </a:tc>
+                <a:tc>
+                  <a:txBody>
+                    <a:bodyPr/>
+                    <a:lstStyle/>
+                    <a:p>
+                      <a:pPr latinLnBrk="1"/>
+                      <a:endParaRPr lang="ko-KR" altLang="en-US"/>
+                    </a:p>
+                  </a:txBody>
+                  <a:tcPr/>
+                </a:tc>
+                <a:extLst>
+                  <a:ext uri="{0D108BD9-81ED-4DB2-BD59-A6C34878D82A}">
+                    <a16:rowId xmlns:a16="http://schemas.microsoft.com/office/drawing/2014/main" val="3544587410"/>
+                  </a:ext>
+                </a:extLst>
+              </a:tr>
+              <a:tr h="370840">
+                <a:tc>
+                  <a:txBody>
+                    <a:bodyPr/>
+                    <a:lstStyle/>
+                    <a:p>
+                      <a:pPr latinLnBrk="1"/>
+                      <a:endParaRPr lang="ko-KR" altLang="en-US"/>
+                    </a:p>
+                  </a:txBody>
+                  <a:tcPr/>
+                </a:tc>
+                <a:tc>
+                  <a:txBody>
+                    <a:bodyPr/>
+                    <a:lstStyle/>
+                    <a:p>
+                      <a:pPr latinLnBrk="1"/>
+                      <a:endParaRPr lang="ko-KR" altLang="en-US"/>
+                    </a:p>
+                  </a:txBody>
+                  <a:tcPr/>
+                </a:tc>
+                <a:tc>
+                  <a:txBody>
+                    <a:bodyPr/>
+                    <a:lstStyle/>
+                    <a:p>
+                      <a:pPr latinLnBrk="1"/>
+                      <a:endParaRPr lang="ko-KR" altLang="en-US" dirty="0"/>
+                    </a:p>
+                  </a:txBody>
+                  <a:tcPr/>
+                </a:tc>
+                <a:tc>
+                  <a:txBody>
+                    <a:bodyPr/>
+                    <a:lstStyle/>
+                    <a:p>
+                      <a:pPr latinLnBrk="1"/>
+                      <a:endParaRPr lang="ko-KR" altLang="en-US" dirty="0"/>
+                    </a:p>
+                  </a:txBody>
+                  <a:tcPr/>
+                </a:tc>
+                <a:tc>
+                  <a:txBody>
+                    <a:bodyPr/>
+                    <a:lstStyle/>
+                    <a:p>
+                      <a:pPr latinLnBrk="1"/>
+                      <a:endParaRPr lang="ko-KR" altLang="en-US"/>
+                    </a:p>
+                  </a:txBody>
+                  <a:tcPr/>
+                </a:tc>
+                <a:tc>
+                  <a:txBody>
+                    <a:bodyPr/>
+                    <a:lstStyle/>
+                    <a:p>
+                      <a:pPr latinLnBrk="1"/>
+                      <a:endParaRPr lang="ko-KR" altLang="en-US"/>
+                    </a:p>
+                  </a:txBody>
+                  <a:tcPr/>
+                </a:tc>
+                <a:tc>
+                  <a:txBody>
+                    <a:bodyPr/>
+                    <a:lstStyle/>
+                    <a:p>
+                      <a:pPr latinLnBrk="1"/>
+                      <a:endParaRPr lang="ko-KR" altLang="en-US"/>
+                    </a:p>
+                  </a:txBody>
+                  <a:tcPr/>
+                </a:tc>
+                <a:extLst>
+                  <a:ext uri="{0D108BD9-81ED-4DB2-BD59-A6C34878D82A}">
+                    <a16:rowId xmlns:a16="http://schemas.microsoft.com/office/drawing/2014/main" val="3226105878"/>
+                  </a:ext>
+                </a:extLst>
+              </a:tr>
+              <a:tr h="370840">
+                <a:tc>
+                  <a:txBody>
+                    <a:bodyPr/>
+                    <a:lstStyle/>
+                    <a:p>
+                      <a:pPr latinLnBrk="1"/>
+                      <a:endParaRPr lang="ko-KR" altLang="en-US"/>
+                    </a:p>
+                  </a:txBody>
+                  <a:tcPr/>
+                </a:tc>
+                <a:tc>
+                  <a:txBody>
+                    <a:bodyPr/>
+                    <a:lstStyle/>
+                    <a:p>
+                      <a:pPr latinLnBrk="1"/>
+                      <a:endParaRPr lang="ko-KR" altLang="en-US"/>
+                    </a:p>
+                  </a:txBody>
+                  <a:tcPr/>
+                </a:tc>
+                <a:tc>
+                  <a:txBody>
+                    <a:bodyPr/>
+                    <a:lstStyle/>
+                    <a:p>
+                      <a:pPr latinLnBrk="1"/>
+                      <a:endParaRPr lang="ko-KR" altLang="en-US" dirty="0"/>
+                    </a:p>
+                  </a:txBody>
+                  <a:tcPr/>
+                </a:tc>
+                <a:tc>
+                  <a:txBody>
+                    <a:bodyPr/>
+                    <a:lstStyle/>
+                    <a:p>
+                      <a:pPr latinLnBrk="1"/>
+                      <a:endParaRPr lang="ko-KR" altLang="en-US" dirty="0"/>
+                    </a:p>
+                  </a:txBody>
+                  <a:tcPr/>
+                </a:tc>
+                <a:tc>
+                  <a:txBody>
+                    <a:bodyPr/>
+                    <a:lstStyle/>
+                    <a:p>
+                      <a:pPr latinLnBrk="1"/>
+                      <a:endParaRPr lang="ko-KR" altLang="en-US" dirty="0"/>
+                    </a:p>
+                  </a:txBody>
+                  <a:tcPr/>
+                </a:tc>
+                <a:tc>
+                  <a:txBody>
+                    <a:bodyPr/>
+                    <a:lstStyle/>
+                    <a:p>
+                      <a:pPr latinLnBrk="1"/>
+                      <a:endParaRPr lang="ko-KR" altLang="en-US" dirty="0"/>
+                    </a:p>
+                  </a:txBody>
+                  <a:tcPr/>
+                </a:tc>
+                <a:tc>
+                  <a:txBody>
+                    <a:bodyPr/>
+                    <a:lstStyle/>
+                    <a:p>
+                      <a:pPr latinLnBrk="1"/>
+                      <a:endParaRPr lang="ko-KR" altLang="en-US" dirty="0"/>
+                    </a:p>
+                  </a:txBody>
+                  <a:tcPr/>
+                </a:tc>
+                <a:extLst>
+                  <a:ext uri="{0D108BD9-81ED-4DB2-BD59-A6C34878D82A}">
+                    <a16:rowId xmlns:a16="http://schemas.microsoft.com/office/drawing/2014/main" val="4153154275"/>
+                  </a:ext>
+                </a:extLst>
+              </a:tr>
+            </a:tbl>
+          </a:graphicData>
+        </a:graphic>
+      </p:graphicFrame>
+      <p:graphicFrame>
+        <p:nvGraphicFramePr>
+          <p:cNvPr id="3" name="표 3">
+            <a:extLst>
+              <a:ext uri="{FF2B5EF4-FFF2-40B4-BE49-F238E27FC236}">
+                <a16:creationId xmlns:a16="http://schemas.microsoft.com/office/drawing/2014/main" id="{4A66AB6B-B705-4832-BCFA-3168B2F6BC95}"/>
+              </a:ext>
+            </a:extLst>
+          </p:cNvPr>
+          <p:cNvGraphicFramePr>
+            <a:graphicFrameLocks noGrp="1"/>
+          </p:cNvGraphicFramePr>
+          <p:nvPr>
+            <p:extLst>
+              <p:ext uri="{D42A27DB-BD31-4B8C-83A1-F6EECF244321}">
+                <p14:modId xmlns:p14="http://schemas.microsoft.com/office/powerpoint/2010/main" val="4275968945"/>
+              </p:ext>
+            </p:extLst>
+          </p:nvPr>
+        </p:nvGraphicFramePr>
+        <p:xfrm>
+          <a:off x="957802" y="3992074"/>
+          <a:ext cx="6096000" cy="1849120"/>
+        </p:xfrm>
+        <a:graphic>
+          <a:graphicData uri="http://schemas.openxmlformats.org/drawingml/2006/table">
+            <a:tbl>
+              <a:tblPr firstRow="1" bandRow="1">
+                <a:tableStyleId>{5C22544A-7EE6-4342-B048-85BDC9FD1C3A}</a:tableStyleId>
+              </a:tblPr>
+              <a:tblGrid>
+                <a:gridCol w="2032000">
+                  <a:extLst>
+                    <a:ext uri="{9D8B030D-6E8A-4147-A177-3AD203B41FA5}">
+                      <a16:colId xmlns:a16="http://schemas.microsoft.com/office/drawing/2014/main" val="1112674849"/>
+                    </a:ext>
+                  </a:extLst>
+                </a:gridCol>
+                <a:gridCol w="2032000">
+                  <a:extLst>
+                    <a:ext uri="{9D8B030D-6E8A-4147-A177-3AD203B41FA5}">
+                      <a16:colId xmlns:a16="http://schemas.microsoft.com/office/drawing/2014/main" val="416484553"/>
+                    </a:ext>
+                  </a:extLst>
+                </a:gridCol>
+                <a:gridCol w="2032000">
+                  <a:extLst>
+                    <a:ext uri="{9D8B030D-6E8A-4147-A177-3AD203B41FA5}">
+                      <a16:colId xmlns:a16="http://schemas.microsoft.com/office/drawing/2014/main" val="110058877"/>
+                    </a:ext>
+                  </a:extLst>
+                </a:gridCol>
+              </a:tblGrid>
+              <a:tr h="0">
+                <a:tc>
+                  <a:txBody>
+                    <a:bodyPr/>
+                    <a:lstStyle/>
+                    <a:p>
+                      <a:pPr latinLnBrk="1"/>
+                      <a:r>
+                        <a:rPr lang="en-US" altLang="ko-KR" dirty="0" err="1"/>
+                        <a:t>Uid</a:t>
+                      </a:r>
+                      <a:endParaRPr lang="ko-KR" altLang="en-US" dirty="0"/>
+                    </a:p>
+                  </a:txBody>
+                  <a:tcPr/>
+                </a:tc>
+                <a:tc>
+                  <a:txBody>
+                    <a:bodyPr/>
+                    <a:lstStyle/>
+                    <a:p>
+                      <a:pPr latinLnBrk="1"/>
+                      <a:r>
+                        <a:rPr lang="ko-KR" altLang="en-US" dirty="0"/>
+                        <a:t>분류명</a:t>
+                      </a:r>
+                    </a:p>
+                  </a:txBody>
+                  <a:tcPr/>
+                </a:tc>
+                <a:tc>
+                  <a:txBody>
+                    <a:bodyPr/>
+                    <a:lstStyle/>
+                    <a:p>
+                      <a:pPr latinLnBrk="1"/>
+                      <a:r>
+                        <a:rPr lang="ko-KR" altLang="en-US" dirty="0"/>
+                        <a:t>이미지</a:t>
+                      </a:r>
+                    </a:p>
+                  </a:txBody>
+                  <a:tcPr/>
+                </a:tc>
+                <a:extLst>
+                  <a:ext uri="{0D108BD9-81ED-4DB2-BD59-A6C34878D82A}">
+                    <a16:rowId xmlns:a16="http://schemas.microsoft.com/office/drawing/2014/main" val="1023405224"/>
+                  </a:ext>
+                </a:extLst>
+              </a:tr>
+              <a:tr h="370840">
+                <a:tc>
+                  <a:txBody>
+                    <a:bodyPr/>
+                    <a:lstStyle/>
+                    <a:p>
+                      <a:pPr latinLnBrk="1"/>
+                      <a:endParaRPr lang="ko-KR" altLang="en-US"/>
+                    </a:p>
+                  </a:txBody>
+                  <a:tcPr/>
+                </a:tc>
+                <a:tc>
+                  <a:txBody>
+                    <a:bodyPr/>
+                    <a:lstStyle/>
+                    <a:p>
+                      <a:pPr latinLnBrk="1"/>
+                      <a:endParaRPr lang="ko-KR" altLang="en-US" dirty="0"/>
+                    </a:p>
+                  </a:txBody>
+                  <a:tcPr/>
+                </a:tc>
+                <a:tc>
+                  <a:txBody>
+                    <a:bodyPr/>
+                    <a:lstStyle/>
+                    <a:p>
+                      <a:pPr latinLnBrk="1"/>
+                      <a:endParaRPr lang="ko-KR" altLang="en-US" dirty="0"/>
+                    </a:p>
+                  </a:txBody>
+                  <a:tcPr/>
+                </a:tc>
+                <a:extLst>
+                  <a:ext uri="{0D108BD9-81ED-4DB2-BD59-A6C34878D82A}">
+                    <a16:rowId xmlns:a16="http://schemas.microsoft.com/office/drawing/2014/main" val="3022279404"/>
+                  </a:ext>
+                </a:extLst>
+              </a:tr>
+              <a:tr h="370840">
+                <a:tc>
+                  <a:txBody>
+                    <a:bodyPr/>
+                    <a:lstStyle/>
+                    <a:p>
+                      <a:pPr latinLnBrk="1"/>
+                      <a:endParaRPr lang="ko-KR" altLang="en-US"/>
+                    </a:p>
+                  </a:txBody>
+                  <a:tcPr/>
+                </a:tc>
+                <a:tc>
+                  <a:txBody>
+                    <a:bodyPr/>
+                    <a:lstStyle/>
+                    <a:p>
+                      <a:pPr latinLnBrk="1"/>
+                      <a:endParaRPr lang="ko-KR" altLang="en-US"/>
+                    </a:p>
+                  </a:txBody>
+                  <a:tcPr/>
+                </a:tc>
+                <a:tc>
+                  <a:txBody>
+                    <a:bodyPr/>
+                    <a:lstStyle/>
+                    <a:p>
+                      <a:pPr latinLnBrk="1"/>
+                      <a:endParaRPr lang="ko-KR" altLang="en-US" dirty="0"/>
+                    </a:p>
+                  </a:txBody>
+                  <a:tcPr/>
+                </a:tc>
+                <a:extLst>
+                  <a:ext uri="{0D108BD9-81ED-4DB2-BD59-A6C34878D82A}">
+                    <a16:rowId xmlns:a16="http://schemas.microsoft.com/office/drawing/2014/main" val="1159181379"/>
+                  </a:ext>
+                </a:extLst>
+              </a:tr>
+              <a:tr h="370840">
+                <a:tc>
+                  <a:txBody>
+                    <a:bodyPr/>
+                    <a:lstStyle/>
+                    <a:p>
+                      <a:pPr latinLnBrk="1"/>
+                      <a:endParaRPr lang="ko-KR" altLang="en-US"/>
+                    </a:p>
+                  </a:txBody>
+                  <a:tcPr/>
+                </a:tc>
+                <a:tc>
+                  <a:txBody>
+                    <a:bodyPr/>
+                    <a:lstStyle/>
+                    <a:p>
+                      <a:pPr latinLnBrk="1"/>
+                      <a:endParaRPr lang="ko-KR" altLang="en-US"/>
+                    </a:p>
+                  </a:txBody>
+                  <a:tcPr/>
+                </a:tc>
+                <a:tc>
+                  <a:txBody>
+                    <a:bodyPr/>
+                    <a:lstStyle/>
+                    <a:p>
+                      <a:pPr latinLnBrk="1"/>
+                      <a:endParaRPr lang="ko-KR" altLang="en-US" dirty="0"/>
+                    </a:p>
+                  </a:txBody>
+                  <a:tcPr/>
+                </a:tc>
+                <a:extLst>
+                  <a:ext uri="{0D108BD9-81ED-4DB2-BD59-A6C34878D82A}">
+                    <a16:rowId xmlns:a16="http://schemas.microsoft.com/office/drawing/2014/main" val="1188406513"/>
+                  </a:ext>
+                </a:extLst>
+              </a:tr>
+              <a:tr h="370840">
+                <a:tc>
+                  <a:txBody>
+                    <a:bodyPr/>
+                    <a:lstStyle/>
+                    <a:p>
+                      <a:pPr latinLnBrk="1"/>
+                      <a:endParaRPr lang="ko-KR" altLang="en-US"/>
+                    </a:p>
+                  </a:txBody>
+                  <a:tcPr/>
+                </a:tc>
+                <a:tc>
+                  <a:txBody>
+                    <a:bodyPr/>
+                    <a:lstStyle/>
+                    <a:p>
+                      <a:pPr latinLnBrk="1"/>
+                      <a:endParaRPr lang="ko-KR" altLang="en-US" dirty="0"/>
+                    </a:p>
+                  </a:txBody>
+                  <a:tcPr/>
+                </a:tc>
+                <a:tc>
+                  <a:txBody>
+                    <a:bodyPr/>
+                    <a:lstStyle/>
+                    <a:p>
+                      <a:pPr latinLnBrk="1"/>
+                      <a:endParaRPr lang="ko-KR" altLang="en-US" dirty="0"/>
+                    </a:p>
+                  </a:txBody>
+                  <a:tcPr/>
+                </a:tc>
+                <a:extLst>
+                  <a:ext uri="{0D108BD9-81ED-4DB2-BD59-A6C34878D82A}">
+                    <a16:rowId xmlns:a16="http://schemas.microsoft.com/office/drawing/2014/main" val="2436690821"/>
+                  </a:ext>
+                </a:extLst>
+              </a:tr>
+            </a:tbl>
+          </a:graphicData>
+        </a:graphic>
+      </p:graphicFrame>
+      <p:sp>
+        <p:nvSpPr>
+          <p:cNvPr id="4" name="TextBox 3">
+            <a:extLst>
+              <a:ext uri="{FF2B5EF4-FFF2-40B4-BE49-F238E27FC236}">
+                <a16:creationId xmlns:a16="http://schemas.microsoft.com/office/drawing/2014/main" id="{B1B70071-4184-444D-AF41-ABED2AC79688}"/>
+              </a:ext>
+            </a:extLst>
+          </p:cNvPr>
+          <p:cNvSpPr txBox="1"/>
+          <p:nvPr/>
+        </p:nvSpPr>
+        <p:spPr>
+          <a:xfrm>
+            <a:off x="1606858" y="550416"/>
+            <a:ext cx="1624614" cy="369332"/>
+          </a:xfrm>
+          <a:prstGeom prst="rect">
+            <a:avLst/>
+          </a:prstGeom>
+          <a:noFill/>
+        </p:spPr>
+        <p:txBody>
+          <a:bodyPr wrap="square" rtlCol="0">
+            <a:spAutoFit/>
+          </a:bodyPr>
+          <a:lstStyle/>
+          <a:p>
+            <a:r>
+              <a:rPr lang="ko-KR" altLang="en-US" dirty="0"/>
+              <a:t>동아리</a:t>
+            </a:r>
+          </a:p>
+        </p:txBody>
+      </p:sp>
+      <p:sp>
+        <p:nvSpPr>
+          <p:cNvPr id="6" name="TextBox 5">
+            <a:extLst>
+              <a:ext uri="{FF2B5EF4-FFF2-40B4-BE49-F238E27FC236}">
+                <a16:creationId xmlns:a16="http://schemas.microsoft.com/office/drawing/2014/main" id="{ED63BD5D-3D1A-49E5-B6BA-1A5E5C9A2F79}"/>
+              </a:ext>
+            </a:extLst>
+          </p:cNvPr>
+          <p:cNvSpPr txBox="1"/>
+          <p:nvPr/>
+        </p:nvSpPr>
+        <p:spPr>
+          <a:xfrm>
+            <a:off x="957802" y="3622742"/>
+            <a:ext cx="1624614" cy="369332"/>
+          </a:xfrm>
+          <a:prstGeom prst="rect">
+            <a:avLst/>
+          </a:prstGeom>
+          <a:noFill/>
+        </p:spPr>
+        <p:txBody>
+          <a:bodyPr wrap="square" rtlCol="0">
+            <a:spAutoFit/>
+          </a:bodyPr>
+          <a:lstStyle/>
+          <a:p>
+            <a:r>
+              <a:rPr lang="ko-KR" altLang="en-US" dirty="0"/>
+              <a:t>분류</a:t>
+            </a:r>
+          </a:p>
+        </p:txBody>
+      </p:sp>
+    </p:spTree>
+    <p:extLst>
+      <p:ext uri="{BB962C8B-B14F-4D97-AF65-F5344CB8AC3E}">
+        <p14:creationId xmlns:p14="http://schemas.microsoft.com/office/powerpoint/2010/main" val="2932393549"/>
       </p:ext>
     </p:extLst>
   </p:cSld>

--- a/document/db설계도.pptx
+++ b/document/db설계도.pptx
@@ -140,10 +140,25 @@
   <pc:docChgLst>
     <pc:chgData name="이 현정" userId="2260549c9764b7a4" providerId="LiveId" clId="{652D61CD-E158-4F57-961D-FF7C974FCABE}"/>
     <pc:docChg chg="undo custSel addSld delSld modSld delSection modSection">
-      <pc:chgData name="이 현정" userId="2260549c9764b7a4" providerId="LiveId" clId="{652D61CD-E158-4F57-961D-FF7C974FCABE}" dt="2021-01-25T12:14:31.733" v="191"/>
+      <pc:chgData name="이 현정" userId="2260549c9764b7a4" providerId="LiveId" clId="{652D61CD-E158-4F57-961D-FF7C974FCABE}" dt="2021-01-26T11:49:46.770" v="217" actId="20577"/>
       <pc:docMkLst>
         <pc:docMk/>
       </pc:docMkLst>
+      <pc:sldChg chg="modSp mod">
+        <pc:chgData name="이 현정" userId="2260549c9764b7a4" providerId="LiveId" clId="{652D61CD-E158-4F57-961D-FF7C974FCABE}" dt="2021-01-26T11:49:46.770" v="217" actId="20577"/>
+        <pc:sldMkLst>
+          <pc:docMk/>
+          <pc:sldMk cId="1660689953" sldId="257"/>
+        </pc:sldMkLst>
+        <pc:graphicFrameChg chg="modGraphic">
+          <ac:chgData name="이 현정" userId="2260549c9764b7a4" providerId="LiveId" clId="{652D61CD-E158-4F57-961D-FF7C974FCABE}" dt="2021-01-26T11:49:46.770" v="217" actId="20577"/>
+          <ac:graphicFrameMkLst>
+            <pc:docMk/>
+            <pc:sldMk cId="1660689953" sldId="257"/>
+            <ac:graphicFrameMk id="2" creationId="{1B2855A4-26FD-4F27-A29A-2BFD263FAD9F}"/>
+          </ac:graphicFrameMkLst>
+        </pc:graphicFrameChg>
+      </pc:sldChg>
       <pc:sldChg chg="addSp delSp modSp add mod">
         <pc:chgData name="이 현정" userId="2260549c9764b7a4" providerId="LiveId" clId="{652D61CD-E158-4F57-961D-FF7C974FCABE}" dt="2021-01-25T11:57:45.970" v="155" actId="2166"/>
         <pc:sldMkLst>
@@ -373,7 +388,7 @@
           <a:p>
             <a:fld id="{8814E35C-E4D8-4661-AA90-51A9BCC45C6B}" type="datetimeFigureOut">
               <a:rPr lang="ko-KR" altLang="en-US" smtClean="0"/>
-              <a:t>2021-01-25</a:t>
+              <a:t>2021-01-26</a:t>
             </a:fld>
             <a:endParaRPr lang="ko-KR" altLang="en-US"/>
           </a:p>
@@ -571,7 +586,7 @@
           <a:p>
             <a:fld id="{8814E35C-E4D8-4661-AA90-51A9BCC45C6B}" type="datetimeFigureOut">
               <a:rPr lang="ko-KR" altLang="en-US" smtClean="0"/>
-              <a:t>2021-01-25</a:t>
+              <a:t>2021-01-26</a:t>
             </a:fld>
             <a:endParaRPr lang="ko-KR" altLang="en-US"/>
           </a:p>
@@ -779,7 +794,7 @@
           <a:p>
             <a:fld id="{8814E35C-E4D8-4661-AA90-51A9BCC45C6B}" type="datetimeFigureOut">
               <a:rPr lang="ko-KR" altLang="en-US" smtClean="0"/>
-              <a:t>2021-01-25</a:t>
+              <a:t>2021-01-26</a:t>
             </a:fld>
             <a:endParaRPr lang="ko-KR" altLang="en-US"/>
           </a:p>
@@ -977,7 +992,7 @@
           <a:p>
             <a:fld id="{8814E35C-E4D8-4661-AA90-51A9BCC45C6B}" type="datetimeFigureOut">
               <a:rPr lang="ko-KR" altLang="en-US" smtClean="0"/>
-              <a:t>2021-01-25</a:t>
+              <a:t>2021-01-26</a:t>
             </a:fld>
             <a:endParaRPr lang="ko-KR" altLang="en-US"/>
           </a:p>
@@ -1252,7 +1267,7 @@
           <a:p>
             <a:fld id="{8814E35C-E4D8-4661-AA90-51A9BCC45C6B}" type="datetimeFigureOut">
               <a:rPr lang="ko-KR" altLang="en-US" smtClean="0"/>
-              <a:t>2021-01-25</a:t>
+              <a:t>2021-01-26</a:t>
             </a:fld>
             <a:endParaRPr lang="ko-KR" altLang="en-US"/>
           </a:p>
@@ -1517,7 +1532,7 @@
           <a:p>
             <a:fld id="{8814E35C-E4D8-4661-AA90-51A9BCC45C6B}" type="datetimeFigureOut">
               <a:rPr lang="ko-KR" altLang="en-US" smtClean="0"/>
-              <a:t>2021-01-25</a:t>
+              <a:t>2021-01-26</a:t>
             </a:fld>
             <a:endParaRPr lang="ko-KR" altLang="en-US"/>
           </a:p>
@@ -1929,7 +1944,7 @@
           <a:p>
             <a:fld id="{8814E35C-E4D8-4661-AA90-51A9BCC45C6B}" type="datetimeFigureOut">
               <a:rPr lang="ko-KR" altLang="en-US" smtClean="0"/>
-              <a:t>2021-01-25</a:t>
+              <a:t>2021-01-26</a:t>
             </a:fld>
             <a:endParaRPr lang="ko-KR" altLang="en-US"/>
           </a:p>
@@ -2070,7 +2085,7 @@
           <a:p>
             <a:fld id="{8814E35C-E4D8-4661-AA90-51A9BCC45C6B}" type="datetimeFigureOut">
               <a:rPr lang="ko-KR" altLang="en-US" smtClean="0"/>
-              <a:t>2021-01-25</a:t>
+              <a:t>2021-01-26</a:t>
             </a:fld>
             <a:endParaRPr lang="ko-KR" altLang="en-US"/>
           </a:p>
@@ -2183,7 +2198,7 @@
           <a:p>
             <a:fld id="{8814E35C-E4D8-4661-AA90-51A9BCC45C6B}" type="datetimeFigureOut">
               <a:rPr lang="ko-KR" altLang="en-US" smtClean="0"/>
-              <a:t>2021-01-25</a:t>
+              <a:t>2021-01-26</a:t>
             </a:fld>
             <a:endParaRPr lang="ko-KR" altLang="en-US"/>
           </a:p>
@@ -2494,7 +2509,7 @@
           <a:p>
             <a:fld id="{8814E35C-E4D8-4661-AA90-51A9BCC45C6B}" type="datetimeFigureOut">
               <a:rPr lang="ko-KR" altLang="en-US" smtClean="0"/>
-              <a:t>2021-01-25</a:t>
+              <a:t>2021-01-26</a:t>
             </a:fld>
             <a:endParaRPr lang="ko-KR" altLang="en-US"/>
           </a:p>
@@ -2782,7 +2797,7 @@
           <a:p>
             <a:fld id="{8814E35C-E4D8-4661-AA90-51A9BCC45C6B}" type="datetimeFigureOut">
               <a:rPr lang="ko-KR" altLang="en-US" smtClean="0"/>
-              <a:t>2021-01-25</a:t>
+              <a:t>2021-01-26</a:t>
             </a:fld>
             <a:endParaRPr lang="ko-KR" altLang="en-US"/>
           </a:p>
@@ -3023,7 +3038,7 @@
           <a:p>
             <a:fld id="{8814E35C-E4D8-4661-AA90-51A9BCC45C6B}" type="datetimeFigureOut">
               <a:rPr lang="ko-KR" altLang="en-US" smtClean="0"/>
-              <a:t>2021-01-25</a:t>
+              <a:t>2021-01-26</a:t>
             </a:fld>
             <a:endParaRPr lang="ko-KR" altLang="en-US"/>
           </a:p>
@@ -4583,7 +4598,7 @@
           <p:nvPr>
             <p:extLst>
               <p:ext uri="{D42A27DB-BD31-4B8C-83A1-F6EECF244321}">
-                <p14:modId xmlns:p14="http://schemas.microsoft.com/office/powerpoint/2010/main" val="1022819332"/>
+                <p14:modId xmlns:p14="http://schemas.microsoft.com/office/powerpoint/2010/main" val="3226903586"/>
               </p:ext>
             </p:extLst>
           </p:nvPr>
@@ -4852,6 +4867,10 @@
                     <a:lstStyle/>
                     <a:p>
                       <a:pPr latinLnBrk="1"/>
+                      <a:r>
+                        <a:rPr lang="en-US" altLang="ko-KR"/>
+                        <a:t>false</a:t>
+                      </a:r>
                       <a:endParaRPr lang="ko-KR" altLang="en-US"/>
                     </a:p>
                   </a:txBody>

--- a/document/db설계도.pptx
+++ b/document/db설계도.pptx
@@ -5,10 +5,10 @@
     <p:sldMasterId id="2147483648" r:id="rId1"/>
   </p:sldMasterIdLst>
   <p:sldIdLst>
-    <p:sldId id="256" r:id="rId2"/>
-    <p:sldId id="259" r:id="rId3"/>
-    <p:sldId id="257" r:id="rId4"/>
-    <p:sldId id="258" r:id="rId5"/>
+    <p:sldId id="260" r:id="rId2"/>
+    <p:sldId id="261" r:id="rId3"/>
+    <p:sldId id="262" r:id="rId4"/>
+    <p:sldId id="263" r:id="rId5"/>
   </p:sldIdLst>
   <p:sldSz cx="12192000" cy="6858000"/>
   <p:notesSz cx="6858000" cy="9144000"/>
@@ -108,26 +108,6 @@
     </a:lvl9pPr>
   </p:defaultTextStyle>
   <p:extLst>
-    <p:ext uri="{521415D9-36F7-43E2-AB2F-B90AF26B5E84}">
-      <p14:sectionLst xmlns:p14="http://schemas.microsoft.com/office/powerpoint/2010/main">
-        <p14:section name="자료실" id="{89722844-841D-4BC8-B460-DFADAEAC7ADB}">
-          <p14:sldIdLst>
-            <p14:sldId id="256"/>
-            <p14:sldId id="259"/>
-          </p14:sldIdLst>
-        </p14:section>
-        <p14:section name="회원" id="{B04884BC-A2F8-4AC8-89F7-174E2CFAAB10}">
-          <p14:sldIdLst>
-            <p14:sldId id="257"/>
-          </p14:sldIdLst>
-        </p14:section>
-        <p14:section name="동아리" id="{92AFA08A-39E3-4C8F-9460-9AB7D908D2C0}">
-          <p14:sldIdLst>
-            <p14:sldId id="258"/>
-          </p14:sldIdLst>
-        </p14:section>
-      </p14:sectionLst>
-    </p:ext>
     <p:ext uri="{EFAFB233-063F-42B5-8137-9DF3F51BA10A}">
       <p15:sldGuideLst xmlns:p15="http://schemas.microsoft.com/office/powerpoint/2012/main"/>
     </p:ext>
@@ -388,7 +368,7 @@
           <a:p>
             <a:fld id="{8814E35C-E4D8-4661-AA90-51A9BCC45C6B}" type="datetimeFigureOut">
               <a:rPr lang="ko-KR" altLang="en-US" smtClean="0"/>
-              <a:t>2021-01-26</a:t>
+              <a:t>2021-01-28</a:t>
             </a:fld>
             <a:endParaRPr lang="ko-KR" altLang="en-US"/>
           </a:p>
@@ -586,7 +566,7 @@
           <a:p>
             <a:fld id="{8814E35C-E4D8-4661-AA90-51A9BCC45C6B}" type="datetimeFigureOut">
               <a:rPr lang="ko-KR" altLang="en-US" smtClean="0"/>
-              <a:t>2021-01-26</a:t>
+              <a:t>2021-01-28</a:t>
             </a:fld>
             <a:endParaRPr lang="ko-KR" altLang="en-US"/>
           </a:p>
@@ -794,7 +774,7 @@
           <a:p>
             <a:fld id="{8814E35C-E4D8-4661-AA90-51A9BCC45C6B}" type="datetimeFigureOut">
               <a:rPr lang="ko-KR" altLang="en-US" smtClean="0"/>
-              <a:t>2021-01-26</a:t>
+              <a:t>2021-01-28</a:t>
             </a:fld>
             <a:endParaRPr lang="ko-KR" altLang="en-US"/>
           </a:p>
@@ -992,7 +972,7 @@
           <a:p>
             <a:fld id="{8814E35C-E4D8-4661-AA90-51A9BCC45C6B}" type="datetimeFigureOut">
               <a:rPr lang="ko-KR" altLang="en-US" smtClean="0"/>
-              <a:t>2021-01-26</a:t>
+              <a:t>2021-01-28</a:t>
             </a:fld>
             <a:endParaRPr lang="ko-KR" altLang="en-US"/>
           </a:p>
@@ -1267,7 +1247,7 @@
           <a:p>
             <a:fld id="{8814E35C-E4D8-4661-AA90-51A9BCC45C6B}" type="datetimeFigureOut">
               <a:rPr lang="ko-KR" altLang="en-US" smtClean="0"/>
-              <a:t>2021-01-26</a:t>
+              <a:t>2021-01-28</a:t>
             </a:fld>
             <a:endParaRPr lang="ko-KR" altLang="en-US"/>
           </a:p>
@@ -1532,7 +1512,7 @@
           <a:p>
             <a:fld id="{8814E35C-E4D8-4661-AA90-51A9BCC45C6B}" type="datetimeFigureOut">
               <a:rPr lang="ko-KR" altLang="en-US" smtClean="0"/>
-              <a:t>2021-01-26</a:t>
+              <a:t>2021-01-28</a:t>
             </a:fld>
             <a:endParaRPr lang="ko-KR" altLang="en-US"/>
           </a:p>
@@ -1944,7 +1924,7 @@
           <a:p>
             <a:fld id="{8814E35C-E4D8-4661-AA90-51A9BCC45C6B}" type="datetimeFigureOut">
               <a:rPr lang="ko-KR" altLang="en-US" smtClean="0"/>
-              <a:t>2021-01-26</a:t>
+              <a:t>2021-01-28</a:t>
             </a:fld>
             <a:endParaRPr lang="ko-KR" altLang="en-US"/>
           </a:p>
@@ -2085,7 +2065,7 @@
           <a:p>
             <a:fld id="{8814E35C-E4D8-4661-AA90-51A9BCC45C6B}" type="datetimeFigureOut">
               <a:rPr lang="ko-KR" altLang="en-US" smtClean="0"/>
-              <a:t>2021-01-26</a:t>
+              <a:t>2021-01-28</a:t>
             </a:fld>
             <a:endParaRPr lang="ko-KR" altLang="en-US"/>
           </a:p>
@@ -2198,7 +2178,7 @@
           <a:p>
             <a:fld id="{8814E35C-E4D8-4661-AA90-51A9BCC45C6B}" type="datetimeFigureOut">
               <a:rPr lang="ko-KR" altLang="en-US" smtClean="0"/>
-              <a:t>2021-01-26</a:t>
+              <a:t>2021-01-28</a:t>
             </a:fld>
             <a:endParaRPr lang="ko-KR" altLang="en-US"/>
           </a:p>
@@ -2509,7 +2489,7 @@
           <a:p>
             <a:fld id="{8814E35C-E4D8-4661-AA90-51A9BCC45C6B}" type="datetimeFigureOut">
               <a:rPr lang="ko-KR" altLang="en-US" smtClean="0"/>
-              <a:t>2021-01-26</a:t>
+              <a:t>2021-01-28</a:t>
             </a:fld>
             <a:endParaRPr lang="ko-KR" altLang="en-US"/>
           </a:p>
@@ -2797,7 +2777,7 @@
           <a:p>
             <a:fld id="{8814E35C-E4D8-4661-AA90-51A9BCC45C6B}" type="datetimeFigureOut">
               <a:rPr lang="ko-KR" altLang="en-US" smtClean="0"/>
-              <a:t>2021-01-26</a:t>
+              <a:t>2021-01-28</a:t>
             </a:fld>
             <a:endParaRPr lang="ko-KR" altLang="en-US"/>
           </a:p>
@@ -3038,7 +3018,7 @@
           <a:p>
             <a:fld id="{8814E35C-E4D8-4661-AA90-51A9BCC45C6B}" type="datetimeFigureOut">
               <a:rPr lang="ko-KR" altLang="en-US" smtClean="0"/>
-              <a:t>2021-01-26</a:t>
+              <a:t>2021-01-28</a:t>
             </a:fld>
             <a:endParaRPr lang="ko-KR" altLang="en-US"/>
           </a:p>
@@ -3455,550 +3435,1865 @@
           <a:chExt cx="0" cy="0"/>
         </a:xfrm>
       </p:grpSpPr>
-      <p:graphicFrame>
-        <p:nvGraphicFramePr>
-          <p:cNvPr id="5" name="표 2">
-            <a:extLst>
-              <a:ext uri="{FF2B5EF4-FFF2-40B4-BE49-F238E27FC236}">
-                <a16:creationId xmlns:a16="http://schemas.microsoft.com/office/drawing/2014/main" id="{AAE51F3D-8BFF-4A94-A34F-21AA03B4F304}"/>
-              </a:ext>
-            </a:extLst>
-          </p:cNvPr>
-          <p:cNvGraphicFramePr>
-            <a:graphicFrameLocks noGrp="1"/>
-          </p:cNvGraphicFramePr>
-          <p:nvPr>
-            <p:extLst>
-              <p:ext uri="{D42A27DB-BD31-4B8C-83A1-F6EECF244321}">
-                <p14:modId xmlns:p14="http://schemas.microsoft.com/office/powerpoint/2010/main" val="1801432766"/>
-              </p:ext>
-            </p:extLst>
-          </p:nvPr>
-        </p:nvGraphicFramePr>
-        <p:xfrm>
-          <a:off x="2031999" y="1734727"/>
-          <a:ext cx="8127999" cy="1107440"/>
-        </p:xfrm>
-        <a:graphic>
-          <a:graphicData uri="http://schemas.openxmlformats.org/drawingml/2006/table">
-            <a:tbl>
-              <a:tblPr firstRow="1" bandRow="1">
-                <a:tableStyleId>{5C22544A-7EE6-4342-B048-85BDC9FD1C3A}</a:tableStyleId>
-              </a:tblPr>
-              <a:tblGrid>
-                <a:gridCol w="2709333">
-                  <a:extLst>
-                    <a:ext uri="{9D8B030D-6E8A-4147-A177-3AD203B41FA5}">
-                      <a16:colId xmlns:a16="http://schemas.microsoft.com/office/drawing/2014/main" val="2486471654"/>
-                    </a:ext>
-                  </a:extLst>
-                </a:gridCol>
-                <a:gridCol w="2709333">
-                  <a:extLst>
-                    <a:ext uri="{9D8B030D-6E8A-4147-A177-3AD203B41FA5}">
-                      <a16:colId xmlns:a16="http://schemas.microsoft.com/office/drawing/2014/main" val="2572024130"/>
-                    </a:ext>
-                  </a:extLst>
-                </a:gridCol>
-                <a:gridCol w="2709333">
-                  <a:extLst>
-                    <a:ext uri="{9D8B030D-6E8A-4147-A177-3AD203B41FA5}">
-                      <a16:colId xmlns:a16="http://schemas.microsoft.com/office/drawing/2014/main" val="1992522389"/>
-                    </a:ext>
-                  </a:extLst>
-                </a:gridCol>
-              </a:tblGrid>
-              <a:tr h="0">
-                <a:tc>
-                  <a:txBody>
-                    <a:bodyPr/>
-                    <a:lstStyle/>
-                    <a:p>
-                      <a:pPr latinLnBrk="1"/>
-                      <a:r>
-                        <a:rPr lang="en-US" altLang="ko-KR" dirty="0"/>
-                        <a:t>PK – </a:t>
-                      </a:r>
-                      <a:r>
-                        <a:rPr lang="en-US" altLang="ko-KR" dirty="0" err="1"/>
-                        <a:t>auto_increment</a:t>
-                      </a:r>
-                      <a:endParaRPr lang="ko-KR" altLang="en-US" dirty="0"/>
-                    </a:p>
-                  </a:txBody>
-                  <a:tcPr/>
-                </a:tc>
-                <a:tc>
-                  <a:txBody>
-                    <a:bodyPr/>
-                    <a:lstStyle/>
-                    <a:p>
-                      <a:pPr latinLnBrk="1"/>
-                      <a:r>
-                        <a:rPr lang="ko-KR" altLang="en-US" dirty="0"/>
-                        <a:t>대분류</a:t>
-                      </a:r>
-                      <a:r>
-                        <a:rPr lang="en-US" altLang="ko-KR" dirty="0"/>
-                        <a:t>_</a:t>
-                      </a:r>
-                      <a:r>
-                        <a:rPr lang="ko-KR" altLang="en-US" dirty="0"/>
-                        <a:t>이름</a:t>
-                      </a:r>
-                    </a:p>
-                  </a:txBody>
-                  <a:tcPr/>
-                </a:tc>
-                <a:tc>
-                  <a:txBody>
-                    <a:bodyPr/>
-                    <a:lstStyle/>
-                    <a:p>
-                      <a:pPr latinLnBrk="1"/>
-                      <a:r>
-                        <a:rPr lang="ko-KR" altLang="en-US" dirty="0"/>
-                        <a:t>동아리</a:t>
-                      </a:r>
-                      <a:r>
-                        <a:rPr lang="en-US" altLang="ko-KR" dirty="0"/>
-                        <a:t> PK – FK</a:t>
-                      </a:r>
-                      <a:endParaRPr lang="ko-KR" altLang="en-US" dirty="0"/>
-                    </a:p>
-                  </a:txBody>
-                  <a:tcPr/>
-                </a:tc>
-                <a:extLst>
-                  <a:ext uri="{0D108BD9-81ED-4DB2-BD59-A6C34878D82A}">
-                    <a16:rowId xmlns:a16="http://schemas.microsoft.com/office/drawing/2014/main" val="3656576093"/>
-                  </a:ext>
-                </a:extLst>
-              </a:tr>
-              <a:tr h="370840">
-                <a:tc>
-                  <a:txBody>
-                    <a:bodyPr/>
-                    <a:lstStyle/>
-                    <a:p>
-                      <a:pPr latinLnBrk="1"/>
-                      <a:endParaRPr lang="ko-KR" altLang="en-US" dirty="0"/>
-                    </a:p>
-                  </a:txBody>
-                  <a:tcPr/>
-                </a:tc>
-                <a:tc>
-                  <a:txBody>
-                    <a:bodyPr/>
-                    <a:lstStyle/>
-                    <a:p>
-                      <a:pPr latinLnBrk="1"/>
-                      <a:endParaRPr lang="ko-KR" altLang="en-US" dirty="0"/>
-                    </a:p>
-                  </a:txBody>
-                  <a:tcPr/>
-                </a:tc>
-                <a:tc>
-                  <a:txBody>
-                    <a:bodyPr/>
-                    <a:lstStyle/>
-                    <a:p>
-                      <a:pPr latinLnBrk="1"/>
-                      <a:endParaRPr lang="ko-KR" altLang="en-US" dirty="0"/>
-                    </a:p>
-                  </a:txBody>
-                  <a:tcPr/>
-                </a:tc>
-                <a:extLst>
-                  <a:ext uri="{0D108BD9-81ED-4DB2-BD59-A6C34878D82A}">
-                    <a16:rowId xmlns:a16="http://schemas.microsoft.com/office/drawing/2014/main" val="2759135197"/>
-                  </a:ext>
-                </a:extLst>
-              </a:tr>
-              <a:tr h="370840">
-                <a:tc>
-                  <a:txBody>
-                    <a:bodyPr/>
-                    <a:lstStyle/>
-                    <a:p>
-                      <a:pPr latinLnBrk="1"/>
-                      <a:endParaRPr lang="ko-KR" altLang="en-US"/>
-                    </a:p>
-                  </a:txBody>
-                  <a:tcPr/>
-                </a:tc>
-                <a:tc>
-                  <a:txBody>
-                    <a:bodyPr/>
-                    <a:lstStyle/>
-                    <a:p>
-                      <a:pPr latinLnBrk="1"/>
-                      <a:endParaRPr lang="ko-KR" altLang="en-US" dirty="0"/>
-                    </a:p>
-                  </a:txBody>
-                  <a:tcPr/>
-                </a:tc>
-                <a:tc>
-                  <a:txBody>
-                    <a:bodyPr/>
-                    <a:lstStyle/>
-                    <a:p>
-                      <a:pPr latinLnBrk="1"/>
-                      <a:endParaRPr lang="ko-KR" altLang="en-US" dirty="0"/>
-                    </a:p>
-                  </a:txBody>
-                  <a:tcPr/>
-                </a:tc>
-                <a:extLst>
-                  <a:ext uri="{0D108BD9-81ED-4DB2-BD59-A6C34878D82A}">
-                    <a16:rowId xmlns:a16="http://schemas.microsoft.com/office/drawing/2014/main" val="511528374"/>
-                  </a:ext>
-                </a:extLst>
-              </a:tr>
-            </a:tbl>
-          </a:graphicData>
-        </a:graphic>
-      </p:graphicFrame>
-      <p:graphicFrame>
-        <p:nvGraphicFramePr>
-          <p:cNvPr id="6" name="표 3">
-            <a:extLst>
-              <a:ext uri="{FF2B5EF4-FFF2-40B4-BE49-F238E27FC236}">
-                <a16:creationId xmlns:a16="http://schemas.microsoft.com/office/drawing/2014/main" id="{44269E19-2024-475E-9915-E9F8BDD97FCF}"/>
-              </a:ext>
-            </a:extLst>
-          </p:cNvPr>
-          <p:cNvGraphicFramePr>
-            <a:graphicFrameLocks noGrp="1"/>
-          </p:cNvGraphicFramePr>
-          <p:nvPr>
-            <p:extLst>
-              <p:ext uri="{D42A27DB-BD31-4B8C-83A1-F6EECF244321}">
-                <p14:modId xmlns:p14="http://schemas.microsoft.com/office/powerpoint/2010/main" val="2307849699"/>
-              </p:ext>
-            </p:extLst>
-          </p:nvPr>
-        </p:nvGraphicFramePr>
-        <p:xfrm>
-          <a:off x="2032000" y="3615266"/>
-          <a:ext cx="8127999" cy="1483360"/>
-        </p:xfrm>
-        <a:graphic>
-          <a:graphicData uri="http://schemas.openxmlformats.org/drawingml/2006/table">
-            <a:tbl>
-              <a:tblPr firstRow="1" bandRow="1">
-                <a:tableStyleId>{5C22544A-7EE6-4342-B048-85BDC9FD1C3A}</a:tableStyleId>
-              </a:tblPr>
-              <a:tblGrid>
-                <a:gridCol w="2709333">
-                  <a:extLst>
-                    <a:ext uri="{9D8B030D-6E8A-4147-A177-3AD203B41FA5}">
-                      <a16:colId xmlns:a16="http://schemas.microsoft.com/office/drawing/2014/main" val="4252082458"/>
-                    </a:ext>
-                  </a:extLst>
-                </a:gridCol>
-                <a:gridCol w="2709333">
-                  <a:extLst>
-                    <a:ext uri="{9D8B030D-6E8A-4147-A177-3AD203B41FA5}">
-                      <a16:colId xmlns:a16="http://schemas.microsoft.com/office/drawing/2014/main" val="2890333719"/>
-                    </a:ext>
-                  </a:extLst>
-                </a:gridCol>
-                <a:gridCol w="2709333">
-                  <a:extLst>
-                    <a:ext uri="{9D8B030D-6E8A-4147-A177-3AD203B41FA5}">
-                      <a16:colId xmlns:a16="http://schemas.microsoft.com/office/drawing/2014/main" val="4122790503"/>
-                    </a:ext>
-                  </a:extLst>
-                </a:gridCol>
-              </a:tblGrid>
-              <a:tr h="370840">
-                <a:tc>
-                  <a:txBody>
-                    <a:bodyPr/>
-                    <a:lstStyle/>
-                    <a:p>
-                      <a:pPr latinLnBrk="1"/>
-                      <a:r>
-                        <a:rPr lang="en-US" altLang="ko-KR" dirty="0"/>
-                        <a:t>PK</a:t>
-                      </a:r>
-                      <a:r>
-                        <a:rPr lang="ko-KR" altLang="en-US" dirty="0"/>
-                        <a:t> </a:t>
-                      </a:r>
-                      <a:r>
-                        <a:rPr lang="en-US" altLang="ko-KR" dirty="0"/>
-                        <a:t>–</a:t>
-                      </a:r>
-                      <a:r>
-                        <a:rPr lang="ko-KR" altLang="en-US" dirty="0"/>
-                        <a:t> </a:t>
-                      </a:r>
-                      <a:r>
-                        <a:rPr lang="en-US" altLang="ko-KR" dirty="0" err="1"/>
-                        <a:t>auto_increment</a:t>
-                      </a:r>
-                      <a:endParaRPr lang="ko-KR" altLang="en-US" dirty="0"/>
-                    </a:p>
-                  </a:txBody>
-                  <a:tcPr/>
-                </a:tc>
-                <a:tc>
-                  <a:txBody>
-                    <a:bodyPr/>
-                    <a:lstStyle/>
-                    <a:p>
-                      <a:pPr latinLnBrk="1"/>
-                      <a:r>
-                        <a:rPr lang="ko-KR" altLang="en-US" dirty="0"/>
-                        <a:t>소분류</a:t>
-                      </a:r>
-                      <a:r>
-                        <a:rPr lang="en-US" altLang="ko-KR" dirty="0"/>
-                        <a:t>_</a:t>
-                      </a:r>
-                      <a:r>
-                        <a:rPr lang="ko-KR" altLang="en-US" dirty="0"/>
-                        <a:t>이름</a:t>
-                      </a:r>
-                    </a:p>
-                  </a:txBody>
-                  <a:tcPr/>
-                </a:tc>
-                <a:tc>
-                  <a:txBody>
-                    <a:bodyPr/>
-                    <a:lstStyle/>
-                    <a:p>
-                      <a:pPr latinLnBrk="1"/>
-                      <a:r>
-                        <a:rPr lang="ko-KR" altLang="en-US" dirty="0"/>
-                        <a:t>대분류 </a:t>
-                      </a:r>
-                      <a:r>
-                        <a:rPr lang="en-US" altLang="ko-KR" dirty="0"/>
-                        <a:t>PK - FK</a:t>
-                      </a:r>
-                      <a:endParaRPr lang="ko-KR" altLang="en-US" dirty="0"/>
-                    </a:p>
-                  </a:txBody>
-                  <a:tcPr/>
-                </a:tc>
-                <a:extLst>
-                  <a:ext uri="{0D108BD9-81ED-4DB2-BD59-A6C34878D82A}">
-                    <a16:rowId xmlns:a16="http://schemas.microsoft.com/office/drawing/2014/main" val="996086435"/>
-                  </a:ext>
-                </a:extLst>
-              </a:tr>
-              <a:tr h="370840">
-                <a:tc>
-                  <a:txBody>
-                    <a:bodyPr/>
-                    <a:lstStyle/>
-                    <a:p>
-                      <a:pPr latinLnBrk="1"/>
-                      <a:endParaRPr lang="ko-KR" altLang="en-US"/>
-                    </a:p>
-                  </a:txBody>
-                  <a:tcPr/>
-                </a:tc>
-                <a:tc>
-                  <a:txBody>
-                    <a:bodyPr/>
-                    <a:lstStyle/>
-                    <a:p>
-                      <a:pPr latinLnBrk="1"/>
-                      <a:endParaRPr lang="ko-KR" altLang="en-US" dirty="0"/>
-                    </a:p>
-                  </a:txBody>
-                  <a:tcPr/>
-                </a:tc>
-                <a:tc>
-                  <a:txBody>
-                    <a:bodyPr/>
-                    <a:lstStyle/>
-                    <a:p>
-                      <a:pPr latinLnBrk="1"/>
-                      <a:endParaRPr lang="ko-KR" altLang="en-US" dirty="0"/>
-                    </a:p>
-                  </a:txBody>
-                  <a:tcPr/>
-                </a:tc>
-                <a:extLst>
-                  <a:ext uri="{0D108BD9-81ED-4DB2-BD59-A6C34878D82A}">
-                    <a16:rowId xmlns:a16="http://schemas.microsoft.com/office/drawing/2014/main" val="3771572006"/>
-                  </a:ext>
-                </a:extLst>
-              </a:tr>
-              <a:tr h="370840">
-                <a:tc>
-                  <a:txBody>
-                    <a:bodyPr/>
-                    <a:lstStyle/>
-                    <a:p>
-                      <a:pPr latinLnBrk="1"/>
-                      <a:endParaRPr lang="ko-KR" altLang="en-US"/>
-                    </a:p>
-                  </a:txBody>
-                  <a:tcPr/>
-                </a:tc>
-                <a:tc>
-                  <a:txBody>
-                    <a:bodyPr/>
-                    <a:lstStyle/>
-                    <a:p>
-                      <a:pPr latinLnBrk="1"/>
-                      <a:endParaRPr lang="ko-KR" altLang="en-US" dirty="0"/>
-                    </a:p>
-                  </a:txBody>
-                  <a:tcPr/>
-                </a:tc>
-                <a:tc>
-                  <a:txBody>
-                    <a:bodyPr/>
-                    <a:lstStyle/>
-                    <a:p>
-                      <a:pPr latinLnBrk="1"/>
-                      <a:endParaRPr lang="ko-KR" altLang="en-US" dirty="0"/>
-                    </a:p>
-                  </a:txBody>
-                  <a:tcPr/>
-                </a:tc>
-                <a:extLst>
-                  <a:ext uri="{0D108BD9-81ED-4DB2-BD59-A6C34878D82A}">
-                    <a16:rowId xmlns:a16="http://schemas.microsoft.com/office/drawing/2014/main" val="2646865550"/>
-                  </a:ext>
-                </a:extLst>
-              </a:tr>
-              <a:tr h="370840">
-                <a:tc>
-                  <a:txBody>
-                    <a:bodyPr/>
-                    <a:lstStyle/>
-                    <a:p>
-                      <a:pPr latinLnBrk="1"/>
-                      <a:endParaRPr lang="ko-KR" altLang="en-US"/>
-                    </a:p>
-                  </a:txBody>
-                  <a:tcPr/>
-                </a:tc>
-                <a:tc>
-                  <a:txBody>
-                    <a:bodyPr/>
-                    <a:lstStyle/>
-                    <a:p>
-                      <a:pPr latinLnBrk="1"/>
-                      <a:endParaRPr lang="ko-KR" altLang="en-US" dirty="0"/>
-                    </a:p>
-                  </a:txBody>
-                  <a:tcPr/>
-                </a:tc>
-                <a:tc>
-                  <a:txBody>
-                    <a:bodyPr/>
-                    <a:lstStyle/>
-                    <a:p>
-                      <a:pPr latinLnBrk="1"/>
-                      <a:endParaRPr lang="ko-KR" altLang="en-US" dirty="0"/>
-                    </a:p>
-                  </a:txBody>
-                  <a:tcPr/>
-                </a:tc>
-                <a:extLst>
-                  <a:ext uri="{0D108BD9-81ED-4DB2-BD59-A6C34878D82A}">
-                    <a16:rowId xmlns:a16="http://schemas.microsoft.com/office/drawing/2014/main" val="2042527847"/>
-                  </a:ext>
-                </a:extLst>
-              </a:tr>
-            </a:tbl>
-          </a:graphicData>
-        </a:graphic>
-      </p:graphicFrame>
-      <p:sp>
-        <p:nvSpPr>
-          <p:cNvPr id="7" name="TextBox 6">
-            <a:extLst>
-              <a:ext uri="{FF2B5EF4-FFF2-40B4-BE49-F238E27FC236}">
-                <a16:creationId xmlns:a16="http://schemas.microsoft.com/office/drawing/2014/main" id="{D711851F-20C1-4532-8BB6-07A71010E6BB}"/>
-              </a:ext>
-            </a:extLst>
-          </p:cNvPr>
-          <p:cNvSpPr txBox="1"/>
-          <p:nvPr/>
-        </p:nvSpPr>
-        <p:spPr>
-          <a:xfrm>
-            <a:off x="2133600" y="1330960"/>
-            <a:ext cx="2346960" cy="369332"/>
+      <p:cxnSp>
+        <p:nvCxnSpPr>
+          <p:cNvPr id="10" name="직선 연결선 9">
+            <a:extLst>
+              <a:ext uri="{FF2B5EF4-FFF2-40B4-BE49-F238E27FC236}">
+                <a16:creationId xmlns:a16="http://schemas.microsoft.com/office/drawing/2014/main" id="{6C13727A-1A18-4747-8AAD-F58169A3B15F}"/>
+              </a:ext>
+            </a:extLst>
+          </p:cNvPr>
+          <p:cNvCxnSpPr>
+            <a:cxnSpLocks/>
+            <a:stCxn id="5" idx="2"/>
+            <a:endCxn id="8" idx="0"/>
+          </p:cNvCxnSpPr>
+          <p:nvPr/>
+        </p:nvCxnSpPr>
+        <p:spPr>
+          <a:xfrm flipH="1">
+            <a:off x="2502633" y="941480"/>
+            <a:ext cx="6983" cy="5284343"/>
+          </a:xfrm>
+          <a:prstGeom prst="line">
+            <a:avLst/>
+          </a:prstGeom>
+        </p:spPr>
+        <p:style>
+          <a:lnRef idx="1">
+            <a:schemeClr val="accent1"/>
+          </a:lnRef>
+          <a:fillRef idx="0">
+            <a:schemeClr val="accent1"/>
+          </a:fillRef>
+          <a:effectRef idx="0">
+            <a:schemeClr val="accent1"/>
+          </a:effectRef>
+          <a:fontRef idx="minor">
+            <a:schemeClr val="tx1"/>
+          </a:fontRef>
+        </p:style>
+      </p:cxnSp>
+      <p:cxnSp>
+        <p:nvCxnSpPr>
+          <p:cNvPr id="72" name="직선 연결선 71">
+            <a:extLst>
+              <a:ext uri="{FF2B5EF4-FFF2-40B4-BE49-F238E27FC236}">
+                <a16:creationId xmlns:a16="http://schemas.microsoft.com/office/drawing/2014/main" id="{33F57592-670B-4A0F-9E9F-510B6369662F}"/>
+              </a:ext>
+            </a:extLst>
+          </p:cNvPr>
+          <p:cNvCxnSpPr>
+            <a:cxnSpLocks/>
+            <a:stCxn id="69" idx="2"/>
+            <a:endCxn id="71" idx="0"/>
+          </p:cNvCxnSpPr>
+          <p:nvPr/>
+        </p:nvCxnSpPr>
+        <p:spPr>
+          <a:xfrm>
+            <a:off x="9268644" y="938458"/>
+            <a:ext cx="31287" cy="4666083"/>
+          </a:xfrm>
+          <a:prstGeom prst="line">
+            <a:avLst/>
+          </a:prstGeom>
+        </p:spPr>
+        <p:style>
+          <a:lnRef idx="2">
+            <a:schemeClr val="accent6">
+              <a:shade val="50000"/>
+            </a:schemeClr>
+          </a:lnRef>
+          <a:fillRef idx="1">
+            <a:schemeClr val="accent6"/>
+          </a:fillRef>
+          <a:effectRef idx="0">
+            <a:schemeClr val="accent6"/>
+          </a:effectRef>
+          <a:fontRef idx="minor">
+            <a:schemeClr val="lt1"/>
+          </a:fontRef>
+        </p:style>
+      </p:cxnSp>
+      <p:cxnSp>
+        <p:nvCxnSpPr>
+          <p:cNvPr id="63" name="직선 연결선 62">
+            <a:extLst>
+              <a:ext uri="{FF2B5EF4-FFF2-40B4-BE49-F238E27FC236}">
+                <a16:creationId xmlns:a16="http://schemas.microsoft.com/office/drawing/2014/main" id="{7A520B39-E39E-42FC-B383-D020E44C4074}"/>
+              </a:ext>
+            </a:extLst>
+          </p:cNvPr>
+          <p:cNvCxnSpPr>
+            <a:cxnSpLocks/>
+            <a:stCxn id="16" idx="2"/>
+            <a:endCxn id="18" idx="0"/>
+          </p:cNvCxnSpPr>
+          <p:nvPr/>
+        </p:nvCxnSpPr>
+        <p:spPr>
+          <a:xfrm flipH="1">
+            <a:off x="676328" y="938463"/>
+            <a:ext cx="11527" cy="5477322"/>
+          </a:xfrm>
+          <a:prstGeom prst="line">
+            <a:avLst/>
+          </a:prstGeom>
+        </p:spPr>
+        <p:style>
+          <a:lnRef idx="1">
+            <a:schemeClr val="accent4"/>
+          </a:lnRef>
+          <a:fillRef idx="0">
+            <a:schemeClr val="accent4"/>
+          </a:fillRef>
+          <a:effectRef idx="0">
+            <a:schemeClr val="accent4"/>
+          </a:effectRef>
+          <a:fontRef idx="minor">
+            <a:schemeClr val="tx1"/>
+          </a:fontRef>
+        </p:style>
+      </p:cxnSp>
+      <p:sp>
+        <p:nvSpPr>
+          <p:cNvPr id="38" name="타원 37">
+            <a:extLst>
+              <a:ext uri="{FF2B5EF4-FFF2-40B4-BE49-F238E27FC236}">
+                <a16:creationId xmlns:a16="http://schemas.microsoft.com/office/drawing/2014/main" id="{89FE76D9-AB74-4214-8C72-90B067DB5604}"/>
+              </a:ext>
+            </a:extLst>
+          </p:cNvPr>
+          <p:cNvSpPr/>
+          <p:nvPr/>
+        </p:nvSpPr>
+        <p:spPr>
+          <a:xfrm>
+            <a:off x="2031778" y="1447134"/>
+            <a:ext cx="955674" cy="719325"/>
+          </a:xfrm>
+          <a:prstGeom prst="ellipse">
+            <a:avLst/>
+          </a:prstGeom>
+        </p:spPr>
+        <p:style>
+          <a:lnRef idx="2">
+            <a:schemeClr val="accent1">
+              <a:shade val="50000"/>
+            </a:schemeClr>
+          </a:lnRef>
+          <a:fillRef idx="1">
+            <a:schemeClr val="accent1"/>
+          </a:fillRef>
+          <a:effectRef idx="0">
+            <a:schemeClr val="accent1"/>
+          </a:effectRef>
+          <a:fontRef idx="minor">
+            <a:schemeClr val="lt1"/>
+          </a:fontRef>
+        </p:style>
+        <p:txBody>
+          <a:bodyPr rtlCol="0" anchor="ctr"/>
+          <a:lstStyle/>
+          <a:p>
+            <a:pPr algn="ctr"/>
+            <a:r>
+              <a:rPr lang="ko-KR" altLang="en-US" sz="1300"/>
+              <a:t>회원번호</a:t>
+            </a:r>
+            <a:endParaRPr lang="ko-KR" altLang="en-US" sz="1300" dirty="0"/>
+          </a:p>
+        </p:txBody>
+      </p:sp>
+      <p:sp>
+        <p:nvSpPr>
+          <p:cNvPr id="5" name="직사각형 4">
+            <a:extLst>
+              <a:ext uri="{FF2B5EF4-FFF2-40B4-BE49-F238E27FC236}">
+                <a16:creationId xmlns:a16="http://schemas.microsoft.com/office/drawing/2014/main" id="{FC1A03A5-93D1-40F7-B48C-B641D2B31596}"/>
+              </a:ext>
+            </a:extLst>
+          </p:cNvPr>
+          <p:cNvSpPr/>
+          <p:nvPr/>
+        </p:nvSpPr>
+        <p:spPr>
+          <a:xfrm>
+            <a:off x="2031779" y="548450"/>
+            <a:ext cx="955674" cy="393030"/>
           </a:xfrm>
           <a:prstGeom prst="rect">
             <a:avLst/>
           </a:prstGeom>
-          <a:noFill/>
-        </p:spPr>
-        <p:txBody>
-          <a:bodyPr wrap="square" rtlCol="0">
-            <a:spAutoFit/>
-          </a:bodyPr>
-          <a:lstStyle/>
-          <a:p>
-            <a:r>
-              <a:rPr lang="ko-KR" altLang="en-US" dirty="0"/>
-              <a:t>대분류 </a:t>
-            </a:r>
-            <a:r>
-              <a:rPr lang="en-US" altLang="ko-KR" dirty="0"/>
-              <a:t>table</a:t>
-            </a:r>
-            <a:endParaRPr lang="ko-KR" altLang="en-US" dirty="0"/>
-          </a:p>
-        </p:txBody>
-      </p:sp>
-      <p:sp>
-        <p:nvSpPr>
-          <p:cNvPr id="8" name="TextBox 7">
-            <a:extLst>
-              <a:ext uri="{FF2B5EF4-FFF2-40B4-BE49-F238E27FC236}">
-                <a16:creationId xmlns:a16="http://schemas.microsoft.com/office/drawing/2014/main" id="{49D1C4CF-A022-49C9-A58F-2DAA93588E27}"/>
-              </a:ext>
-            </a:extLst>
-          </p:cNvPr>
-          <p:cNvSpPr txBox="1"/>
-          <p:nvPr/>
-        </p:nvSpPr>
-        <p:spPr>
-          <a:xfrm>
-            <a:off x="2032000" y="3245934"/>
-            <a:ext cx="2346960" cy="369332"/>
+        </p:spPr>
+        <p:style>
+          <a:lnRef idx="2">
+            <a:schemeClr val="accent1">
+              <a:shade val="50000"/>
+            </a:schemeClr>
+          </a:lnRef>
+          <a:fillRef idx="1">
+            <a:schemeClr val="accent1"/>
+          </a:fillRef>
+          <a:effectRef idx="0">
+            <a:schemeClr val="accent1"/>
+          </a:effectRef>
+          <a:fontRef idx="minor">
+            <a:schemeClr val="lt1"/>
+          </a:fontRef>
+        </p:style>
+        <p:txBody>
+          <a:bodyPr rtlCol="0" anchor="ctr"/>
+          <a:lstStyle/>
+          <a:p>
+            <a:pPr algn="ctr"/>
+            <a:r>
+              <a:rPr lang="ko-KR" altLang="en-US" sz="1300"/>
+              <a:t>회원</a:t>
+            </a:r>
+          </a:p>
+        </p:txBody>
+      </p:sp>
+      <p:sp>
+        <p:nvSpPr>
+          <p:cNvPr id="7" name="타원 6">
+            <a:extLst>
+              <a:ext uri="{FF2B5EF4-FFF2-40B4-BE49-F238E27FC236}">
+                <a16:creationId xmlns:a16="http://schemas.microsoft.com/office/drawing/2014/main" id="{6AA4636E-2B10-4A59-A71D-518CB8FF6247}"/>
+              </a:ext>
+            </a:extLst>
+          </p:cNvPr>
+          <p:cNvSpPr/>
+          <p:nvPr/>
+        </p:nvSpPr>
+        <p:spPr>
+          <a:xfrm>
+            <a:off x="2146398" y="3001426"/>
+            <a:ext cx="726432" cy="412578"/>
+          </a:xfrm>
+          <a:prstGeom prst="ellipse">
+            <a:avLst/>
+          </a:prstGeom>
+        </p:spPr>
+        <p:style>
+          <a:lnRef idx="2">
+            <a:schemeClr val="accent1">
+              <a:shade val="50000"/>
+            </a:schemeClr>
+          </a:lnRef>
+          <a:fillRef idx="1">
+            <a:schemeClr val="accent1"/>
+          </a:fillRef>
+          <a:effectRef idx="0">
+            <a:schemeClr val="accent1"/>
+          </a:effectRef>
+          <a:fontRef idx="minor">
+            <a:schemeClr val="lt1"/>
+          </a:fontRef>
+        </p:style>
+        <p:txBody>
+          <a:bodyPr rtlCol="0" anchor="ctr"/>
+          <a:lstStyle/>
+          <a:p>
+            <a:pPr algn="ctr"/>
+            <a:r>
+              <a:rPr lang="ko-KR" altLang="en-US" sz="1300" dirty="0"/>
+              <a:t>학번</a:t>
+            </a:r>
+          </a:p>
+        </p:txBody>
+      </p:sp>
+      <p:sp>
+        <p:nvSpPr>
+          <p:cNvPr id="8" name="타원 7">
+            <a:extLst>
+              <a:ext uri="{FF2B5EF4-FFF2-40B4-BE49-F238E27FC236}">
+                <a16:creationId xmlns:a16="http://schemas.microsoft.com/office/drawing/2014/main" id="{2A2633DA-EE48-4484-8908-0C8E789449B9}"/>
+              </a:ext>
+            </a:extLst>
+          </p:cNvPr>
+          <p:cNvSpPr/>
+          <p:nvPr/>
+        </p:nvSpPr>
+        <p:spPr>
+          <a:xfrm>
+            <a:off x="2114475" y="6225823"/>
+            <a:ext cx="776315" cy="632177"/>
+          </a:xfrm>
+          <a:prstGeom prst="ellipse">
+            <a:avLst/>
+          </a:prstGeom>
+        </p:spPr>
+        <p:style>
+          <a:lnRef idx="2">
+            <a:schemeClr val="accent1">
+              <a:shade val="50000"/>
+            </a:schemeClr>
+          </a:lnRef>
+          <a:fillRef idx="1">
+            <a:schemeClr val="accent1"/>
+          </a:fillRef>
+          <a:effectRef idx="0">
+            <a:schemeClr val="accent1"/>
+          </a:effectRef>
+          <a:fontRef idx="minor">
+            <a:schemeClr val="lt1"/>
+          </a:fontRef>
+        </p:style>
+        <p:txBody>
+          <a:bodyPr rtlCol="0" anchor="ctr"/>
+          <a:lstStyle/>
+          <a:p>
+            <a:pPr algn="ctr"/>
+            <a:r>
+              <a:rPr lang="ko-KR" altLang="en-US" sz="1300"/>
+              <a:t>학교번호</a:t>
+            </a:r>
+            <a:endParaRPr lang="ko-KR" altLang="en-US" sz="1300" dirty="0"/>
+          </a:p>
+        </p:txBody>
+      </p:sp>
+      <p:sp>
+        <p:nvSpPr>
+          <p:cNvPr id="16" name="직사각형 15">
+            <a:extLst>
+              <a:ext uri="{FF2B5EF4-FFF2-40B4-BE49-F238E27FC236}">
+                <a16:creationId xmlns:a16="http://schemas.microsoft.com/office/drawing/2014/main" id="{F4AEE8C4-B69D-44DB-A11C-052CAEB069D8}"/>
+              </a:ext>
+            </a:extLst>
+          </p:cNvPr>
+          <p:cNvSpPr/>
+          <p:nvPr/>
+        </p:nvSpPr>
+        <p:spPr>
+          <a:xfrm>
+            <a:off x="319266" y="539712"/>
+            <a:ext cx="737177" cy="398751"/>
           </a:xfrm>
           <a:prstGeom prst="rect">
             <a:avLst/>
           </a:prstGeom>
-          <a:noFill/>
-        </p:spPr>
-        <p:txBody>
-          <a:bodyPr wrap="square" rtlCol="0">
-            <a:spAutoFit/>
-          </a:bodyPr>
-          <a:lstStyle/>
-          <a:p>
-            <a:r>
-              <a:rPr lang="ko-KR" altLang="en-US"/>
-              <a:t>소분류 </a:t>
-            </a:r>
-            <a:r>
-              <a:rPr lang="en-US" altLang="ko-KR" dirty="0"/>
-              <a:t>table</a:t>
-            </a:r>
-            <a:endParaRPr lang="ko-KR" altLang="en-US" dirty="0"/>
+        </p:spPr>
+        <p:style>
+          <a:lnRef idx="2">
+            <a:schemeClr val="accent4">
+              <a:shade val="50000"/>
+            </a:schemeClr>
+          </a:lnRef>
+          <a:fillRef idx="1">
+            <a:schemeClr val="accent4"/>
+          </a:fillRef>
+          <a:effectRef idx="0">
+            <a:schemeClr val="accent4"/>
+          </a:effectRef>
+          <a:fontRef idx="minor">
+            <a:schemeClr val="lt1"/>
+          </a:fontRef>
+        </p:style>
+        <p:txBody>
+          <a:bodyPr rtlCol="0" anchor="ctr"/>
+          <a:lstStyle/>
+          <a:p>
+            <a:pPr algn="ctr"/>
+            <a:r>
+              <a:rPr lang="ko-KR" altLang="en-US" sz="1300"/>
+              <a:t>학교</a:t>
+            </a:r>
+          </a:p>
+        </p:txBody>
+      </p:sp>
+      <p:sp>
+        <p:nvSpPr>
+          <p:cNvPr id="17" name="타원 16">
+            <a:extLst>
+              <a:ext uri="{FF2B5EF4-FFF2-40B4-BE49-F238E27FC236}">
+                <a16:creationId xmlns:a16="http://schemas.microsoft.com/office/drawing/2014/main" id="{CEFF18FF-3FF1-4778-8618-D7CEB1D6FFB2}"/>
+              </a:ext>
+            </a:extLst>
+          </p:cNvPr>
+          <p:cNvSpPr/>
+          <p:nvPr/>
+        </p:nvSpPr>
+        <p:spPr>
+          <a:xfrm>
+            <a:off x="186593" y="1860538"/>
+            <a:ext cx="1002521" cy="398752"/>
+          </a:xfrm>
+          <a:prstGeom prst="ellipse">
+            <a:avLst/>
+          </a:prstGeom>
+        </p:spPr>
+        <p:style>
+          <a:lnRef idx="2">
+            <a:schemeClr val="accent4">
+              <a:shade val="50000"/>
+            </a:schemeClr>
+          </a:lnRef>
+          <a:fillRef idx="1">
+            <a:schemeClr val="accent4"/>
+          </a:fillRef>
+          <a:effectRef idx="0">
+            <a:schemeClr val="accent4"/>
+          </a:effectRef>
+          <a:fontRef idx="minor">
+            <a:schemeClr val="lt1"/>
+          </a:fontRef>
+        </p:style>
+        <p:txBody>
+          <a:bodyPr rtlCol="0" anchor="ctr"/>
+          <a:lstStyle/>
+          <a:p>
+            <a:pPr algn="ctr"/>
+            <a:r>
+              <a:rPr lang="ko-KR" altLang="en-US" sz="1300" dirty="0"/>
+              <a:t>학교명</a:t>
+            </a:r>
+          </a:p>
+        </p:txBody>
+      </p:sp>
+      <p:sp>
+        <p:nvSpPr>
+          <p:cNvPr id="18" name="타원 17">
+            <a:extLst>
+              <a:ext uri="{FF2B5EF4-FFF2-40B4-BE49-F238E27FC236}">
+                <a16:creationId xmlns:a16="http://schemas.microsoft.com/office/drawing/2014/main" id="{C6999B34-92AA-4022-86A0-8E553DEE9C9D}"/>
+              </a:ext>
+            </a:extLst>
+          </p:cNvPr>
+          <p:cNvSpPr/>
+          <p:nvPr/>
+        </p:nvSpPr>
+        <p:spPr>
+          <a:xfrm>
+            <a:off x="296212" y="6415785"/>
+            <a:ext cx="760231" cy="442215"/>
+          </a:xfrm>
+          <a:prstGeom prst="ellipse">
+            <a:avLst/>
+          </a:prstGeom>
+        </p:spPr>
+        <p:style>
+          <a:lnRef idx="2">
+            <a:schemeClr val="accent4">
+              <a:shade val="50000"/>
+            </a:schemeClr>
+          </a:lnRef>
+          <a:fillRef idx="1">
+            <a:schemeClr val="accent4"/>
+          </a:fillRef>
+          <a:effectRef idx="0">
+            <a:schemeClr val="accent4"/>
+          </a:effectRef>
+          <a:fontRef idx="minor">
+            <a:schemeClr val="lt1"/>
+          </a:fontRef>
+        </p:style>
+        <p:txBody>
+          <a:bodyPr rtlCol="0" anchor="ctr"/>
+          <a:lstStyle/>
+          <a:p>
+            <a:pPr algn="ctr"/>
+            <a:r>
+              <a:rPr lang="ko-KR" altLang="en-US" sz="1300"/>
+              <a:t>위치</a:t>
+            </a:r>
+            <a:endParaRPr lang="ko-KR" altLang="en-US" sz="1300" dirty="0"/>
+          </a:p>
+        </p:txBody>
+      </p:sp>
+      <p:sp>
+        <p:nvSpPr>
+          <p:cNvPr id="19" name="타원 18">
+            <a:extLst>
+              <a:ext uri="{FF2B5EF4-FFF2-40B4-BE49-F238E27FC236}">
+                <a16:creationId xmlns:a16="http://schemas.microsoft.com/office/drawing/2014/main" id="{C7CE7979-5D3B-4E51-96EA-4C1B00969555}"/>
+              </a:ext>
+            </a:extLst>
+          </p:cNvPr>
+          <p:cNvSpPr/>
+          <p:nvPr/>
+        </p:nvSpPr>
+        <p:spPr>
+          <a:xfrm>
+            <a:off x="102704" y="2459513"/>
+            <a:ext cx="1210967" cy="398752"/>
+          </a:xfrm>
+          <a:prstGeom prst="ellipse">
+            <a:avLst/>
+          </a:prstGeom>
+        </p:spPr>
+        <p:style>
+          <a:lnRef idx="2">
+            <a:schemeClr val="accent4">
+              <a:shade val="50000"/>
+            </a:schemeClr>
+          </a:lnRef>
+          <a:fillRef idx="1">
+            <a:schemeClr val="accent4"/>
+          </a:fillRef>
+          <a:effectRef idx="0">
+            <a:schemeClr val="accent4"/>
+          </a:effectRef>
+          <a:fontRef idx="minor">
+            <a:schemeClr val="lt1"/>
+          </a:fontRef>
+        </p:style>
+        <p:txBody>
+          <a:bodyPr rtlCol="0" anchor="ctr"/>
+          <a:lstStyle/>
+          <a:p>
+            <a:pPr algn="ctr"/>
+            <a:r>
+              <a:rPr lang="ko-KR" altLang="en-US" sz="1300"/>
+              <a:t>전화번호</a:t>
+            </a:r>
+            <a:endParaRPr lang="ko-KR" altLang="en-US" sz="1300" dirty="0"/>
+          </a:p>
+        </p:txBody>
+      </p:sp>
+      <p:sp>
+        <p:nvSpPr>
+          <p:cNvPr id="23" name="타원 22">
+            <a:extLst>
+              <a:ext uri="{FF2B5EF4-FFF2-40B4-BE49-F238E27FC236}">
+                <a16:creationId xmlns:a16="http://schemas.microsoft.com/office/drawing/2014/main" id="{1E74BD79-A2D5-4BA0-8220-B89D5B03F645}"/>
+              </a:ext>
+            </a:extLst>
+          </p:cNvPr>
+          <p:cNvSpPr/>
+          <p:nvPr/>
+        </p:nvSpPr>
+        <p:spPr>
+          <a:xfrm>
+            <a:off x="323540" y="1118623"/>
+            <a:ext cx="737177" cy="541693"/>
+          </a:xfrm>
+          <a:prstGeom prst="ellipse">
+            <a:avLst/>
+          </a:prstGeom>
+        </p:spPr>
+        <p:style>
+          <a:lnRef idx="2">
+            <a:schemeClr val="accent4">
+              <a:shade val="50000"/>
+            </a:schemeClr>
+          </a:lnRef>
+          <a:fillRef idx="1">
+            <a:schemeClr val="accent4"/>
+          </a:fillRef>
+          <a:effectRef idx="0">
+            <a:schemeClr val="accent4"/>
+          </a:effectRef>
+          <a:fontRef idx="minor">
+            <a:schemeClr val="lt1"/>
+          </a:fontRef>
+        </p:style>
+        <p:txBody>
+          <a:bodyPr rtlCol="0" anchor="ctr"/>
+          <a:lstStyle/>
+          <a:p>
+            <a:pPr algn="ctr"/>
+            <a:r>
+              <a:rPr lang="ko-KR" altLang="en-US" sz="1300"/>
+              <a:t>학교번호</a:t>
+            </a:r>
+            <a:endParaRPr lang="ko-KR" altLang="en-US" sz="1300" dirty="0"/>
+          </a:p>
+        </p:txBody>
+      </p:sp>
+      <p:cxnSp>
+        <p:nvCxnSpPr>
+          <p:cNvPr id="27" name="직선 연결선 26">
+            <a:extLst>
+              <a:ext uri="{FF2B5EF4-FFF2-40B4-BE49-F238E27FC236}">
+                <a16:creationId xmlns:a16="http://schemas.microsoft.com/office/drawing/2014/main" id="{06B64A08-B3EF-43C2-B660-25F9C692E2AC}"/>
+              </a:ext>
+            </a:extLst>
+          </p:cNvPr>
+          <p:cNvCxnSpPr>
+            <a:cxnSpLocks/>
+            <a:stCxn id="7" idx="5"/>
+            <a:endCxn id="7" idx="5"/>
+          </p:cNvCxnSpPr>
+          <p:nvPr/>
+        </p:nvCxnSpPr>
+        <p:spPr>
+          <a:xfrm>
+            <a:off x="2766446" y="3353583"/>
+            <a:ext cx="0" cy="0"/>
+          </a:xfrm>
+          <a:prstGeom prst="line">
+            <a:avLst/>
+          </a:prstGeom>
+        </p:spPr>
+        <p:style>
+          <a:lnRef idx="1">
+            <a:schemeClr val="accent1"/>
+          </a:lnRef>
+          <a:fillRef idx="0">
+            <a:schemeClr val="accent1"/>
+          </a:fillRef>
+          <a:effectRef idx="0">
+            <a:schemeClr val="accent1"/>
+          </a:effectRef>
+          <a:fontRef idx="minor">
+            <a:schemeClr val="tx1"/>
+          </a:fontRef>
+        </p:style>
+      </p:cxnSp>
+      <p:cxnSp>
+        <p:nvCxnSpPr>
+          <p:cNvPr id="30" name="직선 연결선 29">
+            <a:extLst>
+              <a:ext uri="{FF2B5EF4-FFF2-40B4-BE49-F238E27FC236}">
+                <a16:creationId xmlns:a16="http://schemas.microsoft.com/office/drawing/2014/main" id="{86651037-9F97-495E-9481-CB0D6911542C}"/>
+              </a:ext>
+            </a:extLst>
+          </p:cNvPr>
+          <p:cNvCxnSpPr>
+            <a:cxnSpLocks/>
+          </p:cNvCxnSpPr>
+          <p:nvPr/>
+        </p:nvCxnSpPr>
+        <p:spPr>
+          <a:xfrm>
+            <a:off x="2031778" y="2094893"/>
+            <a:ext cx="1251284" cy="1"/>
+          </a:xfrm>
+          <a:prstGeom prst="line">
+            <a:avLst/>
+          </a:prstGeom>
+          <a:ln w="38100">
+            <a:solidFill>
+              <a:schemeClr val="bg1"/>
+            </a:solidFill>
+          </a:ln>
+        </p:spPr>
+        <p:style>
+          <a:lnRef idx="3">
+            <a:schemeClr val="accent2"/>
+          </a:lnRef>
+          <a:fillRef idx="0">
+            <a:schemeClr val="accent2"/>
+          </a:fillRef>
+          <a:effectRef idx="2">
+            <a:schemeClr val="accent2"/>
+          </a:effectRef>
+          <a:fontRef idx="minor">
+            <a:schemeClr val="tx1"/>
+          </a:fontRef>
+        </p:style>
+      </p:cxnSp>
+      <p:cxnSp>
+        <p:nvCxnSpPr>
+          <p:cNvPr id="35" name="직선 연결선 34">
+            <a:extLst>
+              <a:ext uri="{FF2B5EF4-FFF2-40B4-BE49-F238E27FC236}">
+                <a16:creationId xmlns:a16="http://schemas.microsoft.com/office/drawing/2014/main" id="{DF1F2031-E2B8-41B4-A5A0-00F2F2C3D156}"/>
+              </a:ext>
+            </a:extLst>
+          </p:cNvPr>
+          <p:cNvCxnSpPr>
+            <a:cxnSpLocks/>
+          </p:cNvCxnSpPr>
+          <p:nvPr/>
+        </p:nvCxnSpPr>
+        <p:spPr>
+          <a:xfrm>
+            <a:off x="118368" y="1588865"/>
+            <a:ext cx="938075" cy="0"/>
+          </a:xfrm>
+          <a:prstGeom prst="line">
+            <a:avLst/>
+          </a:prstGeom>
+          <a:ln w="38100">
+            <a:solidFill>
+              <a:schemeClr val="bg1"/>
+            </a:solidFill>
+          </a:ln>
+        </p:spPr>
+        <p:style>
+          <a:lnRef idx="3">
+            <a:schemeClr val="accent2"/>
+          </a:lnRef>
+          <a:fillRef idx="0">
+            <a:schemeClr val="accent2"/>
+          </a:fillRef>
+          <a:effectRef idx="2">
+            <a:schemeClr val="accent2"/>
+          </a:effectRef>
+          <a:fontRef idx="minor">
+            <a:schemeClr val="tx1"/>
+          </a:fontRef>
+        </p:style>
+      </p:cxnSp>
+      <p:sp>
+        <p:nvSpPr>
+          <p:cNvPr id="68" name="타원 67">
+            <a:extLst>
+              <a:ext uri="{FF2B5EF4-FFF2-40B4-BE49-F238E27FC236}">
+                <a16:creationId xmlns:a16="http://schemas.microsoft.com/office/drawing/2014/main" id="{82843AC4-202A-4293-90A3-BD89E8A03678}"/>
+              </a:ext>
+            </a:extLst>
+          </p:cNvPr>
+          <p:cNvSpPr/>
+          <p:nvPr/>
+        </p:nvSpPr>
+        <p:spPr>
+          <a:xfrm>
+            <a:off x="8714668" y="1447134"/>
+            <a:ext cx="1107949" cy="719325"/>
+          </a:xfrm>
+          <a:prstGeom prst="ellipse">
+            <a:avLst/>
+          </a:prstGeom>
+        </p:spPr>
+        <p:style>
+          <a:lnRef idx="2">
+            <a:schemeClr val="accent6">
+              <a:shade val="50000"/>
+            </a:schemeClr>
+          </a:lnRef>
+          <a:fillRef idx="1">
+            <a:schemeClr val="accent6"/>
+          </a:fillRef>
+          <a:effectRef idx="0">
+            <a:schemeClr val="accent6"/>
+          </a:effectRef>
+          <a:fontRef idx="minor">
+            <a:schemeClr val="lt1"/>
+          </a:fontRef>
+        </p:style>
+        <p:txBody>
+          <a:bodyPr rtlCol="0" anchor="ctr"/>
+          <a:lstStyle/>
+          <a:p>
+            <a:pPr algn="ctr"/>
+            <a:r>
+              <a:rPr lang="ko-KR" altLang="en-US" sz="1300"/>
+              <a:t>동아리번호</a:t>
+            </a:r>
+            <a:endParaRPr lang="ko-KR" altLang="en-US" sz="1300" dirty="0"/>
+          </a:p>
+        </p:txBody>
+      </p:sp>
+      <p:sp>
+        <p:nvSpPr>
+          <p:cNvPr id="69" name="직사각형 68">
+            <a:extLst>
+              <a:ext uri="{FF2B5EF4-FFF2-40B4-BE49-F238E27FC236}">
+                <a16:creationId xmlns:a16="http://schemas.microsoft.com/office/drawing/2014/main" id="{426DBBE8-D057-427B-A3F6-E5C3E16E9B02}"/>
+              </a:ext>
+            </a:extLst>
+          </p:cNvPr>
+          <p:cNvSpPr/>
+          <p:nvPr/>
+        </p:nvSpPr>
+        <p:spPr>
+          <a:xfrm>
+            <a:off x="8707170" y="545431"/>
+            <a:ext cx="1122947" cy="393027"/>
+          </a:xfrm>
+          <a:prstGeom prst="rect">
+            <a:avLst/>
+          </a:prstGeom>
+        </p:spPr>
+        <p:style>
+          <a:lnRef idx="2">
+            <a:schemeClr val="accent6">
+              <a:shade val="50000"/>
+            </a:schemeClr>
+          </a:lnRef>
+          <a:fillRef idx="1">
+            <a:schemeClr val="accent6"/>
+          </a:fillRef>
+          <a:effectRef idx="0">
+            <a:schemeClr val="accent6"/>
+          </a:effectRef>
+          <a:fontRef idx="minor">
+            <a:schemeClr val="lt1"/>
+          </a:fontRef>
+        </p:style>
+        <p:txBody>
+          <a:bodyPr rtlCol="0" anchor="ctr"/>
+          <a:lstStyle/>
+          <a:p>
+            <a:pPr algn="ctr"/>
+            <a:r>
+              <a:rPr lang="ko-KR" altLang="en-US" sz="1300" dirty="0"/>
+              <a:t>동아리</a:t>
+            </a:r>
+          </a:p>
+        </p:txBody>
+      </p:sp>
+      <p:sp>
+        <p:nvSpPr>
+          <p:cNvPr id="70" name="타원 69">
+            <a:extLst>
+              <a:ext uri="{FF2B5EF4-FFF2-40B4-BE49-F238E27FC236}">
+                <a16:creationId xmlns:a16="http://schemas.microsoft.com/office/drawing/2014/main" id="{08E1126C-918A-49E9-B2B5-8D1C8AB4BA6D}"/>
+              </a:ext>
+            </a:extLst>
+          </p:cNvPr>
+          <p:cNvSpPr/>
+          <p:nvPr/>
+        </p:nvSpPr>
+        <p:spPr>
+          <a:xfrm>
+            <a:off x="8599308" y="2343935"/>
+            <a:ext cx="1369957" cy="622831"/>
+          </a:xfrm>
+          <a:prstGeom prst="ellipse">
+            <a:avLst/>
+          </a:prstGeom>
+        </p:spPr>
+        <p:style>
+          <a:lnRef idx="2">
+            <a:schemeClr val="accent6">
+              <a:shade val="50000"/>
+            </a:schemeClr>
+          </a:lnRef>
+          <a:fillRef idx="1">
+            <a:schemeClr val="accent6"/>
+          </a:fillRef>
+          <a:effectRef idx="0">
+            <a:schemeClr val="accent6"/>
+          </a:effectRef>
+          <a:fontRef idx="minor">
+            <a:schemeClr val="lt1"/>
+          </a:fontRef>
+        </p:style>
+        <p:txBody>
+          <a:bodyPr rtlCol="0" anchor="ctr"/>
+          <a:lstStyle/>
+          <a:p>
+            <a:pPr algn="ctr"/>
+            <a:r>
+              <a:rPr lang="ko-KR" altLang="en-US" sz="1300"/>
+              <a:t>동아리명</a:t>
+            </a:r>
+            <a:endParaRPr lang="ko-KR" altLang="en-US" sz="1300" dirty="0"/>
+          </a:p>
+        </p:txBody>
+      </p:sp>
+      <p:sp>
+        <p:nvSpPr>
+          <p:cNvPr id="71" name="타원 70">
+            <a:extLst>
+              <a:ext uri="{FF2B5EF4-FFF2-40B4-BE49-F238E27FC236}">
+                <a16:creationId xmlns:a16="http://schemas.microsoft.com/office/drawing/2014/main" id="{6A651F39-53A5-4A4E-A16F-45991C83B55A}"/>
+              </a:ext>
+            </a:extLst>
+          </p:cNvPr>
+          <p:cNvSpPr/>
+          <p:nvPr/>
+        </p:nvSpPr>
+        <p:spPr>
+          <a:xfrm>
+            <a:off x="8870182" y="5604541"/>
+            <a:ext cx="859498" cy="708028"/>
+          </a:xfrm>
+          <a:prstGeom prst="ellipse">
+            <a:avLst/>
+          </a:prstGeom>
+        </p:spPr>
+        <p:style>
+          <a:lnRef idx="2">
+            <a:schemeClr val="accent6">
+              <a:shade val="50000"/>
+            </a:schemeClr>
+          </a:lnRef>
+          <a:fillRef idx="1">
+            <a:schemeClr val="accent6"/>
+          </a:fillRef>
+          <a:effectRef idx="0">
+            <a:schemeClr val="accent6"/>
+          </a:effectRef>
+          <a:fontRef idx="minor">
+            <a:schemeClr val="lt1"/>
+          </a:fontRef>
+        </p:style>
+        <p:txBody>
+          <a:bodyPr rtlCol="0" anchor="ctr"/>
+          <a:lstStyle/>
+          <a:p>
+            <a:pPr algn="ctr"/>
+            <a:r>
+              <a:rPr lang="ko-KR" altLang="en-US" sz="1300" dirty="0"/>
+              <a:t>학교번호</a:t>
+            </a:r>
+          </a:p>
+        </p:txBody>
+      </p:sp>
+      <p:cxnSp>
+        <p:nvCxnSpPr>
+          <p:cNvPr id="73" name="직선 연결선 72">
+            <a:extLst>
+              <a:ext uri="{FF2B5EF4-FFF2-40B4-BE49-F238E27FC236}">
+                <a16:creationId xmlns:a16="http://schemas.microsoft.com/office/drawing/2014/main" id="{0E18D72A-5F03-4F47-AEAE-8F13738B9186}"/>
+              </a:ext>
+            </a:extLst>
+          </p:cNvPr>
+          <p:cNvCxnSpPr>
+            <a:cxnSpLocks/>
+            <a:stCxn id="70" idx="5"/>
+            <a:endCxn id="70" idx="5"/>
+          </p:cNvCxnSpPr>
+          <p:nvPr/>
+        </p:nvCxnSpPr>
+        <p:spPr>
+          <a:xfrm>
+            <a:off x="9768639" y="2875555"/>
+            <a:ext cx="0" cy="0"/>
+          </a:xfrm>
+          <a:prstGeom prst="line">
+            <a:avLst/>
+          </a:prstGeom>
+        </p:spPr>
+        <p:style>
+          <a:lnRef idx="2">
+            <a:schemeClr val="accent6">
+              <a:shade val="50000"/>
+            </a:schemeClr>
+          </a:lnRef>
+          <a:fillRef idx="1">
+            <a:schemeClr val="accent6"/>
+          </a:fillRef>
+          <a:effectRef idx="0">
+            <a:schemeClr val="accent6"/>
+          </a:effectRef>
+          <a:fontRef idx="minor">
+            <a:schemeClr val="lt1"/>
+          </a:fontRef>
+        </p:style>
+      </p:cxnSp>
+      <p:cxnSp>
+        <p:nvCxnSpPr>
+          <p:cNvPr id="75" name="직선 연결선 74">
+            <a:extLst>
+              <a:ext uri="{FF2B5EF4-FFF2-40B4-BE49-F238E27FC236}">
+                <a16:creationId xmlns:a16="http://schemas.microsoft.com/office/drawing/2014/main" id="{D418FA7E-8697-49DE-93E3-B4DAD4EFFBA9}"/>
+              </a:ext>
+            </a:extLst>
+          </p:cNvPr>
+          <p:cNvCxnSpPr>
+            <a:cxnSpLocks/>
+          </p:cNvCxnSpPr>
+          <p:nvPr/>
+        </p:nvCxnSpPr>
+        <p:spPr>
+          <a:xfrm>
+            <a:off x="8624390" y="2026900"/>
+            <a:ext cx="1251284" cy="1"/>
+          </a:xfrm>
+          <a:prstGeom prst="line">
+            <a:avLst/>
+          </a:prstGeom>
+          <a:ln w="38100">
+            <a:solidFill>
+              <a:schemeClr val="bg1"/>
+            </a:solidFill>
+          </a:ln>
+        </p:spPr>
+        <p:style>
+          <a:lnRef idx="3">
+            <a:schemeClr val="accent2"/>
+          </a:lnRef>
+          <a:fillRef idx="0">
+            <a:schemeClr val="accent2"/>
+          </a:fillRef>
+          <a:effectRef idx="2">
+            <a:schemeClr val="accent2"/>
+          </a:effectRef>
+          <a:fontRef idx="minor">
+            <a:schemeClr val="tx1"/>
+          </a:fontRef>
+        </p:style>
+      </p:cxnSp>
+      <p:sp>
+        <p:nvSpPr>
+          <p:cNvPr id="104" name="타원 103">
+            <a:extLst>
+              <a:ext uri="{FF2B5EF4-FFF2-40B4-BE49-F238E27FC236}">
+                <a16:creationId xmlns:a16="http://schemas.microsoft.com/office/drawing/2014/main" id="{FC993A84-070F-4855-AF00-473C1C57B797}"/>
+              </a:ext>
+            </a:extLst>
+          </p:cNvPr>
+          <p:cNvSpPr/>
+          <p:nvPr/>
+        </p:nvSpPr>
+        <p:spPr>
+          <a:xfrm>
+            <a:off x="2085395" y="3523795"/>
+            <a:ext cx="841054" cy="376116"/>
+          </a:xfrm>
+          <a:prstGeom prst="ellipse">
+            <a:avLst/>
+          </a:prstGeom>
+        </p:spPr>
+        <p:style>
+          <a:lnRef idx="2">
+            <a:schemeClr val="accent1">
+              <a:shade val="50000"/>
+            </a:schemeClr>
+          </a:lnRef>
+          <a:fillRef idx="1">
+            <a:schemeClr val="accent1"/>
+          </a:fillRef>
+          <a:effectRef idx="0">
+            <a:schemeClr val="accent1"/>
+          </a:effectRef>
+          <a:fontRef idx="minor">
+            <a:schemeClr val="lt1"/>
+          </a:fontRef>
+        </p:style>
+        <p:txBody>
+          <a:bodyPr rtlCol="0" anchor="ctr"/>
+          <a:lstStyle/>
+          <a:p>
+            <a:pPr algn="ctr"/>
+            <a:r>
+              <a:rPr lang="ko-KR" altLang="en-US" sz="1300" dirty="0"/>
+              <a:t>이름</a:t>
+            </a:r>
+          </a:p>
+        </p:txBody>
+      </p:sp>
+      <p:sp>
+        <p:nvSpPr>
+          <p:cNvPr id="105" name="타원 104">
+            <a:extLst>
+              <a:ext uri="{FF2B5EF4-FFF2-40B4-BE49-F238E27FC236}">
+                <a16:creationId xmlns:a16="http://schemas.microsoft.com/office/drawing/2014/main" id="{8C3C4984-5ECC-43A0-A18A-2A248C19E7AF}"/>
+              </a:ext>
+            </a:extLst>
+          </p:cNvPr>
+          <p:cNvSpPr/>
+          <p:nvPr/>
+        </p:nvSpPr>
+        <p:spPr>
+          <a:xfrm>
+            <a:off x="2109617" y="4056137"/>
+            <a:ext cx="784149" cy="622827"/>
+          </a:xfrm>
+          <a:prstGeom prst="ellipse">
+            <a:avLst/>
+          </a:prstGeom>
+        </p:spPr>
+        <p:style>
+          <a:lnRef idx="2">
+            <a:schemeClr val="accent1">
+              <a:shade val="50000"/>
+            </a:schemeClr>
+          </a:lnRef>
+          <a:fillRef idx="1">
+            <a:schemeClr val="accent1"/>
+          </a:fillRef>
+          <a:effectRef idx="0">
+            <a:schemeClr val="accent1"/>
+          </a:effectRef>
+          <a:fontRef idx="minor">
+            <a:schemeClr val="lt1"/>
+          </a:fontRef>
+        </p:style>
+        <p:txBody>
+          <a:bodyPr rtlCol="0" anchor="ctr"/>
+          <a:lstStyle/>
+          <a:p>
+            <a:pPr algn="ctr"/>
+            <a:r>
+              <a:rPr lang="ko-KR" altLang="en-US" sz="1300"/>
+              <a:t>비밀번호</a:t>
+            </a:r>
+            <a:endParaRPr lang="ko-KR" altLang="en-US" sz="1300" dirty="0"/>
+          </a:p>
+        </p:txBody>
+      </p:sp>
+      <p:sp>
+        <p:nvSpPr>
+          <p:cNvPr id="106" name="타원 105">
+            <a:extLst>
+              <a:ext uri="{FF2B5EF4-FFF2-40B4-BE49-F238E27FC236}">
+                <a16:creationId xmlns:a16="http://schemas.microsoft.com/office/drawing/2014/main" id="{77281D97-6594-4BB1-8007-7108D27E2C5C}"/>
+              </a:ext>
+            </a:extLst>
+          </p:cNvPr>
+          <p:cNvSpPr/>
+          <p:nvPr/>
+        </p:nvSpPr>
+        <p:spPr>
+          <a:xfrm>
+            <a:off x="2000432" y="4794751"/>
+            <a:ext cx="1002521" cy="456360"/>
+          </a:xfrm>
+          <a:prstGeom prst="ellipse">
+            <a:avLst/>
+          </a:prstGeom>
+        </p:spPr>
+        <p:style>
+          <a:lnRef idx="2">
+            <a:schemeClr val="accent1">
+              <a:shade val="50000"/>
+            </a:schemeClr>
+          </a:lnRef>
+          <a:fillRef idx="1">
+            <a:schemeClr val="accent1"/>
+          </a:fillRef>
+          <a:effectRef idx="0">
+            <a:schemeClr val="accent1"/>
+          </a:effectRef>
+          <a:fontRef idx="minor">
+            <a:schemeClr val="lt1"/>
+          </a:fontRef>
+        </p:style>
+        <p:txBody>
+          <a:bodyPr rtlCol="0" anchor="ctr"/>
+          <a:lstStyle/>
+          <a:p>
+            <a:pPr algn="ctr"/>
+            <a:r>
+              <a:rPr lang="ko-KR" altLang="en-US" sz="1300" dirty="0"/>
+              <a:t>이메일</a:t>
+            </a:r>
+          </a:p>
+        </p:txBody>
+      </p:sp>
+      <p:sp>
+        <p:nvSpPr>
+          <p:cNvPr id="108" name="타원 107">
+            <a:extLst>
+              <a:ext uri="{FF2B5EF4-FFF2-40B4-BE49-F238E27FC236}">
+                <a16:creationId xmlns:a16="http://schemas.microsoft.com/office/drawing/2014/main" id="{B406314C-D552-4ACC-BA7C-42E357910FB5}"/>
+              </a:ext>
+            </a:extLst>
+          </p:cNvPr>
+          <p:cNvSpPr/>
+          <p:nvPr/>
+        </p:nvSpPr>
+        <p:spPr>
+          <a:xfrm>
+            <a:off x="2001367" y="5383409"/>
+            <a:ext cx="1002530" cy="622831"/>
+          </a:xfrm>
+          <a:prstGeom prst="ellipse">
+            <a:avLst/>
+          </a:prstGeom>
+        </p:spPr>
+        <p:style>
+          <a:lnRef idx="2">
+            <a:schemeClr val="accent1">
+              <a:shade val="50000"/>
+            </a:schemeClr>
+          </a:lnRef>
+          <a:fillRef idx="1">
+            <a:schemeClr val="accent1"/>
+          </a:fillRef>
+          <a:effectRef idx="0">
+            <a:schemeClr val="accent1"/>
+          </a:effectRef>
+          <a:fontRef idx="minor">
+            <a:schemeClr val="lt1"/>
+          </a:fontRef>
+        </p:style>
+        <p:txBody>
+          <a:bodyPr rtlCol="0" anchor="ctr"/>
+          <a:lstStyle/>
+          <a:p>
+            <a:pPr algn="ctr"/>
+            <a:r>
+              <a:rPr lang="ko-KR" altLang="en-US" sz="1300"/>
+              <a:t>프로필사진</a:t>
+            </a:r>
+            <a:endParaRPr lang="ko-KR" altLang="en-US" sz="1300" dirty="0"/>
+          </a:p>
+        </p:txBody>
+      </p:sp>
+      <p:sp>
+        <p:nvSpPr>
+          <p:cNvPr id="189" name="타원 188">
+            <a:extLst>
+              <a:ext uri="{FF2B5EF4-FFF2-40B4-BE49-F238E27FC236}">
+                <a16:creationId xmlns:a16="http://schemas.microsoft.com/office/drawing/2014/main" id="{449EB5ED-47C5-4606-9C3E-0FD49E59D7CE}"/>
+              </a:ext>
+            </a:extLst>
+          </p:cNvPr>
+          <p:cNvSpPr/>
+          <p:nvPr/>
+        </p:nvSpPr>
+        <p:spPr>
+          <a:xfrm>
+            <a:off x="8901676" y="3069260"/>
+            <a:ext cx="765219" cy="622831"/>
+          </a:xfrm>
+          <a:prstGeom prst="ellipse">
+            <a:avLst/>
+          </a:prstGeom>
+        </p:spPr>
+        <p:style>
+          <a:lnRef idx="2">
+            <a:schemeClr val="accent6">
+              <a:shade val="50000"/>
+            </a:schemeClr>
+          </a:lnRef>
+          <a:fillRef idx="1">
+            <a:schemeClr val="accent6"/>
+          </a:fillRef>
+          <a:effectRef idx="0">
+            <a:schemeClr val="accent6"/>
+          </a:effectRef>
+          <a:fontRef idx="minor">
+            <a:schemeClr val="lt1"/>
+          </a:fontRef>
+        </p:style>
+        <p:txBody>
+          <a:bodyPr rtlCol="0" anchor="ctr"/>
+          <a:lstStyle/>
+          <a:p>
+            <a:pPr algn="ctr"/>
+            <a:r>
+              <a:rPr lang="ko-KR" altLang="en-US" sz="1300" dirty="0"/>
+              <a:t>설명</a:t>
+            </a:r>
+          </a:p>
+        </p:txBody>
+      </p:sp>
+      <p:sp>
+        <p:nvSpPr>
+          <p:cNvPr id="190" name="타원 189">
+            <a:extLst>
+              <a:ext uri="{FF2B5EF4-FFF2-40B4-BE49-F238E27FC236}">
+                <a16:creationId xmlns:a16="http://schemas.microsoft.com/office/drawing/2014/main" id="{7561878F-16EC-4392-BD75-BEF741ECF2F1}"/>
+              </a:ext>
+            </a:extLst>
+          </p:cNvPr>
+          <p:cNvSpPr/>
+          <p:nvPr/>
+        </p:nvSpPr>
+        <p:spPr>
+          <a:xfrm>
+            <a:off x="8736178" y="3792824"/>
+            <a:ext cx="1130372" cy="622831"/>
+          </a:xfrm>
+          <a:prstGeom prst="ellipse">
+            <a:avLst/>
+          </a:prstGeom>
+        </p:spPr>
+        <p:style>
+          <a:lnRef idx="2">
+            <a:schemeClr val="accent6">
+              <a:shade val="50000"/>
+            </a:schemeClr>
+          </a:lnRef>
+          <a:fillRef idx="1">
+            <a:schemeClr val="accent6"/>
+          </a:fillRef>
+          <a:effectRef idx="0">
+            <a:schemeClr val="accent6"/>
+          </a:effectRef>
+          <a:fontRef idx="minor">
+            <a:schemeClr val="lt1"/>
+          </a:fontRef>
+        </p:style>
+        <p:txBody>
+          <a:bodyPr rtlCol="0" anchor="ctr"/>
+          <a:lstStyle/>
+          <a:p>
+            <a:pPr algn="ctr"/>
+            <a:r>
+              <a:rPr lang="ko-KR" altLang="en-US" sz="1300" dirty="0"/>
+              <a:t>프로필사진</a:t>
+            </a:r>
+          </a:p>
+        </p:txBody>
+      </p:sp>
+      <p:sp>
+        <p:nvSpPr>
+          <p:cNvPr id="208" name="타원 207">
+            <a:extLst>
+              <a:ext uri="{FF2B5EF4-FFF2-40B4-BE49-F238E27FC236}">
+                <a16:creationId xmlns:a16="http://schemas.microsoft.com/office/drawing/2014/main" id="{D5E83CCE-D06C-4169-B5F0-79BA7F617E33}"/>
+              </a:ext>
+            </a:extLst>
+          </p:cNvPr>
+          <p:cNvSpPr/>
+          <p:nvPr/>
+        </p:nvSpPr>
+        <p:spPr>
+          <a:xfrm>
+            <a:off x="8797195" y="4610403"/>
+            <a:ext cx="974180" cy="622831"/>
+          </a:xfrm>
+          <a:prstGeom prst="ellipse">
+            <a:avLst/>
+          </a:prstGeom>
+          <a:ln/>
+        </p:spPr>
+        <p:style>
+          <a:lnRef idx="2">
+            <a:schemeClr val="accent6">
+              <a:shade val="50000"/>
+            </a:schemeClr>
+          </a:lnRef>
+          <a:fillRef idx="1">
+            <a:schemeClr val="accent6"/>
+          </a:fillRef>
+          <a:effectRef idx="0">
+            <a:schemeClr val="accent6"/>
+          </a:effectRef>
+          <a:fontRef idx="minor">
+            <a:schemeClr val="lt1"/>
+          </a:fontRef>
+        </p:style>
+        <p:txBody>
+          <a:bodyPr rtlCol="0" anchor="ctr"/>
+          <a:lstStyle/>
+          <a:p>
+            <a:pPr algn="ctr"/>
+            <a:r>
+              <a:rPr lang="ko-KR" altLang="en-US" sz="1300" dirty="0">
+                <a:solidFill>
+                  <a:schemeClr val="bg1"/>
+                </a:solidFill>
+              </a:rPr>
+              <a:t>분류</a:t>
+            </a:r>
+            <a:endParaRPr lang="en-US" altLang="ko-KR" sz="1300" dirty="0">
+              <a:solidFill>
+                <a:schemeClr val="bg1"/>
+              </a:solidFill>
+            </a:endParaRPr>
+          </a:p>
+          <a:p>
+            <a:pPr algn="ctr"/>
+            <a:r>
+              <a:rPr lang="en-US" altLang="ko-KR" sz="1000" dirty="0">
+                <a:solidFill>
+                  <a:schemeClr val="bg1"/>
+                </a:solidFill>
+              </a:rPr>
+              <a:t>(0 : </a:t>
+            </a:r>
+            <a:r>
+              <a:rPr lang="ko-KR" altLang="en-US" sz="1000" dirty="0">
+                <a:solidFill>
+                  <a:schemeClr val="bg1"/>
+                </a:solidFill>
+              </a:rPr>
+              <a:t>중동</a:t>
+            </a:r>
+            <a:r>
+              <a:rPr lang="en-US" altLang="ko-KR" sz="1000" dirty="0">
+                <a:solidFill>
+                  <a:schemeClr val="bg1"/>
+                </a:solidFill>
+              </a:rPr>
+              <a:t>, 1 : </a:t>
+            </a:r>
+            <a:r>
+              <a:rPr lang="ko-KR" altLang="en-US" sz="1000" dirty="0">
+                <a:solidFill>
+                  <a:schemeClr val="bg1"/>
+                </a:solidFill>
+              </a:rPr>
+              <a:t>가동</a:t>
+            </a:r>
+            <a:r>
+              <a:rPr lang="en-US" altLang="ko-KR" sz="1000" dirty="0">
+                <a:solidFill>
+                  <a:schemeClr val="bg1"/>
+                </a:solidFill>
+              </a:rPr>
+              <a:t>)</a:t>
+            </a:r>
+            <a:endParaRPr lang="ko-KR" altLang="en-US" sz="1000" dirty="0">
+              <a:solidFill>
+                <a:schemeClr val="bg1"/>
+              </a:solidFill>
+            </a:endParaRPr>
+          </a:p>
+        </p:txBody>
+      </p:sp>
+      <p:cxnSp>
+        <p:nvCxnSpPr>
+          <p:cNvPr id="209" name="직선 연결선 208">
+            <a:extLst>
+              <a:ext uri="{FF2B5EF4-FFF2-40B4-BE49-F238E27FC236}">
+                <a16:creationId xmlns:a16="http://schemas.microsoft.com/office/drawing/2014/main" id="{E4B34618-F5F5-4763-83C4-325D02E889D5}"/>
+              </a:ext>
+            </a:extLst>
+          </p:cNvPr>
+          <p:cNvCxnSpPr>
+            <a:cxnSpLocks/>
+            <a:stCxn id="211" idx="2"/>
+          </p:cNvCxnSpPr>
+          <p:nvPr/>
+        </p:nvCxnSpPr>
+        <p:spPr>
+          <a:xfrm flipH="1">
+            <a:off x="5328025" y="941480"/>
+            <a:ext cx="6983" cy="5284343"/>
+          </a:xfrm>
+          <a:prstGeom prst="line">
+            <a:avLst/>
+          </a:prstGeom>
+          <a:ln>
+            <a:solidFill>
+              <a:schemeClr val="accent2">
+                <a:lumMod val="50000"/>
+              </a:schemeClr>
+            </a:solidFill>
+          </a:ln>
+        </p:spPr>
+        <p:style>
+          <a:lnRef idx="1">
+            <a:schemeClr val="accent1"/>
+          </a:lnRef>
+          <a:fillRef idx="0">
+            <a:schemeClr val="accent1"/>
+          </a:fillRef>
+          <a:effectRef idx="0">
+            <a:schemeClr val="accent1"/>
+          </a:effectRef>
+          <a:fontRef idx="minor">
+            <a:schemeClr val="tx1"/>
+          </a:fontRef>
+        </p:style>
+      </p:cxnSp>
+      <p:sp>
+        <p:nvSpPr>
+          <p:cNvPr id="210" name="타원 209">
+            <a:extLst>
+              <a:ext uri="{FF2B5EF4-FFF2-40B4-BE49-F238E27FC236}">
+                <a16:creationId xmlns:a16="http://schemas.microsoft.com/office/drawing/2014/main" id="{3104E0A1-D379-4487-97E7-ED6F6E710391}"/>
+              </a:ext>
+            </a:extLst>
+          </p:cNvPr>
+          <p:cNvSpPr/>
+          <p:nvPr/>
+        </p:nvSpPr>
+        <p:spPr>
+          <a:xfrm>
+            <a:off x="4857170" y="1447134"/>
+            <a:ext cx="955674" cy="719325"/>
+          </a:xfrm>
+          <a:prstGeom prst="ellipse">
+            <a:avLst/>
+          </a:prstGeom>
+          <a:solidFill>
+            <a:schemeClr val="accent2">
+              <a:lumMod val="75000"/>
+            </a:schemeClr>
+          </a:solidFill>
+          <a:ln>
+            <a:solidFill>
+              <a:schemeClr val="accent2">
+                <a:lumMod val="50000"/>
+              </a:schemeClr>
+            </a:solidFill>
+          </a:ln>
+        </p:spPr>
+        <p:style>
+          <a:lnRef idx="2">
+            <a:schemeClr val="accent1">
+              <a:shade val="50000"/>
+            </a:schemeClr>
+          </a:lnRef>
+          <a:fillRef idx="1">
+            <a:schemeClr val="accent1"/>
+          </a:fillRef>
+          <a:effectRef idx="0">
+            <a:schemeClr val="accent1"/>
+          </a:effectRef>
+          <a:fontRef idx="minor">
+            <a:schemeClr val="lt1"/>
+          </a:fontRef>
+        </p:style>
+        <p:txBody>
+          <a:bodyPr rtlCol="0" anchor="ctr"/>
+          <a:lstStyle/>
+          <a:p>
+            <a:pPr algn="ctr"/>
+            <a:r>
+              <a:rPr lang="ko-KR" altLang="en-US" sz="1300" dirty="0"/>
+              <a:t>회원번호</a:t>
+            </a:r>
+          </a:p>
+        </p:txBody>
+      </p:sp>
+      <p:sp>
+        <p:nvSpPr>
+          <p:cNvPr id="211" name="직사각형 210">
+            <a:extLst>
+              <a:ext uri="{FF2B5EF4-FFF2-40B4-BE49-F238E27FC236}">
+                <a16:creationId xmlns:a16="http://schemas.microsoft.com/office/drawing/2014/main" id="{07FDA87C-E7F4-4EF9-B733-585F72985ADB}"/>
+              </a:ext>
+            </a:extLst>
+          </p:cNvPr>
+          <p:cNvSpPr/>
+          <p:nvPr/>
+        </p:nvSpPr>
+        <p:spPr>
+          <a:xfrm>
+            <a:off x="4857171" y="548450"/>
+            <a:ext cx="955674" cy="393030"/>
+          </a:xfrm>
+          <a:prstGeom prst="rect">
+            <a:avLst/>
+          </a:prstGeom>
+          <a:solidFill>
+            <a:schemeClr val="accent2">
+              <a:lumMod val="75000"/>
+            </a:schemeClr>
+          </a:solidFill>
+          <a:ln>
+            <a:solidFill>
+              <a:schemeClr val="accent2">
+                <a:lumMod val="50000"/>
+              </a:schemeClr>
+            </a:solidFill>
+          </a:ln>
+        </p:spPr>
+        <p:style>
+          <a:lnRef idx="2">
+            <a:schemeClr val="accent1">
+              <a:shade val="50000"/>
+            </a:schemeClr>
+          </a:lnRef>
+          <a:fillRef idx="1">
+            <a:schemeClr val="accent1"/>
+          </a:fillRef>
+          <a:effectRef idx="0">
+            <a:schemeClr val="accent1"/>
+          </a:effectRef>
+          <a:fontRef idx="minor">
+            <a:schemeClr val="lt1"/>
+          </a:fontRef>
+        </p:style>
+        <p:txBody>
+          <a:bodyPr rtlCol="0" anchor="ctr"/>
+          <a:lstStyle/>
+          <a:p>
+            <a:pPr algn="ctr"/>
+            <a:r>
+              <a:rPr lang="ko-KR" altLang="en-US" sz="1300" dirty="0"/>
+              <a:t>역할</a:t>
+            </a:r>
+          </a:p>
+        </p:txBody>
+      </p:sp>
+      <p:sp>
+        <p:nvSpPr>
+          <p:cNvPr id="212" name="타원 211">
+            <a:extLst>
+              <a:ext uri="{FF2B5EF4-FFF2-40B4-BE49-F238E27FC236}">
+                <a16:creationId xmlns:a16="http://schemas.microsoft.com/office/drawing/2014/main" id="{ACE501DD-8E16-4CE2-89B4-1806FBDB3E4F}"/>
+              </a:ext>
+            </a:extLst>
+          </p:cNvPr>
+          <p:cNvSpPr/>
+          <p:nvPr/>
+        </p:nvSpPr>
+        <p:spPr>
+          <a:xfrm>
+            <a:off x="4801645" y="2298756"/>
+            <a:ext cx="1050875" cy="559505"/>
+          </a:xfrm>
+          <a:prstGeom prst="ellipse">
+            <a:avLst/>
+          </a:prstGeom>
+          <a:solidFill>
+            <a:schemeClr val="accent2">
+              <a:lumMod val="75000"/>
+            </a:schemeClr>
+          </a:solidFill>
+          <a:ln>
+            <a:solidFill>
+              <a:schemeClr val="accent2">
+                <a:lumMod val="50000"/>
+              </a:schemeClr>
+            </a:solidFill>
+          </a:ln>
+        </p:spPr>
+        <p:style>
+          <a:lnRef idx="2">
+            <a:schemeClr val="accent1">
+              <a:shade val="50000"/>
+            </a:schemeClr>
+          </a:lnRef>
+          <a:fillRef idx="1">
+            <a:schemeClr val="accent1"/>
+          </a:fillRef>
+          <a:effectRef idx="0">
+            <a:schemeClr val="accent1"/>
+          </a:effectRef>
+          <a:fontRef idx="minor">
+            <a:schemeClr val="lt1"/>
+          </a:fontRef>
+        </p:style>
+        <p:txBody>
+          <a:bodyPr rtlCol="0" anchor="ctr"/>
+          <a:lstStyle/>
+          <a:p>
+            <a:pPr algn="ctr"/>
+            <a:r>
+              <a:rPr lang="ko-KR" altLang="en-US" sz="1300"/>
+              <a:t>동아리번호</a:t>
+            </a:r>
+            <a:endParaRPr lang="ko-KR" altLang="en-US" sz="1300" dirty="0"/>
+          </a:p>
+        </p:txBody>
+      </p:sp>
+      <p:cxnSp>
+        <p:nvCxnSpPr>
+          <p:cNvPr id="214" name="직선 연결선 213">
+            <a:extLst>
+              <a:ext uri="{FF2B5EF4-FFF2-40B4-BE49-F238E27FC236}">
+                <a16:creationId xmlns:a16="http://schemas.microsoft.com/office/drawing/2014/main" id="{DC10FAD0-3D0F-49CC-B1FF-C154B3022B6F}"/>
+              </a:ext>
+            </a:extLst>
+          </p:cNvPr>
+          <p:cNvCxnSpPr>
+            <a:cxnSpLocks/>
+            <a:stCxn id="212" idx="5"/>
+            <a:endCxn id="212" idx="5"/>
+          </p:cNvCxnSpPr>
+          <p:nvPr/>
+        </p:nvCxnSpPr>
+        <p:spPr>
+          <a:xfrm>
+            <a:off x="5698623" y="2776323"/>
+            <a:ext cx="0" cy="0"/>
+          </a:xfrm>
+          <a:prstGeom prst="line">
+            <a:avLst/>
+          </a:prstGeom>
+          <a:ln>
+            <a:solidFill>
+              <a:schemeClr val="accent2">
+                <a:lumMod val="50000"/>
+              </a:schemeClr>
+            </a:solidFill>
+          </a:ln>
+        </p:spPr>
+        <p:style>
+          <a:lnRef idx="1">
+            <a:schemeClr val="accent1"/>
+          </a:lnRef>
+          <a:fillRef idx="0">
+            <a:schemeClr val="accent1"/>
+          </a:fillRef>
+          <a:effectRef idx="0">
+            <a:schemeClr val="accent1"/>
+          </a:effectRef>
+          <a:fontRef idx="minor">
+            <a:schemeClr val="tx1"/>
+          </a:fontRef>
+        </p:style>
+      </p:cxnSp>
+      <p:sp>
+        <p:nvSpPr>
+          <p:cNvPr id="216" name="타원 215">
+            <a:extLst>
+              <a:ext uri="{FF2B5EF4-FFF2-40B4-BE49-F238E27FC236}">
+                <a16:creationId xmlns:a16="http://schemas.microsoft.com/office/drawing/2014/main" id="{B217F7D8-F987-4FA0-9A34-40FE37FBB6BF}"/>
+              </a:ext>
+            </a:extLst>
+          </p:cNvPr>
+          <p:cNvSpPr/>
+          <p:nvPr/>
+        </p:nvSpPr>
+        <p:spPr>
+          <a:xfrm>
+            <a:off x="4914480" y="3047844"/>
+            <a:ext cx="841054" cy="376116"/>
+          </a:xfrm>
+          <a:prstGeom prst="ellipse">
+            <a:avLst/>
+          </a:prstGeom>
+          <a:solidFill>
+            <a:schemeClr val="accent2">
+              <a:lumMod val="75000"/>
+            </a:schemeClr>
+          </a:solidFill>
+          <a:ln>
+            <a:solidFill>
+              <a:schemeClr val="accent2">
+                <a:lumMod val="50000"/>
+              </a:schemeClr>
+            </a:solidFill>
+          </a:ln>
+        </p:spPr>
+        <p:style>
+          <a:lnRef idx="2">
+            <a:schemeClr val="accent1">
+              <a:shade val="50000"/>
+            </a:schemeClr>
+          </a:lnRef>
+          <a:fillRef idx="1">
+            <a:schemeClr val="accent1"/>
+          </a:fillRef>
+          <a:effectRef idx="0">
+            <a:schemeClr val="accent1"/>
+          </a:effectRef>
+          <a:fontRef idx="minor">
+            <a:schemeClr val="lt1"/>
+          </a:fontRef>
+        </p:style>
+        <p:txBody>
+          <a:bodyPr rtlCol="0" anchor="ctr"/>
+          <a:lstStyle/>
+          <a:p>
+            <a:pPr algn="ctr"/>
+            <a:r>
+              <a:rPr lang="ko-KR" altLang="en-US" sz="1300"/>
+              <a:t>역할</a:t>
+            </a:r>
+            <a:endParaRPr lang="ko-KR" altLang="en-US" sz="1300" dirty="0"/>
+          </a:p>
+        </p:txBody>
+      </p:sp>
+      <p:cxnSp>
+        <p:nvCxnSpPr>
+          <p:cNvPr id="220" name="직선 연결선 219">
+            <a:extLst>
+              <a:ext uri="{FF2B5EF4-FFF2-40B4-BE49-F238E27FC236}">
+                <a16:creationId xmlns:a16="http://schemas.microsoft.com/office/drawing/2014/main" id="{68C813C7-BDB1-4CD1-BEB7-367E678A6C76}"/>
+              </a:ext>
+            </a:extLst>
+          </p:cNvPr>
+          <p:cNvCxnSpPr>
+            <a:cxnSpLocks/>
+          </p:cNvCxnSpPr>
+          <p:nvPr/>
+        </p:nvCxnSpPr>
+        <p:spPr>
+          <a:xfrm>
+            <a:off x="4634521" y="2026900"/>
+            <a:ext cx="1251284" cy="1"/>
+          </a:xfrm>
+          <a:prstGeom prst="line">
+            <a:avLst/>
+          </a:prstGeom>
+          <a:ln w="38100">
+            <a:solidFill>
+              <a:schemeClr val="bg1"/>
+            </a:solidFill>
+          </a:ln>
+        </p:spPr>
+        <p:style>
+          <a:lnRef idx="3">
+            <a:schemeClr val="accent2"/>
+          </a:lnRef>
+          <a:fillRef idx="0">
+            <a:schemeClr val="accent2"/>
+          </a:fillRef>
+          <a:effectRef idx="2">
+            <a:schemeClr val="accent2"/>
+          </a:effectRef>
+          <a:fontRef idx="minor">
+            <a:schemeClr val="tx1"/>
+          </a:fontRef>
+        </p:style>
+      </p:cxnSp>
+      <p:cxnSp>
+        <p:nvCxnSpPr>
+          <p:cNvPr id="224" name="직선 연결선 223">
+            <a:extLst>
+              <a:ext uri="{FF2B5EF4-FFF2-40B4-BE49-F238E27FC236}">
+                <a16:creationId xmlns:a16="http://schemas.microsoft.com/office/drawing/2014/main" id="{BF35773E-F77B-46E5-B872-A9EA30483623}"/>
+              </a:ext>
+            </a:extLst>
+          </p:cNvPr>
+          <p:cNvCxnSpPr>
+            <a:cxnSpLocks/>
+          </p:cNvCxnSpPr>
+          <p:nvPr/>
+        </p:nvCxnSpPr>
+        <p:spPr>
+          <a:xfrm>
+            <a:off x="4714131" y="2757027"/>
+            <a:ext cx="1251284" cy="1"/>
+          </a:xfrm>
+          <a:prstGeom prst="line">
+            <a:avLst/>
+          </a:prstGeom>
+          <a:ln w="38100">
+            <a:solidFill>
+              <a:schemeClr val="bg1"/>
+            </a:solidFill>
+          </a:ln>
+        </p:spPr>
+        <p:style>
+          <a:lnRef idx="3">
+            <a:schemeClr val="accent2"/>
+          </a:lnRef>
+          <a:fillRef idx="0">
+            <a:schemeClr val="accent2"/>
+          </a:fillRef>
+          <a:effectRef idx="2">
+            <a:schemeClr val="accent2"/>
+          </a:effectRef>
+          <a:fontRef idx="minor">
+            <a:schemeClr val="tx1"/>
+          </a:fontRef>
+        </p:style>
+      </p:cxnSp>
+      <p:sp>
+        <p:nvSpPr>
+          <p:cNvPr id="225" name="타원 224">
+            <a:extLst>
+              <a:ext uri="{FF2B5EF4-FFF2-40B4-BE49-F238E27FC236}">
+                <a16:creationId xmlns:a16="http://schemas.microsoft.com/office/drawing/2014/main" id="{B751E994-9C6A-468C-9D50-42D461989E01}"/>
+              </a:ext>
+            </a:extLst>
+          </p:cNvPr>
+          <p:cNvSpPr/>
+          <p:nvPr/>
+        </p:nvSpPr>
+        <p:spPr>
+          <a:xfrm>
+            <a:off x="2014120" y="2293632"/>
+            <a:ext cx="972111" cy="636229"/>
+          </a:xfrm>
+          <a:prstGeom prst="ellipse">
+            <a:avLst/>
+          </a:prstGeom>
+        </p:spPr>
+        <p:style>
+          <a:lnRef idx="2">
+            <a:schemeClr val="accent1">
+              <a:shade val="50000"/>
+            </a:schemeClr>
+          </a:lnRef>
+          <a:fillRef idx="1">
+            <a:schemeClr val="accent1"/>
+          </a:fillRef>
+          <a:effectRef idx="0">
+            <a:schemeClr val="accent1"/>
+          </a:effectRef>
+          <a:fontRef idx="minor">
+            <a:schemeClr val="lt1"/>
+          </a:fontRef>
+        </p:style>
+        <p:txBody>
+          <a:bodyPr rtlCol="0" anchor="ctr"/>
+          <a:lstStyle/>
+          <a:p>
+            <a:pPr algn="ctr"/>
+            <a:r>
+              <a:rPr lang="ko-KR" altLang="en-US" sz="1300"/>
+              <a:t>로그인상태</a:t>
+            </a:r>
+            <a:endParaRPr lang="ko-KR" altLang="en-US" sz="1300" dirty="0"/>
           </a:p>
         </p:txBody>
       </p:sp>
     </p:spTree>
     <p:extLst>
       <p:ext uri="{BB962C8B-B14F-4D97-AF65-F5344CB8AC3E}">
-        <p14:creationId xmlns:p14="http://schemas.microsoft.com/office/powerpoint/2010/main" val="380204039"/>
+        <p14:creationId xmlns:p14="http://schemas.microsoft.com/office/powerpoint/2010/main" val="2323612828"/>
       </p:ext>
     </p:extLst>
   </p:cSld>
@@ -4025,538 +5320,3069 @@
           <a:chExt cx="0" cy="0"/>
         </a:xfrm>
       </p:grpSpPr>
-      <p:graphicFrame>
-        <p:nvGraphicFramePr>
-          <p:cNvPr id="5" name="표 2">
-            <a:extLst>
-              <a:ext uri="{FF2B5EF4-FFF2-40B4-BE49-F238E27FC236}">
-                <a16:creationId xmlns:a16="http://schemas.microsoft.com/office/drawing/2014/main" id="{AAE51F3D-8BFF-4A94-A34F-21AA03B4F304}"/>
-              </a:ext>
-            </a:extLst>
-          </p:cNvPr>
-          <p:cNvGraphicFramePr>
-            <a:graphicFrameLocks noGrp="1"/>
-          </p:cNvGraphicFramePr>
-          <p:nvPr/>
-        </p:nvGraphicFramePr>
-        <p:xfrm>
-          <a:off x="2031999" y="1734727"/>
-          <a:ext cx="8127999" cy="1107440"/>
-        </p:xfrm>
-        <a:graphic>
-          <a:graphicData uri="http://schemas.openxmlformats.org/drawingml/2006/table">
-            <a:tbl>
-              <a:tblPr firstRow="1" bandRow="1">
-                <a:tableStyleId>{5C22544A-7EE6-4342-B048-85BDC9FD1C3A}</a:tableStyleId>
-              </a:tblPr>
-              <a:tblGrid>
-                <a:gridCol w="2709333">
-                  <a:extLst>
-                    <a:ext uri="{9D8B030D-6E8A-4147-A177-3AD203B41FA5}">
-                      <a16:colId xmlns:a16="http://schemas.microsoft.com/office/drawing/2014/main" val="2486471654"/>
-                    </a:ext>
-                  </a:extLst>
-                </a:gridCol>
-                <a:gridCol w="2709333">
-                  <a:extLst>
-                    <a:ext uri="{9D8B030D-6E8A-4147-A177-3AD203B41FA5}">
-                      <a16:colId xmlns:a16="http://schemas.microsoft.com/office/drawing/2014/main" val="2572024130"/>
-                    </a:ext>
-                  </a:extLst>
-                </a:gridCol>
-                <a:gridCol w="2709333">
-                  <a:extLst>
-                    <a:ext uri="{9D8B030D-6E8A-4147-A177-3AD203B41FA5}">
-                      <a16:colId xmlns:a16="http://schemas.microsoft.com/office/drawing/2014/main" val="1992522389"/>
-                    </a:ext>
-                  </a:extLst>
-                </a:gridCol>
-              </a:tblGrid>
-              <a:tr h="0">
-                <a:tc>
-                  <a:txBody>
-                    <a:bodyPr/>
-                    <a:lstStyle/>
-                    <a:p>
-                      <a:pPr latinLnBrk="1"/>
-                      <a:r>
-                        <a:rPr lang="en-US" altLang="ko-KR" dirty="0"/>
-                        <a:t>PK – </a:t>
-                      </a:r>
-                      <a:r>
-                        <a:rPr lang="en-US" altLang="ko-KR" dirty="0" err="1"/>
-                        <a:t>auto_increment</a:t>
-                      </a:r>
-                      <a:endParaRPr lang="ko-KR" altLang="en-US" dirty="0"/>
-                    </a:p>
-                  </a:txBody>
-                  <a:tcPr/>
-                </a:tc>
-                <a:tc>
-                  <a:txBody>
-                    <a:bodyPr/>
-                    <a:lstStyle/>
-                    <a:p>
-                      <a:pPr latinLnBrk="1"/>
-                      <a:r>
-                        <a:rPr lang="ko-KR" altLang="en-US" dirty="0"/>
-                        <a:t>대분류</a:t>
-                      </a:r>
-                      <a:r>
-                        <a:rPr lang="en-US" altLang="ko-KR" dirty="0"/>
-                        <a:t>_</a:t>
-                      </a:r>
-                      <a:r>
-                        <a:rPr lang="ko-KR" altLang="en-US" dirty="0"/>
-                        <a:t>이름</a:t>
-                      </a:r>
-                    </a:p>
-                  </a:txBody>
-                  <a:tcPr/>
-                </a:tc>
-                <a:tc>
-                  <a:txBody>
-                    <a:bodyPr/>
-                    <a:lstStyle/>
-                    <a:p>
-                      <a:pPr latinLnBrk="1"/>
-                      <a:r>
-                        <a:rPr lang="ko-KR" altLang="en-US" dirty="0"/>
-                        <a:t>동아리</a:t>
-                      </a:r>
-                      <a:r>
-                        <a:rPr lang="en-US" altLang="ko-KR" dirty="0"/>
-                        <a:t> PK – FK</a:t>
-                      </a:r>
-                      <a:endParaRPr lang="ko-KR" altLang="en-US" dirty="0"/>
-                    </a:p>
-                  </a:txBody>
-                  <a:tcPr/>
-                </a:tc>
-                <a:extLst>
-                  <a:ext uri="{0D108BD9-81ED-4DB2-BD59-A6C34878D82A}">
-                    <a16:rowId xmlns:a16="http://schemas.microsoft.com/office/drawing/2014/main" val="3656576093"/>
-                  </a:ext>
-                </a:extLst>
-              </a:tr>
-              <a:tr h="370840">
-                <a:tc>
-                  <a:txBody>
-                    <a:bodyPr/>
-                    <a:lstStyle/>
-                    <a:p>
-                      <a:pPr latinLnBrk="1"/>
-                      <a:endParaRPr lang="ko-KR" altLang="en-US" dirty="0"/>
-                    </a:p>
-                  </a:txBody>
-                  <a:tcPr/>
-                </a:tc>
-                <a:tc>
-                  <a:txBody>
-                    <a:bodyPr/>
-                    <a:lstStyle/>
-                    <a:p>
-                      <a:pPr latinLnBrk="1"/>
-                      <a:endParaRPr lang="ko-KR" altLang="en-US" dirty="0"/>
-                    </a:p>
-                  </a:txBody>
-                  <a:tcPr/>
-                </a:tc>
-                <a:tc>
-                  <a:txBody>
-                    <a:bodyPr/>
-                    <a:lstStyle/>
-                    <a:p>
-                      <a:pPr latinLnBrk="1"/>
-                      <a:endParaRPr lang="ko-KR" altLang="en-US" dirty="0"/>
-                    </a:p>
-                  </a:txBody>
-                  <a:tcPr/>
-                </a:tc>
-                <a:extLst>
-                  <a:ext uri="{0D108BD9-81ED-4DB2-BD59-A6C34878D82A}">
-                    <a16:rowId xmlns:a16="http://schemas.microsoft.com/office/drawing/2014/main" val="2759135197"/>
-                  </a:ext>
-                </a:extLst>
-              </a:tr>
-              <a:tr h="370840">
-                <a:tc>
-                  <a:txBody>
-                    <a:bodyPr/>
-                    <a:lstStyle/>
-                    <a:p>
-                      <a:pPr latinLnBrk="1"/>
-                      <a:endParaRPr lang="ko-KR" altLang="en-US"/>
-                    </a:p>
-                  </a:txBody>
-                  <a:tcPr/>
-                </a:tc>
-                <a:tc>
-                  <a:txBody>
-                    <a:bodyPr/>
-                    <a:lstStyle/>
-                    <a:p>
-                      <a:pPr latinLnBrk="1"/>
-                      <a:endParaRPr lang="ko-KR" altLang="en-US" dirty="0"/>
-                    </a:p>
-                  </a:txBody>
-                  <a:tcPr/>
-                </a:tc>
-                <a:tc>
-                  <a:txBody>
-                    <a:bodyPr/>
-                    <a:lstStyle/>
-                    <a:p>
-                      <a:pPr latinLnBrk="1"/>
-                      <a:endParaRPr lang="ko-KR" altLang="en-US" dirty="0"/>
-                    </a:p>
-                  </a:txBody>
-                  <a:tcPr/>
-                </a:tc>
-                <a:extLst>
-                  <a:ext uri="{0D108BD9-81ED-4DB2-BD59-A6C34878D82A}">
-                    <a16:rowId xmlns:a16="http://schemas.microsoft.com/office/drawing/2014/main" val="511528374"/>
-                  </a:ext>
-                </a:extLst>
-              </a:tr>
-            </a:tbl>
-          </a:graphicData>
-        </a:graphic>
-      </p:graphicFrame>
-      <p:graphicFrame>
-        <p:nvGraphicFramePr>
-          <p:cNvPr id="6" name="표 3">
-            <a:extLst>
-              <a:ext uri="{FF2B5EF4-FFF2-40B4-BE49-F238E27FC236}">
-                <a16:creationId xmlns:a16="http://schemas.microsoft.com/office/drawing/2014/main" id="{44269E19-2024-475E-9915-E9F8BDD97FCF}"/>
-              </a:ext>
-            </a:extLst>
-          </p:cNvPr>
-          <p:cNvGraphicFramePr>
-            <a:graphicFrameLocks noGrp="1"/>
-          </p:cNvGraphicFramePr>
-          <p:nvPr/>
-        </p:nvGraphicFramePr>
-        <p:xfrm>
-          <a:off x="2032000" y="3615266"/>
-          <a:ext cx="8127999" cy="1483360"/>
-        </p:xfrm>
-        <a:graphic>
-          <a:graphicData uri="http://schemas.openxmlformats.org/drawingml/2006/table">
-            <a:tbl>
-              <a:tblPr firstRow="1" bandRow="1">
-                <a:tableStyleId>{5C22544A-7EE6-4342-B048-85BDC9FD1C3A}</a:tableStyleId>
-              </a:tblPr>
-              <a:tblGrid>
-                <a:gridCol w="2709333">
-                  <a:extLst>
-                    <a:ext uri="{9D8B030D-6E8A-4147-A177-3AD203B41FA5}">
-                      <a16:colId xmlns:a16="http://schemas.microsoft.com/office/drawing/2014/main" val="4252082458"/>
-                    </a:ext>
-                  </a:extLst>
-                </a:gridCol>
-                <a:gridCol w="2709333">
-                  <a:extLst>
-                    <a:ext uri="{9D8B030D-6E8A-4147-A177-3AD203B41FA5}">
-                      <a16:colId xmlns:a16="http://schemas.microsoft.com/office/drawing/2014/main" val="2890333719"/>
-                    </a:ext>
-                  </a:extLst>
-                </a:gridCol>
-                <a:gridCol w="2709333">
-                  <a:extLst>
-                    <a:ext uri="{9D8B030D-6E8A-4147-A177-3AD203B41FA5}">
-                      <a16:colId xmlns:a16="http://schemas.microsoft.com/office/drawing/2014/main" val="4122790503"/>
-                    </a:ext>
-                  </a:extLst>
-                </a:gridCol>
-              </a:tblGrid>
-              <a:tr h="370840">
-                <a:tc>
-                  <a:txBody>
-                    <a:bodyPr/>
-                    <a:lstStyle/>
-                    <a:p>
-                      <a:pPr latinLnBrk="1"/>
-                      <a:r>
-                        <a:rPr lang="en-US" altLang="ko-KR" dirty="0"/>
-                        <a:t>PK</a:t>
-                      </a:r>
-                      <a:r>
-                        <a:rPr lang="ko-KR" altLang="en-US" dirty="0"/>
-                        <a:t> </a:t>
-                      </a:r>
-                      <a:r>
-                        <a:rPr lang="en-US" altLang="ko-KR" dirty="0"/>
-                        <a:t>–</a:t>
-                      </a:r>
-                      <a:r>
-                        <a:rPr lang="ko-KR" altLang="en-US" dirty="0"/>
-                        <a:t> </a:t>
-                      </a:r>
-                      <a:r>
-                        <a:rPr lang="en-US" altLang="ko-KR" dirty="0" err="1"/>
-                        <a:t>auto_increment</a:t>
-                      </a:r>
-                      <a:endParaRPr lang="ko-KR" altLang="en-US" dirty="0"/>
-                    </a:p>
-                  </a:txBody>
-                  <a:tcPr/>
-                </a:tc>
-                <a:tc>
-                  <a:txBody>
-                    <a:bodyPr/>
-                    <a:lstStyle/>
-                    <a:p>
-                      <a:pPr latinLnBrk="1"/>
-                      <a:r>
-                        <a:rPr lang="ko-KR" altLang="en-US" dirty="0"/>
-                        <a:t>소분류</a:t>
-                      </a:r>
-                      <a:r>
-                        <a:rPr lang="en-US" altLang="ko-KR" dirty="0"/>
-                        <a:t>_</a:t>
-                      </a:r>
-                      <a:r>
-                        <a:rPr lang="ko-KR" altLang="en-US" dirty="0"/>
-                        <a:t>이름</a:t>
-                      </a:r>
-                    </a:p>
-                  </a:txBody>
-                  <a:tcPr/>
-                </a:tc>
-                <a:tc>
-                  <a:txBody>
-                    <a:bodyPr/>
-                    <a:lstStyle/>
-                    <a:p>
-                      <a:pPr latinLnBrk="1"/>
-                      <a:r>
-                        <a:rPr lang="ko-KR" altLang="en-US" dirty="0"/>
-                        <a:t>대분류 </a:t>
-                      </a:r>
-                      <a:r>
-                        <a:rPr lang="en-US" altLang="ko-KR" dirty="0"/>
-                        <a:t>PK - FK</a:t>
-                      </a:r>
-                      <a:endParaRPr lang="ko-KR" altLang="en-US" dirty="0"/>
-                    </a:p>
-                  </a:txBody>
-                  <a:tcPr/>
-                </a:tc>
-                <a:extLst>
-                  <a:ext uri="{0D108BD9-81ED-4DB2-BD59-A6C34878D82A}">
-                    <a16:rowId xmlns:a16="http://schemas.microsoft.com/office/drawing/2014/main" val="996086435"/>
-                  </a:ext>
-                </a:extLst>
-              </a:tr>
-              <a:tr h="370840">
-                <a:tc>
-                  <a:txBody>
-                    <a:bodyPr/>
-                    <a:lstStyle/>
-                    <a:p>
-                      <a:pPr latinLnBrk="1"/>
-                      <a:endParaRPr lang="ko-KR" altLang="en-US"/>
-                    </a:p>
-                  </a:txBody>
-                  <a:tcPr/>
-                </a:tc>
-                <a:tc>
-                  <a:txBody>
-                    <a:bodyPr/>
-                    <a:lstStyle/>
-                    <a:p>
-                      <a:pPr latinLnBrk="1"/>
-                      <a:endParaRPr lang="ko-KR" altLang="en-US" dirty="0"/>
-                    </a:p>
-                  </a:txBody>
-                  <a:tcPr/>
-                </a:tc>
-                <a:tc>
-                  <a:txBody>
-                    <a:bodyPr/>
-                    <a:lstStyle/>
-                    <a:p>
-                      <a:pPr latinLnBrk="1"/>
-                      <a:endParaRPr lang="ko-KR" altLang="en-US" dirty="0"/>
-                    </a:p>
-                  </a:txBody>
-                  <a:tcPr/>
-                </a:tc>
-                <a:extLst>
-                  <a:ext uri="{0D108BD9-81ED-4DB2-BD59-A6C34878D82A}">
-                    <a16:rowId xmlns:a16="http://schemas.microsoft.com/office/drawing/2014/main" val="3771572006"/>
-                  </a:ext>
-                </a:extLst>
-              </a:tr>
-              <a:tr h="370840">
-                <a:tc>
-                  <a:txBody>
-                    <a:bodyPr/>
-                    <a:lstStyle/>
-                    <a:p>
-                      <a:pPr latinLnBrk="1"/>
-                      <a:endParaRPr lang="ko-KR" altLang="en-US"/>
-                    </a:p>
-                  </a:txBody>
-                  <a:tcPr/>
-                </a:tc>
-                <a:tc>
-                  <a:txBody>
-                    <a:bodyPr/>
-                    <a:lstStyle/>
-                    <a:p>
-                      <a:pPr latinLnBrk="1"/>
-                      <a:endParaRPr lang="ko-KR" altLang="en-US" dirty="0"/>
-                    </a:p>
-                  </a:txBody>
-                  <a:tcPr/>
-                </a:tc>
-                <a:tc>
-                  <a:txBody>
-                    <a:bodyPr/>
-                    <a:lstStyle/>
-                    <a:p>
-                      <a:pPr latinLnBrk="1"/>
-                      <a:endParaRPr lang="ko-KR" altLang="en-US" dirty="0"/>
-                    </a:p>
-                  </a:txBody>
-                  <a:tcPr/>
-                </a:tc>
-                <a:extLst>
-                  <a:ext uri="{0D108BD9-81ED-4DB2-BD59-A6C34878D82A}">
-                    <a16:rowId xmlns:a16="http://schemas.microsoft.com/office/drawing/2014/main" val="2646865550"/>
-                  </a:ext>
-                </a:extLst>
-              </a:tr>
-              <a:tr h="370840">
-                <a:tc>
-                  <a:txBody>
-                    <a:bodyPr/>
-                    <a:lstStyle/>
-                    <a:p>
-                      <a:pPr latinLnBrk="1"/>
-                      <a:endParaRPr lang="ko-KR" altLang="en-US"/>
-                    </a:p>
-                  </a:txBody>
-                  <a:tcPr/>
-                </a:tc>
-                <a:tc>
-                  <a:txBody>
-                    <a:bodyPr/>
-                    <a:lstStyle/>
-                    <a:p>
-                      <a:pPr latinLnBrk="1"/>
-                      <a:endParaRPr lang="ko-KR" altLang="en-US" dirty="0"/>
-                    </a:p>
-                  </a:txBody>
-                  <a:tcPr/>
-                </a:tc>
-                <a:tc>
-                  <a:txBody>
-                    <a:bodyPr/>
-                    <a:lstStyle/>
-                    <a:p>
-                      <a:pPr latinLnBrk="1"/>
-                      <a:endParaRPr lang="ko-KR" altLang="en-US" dirty="0"/>
-                    </a:p>
-                  </a:txBody>
-                  <a:tcPr/>
-                </a:tc>
-                <a:extLst>
-                  <a:ext uri="{0D108BD9-81ED-4DB2-BD59-A6C34878D82A}">
-                    <a16:rowId xmlns:a16="http://schemas.microsoft.com/office/drawing/2014/main" val="2042527847"/>
-                  </a:ext>
-                </a:extLst>
-              </a:tr>
-            </a:tbl>
-          </a:graphicData>
-        </a:graphic>
-      </p:graphicFrame>
-      <p:sp>
-        <p:nvSpPr>
-          <p:cNvPr id="7" name="TextBox 6">
-            <a:extLst>
-              <a:ext uri="{FF2B5EF4-FFF2-40B4-BE49-F238E27FC236}">
-                <a16:creationId xmlns:a16="http://schemas.microsoft.com/office/drawing/2014/main" id="{D711851F-20C1-4532-8BB6-07A71010E6BB}"/>
-              </a:ext>
-            </a:extLst>
-          </p:cNvPr>
-          <p:cNvSpPr txBox="1"/>
-          <p:nvPr/>
-        </p:nvSpPr>
-        <p:spPr>
-          <a:xfrm>
-            <a:off x="2133600" y="1330960"/>
-            <a:ext cx="2346960" cy="369332"/>
+      <p:cxnSp>
+        <p:nvCxnSpPr>
+          <p:cNvPr id="2" name="직선 연결선 1">
+            <a:extLst>
+              <a:ext uri="{FF2B5EF4-FFF2-40B4-BE49-F238E27FC236}">
+                <a16:creationId xmlns:a16="http://schemas.microsoft.com/office/drawing/2014/main" id="{2582CA62-A397-4DB4-A2DE-66C216D0502A}"/>
+              </a:ext>
+            </a:extLst>
+          </p:cNvPr>
+          <p:cNvCxnSpPr>
+            <a:cxnSpLocks/>
+            <a:stCxn id="4" idx="2"/>
+            <a:endCxn id="6" idx="0"/>
+          </p:cNvCxnSpPr>
+          <p:nvPr/>
+        </p:nvCxnSpPr>
+        <p:spPr>
+          <a:xfrm>
+            <a:off x="6747914" y="938461"/>
+            <a:ext cx="15643" cy="5336183"/>
+          </a:xfrm>
+          <a:prstGeom prst="line">
+            <a:avLst/>
+          </a:prstGeom>
+        </p:spPr>
+        <p:style>
+          <a:lnRef idx="2">
+            <a:schemeClr val="accent2">
+              <a:shade val="50000"/>
+            </a:schemeClr>
+          </a:lnRef>
+          <a:fillRef idx="1">
+            <a:schemeClr val="accent2"/>
+          </a:fillRef>
+          <a:effectRef idx="0">
+            <a:schemeClr val="accent2"/>
+          </a:effectRef>
+          <a:fontRef idx="minor">
+            <a:schemeClr val="lt1"/>
+          </a:fontRef>
+        </p:style>
+      </p:cxnSp>
+      <p:sp>
+        <p:nvSpPr>
+          <p:cNvPr id="3" name="타원 2">
+            <a:extLst>
+              <a:ext uri="{FF2B5EF4-FFF2-40B4-BE49-F238E27FC236}">
+                <a16:creationId xmlns:a16="http://schemas.microsoft.com/office/drawing/2014/main" id="{2A56E31B-F7DC-42C4-A55B-B7FE9C8B8D3B}"/>
+              </a:ext>
+            </a:extLst>
+          </p:cNvPr>
+          <p:cNvSpPr/>
+          <p:nvPr/>
+        </p:nvSpPr>
+        <p:spPr>
+          <a:xfrm>
+            <a:off x="6370570" y="1074270"/>
+            <a:ext cx="754685" cy="719325"/>
+          </a:xfrm>
+          <a:prstGeom prst="ellipse">
+            <a:avLst/>
+          </a:prstGeom>
+        </p:spPr>
+        <p:style>
+          <a:lnRef idx="2">
+            <a:schemeClr val="accent2">
+              <a:shade val="50000"/>
+            </a:schemeClr>
+          </a:lnRef>
+          <a:fillRef idx="1">
+            <a:schemeClr val="accent2"/>
+          </a:fillRef>
+          <a:effectRef idx="0">
+            <a:schemeClr val="accent2"/>
+          </a:effectRef>
+          <a:fontRef idx="minor">
+            <a:schemeClr val="lt1"/>
+          </a:fontRef>
+        </p:style>
+        <p:txBody>
+          <a:bodyPr rtlCol="0" anchor="ctr"/>
+          <a:lstStyle/>
+          <a:p>
+            <a:pPr algn="ctr"/>
+            <a:r>
+              <a:rPr lang="ko-KR" altLang="en-US" sz="1300" dirty="0"/>
+              <a:t>공지번호</a:t>
+            </a:r>
+          </a:p>
+        </p:txBody>
+      </p:sp>
+      <p:sp>
+        <p:nvSpPr>
+          <p:cNvPr id="4" name="직사각형 3">
+            <a:extLst>
+              <a:ext uri="{FF2B5EF4-FFF2-40B4-BE49-F238E27FC236}">
+                <a16:creationId xmlns:a16="http://schemas.microsoft.com/office/drawing/2014/main" id="{02CC9244-17A3-48D1-A4E6-85DC3A664EB2}"/>
+              </a:ext>
+            </a:extLst>
+          </p:cNvPr>
+          <p:cNvSpPr/>
+          <p:nvPr/>
+        </p:nvSpPr>
+        <p:spPr>
+          <a:xfrm>
+            <a:off x="6186440" y="545431"/>
+            <a:ext cx="1122947" cy="393030"/>
           </a:xfrm>
           <a:prstGeom prst="rect">
             <a:avLst/>
           </a:prstGeom>
-          <a:noFill/>
-        </p:spPr>
-        <p:txBody>
-          <a:bodyPr wrap="square" rtlCol="0">
-            <a:spAutoFit/>
-          </a:bodyPr>
-          <a:lstStyle/>
-          <a:p>
-            <a:r>
-              <a:rPr lang="ko-KR" altLang="en-US" dirty="0"/>
-              <a:t>대분류 </a:t>
-            </a:r>
-            <a:r>
-              <a:rPr lang="en-US" altLang="ko-KR" dirty="0"/>
-              <a:t>table</a:t>
-            </a:r>
-            <a:endParaRPr lang="ko-KR" altLang="en-US" dirty="0"/>
-          </a:p>
-        </p:txBody>
-      </p:sp>
-      <p:sp>
-        <p:nvSpPr>
-          <p:cNvPr id="8" name="TextBox 7">
-            <a:extLst>
-              <a:ext uri="{FF2B5EF4-FFF2-40B4-BE49-F238E27FC236}">
-                <a16:creationId xmlns:a16="http://schemas.microsoft.com/office/drawing/2014/main" id="{49D1C4CF-A022-49C9-A58F-2DAA93588E27}"/>
-              </a:ext>
-            </a:extLst>
-          </p:cNvPr>
-          <p:cNvSpPr txBox="1"/>
-          <p:nvPr/>
-        </p:nvSpPr>
-        <p:spPr>
-          <a:xfrm>
-            <a:off x="2032000" y="3245934"/>
-            <a:ext cx="2346960" cy="369332"/>
+        </p:spPr>
+        <p:style>
+          <a:lnRef idx="2">
+            <a:schemeClr val="accent2">
+              <a:shade val="50000"/>
+            </a:schemeClr>
+          </a:lnRef>
+          <a:fillRef idx="1">
+            <a:schemeClr val="accent2"/>
+          </a:fillRef>
+          <a:effectRef idx="0">
+            <a:schemeClr val="accent2"/>
+          </a:effectRef>
+          <a:fontRef idx="minor">
+            <a:schemeClr val="lt1"/>
+          </a:fontRef>
+        </p:style>
+        <p:txBody>
+          <a:bodyPr rtlCol="0" anchor="ctr"/>
+          <a:lstStyle/>
+          <a:p>
+            <a:pPr algn="ctr"/>
+            <a:r>
+              <a:rPr lang="ko-KR" altLang="en-US" sz="1300" dirty="0"/>
+              <a:t>공지사항</a:t>
+            </a:r>
+          </a:p>
+        </p:txBody>
+      </p:sp>
+      <p:sp>
+        <p:nvSpPr>
+          <p:cNvPr id="5" name="타원 4">
+            <a:extLst>
+              <a:ext uri="{FF2B5EF4-FFF2-40B4-BE49-F238E27FC236}">
+                <a16:creationId xmlns:a16="http://schemas.microsoft.com/office/drawing/2014/main" id="{C555F305-D6A4-4FC7-9F16-7BAF8A0D5773}"/>
+              </a:ext>
+            </a:extLst>
+          </p:cNvPr>
+          <p:cNvSpPr/>
+          <p:nvPr/>
+        </p:nvSpPr>
+        <p:spPr>
+          <a:xfrm>
+            <a:off x="6276467" y="1987215"/>
+            <a:ext cx="974180" cy="622831"/>
+          </a:xfrm>
+          <a:prstGeom prst="ellipse">
+            <a:avLst/>
+          </a:prstGeom>
+        </p:spPr>
+        <p:style>
+          <a:lnRef idx="2">
+            <a:schemeClr val="accent2">
+              <a:shade val="50000"/>
+            </a:schemeClr>
+          </a:lnRef>
+          <a:fillRef idx="1">
+            <a:schemeClr val="accent2"/>
+          </a:fillRef>
+          <a:effectRef idx="0">
+            <a:schemeClr val="accent2"/>
+          </a:effectRef>
+          <a:fontRef idx="minor">
+            <a:schemeClr val="lt1"/>
+          </a:fontRef>
+        </p:style>
+        <p:txBody>
+          <a:bodyPr rtlCol="0" anchor="ctr"/>
+          <a:lstStyle/>
+          <a:p>
+            <a:pPr algn="ctr"/>
+            <a:r>
+              <a:rPr lang="ko-KR" altLang="en-US" sz="1300" dirty="0"/>
+              <a:t>동아리번호</a:t>
+            </a:r>
+          </a:p>
+        </p:txBody>
+      </p:sp>
+      <p:sp>
+        <p:nvSpPr>
+          <p:cNvPr id="6" name="타원 5">
+            <a:extLst>
+              <a:ext uri="{FF2B5EF4-FFF2-40B4-BE49-F238E27FC236}">
+                <a16:creationId xmlns:a16="http://schemas.microsoft.com/office/drawing/2014/main" id="{BD32CF65-B9D2-44A5-ADA7-F82A04F0FB24}"/>
+              </a:ext>
+            </a:extLst>
+          </p:cNvPr>
+          <p:cNvSpPr/>
+          <p:nvPr/>
+        </p:nvSpPr>
+        <p:spPr>
+          <a:xfrm>
+            <a:off x="6426895" y="6274644"/>
+            <a:ext cx="673323" cy="583356"/>
+          </a:xfrm>
+          <a:prstGeom prst="ellipse">
+            <a:avLst/>
+          </a:prstGeom>
+        </p:spPr>
+        <p:style>
+          <a:lnRef idx="2">
+            <a:schemeClr val="accent2">
+              <a:shade val="50000"/>
+            </a:schemeClr>
+          </a:lnRef>
+          <a:fillRef idx="1">
+            <a:schemeClr val="accent2"/>
+          </a:fillRef>
+          <a:effectRef idx="0">
+            <a:schemeClr val="accent2"/>
+          </a:effectRef>
+          <a:fontRef idx="minor">
+            <a:schemeClr val="lt1"/>
+          </a:fontRef>
+        </p:style>
+        <p:txBody>
+          <a:bodyPr rtlCol="0" anchor="ctr"/>
+          <a:lstStyle/>
+          <a:p>
+            <a:pPr algn="ctr"/>
+            <a:endParaRPr lang="ko-KR" altLang="en-US" sz="1300" dirty="0"/>
+          </a:p>
+        </p:txBody>
+      </p:sp>
+      <p:cxnSp>
+        <p:nvCxnSpPr>
+          <p:cNvPr id="7" name="직선 연결선 6">
+            <a:extLst>
+              <a:ext uri="{FF2B5EF4-FFF2-40B4-BE49-F238E27FC236}">
+                <a16:creationId xmlns:a16="http://schemas.microsoft.com/office/drawing/2014/main" id="{A235073D-CE31-485F-9073-3F4DCA6DD193}"/>
+              </a:ext>
+            </a:extLst>
+          </p:cNvPr>
+          <p:cNvCxnSpPr>
+            <a:cxnSpLocks/>
+            <a:stCxn id="5" idx="5"/>
+            <a:endCxn id="5" idx="5"/>
+          </p:cNvCxnSpPr>
+          <p:nvPr/>
+        </p:nvCxnSpPr>
+        <p:spPr>
+          <a:xfrm>
+            <a:off x="7107982" y="2518835"/>
+            <a:ext cx="0" cy="0"/>
+          </a:xfrm>
+          <a:prstGeom prst="line">
+            <a:avLst/>
+          </a:prstGeom>
+        </p:spPr>
+        <p:style>
+          <a:lnRef idx="2">
+            <a:schemeClr val="accent2">
+              <a:shade val="50000"/>
+            </a:schemeClr>
+          </a:lnRef>
+          <a:fillRef idx="1">
+            <a:schemeClr val="accent2"/>
+          </a:fillRef>
+          <a:effectRef idx="0">
+            <a:schemeClr val="accent2"/>
+          </a:effectRef>
+          <a:fontRef idx="minor">
+            <a:schemeClr val="lt1"/>
+          </a:fontRef>
+        </p:style>
+      </p:cxnSp>
+      <p:cxnSp>
+        <p:nvCxnSpPr>
+          <p:cNvPr id="8" name="직선 연결선 7">
+            <a:extLst>
+              <a:ext uri="{FF2B5EF4-FFF2-40B4-BE49-F238E27FC236}">
+                <a16:creationId xmlns:a16="http://schemas.microsoft.com/office/drawing/2014/main" id="{72C39242-254B-434E-87DF-A77EC39A60B5}"/>
+              </a:ext>
+            </a:extLst>
+          </p:cNvPr>
+          <p:cNvCxnSpPr>
+            <a:cxnSpLocks/>
+          </p:cNvCxnSpPr>
+          <p:nvPr/>
+        </p:nvCxnSpPr>
+        <p:spPr>
+          <a:xfrm>
+            <a:off x="6316940" y="1685850"/>
+            <a:ext cx="828294" cy="1201"/>
+          </a:xfrm>
+          <a:prstGeom prst="line">
+            <a:avLst/>
+          </a:prstGeom>
+          <a:ln w="38100">
+            <a:solidFill>
+              <a:schemeClr val="bg1"/>
+            </a:solidFill>
+          </a:ln>
+        </p:spPr>
+        <p:style>
+          <a:lnRef idx="3">
+            <a:schemeClr val="accent2"/>
+          </a:lnRef>
+          <a:fillRef idx="0">
+            <a:schemeClr val="accent2"/>
+          </a:fillRef>
+          <a:effectRef idx="2">
+            <a:schemeClr val="accent2"/>
+          </a:effectRef>
+          <a:fontRef idx="minor">
+            <a:schemeClr val="tx1"/>
+          </a:fontRef>
+        </p:style>
+      </p:cxnSp>
+      <p:sp>
+        <p:nvSpPr>
+          <p:cNvPr id="9" name="타원 8">
+            <a:extLst>
+              <a:ext uri="{FF2B5EF4-FFF2-40B4-BE49-F238E27FC236}">
+                <a16:creationId xmlns:a16="http://schemas.microsoft.com/office/drawing/2014/main" id="{40DF6806-BB7E-427A-96D6-DD8219AFC3C9}"/>
+              </a:ext>
+            </a:extLst>
+          </p:cNvPr>
+          <p:cNvSpPr/>
+          <p:nvPr/>
+        </p:nvSpPr>
+        <p:spPr>
+          <a:xfrm>
+            <a:off x="6335207" y="3262659"/>
+            <a:ext cx="974180" cy="393031"/>
+          </a:xfrm>
+          <a:prstGeom prst="ellipse">
+            <a:avLst/>
+          </a:prstGeom>
+        </p:spPr>
+        <p:style>
+          <a:lnRef idx="2">
+            <a:schemeClr val="accent2">
+              <a:shade val="50000"/>
+            </a:schemeClr>
+          </a:lnRef>
+          <a:fillRef idx="1">
+            <a:schemeClr val="accent2"/>
+          </a:fillRef>
+          <a:effectRef idx="0">
+            <a:schemeClr val="accent2"/>
+          </a:effectRef>
+          <a:fontRef idx="minor">
+            <a:schemeClr val="lt1"/>
+          </a:fontRef>
+        </p:style>
+        <p:txBody>
+          <a:bodyPr rtlCol="0" anchor="ctr"/>
+          <a:lstStyle/>
+          <a:p>
+            <a:pPr algn="ctr"/>
+            <a:r>
+              <a:rPr lang="ko-KR" altLang="en-US" sz="1300" dirty="0"/>
+              <a:t>작성자</a:t>
+            </a:r>
+          </a:p>
+        </p:txBody>
+      </p:sp>
+      <p:cxnSp>
+        <p:nvCxnSpPr>
+          <p:cNvPr id="10" name="직선 연결선 9">
+            <a:extLst>
+              <a:ext uri="{FF2B5EF4-FFF2-40B4-BE49-F238E27FC236}">
+                <a16:creationId xmlns:a16="http://schemas.microsoft.com/office/drawing/2014/main" id="{7D1CBE4B-7FB5-410B-BABA-FC88F9FB90F0}"/>
+              </a:ext>
+            </a:extLst>
+          </p:cNvPr>
+          <p:cNvCxnSpPr>
+            <a:cxnSpLocks/>
+            <a:stCxn id="9" idx="5"/>
+            <a:endCxn id="9" idx="5"/>
+          </p:cNvCxnSpPr>
+          <p:nvPr/>
+        </p:nvCxnSpPr>
+        <p:spPr>
+          <a:xfrm>
+            <a:off x="7166722" y="3598132"/>
+            <a:ext cx="0" cy="0"/>
+          </a:xfrm>
+          <a:prstGeom prst="line">
+            <a:avLst/>
+          </a:prstGeom>
+        </p:spPr>
+        <p:style>
+          <a:lnRef idx="2">
+            <a:schemeClr val="accent2">
+              <a:shade val="50000"/>
+            </a:schemeClr>
+          </a:lnRef>
+          <a:fillRef idx="1">
+            <a:schemeClr val="accent2"/>
+          </a:fillRef>
+          <a:effectRef idx="0">
+            <a:schemeClr val="accent2"/>
+          </a:effectRef>
+          <a:fontRef idx="minor">
+            <a:schemeClr val="lt1"/>
+          </a:fontRef>
+        </p:style>
+      </p:cxnSp>
+      <p:sp>
+        <p:nvSpPr>
+          <p:cNvPr id="11" name="타원 10">
+            <a:extLst>
+              <a:ext uri="{FF2B5EF4-FFF2-40B4-BE49-F238E27FC236}">
+                <a16:creationId xmlns:a16="http://schemas.microsoft.com/office/drawing/2014/main" id="{A8F1726A-DB64-4682-A1CD-1EC3EEFA6A6B}"/>
+              </a:ext>
+            </a:extLst>
+          </p:cNvPr>
+          <p:cNvSpPr/>
+          <p:nvPr/>
+        </p:nvSpPr>
+        <p:spPr>
+          <a:xfrm>
+            <a:off x="6335208" y="3833061"/>
+            <a:ext cx="974180" cy="393031"/>
+          </a:xfrm>
+          <a:prstGeom prst="ellipse">
+            <a:avLst/>
+          </a:prstGeom>
+        </p:spPr>
+        <p:style>
+          <a:lnRef idx="2">
+            <a:schemeClr val="accent2">
+              <a:shade val="50000"/>
+            </a:schemeClr>
+          </a:lnRef>
+          <a:fillRef idx="1">
+            <a:schemeClr val="accent2"/>
+          </a:fillRef>
+          <a:effectRef idx="0">
+            <a:schemeClr val="accent2"/>
+          </a:effectRef>
+          <a:fontRef idx="minor">
+            <a:schemeClr val="lt1"/>
+          </a:fontRef>
+        </p:style>
+        <p:txBody>
+          <a:bodyPr rtlCol="0" anchor="ctr"/>
+          <a:lstStyle/>
+          <a:p>
+            <a:pPr algn="ctr"/>
+            <a:r>
+              <a:rPr lang="ko-KR" altLang="en-US" sz="1300" dirty="0"/>
+              <a:t>내용</a:t>
+            </a:r>
+          </a:p>
+        </p:txBody>
+      </p:sp>
+      <p:sp>
+        <p:nvSpPr>
+          <p:cNvPr id="12" name="타원 11">
+            <a:extLst>
+              <a:ext uri="{FF2B5EF4-FFF2-40B4-BE49-F238E27FC236}">
+                <a16:creationId xmlns:a16="http://schemas.microsoft.com/office/drawing/2014/main" id="{343276FE-91DB-4FC7-BEC3-6195F69AF7A7}"/>
+              </a:ext>
+            </a:extLst>
+          </p:cNvPr>
+          <p:cNvSpPr/>
+          <p:nvPr/>
+        </p:nvSpPr>
+        <p:spPr>
+          <a:xfrm>
+            <a:off x="6335208" y="2739705"/>
+            <a:ext cx="974180" cy="393031"/>
+          </a:xfrm>
+          <a:prstGeom prst="ellipse">
+            <a:avLst/>
+          </a:prstGeom>
+        </p:spPr>
+        <p:style>
+          <a:lnRef idx="2">
+            <a:schemeClr val="accent2">
+              <a:shade val="50000"/>
+            </a:schemeClr>
+          </a:lnRef>
+          <a:fillRef idx="1">
+            <a:schemeClr val="accent2"/>
+          </a:fillRef>
+          <a:effectRef idx="0">
+            <a:schemeClr val="accent2"/>
+          </a:effectRef>
+          <a:fontRef idx="minor">
+            <a:schemeClr val="lt1"/>
+          </a:fontRef>
+        </p:style>
+        <p:txBody>
+          <a:bodyPr rtlCol="0" anchor="ctr"/>
+          <a:lstStyle/>
+          <a:p>
+            <a:pPr algn="ctr"/>
+            <a:r>
+              <a:rPr lang="ko-KR" altLang="en-US" sz="1300" dirty="0"/>
+              <a:t>제목</a:t>
+            </a:r>
+          </a:p>
+        </p:txBody>
+      </p:sp>
+      <p:sp>
+        <p:nvSpPr>
+          <p:cNvPr id="13" name="타원 12">
+            <a:extLst>
+              <a:ext uri="{FF2B5EF4-FFF2-40B4-BE49-F238E27FC236}">
+                <a16:creationId xmlns:a16="http://schemas.microsoft.com/office/drawing/2014/main" id="{0356A322-D13F-456D-986F-6DA98C8F46A8}"/>
+              </a:ext>
+            </a:extLst>
+          </p:cNvPr>
+          <p:cNvSpPr/>
+          <p:nvPr/>
+        </p:nvSpPr>
+        <p:spPr>
+          <a:xfrm>
+            <a:off x="6327054" y="4434849"/>
+            <a:ext cx="841715" cy="488230"/>
+          </a:xfrm>
+          <a:prstGeom prst="ellipse">
+            <a:avLst/>
+          </a:prstGeom>
+        </p:spPr>
+        <p:style>
+          <a:lnRef idx="2">
+            <a:schemeClr val="accent2">
+              <a:shade val="50000"/>
+            </a:schemeClr>
+          </a:lnRef>
+          <a:fillRef idx="1">
+            <a:schemeClr val="accent2"/>
+          </a:fillRef>
+          <a:effectRef idx="0">
+            <a:schemeClr val="accent2"/>
+          </a:effectRef>
+          <a:fontRef idx="minor">
+            <a:schemeClr val="lt1"/>
+          </a:fontRef>
+        </p:style>
+        <p:txBody>
+          <a:bodyPr rtlCol="0" anchor="ctr"/>
+          <a:lstStyle/>
+          <a:p>
+            <a:pPr algn="ctr"/>
+            <a:r>
+              <a:rPr lang="ko-KR" altLang="en-US" sz="1300" dirty="0"/>
+              <a:t>첨부파일</a:t>
+            </a:r>
+          </a:p>
+        </p:txBody>
+      </p:sp>
+      <p:sp>
+        <p:nvSpPr>
+          <p:cNvPr id="14" name="타원 13">
+            <a:extLst>
+              <a:ext uri="{FF2B5EF4-FFF2-40B4-BE49-F238E27FC236}">
+                <a16:creationId xmlns:a16="http://schemas.microsoft.com/office/drawing/2014/main" id="{D18304CC-9622-4A73-9728-D9045735076D}"/>
+              </a:ext>
+            </a:extLst>
+          </p:cNvPr>
+          <p:cNvSpPr/>
+          <p:nvPr/>
+        </p:nvSpPr>
+        <p:spPr>
+          <a:xfrm>
+            <a:off x="6370570" y="5039975"/>
+            <a:ext cx="742646" cy="488230"/>
+          </a:xfrm>
+          <a:prstGeom prst="ellipse">
+            <a:avLst/>
+          </a:prstGeom>
+        </p:spPr>
+        <p:style>
+          <a:lnRef idx="2">
+            <a:schemeClr val="accent2">
+              <a:shade val="50000"/>
+            </a:schemeClr>
+          </a:lnRef>
+          <a:fillRef idx="1">
+            <a:schemeClr val="accent2"/>
+          </a:fillRef>
+          <a:effectRef idx="0">
+            <a:schemeClr val="accent2"/>
+          </a:effectRef>
+          <a:fontRef idx="minor">
+            <a:schemeClr val="lt1"/>
+          </a:fontRef>
+        </p:style>
+        <p:txBody>
+          <a:bodyPr rtlCol="0" anchor="ctr"/>
+          <a:lstStyle/>
+          <a:p>
+            <a:pPr algn="ctr"/>
+            <a:r>
+              <a:rPr lang="ko-KR" altLang="en-US" sz="1300"/>
+              <a:t>작성날짜</a:t>
+            </a:r>
+            <a:endParaRPr lang="ko-KR" altLang="en-US" sz="1300" dirty="0"/>
+          </a:p>
+        </p:txBody>
+      </p:sp>
+      <p:cxnSp>
+        <p:nvCxnSpPr>
+          <p:cNvPr id="15" name="직선 연결선 14">
+            <a:extLst>
+              <a:ext uri="{FF2B5EF4-FFF2-40B4-BE49-F238E27FC236}">
+                <a16:creationId xmlns:a16="http://schemas.microsoft.com/office/drawing/2014/main" id="{D0F375F8-999E-45B6-BFB0-B33656E1C85B}"/>
+              </a:ext>
+            </a:extLst>
+          </p:cNvPr>
+          <p:cNvCxnSpPr>
+            <a:cxnSpLocks/>
+            <a:stCxn id="17" idx="2"/>
+            <a:endCxn id="19" idx="0"/>
+          </p:cNvCxnSpPr>
+          <p:nvPr/>
+        </p:nvCxnSpPr>
+        <p:spPr>
+          <a:xfrm>
+            <a:off x="5106596" y="938461"/>
+            <a:ext cx="42224" cy="5336183"/>
+          </a:xfrm>
+          <a:prstGeom prst="line">
+            <a:avLst/>
+          </a:prstGeom>
+          <a:ln>
+            <a:solidFill>
+              <a:srgbClr val="990033"/>
+            </a:solidFill>
+          </a:ln>
+        </p:spPr>
+        <p:style>
+          <a:lnRef idx="1">
+            <a:schemeClr val="accent6"/>
+          </a:lnRef>
+          <a:fillRef idx="2">
+            <a:schemeClr val="accent6"/>
+          </a:fillRef>
+          <a:effectRef idx="1">
+            <a:schemeClr val="accent6"/>
+          </a:effectRef>
+          <a:fontRef idx="minor">
+            <a:schemeClr val="dk1"/>
+          </a:fontRef>
+        </p:style>
+      </p:cxnSp>
+      <p:sp>
+        <p:nvSpPr>
+          <p:cNvPr id="16" name="타원 15">
+            <a:extLst>
+              <a:ext uri="{FF2B5EF4-FFF2-40B4-BE49-F238E27FC236}">
+                <a16:creationId xmlns:a16="http://schemas.microsoft.com/office/drawing/2014/main" id="{AA88F4B6-D73F-43A1-96F1-8ED1C1426FB3}"/>
+              </a:ext>
+            </a:extLst>
+          </p:cNvPr>
+          <p:cNvSpPr/>
+          <p:nvPr/>
+        </p:nvSpPr>
+        <p:spPr>
+          <a:xfrm>
+            <a:off x="4729252" y="1074270"/>
+            <a:ext cx="754685" cy="719325"/>
+          </a:xfrm>
+          <a:prstGeom prst="ellipse">
+            <a:avLst/>
+          </a:prstGeom>
+          <a:solidFill>
+            <a:srgbClr val="990033">
+              <a:alpha val="69804"/>
+            </a:srgbClr>
+          </a:solidFill>
+          <a:ln>
+            <a:solidFill>
+              <a:srgbClr val="990033"/>
+            </a:solidFill>
+          </a:ln>
+        </p:spPr>
+        <p:style>
+          <a:lnRef idx="1">
+            <a:schemeClr val="accent6"/>
+          </a:lnRef>
+          <a:fillRef idx="2">
+            <a:schemeClr val="accent6"/>
+          </a:fillRef>
+          <a:effectRef idx="1">
+            <a:schemeClr val="accent6"/>
+          </a:effectRef>
+          <a:fontRef idx="minor">
+            <a:schemeClr val="dk1"/>
+          </a:fontRef>
+        </p:style>
+        <p:txBody>
+          <a:bodyPr rtlCol="0" anchor="ctr"/>
+          <a:lstStyle/>
+          <a:p>
+            <a:pPr algn="ctr"/>
+            <a:r>
+              <a:rPr lang="ko-KR" altLang="en-US" sz="1300" dirty="0">
+                <a:solidFill>
+                  <a:schemeClr val="bg1"/>
+                </a:solidFill>
+              </a:rPr>
+              <a:t>자료번호</a:t>
+            </a:r>
+          </a:p>
+        </p:txBody>
+      </p:sp>
+      <p:sp>
+        <p:nvSpPr>
+          <p:cNvPr id="17" name="직사각형 16">
+            <a:extLst>
+              <a:ext uri="{FF2B5EF4-FFF2-40B4-BE49-F238E27FC236}">
+                <a16:creationId xmlns:a16="http://schemas.microsoft.com/office/drawing/2014/main" id="{198FF807-0A04-481F-9267-7EC5AA294C1F}"/>
+              </a:ext>
+            </a:extLst>
+          </p:cNvPr>
+          <p:cNvSpPr/>
+          <p:nvPr/>
+        </p:nvSpPr>
+        <p:spPr>
+          <a:xfrm>
+            <a:off x="4545122" y="545431"/>
+            <a:ext cx="1122947" cy="393030"/>
           </a:xfrm>
           <a:prstGeom prst="rect">
             <a:avLst/>
           </a:prstGeom>
-          <a:noFill/>
-        </p:spPr>
-        <p:txBody>
-          <a:bodyPr wrap="square" rtlCol="0">
-            <a:spAutoFit/>
-          </a:bodyPr>
-          <a:lstStyle/>
-          <a:p>
-            <a:r>
-              <a:rPr lang="ko-KR" altLang="en-US"/>
-              <a:t>소분류 </a:t>
-            </a:r>
-            <a:r>
-              <a:rPr lang="en-US" altLang="ko-KR" dirty="0"/>
-              <a:t>table</a:t>
-            </a:r>
-            <a:endParaRPr lang="ko-KR" altLang="en-US" dirty="0"/>
+          <a:solidFill>
+            <a:srgbClr val="990033">
+              <a:alpha val="69804"/>
+            </a:srgbClr>
+          </a:solidFill>
+          <a:ln>
+            <a:solidFill>
+              <a:srgbClr val="990033"/>
+            </a:solidFill>
+          </a:ln>
+        </p:spPr>
+        <p:style>
+          <a:lnRef idx="1">
+            <a:schemeClr val="accent6"/>
+          </a:lnRef>
+          <a:fillRef idx="2">
+            <a:schemeClr val="accent6"/>
+          </a:fillRef>
+          <a:effectRef idx="1">
+            <a:schemeClr val="accent6"/>
+          </a:effectRef>
+          <a:fontRef idx="minor">
+            <a:schemeClr val="dk1"/>
+          </a:fontRef>
+        </p:style>
+        <p:txBody>
+          <a:bodyPr rtlCol="0" anchor="ctr"/>
+          <a:lstStyle/>
+          <a:p>
+            <a:pPr algn="ctr"/>
+            <a:r>
+              <a:rPr lang="ko-KR" altLang="en-US" sz="1300" dirty="0">
+                <a:solidFill>
+                  <a:schemeClr val="bg1"/>
+                </a:solidFill>
+              </a:rPr>
+              <a:t>자료실</a:t>
+            </a:r>
+          </a:p>
+        </p:txBody>
+      </p:sp>
+      <p:sp>
+        <p:nvSpPr>
+          <p:cNvPr id="18" name="타원 17">
+            <a:extLst>
+              <a:ext uri="{FF2B5EF4-FFF2-40B4-BE49-F238E27FC236}">
+                <a16:creationId xmlns:a16="http://schemas.microsoft.com/office/drawing/2014/main" id="{D7293AA4-783B-4E0B-B91F-8E9854BBEF15}"/>
+              </a:ext>
+            </a:extLst>
+          </p:cNvPr>
+          <p:cNvSpPr/>
+          <p:nvPr/>
+        </p:nvSpPr>
+        <p:spPr>
+          <a:xfrm>
+            <a:off x="4635149" y="1987215"/>
+            <a:ext cx="974180" cy="622831"/>
+          </a:xfrm>
+          <a:prstGeom prst="ellipse">
+            <a:avLst/>
+          </a:prstGeom>
+          <a:solidFill>
+            <a:srgbClr val="990033">
+              <a:alpha val="69804"/>
+            </a:srgbClr>
+          </a:solidFill>
+          <a:ln>
+            <a:solidFill>
+              <a:srgbClr val="990033"/>
+            </a:solidFill>
+          </a:ln>
+        </p:spPr>
+        <p:style>
+          <a:lnRef idx="1">
+            <a:schemeClr val="accent6"/>
+          </a:lnRef>
+          <a:fillRef idx="2">
+            <a:schemeClr val="accent6"/>
+          </a:fillRef>
+          <a:effectRef idx="1">
+            <a:schemeClr val="accent6"/>
+          </a:effectRef>
+          <a:fontRef idx="minor">
+            <a:schemeClr val="dk1"/>
+          </a:fontRef>
+        </p:style>
+        <p:txBody>
+          <a:bodyPr rtlCol="0" anchor="ctr"/>
+          <a:lstStyle/>
+          <a:p>
+            <a:pPr algn="ctr"/>
+            <a:r>
+              <a:rPr lang="ko-KR" altLang="en-US" sz="1300" dirty="0">
+                <a:solidFill>
+                  <a:schemeClr val="bg1"/>
+                </a:solidFill>
+              </a:rPr>
+              <a:t>동아리번호</a:t>
+            </a:r>
+          </a:p>
+        </p:txBody>
+      </p:sp>
+      <p:sp>
+        <p:nvSpPr>
+          <p:cNvPr id="19" name="타원 18">
+            <a:extLst>
+              <a:ext uri="{FF2B5EF4-FFF2-40B4-BE49-F238E27FC236}">
+                <a16:creationId xmlns:a16="http://schemas.microsoft.com/office/drawing/2014/main" id="{FC8A9571-E92A-4F6C-BF33-0DF3D76E3CC5}"/>
+              </a:ext>
+            </a:extLst>
+          </p:cNvPr>
+          <p:cNvSpPr/>
+          <p:nvPr/>
+        </p:nvSpPr>
+        <p:spPr>
+          <a:xfrm>
+            <a:off x="4785577" y="6274644"/>
+            <a:ext cx="726485" cy="583356"/>
+          </a:xfrm>
+          <a:prstGeom prst="ellipse">
+            <a:avLst/>
+          </a:prstGeom>
+          <a:solidFill>
+            <a:srgbClr val="990033">
+              <a:alpha val="69804"/>
+            </a:srgbClr>
+          </a:solidFill>
+          <a:ln>
+            <a:solidFill>
+              <a:srgbClr val="990033"/>
+            </a:solidFill>
+          </a:ln>
+        </p:spPr>
+        <p:style>
+          <a:lnRef idx="1">
+            <a:schemeClr val="accent6"/>
+          </a:lnRef>
+          <a:fillRef idx="2">
+            <a:schemeClr val="accent6"/>
+          </a:fillRef>
+          <a:effectRef idx="1">
+            <a:schemeClr val="accent6"/>
+          </a:effectRef>
+          <a:fontRef idx="minor">
+            <a:schemeClr val="dk1"/>
+          </a:fontRef>
+        </p:style>
+        <p:txBody>
+          <a:bodyPr rtlCol="0" anchor="ctr"/>
+          <a:lstStyle/>
+          <a:p>
+            <a:pPr algn="ctr"/>
+            <a:r>
+              <a:rPr lang="ko-KR" altLang="en-US" sz="1300">
+                <a:solidFill>
+                  <a:schemeClr val="bg1"/>
+                </a:solidFill>
+              </a:rPr>
+              <a:t>소분류명</a:t>
+            </a:r>
+            <a:endParaRPr lang="ko-KR" altLang="en-US" sz="1300" dirty="0">
+              <a:solidFill>
+                <a:schemeClr val="bg1"/>
+              </a:solidFill>
+            </a:endParaRPr>
+          </a:p>
+        </p:txBody>
+      </p:sp>
+      <p:cxnSp>
+        <p:nvCxnSpPr>
+          <p:cNvPr id="20" name="직선 연결선 19">
+            <a:extLst>
+              <a:ext uri="{FF2B5EF4-FFF2-40B4-BE49-F238E27FC236}">
+                <a16:creationId xmlns:a16="http://schemas.microsoft.com/office/drawing/2014/main" id="{6A766C26-B869-46DB-9A9C-C1107EA7A262}"/>
+              </a:ext>
+            </a:extLst>
+          </p:cNvPr>
+          <p:cNvCxnSpPr>
+            <a:cxnSpLocks/>
+            <a:stCxn id="18" idx="5"/>
+            <a:endCxn id="18" idx="5"/>
+          </p:cNvCxnSpPr>
+          <p:nvPr/>
+        </p:nvCxnSpPr>
+        <p:spPr>
+          <a:xfrm>
+            <a:off x="5466664" y="2518835"/>
+            <a:ext cx="0" cy="0"/>
+          </a:xfrm>
+          <a:prstGeom prst="line">
+            <a:avLst/>
+          </a:prstGeom>
+          <a:ln>
+            <a:solidFill>
+              <a:srgbClr val="990033"/>
+            </a:solidFill>
+          </a:ln>
+        </p:spPr>
+        <p:style>
+          <a:lnRef idx="1">
+            <a:schemeClr val="accent6"/>
+          </a:lnRef>
+          <a:fillRef idx="2">
+            <a:schemeClr val="accent6"/>
+          </a:fillRef>
+          <a:effectRef idx="1">
+            <a:schemeClr val="accent6"/>
+          </a:effectRef>
+          <a:fontRef idx="minor">
+            <a:schemeClr val="dk1"/>
+          </a:fontRef>
+        </p:style>
+      </p:cxnSp>
+      <p:sp>
+        <p:nvSpPr>
+          <p:cNvPr id="21" name="타원 20">
+            <a:extLst>
+              <a:ext uri="{FF2B5EF4-FFF2-40B4-BE49-F238E27FC236}">
+                <a16:creationId xmlns:a16="http://schemas.microsoft.com/office/drawing/2014/main" id="{33CA889A-793E-448C-AA01-93471349A366}"/>
+              </a:ext>
+            </a:extLst>
+          </p:cNvPr>
+          <p:cNvSpPr/>
+          <p:nvPr/>
+        </p:nvSpPr>
+        <p:spPr>
+          <a:xfrm>
+            <a:off x="4635148" y="3262659"/>
+            <a:ext cx="974180" cy="393031"/>
+          </a:xfrm>
+          <a:prstGeom prst="ellipse">
+            <a:avLst/>
+          </a:prstGeom>
+          <a:solidFill>
+            <a:srgbClr val="990033">
+              <a:alpha val="69804"/>
+            </a:srgbClr>
+          </a:solidFill>
+          <a:ln>
+            <a:solidFill>
+              <a:srgbClr val="990033"/>
+            </a:solidFill>
+          </a:ln>
+        </p:spPr>
+        <p:style>
+          <a:lnRef idx="1">
+            <a:schemeClr val="accent6"/>
+          </a:lnRef>
+          <a:fillRef idx="2">
+            <a:schemeClr val="accent6"/>
+          </a:fillRef>
+          <a:effectRef idx="1">
+            <a:schemeClr val="accent6"/>
+          </a:effectRef>
+          <a:fontRef idx="minor">
+            <a:schemeClr val="dk1"/>
+          </a:fontRef>
+        </p:style>
+        <p:txBody>
+          <a:bodyPr rtlCol="0" anchor="ctr"/>
+          <a:lstStyle/>
+          <a:p>
+            <a:pPr algn="ctr"/>
+            <a:r>
+              <a:rPr lang="ko-KR" altLang="en-US" sz="1300" dirty="0">
+                <a:solidFill>
+                  <a:schemeClr val="bg1"/>
+                </a:solidFill>
+              </a:rPr>
+              <a:t>작성자</a:t>
+            </a:r>
+          </a:p>
+        </p:txBody>
+      </p:sp>
+      <p:cxnSp>
+        <p:nvCxnSpPr>
+          <p:cNvPr id="22" name="직선 연결선 21">
+            <a:extLst>
+              <a:ext uri="{FF2B5EF4-FFF2-40B4-BE49-F238E27FC236}">
+                <a16:creationId xmlns:a16="http://schemas.microsoft.com/office/drawing/2014/main" id="{BFDE820A-6B81-45AF-8D2A-E22DF2CFA797}"/>
+              </a:ext>
+            </a:extLst>
+          </p:cNvPr>
+          <p:cNvCxnSpPr>
+            <a:cxnSpLocks/>
+            <a:stCxn id="21" idx="5"/>
+            <a:endCxn id="21" idx="5"/>
+          </p:cNvCxnSpPr>
+          <p:nvPr/>
+        </p:nvCxnSpPr>
+        <p:spPr>
+          <a:xfrm>
+            <a:off x="5466663" y="3598132"/>
+            <a:ext cx="0" cy="0"/>
+          </a:xfrm>
+          <a:prstGeom prst="line">
+            <a:avLst/>
+          </a:prstGeom>
+          <a:ln>
+            <a:solidFill>
+              <a:srgbClr val="990033"/>
+            </a:solidFill>
+          </a:ln>
+        </p:spPr>
+        <p:style>
+          <a:lnRef idx="1">
+            <a:schemeClr val="accent6"/>
+          </a:lnRef>
+          <a:fillRef idx="2">
+            <a:schemeClr val="accent6"/>
+          </a:fillRef>
+          <a:effectRef idx="1">
+            <a:schemeClr val="accent6"/>
+          </a:effectRef>
+          <a:fontRef idx="minor">
+            <a:schemeClr val="dk1"/>
+          </a:fontRef>
+        </p:style>
+      </p:cxnSp>
+      <p:sp>
+        <p:nvSpPr>
+          <p:cNvPr id="23" name="타원 22">
+            <a:extLst>
+              <a:ext uri="{FF2B5EF4-FFF2-40B4-BE49-F238E27FC236}">
+                <a16:creationId xmlns:a16="http://schemas.microsoft.com/office/drawing/2014/main" id="{1DBB3E9D-5413-45BE-9205-B082A4CF040B}"/>
+              </a:ext>
+            </a:extLst>
+          </p:cNvPr>
+          <p:cNvSpPr/>
+          <p:nvPr/>
+        </p:nvSpPr>
+        <p:spPr>
+          <a:xfrm>
+            <a:off x="4627327" y="3833061"/>
+            <a:ext cx="974180" cy="393031"/>
+          </a:xfrm>
+          <a:prstGeom prst="ellipse">
+            <a:avLst/>
+          </a:prstGeom>
+          <a:solidFill>
+            <a:srgbClr val="990033">
+              <a:alpha val="69804"/>
+            </a:srgbClr>
+          </a:solidFill>
+          <a:ln>
+            <a:solidFill>
+              <a:srgbClr val="990033"/>
+            </a:solidFill>
+          </a:ln>
+        </p:spPr>
+        <p:style>
+          <a:lnRef idx="1">
+            <a:schemeClr val="accent6"/>
+          </a:lnRef>
+          <a:fillRef idx="2">
+            <a:schemeClr val="accent6"/>
+          </a:fillRef>
+          <a:effectRef idx="1">
+            <a:schemeClr val="accent6"/>
+          </a:effectRef>
+          <a:fontRef idx="minor">
+            <a:schemeClr val="dk1"/>
+          </a:fontRef>
+        </p:style>
+        <p:txBody>
+          <a:bodyPr rtlCol="0" anchor="ctr"/>
+          <a:lstStyle/>
+          <a:p>
+            <a:pPr algn="ctr"/>
+            <a:r>
+              <a:rPr lang="ko-KR" altLang="en-US" sz="1300" dirty="0">
+                <a:solidFill>
+                  <a:schemeClr val="bg1"/>
+                </a:solidFill>
+              </a:rPr>
+              <a:t>내용</a:t>
+            </a:r>
+          </a:p>
+        </p:txBody>
+      </p:sp>
+      <p:sp>
+        <p:nvSpPr>
+          <p:cNvPr id="24" name="타원 23">
+            <a:extLst>
+              <a:ext uri="{FF2B5EF4-FFF2-40B4-BE49-F238E27FC236}">
+                <a16:creationId xmlns:a16="http://schemas.microsoft.com/office/drawing/2014/main" id="{C666B3FB-332F-4BAD-9593-AFC6D4FF8751}"/>
+              </a:ext>
+            </a:extLst>
+          </p:cNvPr>
+          <p:cNvSpPr/>
+          <p:nvPr/>
+        </p:nvSpPr>
+        <p:spPr>
+          <a:xfrm>
+            <a:off x="4640689" y="2739705"/>
+            <a:ext cx="974180" cy="393031"/>
+          </a:xfrm>
+          <a:prstGeom prst="ellipse">
+            <a:avLst/>
+          </a:prstGeom>
+          <a:solidFill>
+            <a:srgbClr val="990033">
+              <a:alpha val="69804"/>
+            </a:srgbClr>
+          </a:solidFill>
+          <a:ln>
+            <a:solidFill>
+              <a:srgbClr val="990033"/>
+            </a:solidFill>
+          </a:ln>
+        </p:spPr>
+        <p:style>
+          <a:lnRef idx="1">
+            <a:schemeClr val="accent6"/>
+          </a:lnRef>
+          <a:fillRef idx="2">
+            <a:schemeClr val="accent6"/>
+          </a:fillRef>
+          <a:effectRef idx="1">
+            <a:schemeClr val="accent6"/>
+          </a:effectRef>
+          <a:fontRef idx="minor">
+            <a:schemeClr val="dk1"/>
+          </a:fontRef>
+        </p:style>
+        <p:txBody>
+          <a:bodyPr rtlCol="0" anchor="ctr"/>
+          <a:lstStyle/>
+          <a:p>
+            <a:pPr algn="ctr"/>
+            <a:r>
+              <a:rPr lang="ko-KR" altLang="en-US" sz="1300" dirty="0">
+                <a:solidFill>
+                  <a:schemeClr val="bg1"/>
+                </a:solidFill>
+              </a:rPr>
+              <a:t>제목</a:t>
+            </a:r>
+          </a:p>
+        </p:txBody>
+      </p:sp>
+      <p:sp>
+        <p:nvSpPr>
+          <p:cNvPr id="25" name="타원 24">
+            <a:extLst>
+              <a:ext uri="{FF2B5EF4-FFF2-40B4-BE49-F238E27FC236}">
+                <a16:creationId xmlns:a16="http://schemas.microsoft.com/office/drawing/2014/main" id="{4B40AC10-40CD-419E-887A-F13E91CC8AEF}"/>
+              </a:ext>
+            </a:extLst>
+          </p:cNvPr>
+          <p:cNvSpPr/>
+          <p:nvPr/>
+        </p:nvSpPr>
+        <p:spPr>
+          <a:xfrm>
+            <a:off x="4708544" y="4434849"/>
+            <a:ext cx="841715" cy="488230"/>
+          </a:xfrm>
+          <a:prstGeom prst="ellipse">
+            <a:avLst/>
+          </a:prstGeom>
+          <a:solidFill>
+            <a:srgbClr val="990033">
+              <a:alpha val="69804"/>
+            </a:srgbClr>
+          </a:solidFill>
+          <a:ln>
+            <a:solidFill>
+              <a:srgbClr val="990033"/>
+            </a:solidFill>
+          </a:ln>
+        </p:spPr>
+        <p:style>
+          <a:lnRef idx="1">
+            <a:schemeClr val="accent6"/>
+          </a:lnRef>
+          <a:fillRef idx="2">
+            <a:schemeClr val="accent6"/>
+          </a:fillRef>
+          <a:effectRef idx="1">
+            <a:schemeClr val="accent6"/>
+          </a:effectRef>
+          <a:fontRef idx="minor">
+            <a:schemeClr val="dk1"/>
+          </a:fontRef>
+        </p:style>
+        <p:txBody>
+          <a:bodyPr rtlCol="0" anchor="ctr"/>
+          <a:lstStyle/>
+          <a:p>
+            <a:pPr algn="ctr"/>
+            <a:r>
+              <a:rPr lang="ko-KR" altLang="en-US" sz="1300" dirty="0">
+                <a:solidFill>
+                  <a:schemeClr val="bg1"/>
+                </a:solidFill>
+              </a:rPr>
+              <a:t>첨부파일</a:t>
+            </a:r>
+          </a:p>
+        </p:txBody>
+      </p:sp>
+      <p:sp>
+        <p:nvSpPr>
+          <p:cNvPr id="26" name="타원 25">
+            <a:extLst>
+              <a:ext uri="{FF2B5EF4-FFF2-40B4-BE49-F238E27FC236}">
+                <a16:creationId xmlns:a16="http://schemas.microsoft.com/office/drawing/2014/main" id="{4D5CA6F4-0C26-4F66-A287-7647F29DEA4E}"/>
+              </a:ext>
+            </a:extLst>
+          </p:cNvPr>
+          <p:cNvSpPr/>
+          <p:nvPr/>
+        </p:nvSpPr>
+        <p:spPr>
+          <a:xfrm>
+            <a:off x="4729252" y="5039975"/>
+            <a:ext cx="742646" cy="488230"/>
+          </a:xfrm>
+          <a:prstGeom prst="ellipse">
+            <a:avLst/>
+          </a:prstGeom>
+          <a:solidFill>
+            <a:srgbClr val="990033">
+              <a:alpha val="69804"/>
+            </a:srgbClr>
+          </a:solidFill>
+          <a:ln>
+            <a:solidFill>
+              <a:srgbClr val="990033"/>
+            </a:solidFill>
+          </a:ln>
+        </p:spPr>
+        <p:style>
+          <a:lnRef idx="1">
+            <a:schemeClr val="accent6"/>
+          </a:lnRef>
+          <a:fillRef idx="2">
+            <a:schemeClr val="accent6"/>
+          </a:fillRef>
+          <a:effectRef idx="1">
+            <a:schemeClr val="accent6"/>
+          </a:effectRef>
+          <a:fontRef idx="minor">
+            <a:schemeClr val="dk1"/>
+          </a:fontRef>
+        </p:style>
+        <p:txBody>
+          <a:bodyPr rtlCol="0" anchor="ctr"/>
+          <a:lstStyle/>
+          <a:p>
+            <a:pPr algn="ctr"/>
+            <a:r>
+              <a:rPr lang="ko-KR" altLang="en-US" sz="1300">
+                <a:solidFill>
+                  <a:schemeClr val="bg1"/>
+                </a:solidFill>
+              </a:rPr>
+              <a:t>작성날짜</a:t>
+            </a:r>
+            <a:endParaRPr lang="ko-KR" altLang="en-US" sz="1300" dirty="0">
+              <a:solidFill>
+                <a:schemeClr val="bg1"/>
+              </a:solidFill>
+            </a:endParaRPr>
+          </a:p>
+        </p:txBody>
+      </p:sp>
+      <p:cxnSp>
+        <p:nvCxnSpPr>
+          <p:cNvPr id="27" name="직선 연결선 26">
+            <a:extLst>
+              <a:ext uri="{FF2B5EF4-FFF2-40B4-BE49-F238E27FC236}">
+                <a16:creationId xmlns:a16="http://schemas.microsoft.com/office/drawing/2014/main" id="{CF4D553E-8B75-483C-89A8-5A088DCCB818}"/>
+              </a:ext>
+            </a:extLst>
+          </p:cNvPr>
+          <p:cNvCxnSpPr>
+            <a:cxnSpLocks/>
+          </p:cNvCxnSpPr>
+          <p:nvPr/>
+        </p:nvCxnSpPr>
+        <p:spPr>
+          <a:xfrm>
+            <a:off x="4655643" y="1684900"/>
+            <a:ext cx="828294" cy="1201"/>
+          </a:xfrm>
+          <a:prstGeom prst="line">
+            <a:avLst/>
+          </a:prstGeom>
+          <a:ln w="38100">
+            <a:solidFill>
+              <a:schemeClr val="bg1"/>
+            </a:solidFill>
+          </a:ln>
+        </p:spPr>
+        <p:style>
+          <a:lnRef idx="3">
+            <a:schemeClr val="accent2"/>
+          </a:lnRef>
+          <a:fillRef idx="0">
+            <a:schemeClr val="accent2"/>
+          </a:fillRef>
+          <a:effectRef idx="2">
+            <a:schemeClr val="accent2"/>
+          </a:effectRef>
+          <a:fontRef idx="minor">
+            <a:schemeClr val="tx1"/>
+          </a:fontRef>
+        </p:style>
+      </p:cxnSp>
+      <p:sp>
+        <p:nvSpPr>
+          <p:cNvPr id="28" name="타원 27">
+            <a:extLst>
+              <a:ext uri="{FF2B5EF4-FFF2-40B4-BE49-F238E27FC236}">
+                <a16:creationId xmlns:a16="http://schemas.microsoft.com/office/drawing/2014/main" id="{29F14DCE-76B6-40CB-A688-B5B6649F6477}"/>
+              </a:ext>
+            </a:extLst>
+          </p:cNvPr>
+          <p:cNvSpPr/>
+          <p:nvPr/>
+        </p:nvSpPr>
+        <p:spPr>
+          <a:xfrm>
+            <a:off x="4745413" y="5639109"/>
+            <a:ext cx="726485" cy="488230"/>
+          </a:xfrm>
+          <a:prstGeom prst="ellipse">
+            <a:avLst/>
+          </a:prstGeom>
+          <a:solidFill>
+            <a:srgbClr val="990033">
+              <a:alpha val="69804"/>
+            </a:srgbClr>
+          </a:solidFill>
+          <a:ln>
+            <a:solidFill>
+              <a:srgbClr val="990033"/>
+            </a:solidFill>
+          </a:ln>
+        </p:spPr>
+        <p:style>
+          <a:lnRef idx="1">
+            <a:schemeClr val="accent6"/>
+          </a:lnRef>
+          <a:fillRef idx="2">
+            <a:schemeClr val="accent6"/>
+          </a:fillRef>
+          <a:effectRef idx="1">
+            <a:schemeClr val="accent6"/>
+          </a:effectRef>
+          <a:fontRef idx="minor">
+            <a:schemeClr val="dk1"/>
+          </a:fontRef>
+        </p:style>
+        <p:txBody>
+          <a:bodyPr rtlCol="0" anchor="ctr"/>
+          <a:lstStyle/>
+          <a:p>
+            <a:pPr algn="ctr"/>
+            <a:r>
+              <a:rPr lang="ko-KR" altLang="en-US" sz="1300">
+                <a:solidFill>
+                  <a:schemeClr val="bg1"/>
+                </a:solidFill>
+              </a:rPr>
+              <a:t>대분류명</a:t>
+            </a:r>
+            <a:endParaRPr lang="ko-KR" altLang="en-US" sz="1300" dirty="0">
+              <a:solidFill>
+                <a:schemeClr val="bg1"/>
+              </a:solidFill>
+            </a:endParaRPr>
+          </a:p>
+        </p:txBody>
+      </p:sp>
+      <p:cxnSp>
+        <p:nvCxnSpPr>
+          <p:cNvPr id="29" name="직선 연결선 28">
+            <a:extLst>
+              <a:ext uri="{FF2B5EF4-FFF2-40B4-BE49-F238E27FC236}">
+                <a16:creationId xmlns:a16="http://schemas.microsoft.com/office/drawing/2014/main" id="{16C84C4F-2C25-494F-B09F-2FDA36FE74F8}"/>
+              </a:ext>
+            </a:extLst>
+          </p:cNvPr>
+          <p:cNvCxnSpPr>
+            <a:cxnSpLocks/>
+            <a:stCxn id="31" idx="2"/>
+            <a:endCxn id="33" idx="0"/>
+          </p:cNvCxnSpPr>
+          <p:nvPr/>
+        </p:nvCxnSpPr>
+        <p:spPr>
+          <a:xfrm>
+            <a:off x="10315398" y="938461"/>
+            <a:ext cx="57740" cy="5336183"/>
+          </a:xfrm>
+          <a:prstGeom prst="line">
+            <a:avLst/>
+          </a:prstGeom>
+          <a:ln>
+            <a:solidFill>
+              <a:schemeClr val="tx2"/>
+            </a:solidFill>
+          </a:ln>
+        </p:spPr>
+        <p:style>
+          <a:lnRef idx="2">
+            <a:schemeClr val="accent2">
+              <a:shade val="50000"/>
+            </a:schemeClr>
+          </a:lnRef>
+          <a:fillRef idx="1">
+            <a:schemeClr val="accent2"/>
+          </a:fillRef>
+          <a:effectRef idx="0">
+            <a:schemeClr val="accent2"/>
+          </a:effectRef>
+          <a:fontRef idx="minor">
+            <a:schemeClr val="lt1"/>
+          </a:fontRef>
+        </p:style>
+      </p:cxnSp>
+      <p:sp>
+        <p:nvSpPr>
+          <p:cNvPr id="30" name="타원 29">
+            <a:extLst>
+              <a:ext uri="{FF2B5EF4-FFF2-40B4-BE49-F238E27FC236}">
+                <a16:creationId xmlns:a16="http://schemas.microsoft.com/office/drawing/2014/main" id="{FB122963-EA71-4CE4-BB85-1AEB85E0AD6F}"/>
+              </a:ext>
+            </a:extLst>
+          </p:cNvPr>
+          <p:cNvSpPr/>
+          <p:nvPr/>
+        </p:nvSpPr>
+        <p:spPr>
+          <a:xfrm>
+            <a:off x="9938054" y="1074270"/>
+            <a:ext cx="754685" cy="719325"/>
+          </a:xfrm>
+          <a:prstGeom prst="ellipse">
+            <a:avLst/>
+          </a:prstGeom>
+          <a:solidFill>
+            <a:schemeClr val="tx2">
+              <a:lumMod val="75000"/>
+            </a:schemeClr>
+          </a:solidFill>
+          <a:ln>
+            <a:solidFill>
+              <a:schemeClr val="tx2"/>
+            </a:solidFill>
+          </a:ln>
+        </p:spPr>
+        <p:style>
+          <a:lnRef idx="2">
+            <a:schemeClr val="accent2">
+              <a:shade val="50000"/>
+            </a:schemeClr>
+          </a:lnRef>
+          <a:fillRef idx="1">
+            <a:schemeClr val="accent2"/>
+          </a:fillRef>
+          <a:effectRef idx="0">
+            <a:schemeClr val="accent2"/>
+          </a:effectRef>
+          <a:fontRef idx="minor">
+            <a:schemeClr val="lt1"/>
+          </a:fontRef>
+        </p:style>
+        <p:txBody>
+          <a:bodyPr rtlCol="0" anchor="ctr"/>
+          <a:lstStyle/>
+          <a:p>
+            <a:pPr algn="ctr"/>
+            <a:r>
+              <a:rPr lang="ko-KR" altLang="en-US" sz="1300" dirty="0"/>
+              <a:t>신청번호</a:t>
+            </a:r>
+          </a:p>
+        </p:txBody>
+      </p:sp>
+      <p:sp>
+        <p:nvSpPr>
+          <p:cNvPr id="31" name="직사각형 30">
+            <a:extLst>
+              <a:ext uri="{FF2B5EF4-FFF2-40B4-BE49-F238E27FC236}">
+                <a16:creationId xmlns:a16="http://schemas.microsoft.com/office/drawing/2014/main" id="{E7AD4833-A157-4341-B0BD-FFCDF4BD6751}"/>
+              </a:ext>
+            </a:extLst>
+          </p:cNvPr>
+          <p:cNvSpPr/>
+          <p:nvPr/>
+        </p:nvSpPr>
+        <p:spPr>
+          <a:xfrm>
+            <a:off x="9753924" y="545431"/>
+            <a:ext cx="1122947" cy="393030"/>
+          </a:xfrm>
+          <a:prstGeom prst="rect">
+            <a:avLst/>
+          </a:prstGeom>
+          <a:solidFill>
+            <a:schemeClr val="tx2">
+              <a:lumMod val="75000"/>
+            </a:schemeClr>
+          </a:solidFill>
+          <a:ln>
+            <a:solidFill>
+              <a:schemeClr val="tx2"/>
+            </a:solidFill>
+          </a:ln>
+        </p:spPr>
+        <p:style>
+          <a:lnRef idx="2">
+            <a:schemeClr val="accent2">
+              <a:shade val="50000"/>
+            </a:schemeClr>
+          </a:lnRef>
+          <a:fillRef idx="1">
+            <a:schemeClr val="accent2"/>
+          </a:fillRef>
+          <a:effectRef idx="0">
+            <a:schemeClr val="accent2"/>
+          </a:effectRef>
+          <a:fontRef idx="minor">
+            <a:schemeClr val="lt1"/>
+          </a:fontRef>
+        </p:style>
+        <p:txBody>
+          <a:bodyPr rtlCol="0" anchor="ctr"/>
+          <a:lstStyle/>
+          <a:p>
+            <a:pPr algn="ctr"/>
+            <a:r>
+              <a:rPr lang="ko-KR" altLang="en-US" sz="1300" dirty="0"/>
+              <a:t>가입신청서</a:t>
+            </a:r>
+          </a:p>
+        </p:txBody>
+      </p:sp>
+      <p:sp>
+        <p:nvSpPr>
+          <p:cNvPr id="32" name="타원 31">
+            <a:extLst>
+              <a:ext uri="{FF2B5EF4-FFF2-40B4-BE49-F238E27FC236}">
+                <a16:creationId xmlns:a16="http://schemas.microsoft.com/office/drawing/2014/main" id="{D970BE67-36A1-4668-B710-A8C322B72B5F}"/>
+              </a:ext>
+            </a:extLst>
+          </p:cNvPr>
+          <p:cNvSpPr/>
+          <p:nvPr/>
+        </p:nvSpPr>
+        <p:spPr>
+          <a:xfrm>
+            <a:off x="9843951" y="1987215"/>
+            <a:ext cx="974180" cy="622831"/>
+          </a:xfrm>
+          <a:prstGeom prst="ellipse">
+            <a:avLst/>
+          </a:prstGeom>
+          <a:solidFill>
+            <a:schemeClr val="tx2">
+              <a:lumMod val="75000"/>
+            </a:schemeClr>
+          </a:solidFill>
+          <a:ln>
+            <a:solidFill>
+              <a:schemeClr val="tx2"/>
+            </a:solidFill>
+          </a:ln>
+        </p:spPr>
+        <p:style>
+          <a:lnRef idx="2">
+            <a:schemeClr val="accent2">
+              <a:shade val="50000"/>
+            </a:schemeClr>
+          </a:lnRef>
+          <a:fillRef idx="1">
+            <a:schemeClr val="accent2"/>
+          </a:fillRef>
+          <a:effectRef idx="0">
+            <a:schemeClr val="accent2"/>
+          </a:effectRef>
+          <a:fontRef idx="minor">
+            <a:schemeClr val="lt1"/>
+          </a:fontRef>
+        </p:style>
+        <p:txBody>
+          <a:bodyPr rtlCol="0" anchor="ctr"/>
+          <a:lstStyle/>
+          <a:p>
+            <a:pPr algn="ctr"/>
+            <a:r>
+              <a:rPr lang="ko-KR" altLang="en-US" sz="1300" dirty="0"/>
+              <a:t>동아리번호</a:t>
+            </a:r>
+          </a:p>
+        </p:txBody>
+      </p:sp>
+      <p:sp>
+        <p:nvSpPr>
+          <p:cNvPr id="33" name="타원 32">
+            <a:extLst>
+              <a:ext uri="{FF2B5EF4-FFF2-40B4-BE49-F238E27FC236}">
+                <a16:creationId xmlns:a16="http://schemas.microsoft.com/office/drawing/2014/main" id="{34E3C18B-0A9C-44A8-B62F-AD131C8377CC}"/>
+              </a:ext>
+            </a:extLst>
+          </p:cNvPr>
+          <p:cNvSpPr/>
+          <p:nvPr/>
+        </p:nvSpPr>
+        <p:spPr>
+          <a:xfrm>
+            <a:off x="9994379" y="6274644"/>
+            <a:ext cx="757518" cy="583356"/>
+          </a:xfrm>
+          <a:prstGeom prst="ellipse">
+            <a:avLst/>
+          </a:prstGeom>
+          <a:solidFill>
+            <a:schemeClr val="tx2">
+              <a:lumMod val="75000"/>
+            </a:schemeClr>
+          </a:solidFill>
+          <a:ln>
+            <a:solidFill>
+              <a:schemeClr val="tx2"/>
+            </a:solidFill>
+          </a:ln>
+        </p:spPr>
+        <p:style>
+          <a:lnRef idx="2">
+            <a:schemeClr val="accent2">
+              <a:shade val="50000"/>
+            </a:schemeClr>
+          </a:lnRef>
+          <a:fillRef idx="1">
+            <a:schemeClr val="accent2"/>
+          </a:fillRef>
+          <a:effectRef idx="0">
+            <a:schemeClr val="accent2"/>
+          </a:effectRef>
+          <a:fontRef idx="minor">
+            <a:schemeClr val="lt1"/>
+          </a:fontRef>
+        </p:style>
+        <p:txBody>
+          <a:bodyPr rtlCol="0" anchor="ctr"/>
+          <a:lstStyle/>
+          <a:p>
+            <a:pPr algn="ctr"/>
+            <a:r>
+              <a:rPr lang="ko-KR" altLang="en-US" sz="1300"/>
+              <a:t>승인여부</a:t>
+            </a:r>
+            <a:endParaRPr lang="ko-KR" altLang="en-US" sz="1300" dirty="0"/>
+          </a:p>
+        </p:txBody>
+      </p:sp>
+      <p:cxnSp>
+        <p:nvCxnSpPr>
+          <p:cNvPr id="34" name="직선 연결선 33">
+            <a:extLst>
+              <a:ext uri="{FF2B5EF4-FFF2-40B4-BE49-F238E27FC236}">
+                <a16:creationId xmlns:a16="http://schemas.microsoft.com/office/drawing/2014/main" id="{C89C8140-76A3-41A5-8C3D-A282C4FB4492}"/>
+              </a:ext>
+            </a:extLst>
+          </p:cNvPr>
+          <p:cNvCxnSpPr>
+            <a:cxnSpLocks/>
+            <a:stCxn id="32" idx="5"/>
+            <a:endCxn id="32" idx="5"/>
+          </p:cNvCxnSpPr>
+          <p:nvPr/>
+        </p:nvCxnSpPr>
+        <p:spPr>
+          <a:xfrm>
+            <a:off x="10675466" y="2518835"/>
+            <a:ext cx="0" cy="0"/>
+          </a:xfrm>
+          <a:prstGeom prst="line">
+            <a:avLst/>
+          </a:prstGeom>
+          <a:ln>
+            <a:solidFill>
+              <a:schemeClr val="tx2"/>
+            </a:solidFill>
+          </a:ln>
+        </p:spPr>
+        <p:style>
+          <a:lnRef idx="2">
+            <a:schemeClr val="accent2">
+              <a:shade val="50000"/>
+            </a:schemeClr>
+          </a:lnRef>
+          <a:fillRef idx="1">
+            <a:schemeClr val="accent2"/>
+          </a:fillRef>
+          <a:effectRef idx="0">
+            <a:schemeClr val="accent2"/>
+          </a:effectRef>
+          <a:fontRef idx="minor">
+            <a:schemeClr val="lt1"/>
+          </a:fontRef>
+        </p:style>
+      </p:cxnSp>
+      <p:sp>
+        <p:nvSpPr>
+          <p:cNvPr id="36" name="타원 35">
+            <a:extLst>
+              <a:ext uri="{FF2B5EF4-FFF2-40B4-BE49-F238E27FC236}">
+                <a16:creationId xmlns:a16="http://schemas.microsoft.com/office/drawing/2014/main" id="{7D55197E-E6F4-4ADB-9654-E54D221A2257}"/>
+              </a:ext>
+            </a:extLst>
+          </p:cNvPr>
+          <p:cNvSpPr/>
+          <p:nvPr/>
+        </p:nvSpPr>
+        <p:spPr>
+          <a:xfrm>
+            <a:off x="9843950" y="3262659"/>
+            <a:ext cx="974180" cy="393031"/>
+          </a:xfrm>
+          <a:prstGeom prst="ellipse">
+            <a:avLst/>
+          </a:prstGeom>
+          <a:solidFill>
+            <a:schemeClr val="tx2">
+              <a:lumMod val="75000"/>
+            </a:schemeClr>
+          </a:solidFill>
+          <a:ln>
+            <a:solidFill>
+              <a:schemeClr val="tx2"/>
+            </a:solidFill>
+          </a:ln>
+        </p:spPr>
+        <p:style>
+          <a:lnRef idx="2">
+            <a:schemeClr val="accent2">
+              <a:shade val="50000"/>
+            </a:schemeClr>
+          </a:lnRef>
+          <a:fillRef idx="1">
+            <a:schemeClr val="accent2"/>
+          </a:fillRef>
+          <a:effectRef idx="0">
+            <a:schemeClr val="accent2"/>
+          </a:effectRef>
+          <a:fontRef idx="minor">
+            <a:schemeClr val="lt1"/>
+          </a:fontRef>
+        </p:style>
+        <p:txBody>
+          <a:bodyPr rtlCol="0" anchor="ctr"/>
+          <a:lstStyle/>
+          <a:p>
+            <a:pPr algn="ctr"/>
+            <a:r>
+              <a:rPr lang="ko-KR" altLang="en-US" sz="1300" dirty="0"/>
+              <a:t>작성자</a:t>
+            </a:r>
+          </a:p>
+        </p:txBody>
+      </p:sp>
+      <p:cxnSp>
+        <p:nvCxnSpPr>
+          <p:cNvPr id="37" name="직선 연결선 36">
+            <a:extLst>
+              <a:ext uri="{FF2B5EF4-FFF2-40B4-BE49-F238E27FC236}">
+                <a16:creationId xmlns:a16="http://schemas.microsoft.com/office/drawing/2014/main" id="{D9C0B719-4F60-4233-9B94-9EE4F1093352}"/>
+              </a:ext>
+            </a:extLst>
+          </p:cNvPr>
+          <p:cNvCxnSpPr>
+            <a:cxnSpLocks/>
+            <a:stCxn id="36" idx="5"/>
+            <a:endCxn id="36" idx="5"/>
+          </p:cNvCxnSpPr>
+          <p:nvPr/>
+        </p:nvCxnSpPr>
+        <p:spPr>
+          <a:xfrm>
+            <a:off x="10675465" y="3598132"/>
+            <a:ext cx="0" cy="0"/>
+          </a:xfrm>
+          <a:prstGeom prst="line">
+            <a:avLst/>
+          </a:prstGeom>
+          <a:ln>
+            <a:solidFill>
+              <a:schemeClr val="tx2"/>
+            </a:solidFill>
+          </a:ln>
+        </p:spPr>
+        <p:style>
+          <a:lnRef idx="2">
+            <a:schemeClr val="accent2">
+              <a:shade val="50000"/>
+            </a:schemeClr>
+          </a:lnRef>
+          <a:fillRef idx="1">
+            <a:schemeClr val="accent2"/>
+          </a:fillRef>
+          <a:effectRef idx="0">
+            <a:schemeClr val="accent2"/>
+          </a:effectRef>
+          <a:fontRef idx="minor">
+            <a:schemeClr val="lt1"/>
+          </a:fontRef>
+        </p:style>
+      </p:cxnSp>
+      <p:sp>
+        <p:nvSpPr>
+          <p:cNvPr id="38" name="타원 37">
+            <a:extLst>
+              <a:ext uri="{FF2B5EF4-FFF2-40B4-BE49-F238E27FC236}">
+                <a16:creationId xmlns:a16="http://schemas.microsoft.com/office/drawing/2014/main" id="{A7B87ABD-8D64-40DD-AE71-3CF1E5C0F981}"/>
+              </a:ext>
+            </a:extLst>
+          </p:cNvPr>
+          <p:cNvSpPr/>
+          <p:nvPr/>
+        </p:nvSpPr>
+        <p:spPr>
+          <a:xfrm>
+            <a:off x="9843950" y="3833061"/>
+            <a:ext cx="974180" cy="393031"/>
+          </a:xfrm>
+          <a:prstGeom prst="ellipse">
+            <a:avLst/>
+          </a:prstGeom>
+          <a:solidFill>
+            <a:schemeClr val="tx2">
+              <a:lumMod val="75000"/>
+            </a:schemeClr>
+          </a:solidFill>
+          <a:ln>
+            <a:solidFill>
+              <a:schemeClr val="tx2"/>
+            </a:solidFill>
+          </a:ln>
+        </p:spPr>
+        <p:style>
+          <a:lnRef idx="2">
+            <a:schemeClr val="accent2">
+              <a:shade val="50000"/>
+            </a:schemeClr>
+          </a:lnRef>
+          <a:fillRef idx="1">
+            <a:schemeClr val="accent2"/>
+          </a:fillRef>
+          <a:effectRef idx="0">
+            <a:schemeClr val="accent2"/>
+          </a:effectRef>
+          <a:fontRef idx="minor">
+            <a:schemeClr val="lt1"/>
+          </a:fontRef>
+        </p:style>
+        <p:txBody>
+          <a:bodyPr rtlCol="0" anchor="ctr"/>
+          <a:lstStyle/>
+          <a:p>
+            <a:pPr algn="ctr"/>
+            <a:r>
+              <a:rPr lang="ko-KR" altLang="en-US" sz="1300" dirty="0"/>
+              <a:t>내용</a:t>
+            </a:r>
+          </a:p>
+        </p:txBody>
+      </p:sp>
+      <p:sp>
+        <p:nvSpPr>
+          <p:cNvPr id="39" name="타원 38">
+            <a:extLst>
+              <a:ext uri="{FF2B5EF4-FFF2-40B4-BE49-F238E27FC236}">
+                <a16:creationId xmlns:a16="http://schemas.microsoft.com/office/drawing/2014/main" id="{D4C314C7-8DF2-4325-8FC4-A5CB8805D0B7}"/>
+              </a:ext>
+            </a:extLst>
+          </p:cNvPr>
+          <p:cNvSpPr/>
+          <p:nvPr/>
+        </p:nvSpPr>
+        <p:spPr>
+          <a:xfrm>
+            <a:off x="9828677" y="2728539"/>
+            <a:ext cx="974180" cy="393031"/>
+          </a:xfrm>
+          <a:prstGeom prst="ellipse">
+            <a:avLst/>
+          </a:prstGeom>
+          <a:solidFill>
+            <a:schemeClr val="tx2">
+              <a:lumMod val="75000"/>
+            </a:schemeClr>
+          </a:solidFill>
+          <a:ln>
+            <a:solidFill>
+              <a:schemeClr val="tx2"/>
+            </a:solidFill>
+          </a:ln>
+        </p:spPr>
+        <p:style>
+          <a:lnRef idx="2">
+            <a:schemeClr val="accent2">
+              <a:shade val="50000"/>
+            </a:schemeClr>
+          </a:lnRef>
+          <a:fillRef idx="1">
+            <a:schemeClr val="accent2"/>
+          </a:fillRef>
+          <a:effectRef idx="0">
+            <a:schemeClr val="accent2"/>
+          </a:effectRef>
+          <a:fontRef idx="minor">
+            <a:schemeClr val="lt1"/>
+          </a:fontRef>
+        </p:style>
+        <p:txBody>
+          <a:bodyPr rtlCol="0" anchor="ctr"/>
+          <a:lstStyle/>
+          <a:p>
+            <a:pPr algn="ctr"/>
+            <a:r>
+              <a:rPr lang="ko-KR" altLang="en-US" sz="1300" dirty="0"/>
+              <a:t>제목</a:t>
+            </a:r>
+          </a:p>
+        </p:txBody>
+      </p:sp>
+      <p:sp>
+        <p:nvSpPr>
+          <p:cNvPr id="40" name="타원 39">
+            <a:extLst>
+              <a:ext uri="{FF2B5EF4-FFF2-40B4-BE49-F238E27FC236}">
+                <a16:creationId xmlns:a16="http://schemas.microsoft.com/office/drawing/2014/main" id="{028E7F54-1922-485F-97C2-1D90614D181E}"/>
+              </a:ext>
+            </a:extLst>
+          </p:cNvPr>
+          <p:cNvSpPr/>
+          <p:nvPr/>
+        </p:nvSpPr>
+        <p:spPr>
+          <a:xfrm>
+            <a:off x="9910182" y="4375007"/>
+            <a:ext cx="841715" cy="488230"/>
+          </a:xfrm>
+          <a:prstGeom prst="ellipse">
+            <a:avLst/>
+          </a:prstGeom>
+          <a:solidFill>
+            <a:schemeClr val="tx2">
+              <a:lumMod val="75000"/>
+            </a:schemeClr>
+          </a:solidFill>
+          <a:ln>
+            <a:solidFill>
+              <a:schemeClr val="tx2"/>
+            </a:solidFill>
+          </a:ln>
+        </p:spPr>
+        <p:style>
+          <a:lnRef idx="2">
+            <a:schemeClr val="accent2">
+              <a:shade val="50000"/>
+            </a:schemeClr>
+          </a:lnRef>
+          <a:fillRef idx="1">
+            <a:schemeClr val="accent2"/>
+          </a:fillRef>
+          <a:effectRef idx="0">
+            <a:schemeClr val="accent2"/>
+          </a:effectRef>
+          <a:fontRef idx="minor">
+            <a:schemeClr val="lt1"/>
+          </a:fontRef>
+        </p:style>
+        <p:txBody>
+          <a:bodyPr rtlCol="0" anchor="ctr"/>
+          <a:lstStyle/>
+          <a:p>
+            <a:pPr algn="ctr"/>
+            <a:r>
+              <a:rPr lang="ko-KR" altLang="en-US" sz="1300" dirty="0"/>
+              <a:t>첨부파일</a:t>
+            </a:r>
+          </a:p>
+        </p:txBody>
+      </p:sp>
+      <p:sp>
+        <p:nvSpPr>
+          <p:cNvPr id="41" name="타원 40">
+            <a:extLst>
+              <a:ext uri="{FF2B5EF4-FFF2-40B4-BE49-F238E27FC236}">
+                <a16:creationId xmlns:a16="http://schemas.microsoft.com/office/drawing/2014/main" id="{C56F5BC8-117B-44AB-934B-C334204C5275}"/>
+              </a:ext>
+            </a:extLst>
+          </p:cNvPr>
+          <p:cNvSpPr/>
+          <p:nvPr/>
+        </p:nvSpPr>
+        <p:spPr>
+          <a:xfrm>
+            <a:off x="9994379" y="5012152"/>
+            <a:ext cx="742646" cy="488230"/>
+          </a:xfrm>
+          <a:prstGeom prst="ellipse">
+            <a:avLst/>
+          </a:prstGeom>
+          <a:solidFill>
+            <a:schemeClr val="tx2">
+              <a:lumMod val="75000"/>
+            </a:schemeClr>
+          </a:solidFill>
+          <a:ln>
+            <a:solidFill>
+              <a:schemeClr val="tx2"/>
+            </a:solidFill>
+          </a:ln>
+        </p:spPr>
+        <p:style>
+          <a:lnRef idx="2">
+            <a:schemeClr val="accent2">
+              <a:shade val="50000"/>
+            </a:schemeClr>
+          </a:lnRef>
+          <a:fillRef idx="1">
+            <a:schemeClr val="accent2"/>
+          </a:fillRef>
+          <a:effectRef idx="0">
+            <a:schemeClr val="accent2"/>
+          </a:effectRef>
+          <a:fontRef idx="minor">
+            <a:schemeClr val="lt1"/>
+          </a:fontRef>
+        </p:style>
+        <p:txBody>
+          <a:bodyPr rtlCol="0" anchor="ctr"/>
+          <a:lstStyle/>
+          <a:p>
+            <a:pPr algn="ctr"/>
+            <a:r>
+              <a:rPr lang="ko-KR" altLang="en-US" sz="1300"/>
+              <a:t>작성날짜</a:t>
+            </a:r>
+            <a:endParaRPr lang="ko-KR" altLang="en-US" sz="1300" dirty="0"/>
+          </a:p>
+        </p:txBody>
+      </p:sp>
+      <p:cxnSp>
+        <p:nvCxnSpPr>
+          <p:cNvPr id="42" name="직선 연결선 41">
+            <a:extLst>
+              <a:ext uri="{FF2B5EF4-FFF2-40B4-BE49-F238E27FC236}">
+                <a16:creationId xmlns:a16="http://schemas.microsoft.com/office/drawing/2014/main" id="{7FA0E89D-0BCB-4997-850A-3CAE4B622EE9}"/>
+              </a:ext>
+            </a:extLst>
+          </p:cNvPr>
+          <p:cNvCxnSpPr>
+            <a:cxnSpLocks/>
+          </p:cNvCxnSpPr>
+          <p:nvPr/>
+        </p:nvCxnSpPr>
+        <p:spPr>
+          <a:xfrm>
+            <a:off x="9864539" y="1684900"/>
+            <a:ext cx="828294" cy="1201"/>
+          </a:xfrm>
+          <a:prstGeom prst="line">
+            <a:avLst/>
+          </a:prstGeom>
+          <a:ln w="38100">
+            <a:solidFill>
+              <a:schemeClr val="bg1"/>
+            </a:solidFill>
+          </a:ln>
+        </p:spPr>
+        <p:style>
+          <a:lnRef idx="3">
+            <a:schemeClr val="accent2"/>
+          </a:lnRef>
+          <a:fillRef idx="0">
+            <a:schemeClr val="accent2"/>
+          </a:fillRef>
+          <a:effectRef idx="2">
+            <a:schemeClr val="accent2"/>
+          </a:effectRef>
+          <a:fontRef idx="minor">
+            <a:schemeClr val="tx1"/>
+          </a:fontRef>
+        </p:style>
+      </p:cxnSp>
+      <p:sp>
+        <p:nvSpPr>
+          <p:cNvPr id="43" name="타원 42">
+            <a:extLst>
+              <a:ext uri="{FF2B5EF4-FFF2-40B4-BE49-F238E27FC236}">
+                <a16:creationId xmlns:a16="http://schemas.microsoft.com/office/drawing/2014/main" id="{98CAA390-4F2E-41F5-87AB-675536B9F133}"/>
+              </a:ext>
+            </a:extLst>
+          </p:cNvPr>
+          <p:cNvSpPr/>
+          <p:nvPr/>
+        </p:nvSpPr>
+        <p:spPr>
+          <a:xfrm>
+            <a:off x="6360402" y="5669518"/>
+            <a:ext cx="742646" cy="488230"/>
+          </a:xfrm>
+          <a:prstGeom prst="ellipse">
+            <a:avLst/>
+          </a:prstGeom>
+        </p:spPr>
+        <p:style>
+          <a:lnRef idx="2">
+            <a:schemeClr val="accent2">
+              <a:shade val="50000"/>
+            </a:schemeClr>
+          </a:lnRef>
+          <a:fillRef idx="1">
+            <a:schemeClr val="accent2"/>
+          </a:fillRef>
+          <a:effectRef idx="0">
+            <a:schemeClr val="accent2"/>
+          </a:effectRef>
+          <a:fontRef idx="minor">
+            <a:schemeClr val="lt1"/>
+          </a:fontRef>
+        </p:style>
+        <p:txBody>
+          <a:bodyPr rtlCol="0" anchor="ctr"/>
+          <a:lstStyle/>
+          <a:p>
+            <a:pPr algn="ctr"/>
+            <a:r>
+              <a:rPr lang="ko-KR" altLang="en-US" sz="1300" dirty="0"/>
+              <a:t>공개여부</a:t>
+            </a:r>
+          </a:p>
+        </p:txBody>
+      </p:sp>
+      <p:cxnSp>
+        <p:nvCxnSpPr>
+          <p:cNvPr id="60" name="직선 연결선 59">
+            <a:extLst>
+              <a:ext uri="{FF2B5EF4-FFF2-40B4-BE49-F238E27FC236}">
+                <a16:creationId xmlns:a16="http://schemas.microsoft.com/office/drawing/2014/main" id="{A1D31A0C-7A1B-4C94-9082-77093632FC9A}"/>
+              </a:ext>
+            </a:extLst>
+          </p:cNvPr>
+          <p:cNvCxnSpPr>
+            <a:cxnSpLocks/>
+            <a:stCxn id="62" idx="2"/>
+            <a:endCxn id="64" idx="0"/>
+          </p:cNvCxnSpPr>
+          <p:nvPr/>
+        </p:nvCxnSpPr>
+        <p:spPr>
+          <a:xfrm>
+            <a:off x="3270337" y="476819"/>
+            <a:ext cx="59998" cy="5797825"/>
+          </a:xfrm>
+          <a:prstGeom prst="line">
+            <a:avLst/>
+          </a:prstGeom>
+          <a:ln>
+            <a:solidFill>
+              <a:schemeClr val="accent1">
+                <a:lumMod val="50000"/>
+              </a:schemeClr>
+            </a:solidFill>
+          </a:ln>
+        </p:spPr>
+        <p:style>
+          <a:lnRef idx="1">
+            <a:schemeClr val="accent6"/>
+          </a:lnRef>
+          <a:fillRef idx="2">
+            <a:schemeClr val="accent6"/>
+          </a:fillRef>
+          <a:effectRef idx="1">
+            <a:schemeClr val="accent6"/>
+          </a:effectRef>
+          <a:fontRef idx="minor">
+            <a:schemeClr val="dk1"/>
+          </a:fontRef>
+        </p:style>
+      </p:cxnSp>
+      <p:sp>
+        <p:nvSpPr>
+          <p:cNvPr id="61" name="타원 60">
+            <a:extLst>
+              <a:ext uri="{FF2B5EF4-FFF2-40B4-BE49-F238E27FC236}">
+                <a16:creationId xmlns:a16="http://schemas.microsoft.com/office/drawing/2014/main" id="{88C162B1-2286-4496-A3A1-8204FEABE2A6}"/>
+              </a:ext>
+            </a:extLst>
+          </p:cNvPr>
+          <p:cNvSpPr/>
+          <p:nvPr/>
+        </p:nvSpPr>
+        <p:spPr>
+          <a:xfrm>
+            <a:off x="2892993" y="612628"/>
+            <a:ext cx="754685" cy="719325"/>
+          </a:xfrm>
+          <a:prstGeom prst="ellipse">
+            <a:avLst/>
+          </a:prstGeom>
+          <a:solidFill>
+            <a:schemeClr val="accent1">
+              <a:lumMod val="75000"/>
+            </a:schemeClr>
+          </a:solidFill>
+          <a:ln>
+            <a:solidFill>
+              <a:schemeClr val="accent1">
+                <a:lumMod val="50000"/>
+              </a:schemeClr>
+            </a:solidFill>
+          </a:ln>
+        </p:spPr>
+        <p:style>
+          <a:lnRef idx="1">
+            <a:schemeClr val="accent6"/>
+          </a:lnRef>
+          <a:fillRef idx="2">
+            <a:schemeClr val="accent6"/>
+          </a:fillRef>
+          <a:effectRef idx="1">
+            <a:schemeClr val="accent6"/>
+          </a:effectRef>
+          <a:fontRef idx="minor">
+            <a:schemeClr val="dk1"/>
+          </a:fontRef>
+        </p:style>
+        <p:txBody>
+          <a:bodyPr rtlCol="0" anchor="ctr"/>
+          <a:lstStyle/>
+          <a:p>
+            <a:pPr algn="ctr"/>
+            <a:r>
+              <a:rPr lang="ko-KR" altLang="en-US" sz="1300" dirty="0">
+                <a:solidFill>
+                  <a:schemeClr val="bg1"/>
+                </a:solidFill>
+              </a:rPr>
+              <a:t>일정번호</a:t>
+            </a:r>
+          </a:p>
+        </p:txBody>
+      </p:sp>
+      <p:sp>
+        <p:nvSpPr>
+          <p:cNvPr id="62" name="직사각형 61">
+            <a:extLst>
+              <a:ext uri="{FF2B5EF4-FFF2-40B4-BE49-F238E27FC236}">
+                <a16:creationId xmlns:a16="http://schemas.microsoft.com/office/drawing/2014/main" id="{7163173C-89F4-45B2-B144-FFDE38AF6059}"/>
+              </a:ext>
+            </a:extLst>
+          </p:cNvPr>
+          <p:cNvSpPr/>
+          <p:nvPr/>
+        </p:nvSpPr>
+        <p:spPr>
+          <a:xfrm>
+            <a:off x="2708863" y="83789"/>
+            <a:ext cx="1122947" cy="393030"/>
+          </a:xfrm>
+          <a:prstGeom prst="rect">
+            <a:avLst/>
+          </a:prstGeom>
+          <a:solidFill>
+            <a:schemeClr val="accent1">
+              <a:lumMod val="75000"/>
+            </a:schemeClr>
+          </a:solidFill>
+          <a:ln>
+            <a:solidFill>
+              <a:schemeClr val="accent1">
+                <a:lumMod val="50000"/>
+              </a:schemeClr>
+            </a:solidFill>
+          </a:ln>
+        </p:spPr>
+        <p:style>
+          <a:lnRef idx="1">
+            <a:schemeClr val="accent6"/>
+          </a:lnRef>
+          <a:fillRef idx="2">
+            <a:schemeClr val="accent6"/>
+          </a:fillRef>
+          <a:effectRef idx="1">
+            <a:schemeClr val="accent6"/>
+          </a:effectRef>
+          <a:fontRef idx="minor">
+            <a:schemeClr val="dk1"/>
+          </a:fontRef>
+        </p:style>
+        <p:txBody>
+          <a:bodyPr rtlCol="0" anchor="ctr"/>
+          <a:lstStyle/>
+          <a:p>
+            <a:pPr algn="ctr"/>
+            <a:r>
+              <a:rPr lang="ko-KR" altLang="en-US" sz="1300" dirty="0">
+                <a:solidFill>
+                  <a:schemeClr val="bg1"/>
+                </a:solidFill>
+              </a:rPr>
+              <a:t>일정</a:t>
+            </a:r>
+          </a:p>
+        </p:txBody>
+      </p:sp>
+      <p:sp>
+        <p:nvSpPr>
+          <p:cNvPr id="63" name="타원 62">
+            <a:extLst>
+              <a:ext uri="{FF2B5EF4-FFF2-40B4-BE49-F238E27FC236}">
+                <a16:creationId xmlns:a16="http://schemas.microsoft.com/office/drawing/2014/main" id="{0D8DEBEE-4224-4B59-9F95-350FD92A8E74}"/>
+              </a:ext>
+            </a:extLst>
+          </p:cNvPr>
+          <p:cNvSpPr/>
+          <p:nvPr/>
+        </p:nvSpPr>
+        <p:spPr>
+          <a:xfrm>
+            <a:off x="2798890" y="1463427"/>
+            <a:ext cx="974180" cy="622831"/>
+          </a:xfrm>
+          <a:prstGeom prst="ellipse">
+            <a:avLst/>
+          </a:prstGeom>
+          <a:solidFill>
+            <a:schemeClr val="accent1">
+              <a:lumMod val="75000"/>
+            </a:schemeClr>
+          </a:solidFill>
+          <a:ln>
+            <a:solidFill>
+              <a:schemeClr val="accent1">
+                <a:lumMod val="50000"/>
+              </a:schemeClr>
+            </a:solidFill>
+          </a:ln>
+        </p:spPr>
+        <p:style>
+          <a:lnRef idx="1">
+            <a:schemeClr val="accent6"/>
+          </a:lnRef>
+          <a:fillRef idx="2">
+            <a:schemeClr val="accent6"/>
+          </a:fillRef>
+          <a:effectRef idx="1">
+            <a:schemeClr val="accent6"/>
+          </a:effectRef>
+          <a:fontRef idx="minor">
+            <a:schemeClr val="dk1"/>
+          </a:fontRef>
+        </p:style>
+        <p:txBody>
+          <a:bodyPr rtlCol="0" anchor="ctr"/>
+          <a:lstStyle/>
+          <a:p>
+            <a:pPr algn="ctr"/>
+            <a:r>
+              <a:rPr lang="ko-KR" altLang="en-US" sz="1300" dirty="0">
+                <a:solidFill>
+                  <a:schemeClr val="bg1"/>
+                </a:solidFill>
+              </a:rPr>
+              <a:t>동아리번호</a:t>
+            </a:r>
+          </a:p>
+        </p:txBody>
+      </p:sp>
+      <p:sp>
+        <p:nvSpPr>
+          <p:cNvPr id="64" name="타원 63">
+            <a:extLst>
+              <a:ext uri="{FF2B5EF4-FFF2-40B4-BE49-F238E27FC236}">
+                <a16:creationId xmlns:a16="http://schemas.microsoft.com/office/drawing/2014/main" id="{AD0F9581-DB03-4804-8F9E-13C82F858BDC}"/>
+              </a:ext>
+            </a:extLst>
+          </p:cNvPr>
+          <p:cNvSpPr/>
+          <p:nvPr/>
+        </p:nvSpPr>
+        <p:spPr>
+          <a:xfrm>
+            <a:off x="2967092" y="6274644"/>
+            <a:ext cx="726485" cy="583356"/>
+          </a:xfrm>
+          <a:prstGeom prst="ellipse">
+            <a:avLst/>
+          </a:prstGeom>
+          <a:solidFill>
+            <a:schemeClr val="accent1">
+              <a:lumMod val="75000"/>
+            </a:schemeClr>
+          </a:solidFill>
+          <a:ln>
+            <a:solidFill>
+              <a:schemeClr val="accent1">
+                <a:lumMod val="50000"/>
+              </a:schemeClr>
+            </a:solidFill>
+          </a:ln>
+        </p:spPr>
+        <p:style>
+          <a:lnRef idx="1">
+            <a:schemeClr val="accent6"/>
+          </a:lnRef>
+          <a:fillRef idx="2">
+            <a:schemeClr val="accent6"/>
+          </a:fillRef>
+          <a:effectRef idx="1">
+            <a:schemeClr val="accent6"/>
+          </a:effectRef>
+          <a:fontRef idx="minor">
+            <a:schemeClr val="dk1"/>
+          </a:fontRef>
+        </p:style>
+        <p:txBody>
+          <a:bodyPr rtlCol="0" anchor="ctr"/>
+          <a:lstStyle/>
+          <a:p>
+            <a:pPr algn="ctr"/>
+            <a:r>
+              <a:rPr lang="ko-KR" altLang="en-US" sz="1300" dirty="0">
+                <a:solidFill>
+                  <a:schemeClr val="bg1"/>
+                </a:solidFill>
+              </a:rPr>
+              <a:t>종료시간</a:t>
+            </a:r>
+          </a:p>
+        </p:txBody>
+      </p:sp>
+      <p:cxnSp>
+        <p:nvCxnSpPr>
+          <p:cNvPr id="65" name="직선 연결선 64">
+            <a:extLst>
+              <a:ext uri="{FF2B5EF4-FFF2-40B4-BE49-F238E27FC236}">
+                <a16:creationId xmlns:a16="http://schemas.microsoft.com/office/drawing/2014/main" id="{8A79D809-A34C-4F86-843E-8780C260A8FA}"/>
+              </a:ext>
+            </a:extLst>
+          </p:cNvPr>
+          <p:cNvCxnSpPr>
+            <a:cxnSpLocks/>
+            <a:stCxn id="63" idx="5"/>
+            <a:endCxn id="63" idx="5"/>
+          </p:cNvCxnSpPr>
+          <p:nvPr/>
+        </p:nvCxnSpPr>
+        <p:spPr>
+          <a:xfrm>
+            <a:off x="3630405" y="1995047"/>
+            <a:ext cx="0" cy="0"/>
+          </a:xfrm>
+          <a:prstGeom prst="line">
+            <a:avLst/>
+          </a:prstGeom>
+          <a:ln>
+            <a:solidFill>
+              <a:schemeClr val="accent1">
+                <a:lumMod val="50000"/>
+              </a:schemeClr>
+            </a:solidFill>
+          </a:ln>
+        </p:spPr>
+        <p:style>
+          <a:lnRef idx="1">
+            <a:schemeClr val="accent6"/>
+          </a:lnRef>
+          <a:fillRef idx="2">
+            <a:schemeClr val="accent6"/>
+          </a:fillRef>
+          <a:effectRef idx="1">
+            <a:schemeClr val="accent6"/>
+          </a:effectRef>
+          <a:fontRef idx="minor">
+            <a:schemeClr val="dk1"/>
+          </a:fontRef>
+        </p:style>
+      </p:cxnSp>
+      <p:sp>
+        <p:nvSpPr>
+          <p:cNvPr id="66" name="타원 65">
+            <a:extLst>
+              <a:ext uri="{FF2B5EF4-FFF2-40B4-BE49-F238E27FC236}">
+                <a16:creationId xmlns:a16="http://schemas.microsoft.com/office/drawing/2014/main" id="{9889E1D4-1ECF-4D56-B14E-C799CD744781}"/>
+              </a:ext>
+            </a:extLst>
+          </p:cNvPr>
+          <p:cNvSpPr/>
+          <p:nvPr/>
+        </p:nvSpPr>
+        <p:spPr>
+          <a:xfrm>
+            <a:off x="2798889" y="2738871"/>
+            <a:ext cx="974180" cy="393031"/>
+          </a:xfrm>
+          <a:prstGeom prst="ellipse">
+            <a:avLst/>
+          </a:prstGeom>
+          <a:solidFill>
+            <a:schemeClr val="accent1">
+              <a:lumMod val="75000"/>
+            </a:schemeClr>
+          </a:solidFill>
+          <a:ln>
+            <a:solidFill>
+              <a:schemeClr val="accent1">
+                <a:lumMod val="50000"/>
+              </a:schemeClr>
+            </a:solidFill>
+          </a:ln>
+        </p:spPr>
+        <p:style>
+          <a:lnRef idx="1">
+            <a:schemeClr val="accent6"/>
+          </a:lnRef>
+          <a:fillRef idx="2">
+            <a:schemeClr val="accent6"/>
+          </a:fillRef>
+          <a:effectRef idx="1">
+            <a:schemeClr val="accent6"/>
+          </a:effectRef>
+          <a:fontRef idx="minor">
+            <a:schemeClr val="dk1"/>
+          </a:fontRef>
+        </p:style>
+        <p:txBody>
+          <a:bodyPr rtlCol="0" anchor="ctr"/>
+          <a:lstStyle/>
+          <a:p>
+            <a:pPr algn="ctr"/>
+            <a:r>
+              <a:rPr lang="ko-KR" altLang="en-US" sz="1300" dirty="0">
+                <a:solidFill>
+                  <a:schemeClr val="bg1"/>
+                </a:solidFill>
+              </a:rPr>
+              <a:t>작성자</a:t>
+            </a:r>
+          </a:p>
+        </p:txBody>
+      </p:sp>
+      <p:cxnSp>
+        <p:nvCxnSpPr>
+          <p:cNvPr id="67" name="직선 연결선 66">
+            <a:extLst>
+              <a:ext uri="{FF2B5EF4-FFF2-40B4-BE49-F238E27FC236}">
+                <a16:creationId xmlns:a16="http://schemas.microsoft.com/office/drawing/2014/main" id="{D5FE5B45-393B-4D3B-AA12-B77FBAE67348}"/>
+              </a:ext>
+            </a:extLst>
+          </p:cNvPr>
+          <p:cNvCxnSpPr>
+            <a:cxnSpLocks/>
+            <a:stCxn id="66" idx="5"/>
+            <a:endCxn id="66" idx="5"/>
+          </p:cNvCxnSpPr>
+          <p:nvPr/>
+        </p:nvCxnSpPr>
+        <p:spPr>
+          <a:xfrm>
+            <a:off x="3630404" y="3074344"/>
+            <a:ext cx="0" cy="0"/>
+          </a:xfrm>
+          <a:prstGeom prst="line">
+            <a:avLst/>
+          </a:prstGeom>
+          <a:ln>
+            <a:solidFill>
+              <a:schemeClr val="accent1">
+                <a:lumMod val="50000"/>
+              </a:schemeClr>
+            </a:solidFill>
+          </a:ln>
+        </p:spPr>
+        <p:style>
+          <a:lnRef idx="1">
+            <a:schemeClr val="accent6"/>
+          </a:lnRef>
+          <a:fillRef idx="2">
+            <a:schemeClr val="accent6"/>
+          </a:fillRef>
+          <a:effectRef idx="1">
+            <a:schemeClr val="accent6"/>
+          </a:effectRef>
+          <a:fontRef idx="minor">
+            <a:schemeClr val="dk1"/>
+          </a:fontRef>
+        </p:style>
+      </p:cxnSp>
+      <p:sp>
+        <p:nvSpPr>
+          <p:cNvPr id="68" name="타원 67">
+            <a:extLst>
+              <a:ext uri="{FF2B5EF4-FFF2-40B4-BE49-F238E27FC236}">
+                <a16:creationId xmlns:a16="http://schemas.microsoft.com/office/drawing/2014/main" id="{30CAD507-09A9-4BFC-B8B6-3477C954D283}"/>
+              </a:ext>
+            </a:extLst>
+          </p:cNvPr>
+          <p:cNvSpPr/>
+          <p:nvPr/>
+        </p:nvSpPr>
+        <p:spPr>
+          <a:xfrm>
+            <a:off x="2791068" y="3309273"/>
+            <a:ext cx="974180" cy="393031"/>
+          </a:xfrm>
+          <a:prstGeom prst="ellipse">
+            <a:avLst/>
+          </a:prstGeom>
+          <a:solidFill>
+            <a:schemeClr val="accent1">
+              <a:lumMod val="75000"/>
+            </a:schemeClr>
+          </a:solidFill>
+          <a:ln>
+            <a:solidFill>
+              <a:schemeClr val="accent1">
+                <a:lumMod val="50000"/>
+              </a:schemeClr>
+            </a:solidFill>
+          </a:ln>
+        </p:spPr>
+        <p:style>
+          <a:lnRef idx="1">
+            <a:schemeClr val="accent6"/>
+          </a:lnRef>
+          <a:fillRef idx="2">
+            <a:schemeClr val="accent6"/>
+          </a:fillRef>
+          <a:effectRef idx="1">
+            <a:schemeClr val="accent6"/>
+          </a:effectRef>
+          <a:fontRef idx="minor">
+            <a:schemeClr val="dk1"/>
+          </a:fontRef>
+        </p:style>
+        <p:txBody>
+          <a:bodyPr rtlCol="0" anchor="ctr"/>
+          <a:lstStyle/>
+          <a:p>
+            <a:pPr algn="ctr"/>
+            <a:r>
+              <a:rPr lang="ko-KR" altLang="en-US" sz="1300" dirty="0">
+                <a:solidFill>
+                  <a:schemeClr val="bg1"/>
+                </a:solidFill>
+              </a:rPr>
+              <a:t>내용</a:t>
+            </a:r>
+          </a:p>
+        </p:txBody>
+      </p:sp>
+      <p:sp>
+        <p:nvSpPr>
+          <p:cNvPr id="69" name="타원 68">
+            <a:extLst>
+              <a:ext uri="{FF2B5EF4-FFF2-40B4-BE49-F238E27FC236}">
+                <a16:creationId xmlns:a16="http://schemas.microsoft.com/office/drawing/2014/main" id="{DDDB8AEE-2DE8-4C6A-ABEE-8BDE19C2EE6C}"/>
+              </a:ext>
+            </a:extLst>
+          </p:cNvPr>
+          <p:cNvSpPr/>
+          <p:nvPr/>
+        </p:nvSpPr>
+        <p:spPr>
+          <a:xfrm>
+            <a:off x="2804430" y="2215917"/>
+            <a:ext cx="974180" cy="393031"/>
+          </a:xfrm>
+          <a:prstGeom prst="ellipse">
+            <a:avLst/>
+          </a:prstGeom>
+          <a:solidFill>
+            <a:schemeClr val="accent1">
+              <a:lumMod val="75000"/>
+            </a:schemeClr>
+          </a:solidFill>
+          <a:ln>
+            <a:solidFill>
+              <a:schemeClr val="accent1">
+                <a:lumMod val="50000"/>
+              </a:schemeClr>
+            </a:solidFill>
+          </a:ln>
+        </p:spPr>
+        <p:style>
+          <a:lnRef idx="1">
+            <a:schemeClr val="accent6"/>
+          </a:lnRef>
+          <a:fillRef idx="2">
+            <a:schemeClr val="accent6"/>
+          </a:fillRef>
+          <a:effectRef idx="1">
+            <a:schemeClr val="accent6"/>
+          </a:effectRef>
+          <a:fontRef idx="minor">
+            <a:schemeClr val="dk1"/>
+          </a:fontRef>
+        </p:style>
+        <p:txBody>
+          <a:bodyPr rtlCol="0" anchor="ctr"/>
+          <a:lstStyle/>
+          <a:p>
+            <a:pPr algn="ctr"/>
+            <a:r>
+              <a:rPr lang="ko-KR" altLang="en-US" sz="1300" dirty="0">
+                <a:solidFill>
+                  <a:schemeClr val="bg1"/>
+                </a:solidFill>
+              </a:rPr>
+              <a:t>제목</a:t>
+            </a:r>
+          </a:p>
+        </p:txBody>
+      </p:sp>
+      <p:sp>
+        <p:nvSpPr>
+          <p:cNvPr id="70" name="타원 69">
+            <a:extLst>
+              <a:ext uri="{FF2B5EF4-FFF2-40B4-BE49-F238E27FC236}">
+                <a16:creationId xmlns:a16="http://schemas.microsoft.com/office/drawing/2014/main" id="{F182C6BA-B77C-4A8D-B0F5-DC4CB76D771F}"/>
+              </a:ext>
+            </a:extLst>
+          </p:cNvPr>
+          <p:cNvSpPr/>
+          <p:nvPr/>
+        </p:nvSpPr>
+        <p:spPr>
+          <a:xfrm>
+            <a:off x="2872285" y="3911061"/>
+            <a:ext cx="841715" cy="488230"/>
+          </a:xfrm>
+          <a:prstGeom prst="ellipse">
+            <a:avLst/>
+          </a:prstGeom>
+          <a:solidFill>
+            <a:schemeClr val="accent1">
+              <a:lumMod val="75000"/>
+            </a:schemeClr>
+          </a:solidFill>
+          <a:ln>
+            <a:solidFill>
+              <a:schemeClr val="accent1">
+                <a:lumMod val="50000"/>
+              </a:schemeClr>
+            </a:solidFill>
+          </a:ln>
+        </p:spPr>
+        <p:style>
+          <a:lnRef idx="1">
+            <a:schemeClr val="accent6"/>
+          </a:lnRef>
+          <a:fillRef idx="2">
+            <a:schemeClr val="accent6"/>
+          </a:fillRef>
+          <a:effectRef idx="1">
+            <a:schemeClr val="accent6"/>
+          </a:effectRef>
+          <a:fontRef idx="minor">
+            <a:schemeClr val="dk1"/>
+          </a:fontRef>
+        </p:style>
+        <p:txBody>
+          <a:bodyPr rtlCol="0" anchor="ctr"/>
+          <a:lstStyle/>
+          <a:p>
+            <a:pPr algn="ctr"/>
+            <a:r>
+              <a:rPr lang="ko-KR" altLang="en-US" sz="1300" dirty="0">
+                <a:solidFill>
+                  <a:schemeClr val="bg1"/>
+                </a:solidFill>
+              </a:rPr>
+              <a:t>첨부파일</a:t>
+            </a:r>
+          </a:p>
+        </p:txBody>
+      </p:sp>
+      <p:sp>
+        <p:nvSpPr>
+          <p:cNvPr id="71" name="타원 70">
+            <a:extLst>
+              <a:ext uri="{FF2B5EF4-FFF2-40B4-BE49-F238E27FC236}">
+                <a16:creationId xmlns:a16="http://schemas.microsoft.com/office/drawing/2014/main" id="{B90952E5-7040-4866-BCA7-1B5B91D06AA5}"/>
+              </a:ext>
+            </a:extLst>
+          </p:cNvPr>
+          <p:cNvSpPr/>
+          <p:nvPr/>
+        </p:nvSpPr>
+        <p:spPr>
+          <a:xfrm>
+            <a:off x="2892993" y="4516187"/>
+            <a:ext cx="742646" cy="488230"/>
+          </a:xfrm>
+          <a:prstGeom prst="ellipse">
+            <a:avLst/>
+          </a:prstGeom>
+          <a:solidFill>
+            <a:schemeClr val="accent1">
+              <a:lumMod val="75000"/>
+            </a:schemeClr>
+          </a:solidFill>
+          <a:ln>
+            <a:solidFill>
+              <a:schemeClr val="accent1">
+                <a:lumMod val="50000"/>
+              </a:schemeClr>
+            </a:solidFill>
+          </a:ln>
+        </p:spPr>
+        <p:style>
+          <a:lnRef idx="1">
+            <a:schemeClr val="accent6"/>
+          </a:lnRef>
+          <a:fillRef idx="2">
+            <a:schemeClr val="accent6"/>
+          </a:fillRef>
+          <a:effectRef idx="1">
+            <a:schemeClr val="accent6"/>
+          </a:effectRef>
+          <a:fontRef idx="minor">
+            <a:schemeClr val="dk1"/>
+          </a:fontRef>
+        </p:style>
+        <p:txBody>
+          <a:bodyPr rtlCol="0" anchor="ctr"/>
+          <a:lstStyle/>
+          <a:p>
+            <a:pPr algn="ctr"/>
+            <a:r>
+              <a:rPr lang="ko-KR" altLang="en-US" sz="1300">
+                <a:solidFill>
+                  <a:schemeClr val="bg1"/>
+                </a:solidFill>
+              </a:rPr>
+              <a:t>작성날짜</a:t>
+            </a:r>
+            <a:endParaRPr lang="ko-KR" altLang="en-US" sz="1300" dirty="0">
+              <a:solidFill>
+                <a:schemeClr val="bg1"/>
+              </a:solidFill>
+            </a:endParaRPr>
+          </a:p>
+        </p:txBody>
+      </p:sp>
+      <p:sp>
+        <p:nvSpPr>
+          <p:cNvPr id="73" name="타원 72">
+            <a:extLst>
+              <a:ext uri="{FF2B5EF4-FFF2-40B4-BE49-F238E27FC236}">
+                <a16:creationId xmlns:a16="http://schemas.microsoft.com/office/drawing/2014/main" id="{80CE748D-119C-46B5-AE6F-5D8D3B1910AA}"/>
+              </a:ext>
+            </a:extLst>
+          </p:cNvPr>
+          <p:cNvSpPr/>
+          <p:nvPr/>
+        </p:nvSpPr>
+        <p:spPr>
+          <a:xfrm>
+            <a:off x="2981308" y="5669518"/>
+            <a:ext cx="726485" cy="488230"/>
+          </a:xfrm>
+          <a:prstGeom prst="ellipse">
+            <a:avLst/>
+          </a:prstGeom>
+          <a:solidFill>
+            <a:schemeClr val="accent1">
+              <a:lumMod val="75000"/>
+            </a:schemeClr>
+          </a:solidFill>
+          <a:ln>
+            <a:solidFill>
+              <a:schemeClr val="accent1">
+                <a:lumMod val="50000"/>
+              </a:schemeClr>
+            </a:solidFill>
+          </a:ln>
+        </p:spPr>
+        <p:style>
+          <a:lnRef idx="1">
+            <a:schemeClr val="accent6"/>
+          </a:lnRef>
+          <a:fillRef idx="2">
+            <a:schemeClr val="accent6"/>
+          </a:fillRef>
+          <a:effectRef idx="1">
+            <a:schemeClr val="accent6"/>
+          </a:effectRef>
+          <a:fontRef idx="minor">
+            <a:schemeClr val="dk1"/>
+          </a:fontRef>
+        </p:style>
+        <p:txBody>
+          <a:bodyPr rtlCol="0" anchor="ctr"/>
+          <a:lstStyle/>
+          <a:p>
+            <a:pPr algn="ctr"/>
+            <a:r>
+              <a:rPr lang="ko-KR" altLang="en-US" sz="1300" dirty="0">
+                <a:solidFill>
+                  <a:schemeClr val="bg1"/>
+                </a:solidFill>
+              </a:rPr>
+              <a:t>시작시간</a:t>
+            </a:r>
+          </a:p>
+        </p:txBody>
+      </p:sp>
+      <p:cxnSp>
+        <p:nvCxnSpPr>
+          <p:cNvPr id="74" name="직선 연결선 73">
+            <a:extLst>
+              <a:ext uri="{FF2B5EF4-FFF2-40B4-BE49-F238E27FC236}">
+                <a16:creationId xmlns:a16="http://schemas.microsoft.com/office/drawing/2014/main" id="{5F752AE8-3236-4690-B61D-FAF8A7D64E03}"/>
+              </a:ext>
+            </a:extLst>
+          </p:cNvPr>
+          <p:cNvCxnSpPr>
+            <a:cxnSpLocks/>
+          </p:cNvCxnSpPr>
+          <p:nvPr/>
+        </p:nvCxnSpPr>
+        <p:spPr>
+          <a:xfrm>
+            <a:off x="2917518" y="1227864"/>
+            <a:ext cx="828294" cy="1201"/>
+          </a:xfrm>
+          <a:prstGeom prst="line">
+            <a:avLst/>
+          </a:prstGeom>
+          <a:ln w="38100">
+            <a:solidFill>
+              <a:schemeClr val="bg1"/>
+            </a:solidFill>
+          </a:ln>
+        </p:spPr>
+        <p:style>
+          <a:lnRef idx="3">
+            <a:schemeClr val="accent2"/>
+          </a:lnRef>
+          <a:fillRef idx="0">
+            <a:schemeClr val="accent2"/>
+          </a:fillRef>
+          <a:effectRef idx="2">
+            <a:schemeClr val="accent2"/>
+          </a:effectRef>
+          <a:fontRef idx="minor">
+            <a:schemeClr val="tx1"/>
+          </a:fontRef>
+        </p:style>
+      </p:cxnSp>
+      <p:sp>
+        <p:nvSpPr>
+          <p:cNvPr id="76" name="타원 75">
+            <a:extLst>
+              <a:ext uri="{FF2B5EF4-FFF2-40B4-BE49-F238E27FC236}">
+                <a16:creationId xmlns:a16="http://schemas.microsoft.com/office/drawing/2014/main" id="{0DE6AF20-57FD-46E2-B4A4-FB1017D054A0}"/>
+              </a:ext>
+            </a:extLst>
+          </p:cNvPr>
+          <p:cNvSpPr/>
+          <p:nvPr/>
+        </p:nvSpPr>
+        <p:spPr>
+          <a:xfrm>
+            <a:off x="2965147" y="5066619"/>
+            <a:ext cx="742646" cy="488230"/>
+          </a:xfrm>
+          <a:prstGeom prst="ellipse">
+            <a:avLst/>
+          </a:prstGeom>
+          <a:solidFill>
+            <a:schemeClr val="accent1">
+              <a:lumMod val="75000"/>
+            </a:schemeClr>
+          </a:solidFill>
+          <a:ln>
+            <a:solidFill>
+              <a:schemeClr val="accent1">
+                <a:lumMod val="50000"/>
+              </a:schemeClr>
+            </a:solidFill>
+          </a:ln>
+        </p:spPr>
+        <p:style>
+          <a:lnRef idx="1">
+            <a:schemeClr val="accent6"/>
+          </a:lnRef>
+          <a:fillRef idx="2">
+            <a:schemeClr val="accent6"/>
+          </a:fillRef>
+          <a:effectRef idx="1">
+            <a:schemeClr val="accent6"/>
+          </a:effectRef>
+          <a:fontRef idx="minor">
+            <a:schemeClr val="dk1"/>
+          </a:fontRef>
+        </p:style>
+        <p:txBody>
+          <a:bodyPr rtlCol="0" anchor="ctr"/>
+          <a:lstStyle/>
+          <a:p>
+            <a:pPr algn="ctr"/>
+            <a:r>
+              <a:rPr lang="ko-KR" altLang="en-US" sz="1300" dirty="0">
+                <a:solidFill>
+                  <a:schemeClr val="bg1"/>
+                </a:solidFill>
+              </a:rPr>
+              <a:t>공개여부</a:t>
+            </a:r>
           </a:p>
         </p:txBody>
       </p:sp>
     </p:spTree>
     <p:extLst>
       <p:ext uri="{BB962C8B-B14F-4D97-AF65-F5344CB8AC3E}">
-        <p14:creationId xmlns:p14="http://schemas.microsoft.com/office/powerpoint/2010/main" val="1596094519"/>
+        <p14:creationId xmlns:p14="http://schemas.microsoft.com/office/powerpoint/2010/main" val="468681143"/>
       </p:ext>
     </p:extLst>
   </p:cSld>
@@ -4583,830 +8409,1325 @@
           <a:chExt cx="0" cy="0"/>
         </a:xfrm>
       </p:grpSpPr>
-      <p:graphicFrame>
-        <p:nvGraphicFramePr>
-          <p:cNvPr id="2" name="표 2">
-            <a:extLst>
-              <a:ext uri="{FF2B5EF4-FFF2-40B4-BE49-F238E27FC236}">
-                <a16:creationId xmlns:a16="http://schemas.microsoft.com/office/drawing/2014/main" id="{1B2855A4-26FD-4F27-A29A-2BFD263FAD9F}"/>
-              </a:ext>
-            </a:extLst>
-          </p:cNvPr>
-          <p:cNvGraphicFramePr>
-            <a:graphicFrameLocks noGrp="1"/>
-          </p:cNvGraphicFramePr>
-          <p:nvPr>
-            <p:extLst>
-              <p:ext uri="{D42A27DB-BD31-4B8C-83A1-F6EECF244321}">
-                <p14:modId xmlns:p14="http://schemas.microsoft.com/office/powerpoint/2010/main" val="3226903586"/>
-              </p:ext>
-            </p:extLst>
-          </p:nvPr>
-        </p:nvGraphicFramePr>
-        <p:xfrm>
-          <a:off x="957802" y="1013107"/>
-          <a:ext cx="10689701" cy="2026920"/>
-        </p:xfrm>
-        <a:graphic>
-          <a:graphicData uri="http://schemas.openxmlformats.org/drawingml/2006/table">
-            <a:tbl>
-              <a:tblPr firstRow="1" bandRow="1">
-                <a:tableStyleId>{5C22544A-7EE6-4342-B048-85BDC9FD1C3A}</a:tableStyleId>
-              </a:tblPr>
-              <a:tblGrid>
-                <a:gridCol w="1429869">
-                  <a:extLst>
-                    <a:ext uri="{9D8B030D-6E8A-4147-A177-3AD203B41FA5}">
-                      <a16:colId xmlns:a16="http://schemas.microsoft.com/office/drawing/2014/main" val="1818860348"/>
-                    </a:ext>
-                  </a:extLst>
-                </a:gridCol>
-                <a:gridCol w="1429869">
-                  <a:extLst>
-                    <a:ext uri="{9D8B030D-6E8A-4147-A177-3AD203B41FA5}">
-                      <a16:colId xmlns:a16="http://schemas.microsoft.com/office/drawing/2014/main" val="1745494479"/>
-                    </a:ext>
-                  </a:extLst>
-                </a:gridCol>
-                <a:gridCol w="1429869">
-                  <a:extLst>
-                    <a:ext uri="{9D8B030D-6E8A-4147-A177-3AD203B41FA5}">
-                      <a16:colId xmlns:a16="http://schemas.microsoft.com/office/drawing/2014/main" val="944405031"/>
-                    </a:ext>
-                  </a:extLst>
-                </a:gridCol>
-                <a:gridCol w="1597274">
-                  <a:extLst>
-                    <a:ext uri="{9D8B030D-6E8A-4147-A177-3AD203B41FA5}">
-                      <a16:colId xmlns:a16="http://schemas.microsoft.com/office/drawing/2014/main" val="3553971249"/>
-                    </a:ext>
-                  </a:extLst>
-                </a:gridCol>
-                <a:gridCol w="1262464">
-                  <a:extLst>
-                    <a:ext uri="{9D8B030D-6E8A-4147-A177-3AD203B41FA5}">
-                      <a16:colId xmlns:a16="http://schemas.microsoft.com/office/drawing/2014/main" val="2099459287"/>
-                    </a:ext>
-                  </a:extLst>
-                </a:gridCol>
-                <a:gridCol w="1568527">
-                  <a:extLst>
-                    <a:ext uri="{9D8B030D-6E8A-4147-A177-3AD203B41FA5}">
-                      <a16:colId xmlns:a16="http://schemas.microsoft.com/office/drawing/2014/main" val="2231416164"/>
-                    </a:ext>
-                  </a:extLst>
-                </a:gridCol>
-                <a:gridCol w="1971829">
-                  <a:extLst>
-                    <a:ext uri="{9D8B030D-6E8A-4147-A177-3AD203B41FA5}">
-                      <a16:colId xmlns:a16="http://schemas.microsoft.com/office/drawing/2014/main" val="1406185506"/>
-                    </a:ext>
-                  </a:extLst>
-                </a:gridCol>
-              </a:tblGrid>
-              <a:tr h="370840">
-                <a:tc>
-                  <a:txBody>
-                    <a:bodyPr/>
-                    <a:lstStyle/>
-                    <a:p>
-                      <a:pPr latinLnBrk="1"/>
-                      <a:r>
-                        <a:rPr lang="en-US" altLang="ko-KR" dirty="0"/>
-                        <a:t>PK – </a:t>
-                      </a:r>
-                      <a:r>
-                        <a:rPr lang="en-US" altLang="ko-KR" dirty="0" err="1"/>
-                        <a:t>auto_increment</a:t>
-                      </a:r>
-                      <a:endParaRPr lang="ko-KR" altLang="en-US" dirty="0"/>
-                    </a:p>
-                  </a:txBody>
-                  <a:tcPr/>
-                </a:tc>
-                <a:tc>
-                  <a:txBody>
-                    <a:bodyPr/>
-                    <a:lstStyle/>
-                    <a:p>
-                      <a:pPr latinLnBrk="1"/>
-                      <a:r>
-                        <a:rPr lang="ko-KR" altLang="en-US" dirty="0"/>
-                        <a:t>이름</a:t>
-                      </a:r>
-                    </a:p>
-                  </a:txBody>
-                  <a:tcPr/>
-                </a:tc>
-                <a:tc>
-                  <a:txBody>
-                    <a:bodyPr/>
-                    <a:lstStyle/>
-                    <a:p>
-                      <a:pPr latinLnBrk="1"/>
-                      <a:r>
-                        <a:rPr lang="ko-KR" altLang="en-US" dirty="0"/>
-                        <a:t>이메일</a:t>
-                      </a:r>
-                    </a:p>
-                  </a:txBody>
-                  <a:tcPr/>
-                </a:tc>
-                <a:tc>
-                  <a:txBody>
-                    <a:bodyPr/>
-                    <a:lstStyle/>
-                    <a:p>
-                      <a:pPr latinLnBrk="1"/>
-                      <a:r>
-                        <a:rPr lang="ko-KR" altLang="en-US" dirty="0"/>
-                        <a:t>아이디</a:t>
-                      </a:r>
-                      <a:r>
-                        <a:rPr lang="en-US" altLang="ko-KR" dirty="0"/>
-                        <a:t>=</a:t>
-                      </a:r>
-                      <a:r>
-                        <a:rPr lang="ko-KR" altLang="en-US" dirty="0"/>
-                        <a:t>학번</a:t>
-                      </a:r>
-                    </a:p>
-                  </a:txBody>
-                  <a:tcPr/>
-                </a:tc>
-                <a:tc>
-                  <a:txBody>
-                    <a:bodyPr/>
-                    <a:lstStyle/>
-                    <a:p>
-                      <a:pPr latinLnBrk="1"/>
-                      <a:r>
-                        <a:rPr lang="ko-KR" altLang="en-US" dirty="0"/>
-                        <a:t>비밀번호</a:t>
-                      </a:r>
-                    </a:p>
-                  </a:txBody>
-                  <a:tcPr/>
-                </a:tc>
-                <a:tc>
-                  <a:txBody>
-                    <a:bodyPr/>
-                    <a:lstStyle/>
-                    <a:p>
-                      <a:pPr latinLnBrk="1"/>
-                      <a:r>
-                        <a:rPr lang="ko-KR" altLang="en-US" dirty="0"/>
-                        <a:t>프로필사진</a:t>
-                      </a:r>
-                      <a:endParaRPr lang="en-US" altLang="ko-KR" dirty="0"/>
-                    </a:p>
-                    <a:p>
-                      <a:pPr latinLnBrk="1"/>
-                      <a:r>
-                        <a:rPr lang="en-US" altLang="ko-KR" dirty="0"/>
-                        <a:t>Default </a:t>
-                      </a:r>
-                      <a:r>
-                        <a:rPr lang="ko-KR" altLang="en-US" dirty="0"/>
-                        <a:t>있음</a:t>
-                      </a:r>
-                    </a:p>
-                  </a:txBody>
-                  <a:tcPr/>
-                </a:tc>
-                <a:tc>
-                  <a:txBody>
-                    <a:bodyPr/>
-                    <a:lstStyle/>
-                    <a:p>
-                      <a:pPr latinLnBrk="1"/>
-                      <a:r>
-                        <a:rPr lang="ko-KR" altLang="en-US" dirty="0"/>
-                        <a:t>로그인상태</a:t>
-                      </a:r>
-                    </a:p>
-                  </a:txBody>
-                  <a:tcPr/>
-                </a:tc>
-                <a:extLst>
-                  <a:ext uri="{0D108BD9-81ED-4DB2-BD59-A6C34878D82A}">
-                    <a16:rowId xmlns:a16="http://schemas.microsoft.com/office/drawing/2014/main" val="3215540548"/>
-                  </a:ext>
-                </a:extLst>
-              </a:tr>
-              <a:tr h="370840">
-                <a:tc>
-                  <a:txBody>
-                    <a:bodyPr/>
-                    <a:lstStyle/>
-                    <a:p>
-                      <a:pPr latinLnBrk="1"/>
-                      <a:endParaRPr lang="ko-KR" altLang="en-US"/>
-                    </a:p>
-                  </a:txBody>
-                  <a:tcPr/>
-                </a:tc>
-                <a:tc>
-                  <a:txBody>
-                    <a:bodyPr/>
-                    <a:lstStyle/>
-                    <a:p>
-                      <a:pPr latinLnBrk="1"/>
-                      <a:endParaRPr lang="ko-KR" altLang="en-US"/>
-                    </a:p>
-                  </a:txBody>
-                  <a:tcPr/>
-                </a:tc>
-                <a:tc>
-                  <a:txBody>
-                    <a:bodyPr/>
-                    <a:lstStyle/>
-                    <a:p>
-                      <a:pPr latinLnBrk="1"/>
-                      <a:endParaRPr lang="ko-KR" altLang="en-US"/>
-                    </a:p>
-                  </a:txBody>
-                  <a:tcPr/>
-                </a:tc>
-                <a:tc>
-                  <a:txBody>
-                    <a:bodyPr/>
-                    <a:lstStyle/>
-                    <a:p>
-                      <a:pPr latinLnBrk="1"/>
-                      <a:endParaRPr lang="ko-KR" altLang="en-US"/>
-                    </a:p>
-                  </a:txBody>
-                  <a:tcPr/>
-                </a:tc>
-                <a:tc>
-                  <a:txBody>
-                    <a:bodyPr/>
-                    <a:lstStyle/>
-                    <a:p>
-                      <a:pPr latinLnBrk="1"/>
-                      <a:endParaRPr lang="ko-KR" altLang="en-US"/>
-                    </a:p>
-                  </a:txBody>
-                  <a:tcPr/>
-                </a:tc>
-                <a:tc>
-                  <a:txBody>
-                    <a:bodyPr/>
-                    <a:lstStyle/>
-                    <a:p>
-                      <a:pPr latinLnBrk="1"/>
-                      <a:endParaRPr lang="ko-KR" altLang="en-US" dirty="0"/>
-                    </a:p>
-                  </a:txBody>
-                  <a:tcPr/>
-                </a:tc>
-                <a:tc>
-                  <a:txBody>
-                    <a:bodyPr/>
-                    <a:lstStyle/>
-                    <a:p>
-                      <a:pPr latinLnBrk="1"/>
-                      <a:r>
-                        <a:rPr lang="en-US" altLang="ko-KR"/>
-                        <a:t>false</a:t>
-                      </a:r>
-                      <a:endParaRPr lang="ko-KR" altLang="en-US"/>
-                    </a:p>
-                  </a:txBody>
-                  <a:tcPr/>
-                </a:tc>
-                <a:extLst>
-                  <a:ext uri="{0D108BD9-81ED-4DB2-BD59-A6C34878D82A}">
-                    <a16:rowId xmlns:a16="http://schemas.microsoft.com/office/drawing/2014/main" val="3544587410"/>
-                  </a:ext>
-                </a:extLst>
-              </a:tr>
-              <a:tr h="370840">
-                <a:tc>
-                  <a:txBody>
-                    <a:bodyPr/>
-                    <a:lstStyle/>
-                    <a:p>
-                      <a:pPr latinLnBrk="1"/>
-                      <a:endParaRPr lang="ko-KR" altLang="en-US"/>
-                    </a:p>
-                  </a:txBody>
-                  <a:tcPr/>
-                </a:tc>
-                <a:tc>
-                  <a:txBody>
-                    <a:bodyPr/>
-                    <a:lstStyle/>
-                    <a:p>
-                      <a:pPr latinLnBrk="1"/>
-                      <a:endParaRPr lang="ko-KR" altLang="en-US"/>
-                    </a:p>
-                  </a:txBody>
-                  <a:tcPr/>
-                </a:tc>
-                <a:tc>
-                  <a:txBody>
-                    <a:bodyPr/>
-                    <a:lstStyle/>
-                    <a:p>
-                      <a:pPr latinLnBrk="1"/>
-                      <a:endParaRPr lang="ko-KR" altLang="en-US"/>
-                    </a:p>
-                  </a:txBody>
-                  <a:tcPr/>
-                </a:tc>
-                <a:tc>
-                  <a:txBody>
-                    <a:bodyPr/>
-                    <a:lstStyle/>
-                    <a:p>
-                      <a:pPr latinLnBrk="1"/>
-                      <a:endParaRPr lang="ko-KR" altLang="en-US"/>
-                    </a:p>
-                  </a:txBody>
-                  <a:tcPr/>
-                </a:tc>
-                <a:tc>
-                  <a:txBody>
-                    <a:bodyPr/>
-                    <a:lstStyle/>
-                    <a:p>
-                      <a:pPr latinLnBrk="1"/>
-                      <a:endParaRPr lang="ko-KR" altLang="en-US"/>
-                    </a:p>
-                  </a:txBody>
-                  <a:tcPr/>
-                </a:tc>
-                <a:tc>
-                  <a:txBody>
-                    <a:bodyPr/>
-                    <a:lstStyle/>
-                    <a:p>
-                      <a:pPr latinLnBrk="1"/>
-                      <a:endParaRPr lang="ko-KR" altLang="en-US"/>
-                    </a:p>
-                  </a:txBody>
-                  <a:tcPr/>
-                </a:tc>
-                <a:tc>
-                  <a:txBody>
-                    <a:bodyPr/>
-                    <a:lstStyle/>
-                    <a:p>
-                      <a:pPr latinLnBrk="1"/>
-                      <a:endParaRPr lang="ko-KR" altLang="en-US"/>
-                    </a:p>
-                  </a:txBody>
-                  <a:tcPr/>
-                </a:tc>
-                <a:extLst>
-                  <a:ext uri="{0D108BD9-81ED-4DB2-BD59-A6C34878D82A}">
-                    <a16:rowId xmlns:a16="http://schemas.microsoft.com/office/drawing/2014/main" val="3226105878"/>
-                  </a:ext>
-                </a:extLst>
-              </a:tr>
-              <a:tr h="370840">
-                <a:tc>
-                  <a:txBody>
-                    <a:bodyPr/>
-                    <a:lstStyle/>
-                    <a:p>
-                      <a:pPr latinLnBrk="1"/>
-                      <a:endParaRPr lang="ko-KR" altLang="en-US"/>
-                    </a:p>
-                  </a:txBody>
-                  <a:tcPr/>
-                </a:tc>
-                <a:tc>
-                  <a:txBody>
-                    <a:bodyPr/>
-                    <a:lstStyle/>
-                    <a:p>
-                      <a:pPr latinLnBrk="1"/>
-                      <a:endParaRPr lang="ko-KR" altLang="en-US"/>
-                    </a:p>
-                  </a:txBody>
-                  <a:tcPr/>
-                </a:tc>
-                <a:tc>
-                  <a:txBody>
-                    <a:bodyPr/>
-                    <a:lstStyle/>
-                    <a:p>
-                      <a:pPr latinLnBrk="1"/>
-                      <a:endParaRPr lang="ko-KR" altLang="en-US"/>
-                    </a:p>
-                  </a:txBody>
-                  <a:tcPr/>
-                </a:tc>
-                <a:tc>
-                  <a:txBody>
-                    <a:bodyPr/>
-                    <a:lstStyle/>
-                    <a:p>
-                      <a:pPr latinLnBrk="1"/>
-                      <a:endParaRPr lang="ko-KR" altLang="en-US" dirty="0"/>
-                    </a:p>
-                  </a:txBody>
-                  <a:tcPr/>
-                </a:tc>
-                <a:tc>
-                  <a:txBody>
-                    <a:bodyPr/>
-                    <a:lstStyle/>
-                    <a:p>
-                      <a:pPr latinLnBrk="1"/>
-                      <a:endParaRPr lang="ko-KR" altLang="en-US" dirty="0"/>
-                    </a:p>
-                  </a:txBody>
-                  <a:tcPr/>
-                </a:tc>
-                <a:tc>
-                  <a:txBody>
-                    <a:bodyPr/>
-                    <a:lstStyle/>
-                    <a:p>
-                      <a:pPr latinLnBrk="1"/>
-                      <a:endParaRPr lang="ko-KR" altLang="en-US" dirty="0"/>
-                    </a:p>
-                  </a:txBody>
-                  <a:tcPr/>
-                </a:tc>
-                <a:tc>
-                  <a:txBody>
-                    <a:bodyPr/>
-                    <a:lstStyle/>
-                    <a:p>
-                      <a:pPr latinLnBrk="1"/>
-                      <a:endParaRPr lang="ko-KR" altLang="en-US" dirty="0"/>
-                    </a:p>
-                  </a:txBody>
-                  <a:tcPr/>
-                </a:tc>
-                <a:extLst>
-                  <a:ext uri="{0D108BD9-81ED-4DB2-BD59-A6C34878D82A}">
-                    <a16:rowId xmlns:a16="http://schemas.microsoft.com/office/drawing/2014/main" val="4153154275"/>
-                  </a:ext>
-                </a:extLst>
-              </a:tr>
-            </a:tbl>
-          </a:graphicData>
-        </a:graphic>
-      </p:graphicFrame>
-      <p:graphicFrame>
-        <p:nvGraphicFramePr>
-          <p:cNvPr id="3" name="표 3">
-            <a:extLst>
-              <a:ext uri="{FF2B5EF4-FFF2-40B4-BE49-F238E27FC236}">
-                <a16:creationId xmlns:a16="http://schemas.microsoft.com/office/drawing/2014/main" id="{4A66AB6B-B705-4832-BCFA-3168B2F6BC95}"/>
-              </a:ext>
-            </a:extLst>
-          </p:cNvPr>
-          <p:cNvGraphicFramePr>
-            <a:graphicFrameLocks noGrp="1"/>
-          </p:cNvGraphicFramePr>
-          <p:nvPr>
-            <p:extLst>
-              <p:ext uri="{D42A27DB-BD31-4B8C-83A1-F6EECF244321}">
-                <p14:modId xmlns:p14="http://schemas.microsoft.com/office/powerpoint/2010/main" val="1216756571"/>
-              </p:ext>
-            </p:extLst>
-          </p:nvPr>
-        </p:nvGraphicFramePr>
-        <p:xfrm>
-          <a:off x="957802" y="3738074"/>
-          <a:ext cx="8128000" cy="1854200"/>
-        </p:xfrm>
-        <a:graphic>
-          <a:graphicData uri="http://schemas.openxmlformats.org/drawingml/2006/table">
-            <a:tbl>
-              <a:tblPr firstRow="1" bandRow="1">
-                <a:tableStyleId>{5C22544A-7EE6-4342-B048-85BDC9FD1C3A}</a:tableStyleId>
-              </a:tblPr>
-              <a:tblGrid>
-                <a:gridCol w="2032000">
-                  <a:extLst>
-                    <a:ext uri="{9D8B030D-6E8A-4147-A177-3AD203B41FA5}">
-                      <a16:colId xmlns:a16="http://schemas.microsoft.com/office/drawing/2014/main" val="1112674849"/>
-                    </a:ext>
-                  </a:extLst>
-                </a:gridCol>
-                <a:gridCol w="2032000">
-                  <a:extLst>
-                    <a:ext uri="{9D8B030D-6E8A-4147-A177-3AD203B41FA5}">
-                      <a16:colId xmlns:a16="http://schemas.microsoft.com/office/drawing/2014/main" val="416484553"/>
-                    </a:ext>
-                  </a:extLst>
-                </a:gridCol>
-                <a:gridCol w="2032000">
-                  <a:extLst>
-                    <a:ext uri="{9D8B030D-6E8A-4147-A177-3AD203B41FA5}">
-                      <a16:colId xmlns:a16="http://schemas.microsoft.com/office/drawing/2014/main" val="110058877"/>
-                    </a:ext>
-                  </a:extLst>
-                </a:gridCol>
-                <a:gridCol w="2032000">
-                  <a:extLst>
-                    <a:ext uri="{9D8B030D-6E8A-4147-A177-3AD203B41FA5}">
-                      <a16:colId xmlns:a16="http://schemas.microsoft.com/office/drawing/2014/main" val="854565116"/>
-                    </a:ext>
-                  </a:extLst>
-                </a:gridCol>
-              </a:tblGrid>
-              <a:tr h="370840">
-                <a:tc>
-                  <a:txBody>
-                    <a:bodyPr/>
-                    <a:lstStyle/>
-                    <a:p>
-                      <a:pPr latinLnBrk="1"/>
-                      <a:r>
-                        <a:rPr lang="en-US" altLang="ko-KR" dirty="0"/>
-                        <a:t>PK</a:t>
-                      </a:r>
-                      <a:endParaRPr lang="ko-KR" altLang="en-US" dirty="0"/>
-                    </a:p>
-                  </a:txBody>
-                  <a:tcPr/>
-                </a:tc>
-                <a:tc>
-                  <a:txBody>
-                    <a:bodyPr/>
-                    <a:lstStyle/>
-                    <a:p>
-                      <a:pPr latinLnBrk="1"/>
-                      <a:r>
-                        <a:rPr lang="ko-KR" altLang="en-US" dirty="0"/>
-                        <a:t>동아리 </a:t>
-                      </a:r>
-                      <a:r>
-                        <a:rPr lang="en-US" altLang="ko-KR" dirty="0"/>
-                        <a:t>PK - FK</a:t>
-                      </a:r>
-                      <a:endParaRPr lang="ko-KR" altLang="en-US" dirty="0"/>
-                    </a:p>
-                  </a:txBody>
-                  <a:tcPr/>
-                </a:tc>
-                <a:tc>
-                  <a:txBody>
-                    <a:bodyPr/>
-                    <a:lstStyle/>
-                    <a:p>
-                      <a:pPr latinLnBrk="1"/>
-                      <a:r>
-                        <a:rPr lang="ko-KR" altLang="en-US" dirty="0"/>
-                        <a:t>회원 </a:t>
-                      </a:r>
-                      <a:r>
-                        <a:rPr lang="en-US" altLang="ko-KR" dirty="0"/>
-                        <a:t>PK - FK</a:t>
-                      </a:r>
-                      <a:endParaRPr lang="ko-KR" altLang="en-US" dirty="0"/>
-                    </a:p>
-                  </a:txBody>
-                  <a:tcPr/>
-                </a:tc>
-                <a:tc>
-                  <a:txBody>
-                    <a:bodyPr/>
-                    <a:lstStyle/>
-                    <a:p>
-                      <a:pPr latinLnBrk="1"/>
-                      <a:r>
-                        <a:rPr lang="en-US" altLang="ko-KR" dirty="0"/>
-                        <a:t>ROLE</a:t>
-                      </a:r>
-                      <a:endParaRPr lang="ko-KR" altLang="en-US" dirty="0"/>
-                    </a:p>
-                  </a:txBody>
-                  <a:tcPr/>
-                </a:tc>
-                <a:extLst>
-                  <a:ext uri="{0D108BD9-81ED-4DB2-BD59-A6C34878D82A}">
-                    <a16:rowId xmlns:a16="http://schemas.microsoft.com/office/drawing/2014/main" val="1023405224"/>
-                  </a:ext>
-                </a:extLst>
-              </a:tr>
-              <a:tr h="370840">
-                <a:tc>
-                  <a:txBody>
-                    <a:bodyPr/>
-                    <a:lstStyle/>
-                    <a:p>
-                      <a:pPr latinLnBrk="1"/>
-                      <a:endParaRPr lang="ko-KR" altLang="en-US" dirty="0"/>
-                    </a:p>
-                  </a:txBody>
-                  <a:tcPr/>
-                </a:tc>
-                <a:tc>
-                  <a:txBody>
-                    <a:bodyPr/>
-                    <a:lstStyle/>
-                    <a:p>
-                      <a:pPr latinLnBrk="1"/>
-                      <a:endParaRPr lang="ko-KR" altLang="en-US" dirty="0"/>
-                    </a:p>
-                  </a:txBody>
-                  <a:tcPr/>
-                </a:tc>
-                <a:tc>
-                  <a:txBody>
-                    <a:bodyPr/>
-                    <a:lstStyle/>
-                    <a:p>
-                      <a:pPr latinLnBrk="1"/>
-                      <a:endParaRPr lang="ko-KR" altLang="en-US" dirty="0"/>
-                    </a:p>
-                  </a:txBody>
-                  <a:tcPr/>
-                </a:tc>
-                <a:tc>
-                  <a:txBody>
-                    <a:bodyPr/>
-                    <a:lstStyle/>
-                    <a:p>
-                      <a:pPr latinLnBrk="1"/>
-                      <a:r>
-                        <a:rPr lang="en-US" altLang="ko-KR" dirty="0"/>
-                        <a:t>ADMIN / USER</a:t>
-                      </a:r>
-                      <a:endParaRPr lang="ko-KR" altLang="en-US" dirty="0"/>
-                    </a:p>
-                  </a:txBody>
-                  <a:tcPr/>
-                </a:tc>
-                <a:extLst>
-                  <a:ext uri="{0D108BD9-81ED-4DB2-BD59-A6C34878D82A}">
-                    <a16:rowId xmlns:a16="http://schemas.microsoft.com/office/drawing/2014/main" val="3022279404"/>
-                  </a:ext>
-                </a:extLst>
-              </a:tr>
-              <a:tr h="370840">
-                <a:tc>
-                  <a:txBody>
-                    <a:bodyPr/>
-                    <a:lstStyle/>
-                    <a:p>
-                      <a:pPr latinLnBrk="1"/>
-                      <a:endParaRPr lang="ko-KR" altLang="en-US"/>
-                    </a:p>
-                  </a:txBody>
-                  <a:tcPr/>
-                </a:tc>
-                <a:tc>
-                  <a:txBody>
-                    <a:bodyPr/>
-                    <a:lstStyle/>
-                    <a:p>
-                      <a:pPr latinLnBrk="1"/>
-                      <a:endParaRPr lang="ko-KR" altLang="en-US"/>
-                    </a:p>
-                  </a:txBody>
-                  <a:tcPr/>
-                </a:tc>
-                <a:tc>
-                  <a:txBody>
-                    <a:bodyPr/>
-                    <a:lstStyle/>
-                    <a:p>
-                      <a:pPr latinLnBrk="1"/>
-                      <a:endParaRPr lang="ko-KR" altLang="en-US" dirty="0"/>
-                    </a:p>
-                  </a:txBody>
-                  <a:tcPr/>
-                </a:tc>
-                <a:tc>
-                  <a:txBody>
-                    <a:bodyPr/>
-                    <a:lstStyle/>
-                    <a:p>
-                      <a:pPr latinLnBrk="1"/>
-                      <a:endParaRPr lang="ko-KR" altLang="en-US"/>
-                    </a:p>
-                  </a:txBody>
-                  <a:tcPr/>
-                </a:tc>
-                <a:extLst>
-                  <a:ext uri="{0D108BD9-81ED-4DB2-BD59-A6C34878D82A}">
-                    <a16:rowId xmlns:a16="http://schemas.microsoft.com/office/drawing/2014/main" val="1159181379"/>
-                  </a:ext>
-                </a:extLst>
-              </a:tr>
-              <a:tr h="370840">
-                <a:tc>
-                  <a:txBody>
-                    <a:bodyPr/>
-                    <a:lstStyle/>
-                    <a:p>
-                      <a:pPr latinLnBrk="1"/>
-                      <a:endParaRPr lang="ko-KR" altLang="en-US"/>
-                    </a:p>
-                  </a:txBody>
-                  <a:tcPr/>
-                </a:tc>
-                <a:tc>
-                  <a:txBody>
-                    <a:bodyPr/>
-                    <a:lstStyle/>
-                    <a:p>
-                      <a:pPr latinLnBrk="1"/>
-                      <a:endParaRPr lang="ko-KR" altLang="en-US" dirty="0"/>
-                    </a:p>
-                  </a:txBody>
-                  <a:tcPr/>
-                </a:tc>
-                <a:tc>
-                  <a:txBody>
-                    <a:bodyPr/>
-                    <a:lstStyle/>
-                    <a:p>
-                      <a:pPr latinLnBrk="1"/>
-                      <a:endParaRPr lang="ko-KR" altLang="en-US" dirty="0"/>
-                    </a:p>
-                  </a:txBody>
-                  <a:tcPr/>
-                </a:tc>
-                <a:tc>
-                  <a:txBody>
-                    <a:bodyPr/>
-                    <a:lstStyle/>
-                    <a:p>
-                      <a:pPr latinLnBrk="1"/>
-                      <a:endParaRPr lang="ko-KR" altLang="en-US"/>
-                    </a:p>
-                  </a:txBody>
-                  <a:tcPr/>
-                </a:tc>
-                <a:extLst>
-                  <a:ext uri="{0D108BD9-81ED-4DB2-BD59-A6C34878D82A}">
-                    <a16:rowId xmlns:a16="http://schemas.microsoft.com/office/drawing/2014/main" val="1188406513"/>
-                  </a:ext>
-                </a:extLst>
-              </a:tr>
-              <a:tr h="370840">
-                <a:tc>
-                  <a:txBody>
-                    <a:bodyPr/>
-                    <a:lstStyle/>
-                    <a:p>
-                      <a:pPr latinLnBrk="1"/>
-                      <a:endParaRPr lang="ko-KR" altLang="en-US"/>
-                    </a:p>
-                  </a:txBody>
-                  <a:tcPr/>
-                </a:tc>
-                <a:tc>
-                  <a:txBody>
-                    <a:bodyPr/>
-                    <a:lstStyle/>
-                    <a:p>
-                      <a:pPr latinLnBrk="1"/>
-                      <a:endParaRPr lang="ko-KR" altLang="en-US" dirty="0"/>
-                    </a:p>
-                  </a:txBody>
-                  <a:tcPr/>
-                </a:tc>
-                <a:tc>
-                  <a:txBody>
-                    <a:bodyPr/>
-                    <a:lstStyle/>
-                    <a:p>
-                      <a:pPr latinLnBrk="1"/>
-                      <a:endParaRPr lang="ko-KR" altLang="en-US" dirty="0"/>
-                    </a:p>
-                  </a:txBody>
-                  <a:tcPr/>
-                </a:tc>
-                <a:tc>
-                  <a:txBody>
-                    <a:bodyPr/>
-                    <a:lstStyle/>
-                    <a:p>
-                      <a:pPr latinLnBrk="1"/>
-                      <a:endParaRPr lang="ko-KR" altLang="en-US" dirty="0"/>
-                    </a:p>
-                  </a:txBody>
-                  <a:tcPr/>
-                </a:tc>
-                <a:extLst>
-                  <a:ext uri="{0D108BD9-81ED-4DB2-BD59-A6C34878D82A}">
-                    <a16:rowId xmlns:a16="http://schemas.microsoft.com/office/drawing/2014/main" val="2436690821"/>
-                  </a:ext>
-                </a:extLst>
-              </a:tr>
-            </a:tbl>
-          </a:graphicData>
-        </a:graphic>
-      </p:graphicFrame>
-      <p:sp>
-        <p:nvSpPr>
-          <p:cNvPr id="4" name="TextBox 3">
-            <a:extLst>
-              <a:ext uri="{FF2B5EF4-FFF2-40B4-BE49-F238E27FC236}">
-                <a16:creationId xmlns:a16="http://schemas.microsoft.com/office/drawing/2014/main" id="{B1B70071-4184-444D-AF41-ABED2AC79688}"/>
+      <p:cxnSp>
+        <p:nvCxnSpPr>
+          <p:cNvPr id="2" name="직선 연결선 1">
+            <a:extLst>
+              <a:ext uri="{FF2B5EF4-FFF2-40B4-BE49-F238E27FC236}">
+                <a16:creationId xmlns:a16="http://schemas.microsoft.com/office/drawing/2014/main" id="{605988A2-15B2-43B4-9C7F-986E521D5708}"/>
+              </a:ext>
+            </a:extLst>
+          </p:cNvPr>
+          <p:cNvCxnSpPr>
+            <a:cxnSpLocks/>
+            <a:stCxn id="4" idx="2"/>
+          </p:cNvCxnSpPr>
+          <p:nvPr/>
+        </p:nvCxnSpPr>
+        <p:spPr>
+          <a:xfrm>
+            <a:off x="3270337" y="938461"/>
+            <a:ext cx="42224" cy="5336183"/>
+          </a:xfrm>
+          <a:prstGeom prst="line">
+            <a:avLst/>
+          </a:prstGeom>
+          <a:ln>
+            <a:solidFill>
+              <a:schemeClr val="accent1">
+                <a:lumMod val="50000"/>
+              </a:schemeClr>
+            </a:solidFill>
+          </a:ln>
+        </p:spPr>
+        <p:style>
+          <a:lnRef idx="1">
+            <a:schemeClr val="accent6"/>
+          </a:lnRef>
+          <a:fillRef idx="2">
+            <a:schemeClr val="accent6"/>
+          </a:fillRef>
+          <a:effectRef idx="1">
+            <a:schemeClr val="accent6"/>
+          </a:effectRef>
+          <a:fontRef idx="minor">
+            <a:schemeClr val="dk1"/>
+          </a:fontRef>
+        </p:style>
+      </p:cxnSp>
+      <p:sp>
+        <p:nvSpPr>
+          <p:cNvPr id="3" name="타원 2">
+            <a:extLst>
+              <a:ext uri="{FF2B5EF4-FFF2-40B4-BE49-F238E27FC236}">
+                <a16:creationId xmlns:a16="http://schemas.microsoft.com/office/drawing/2014/main" id="{010BD411-9372-4119-861B-E8496545F575}"/>
+              </a:ext>
+            </a:extLst>
+          </p:cNvPr>
+          <p:cNvSpPr/>
+          <p:nvPr/>
+        </p:nvSpPr>
+        <p:spPr>
+          <a:xfrm>
+            <a:off x="2792184" y="1074270"/>
+            <a:ext cx="974180" cy="719325"/>
+          </a:xfrm>
+          <a:prstGeom prst="ellipse">
+            <a:avLst/>
+          </a:prstGeom>
+          <a:solidFill>
+            <a:schemeClr val="accent1">
+              <a:lumMod val="75000"/>
+            </a:schemeClr>
+          </a:solidFill>
+          <a:ln>
+            <a:solidFill>
+              <a:schemeClr val="accent1">
+                <a:lumMod val="50000"/>
+              </a:schemeClr>
+            </a:solidFill>
+          </a:ln>
+        </p:spPr>
+        <p:style>
+          <a:lnRef idx="1">
+            <a:schemeClr val="accent6"/>
+          </a:lnRef>
+          <a:fillRef idx="2">
+            <a:schemeClr val="accent6"/>
+          </a:fillRef>
+          <a:effectRef idx="1">
+            <a:schemeClr val="accent6"/>
+          </a:effectRef>
+          <a:fontRef idx="minor">
+            <a:schemeClr val="dk1"/>
+          </a:fontRef>
+        </p:style>
+        <p:txBody>
+          <a:bodyPr rtlCol="0" anchor="ctr"/>
+          <a:lstStyle/>
+          <a:p>
+            <a:pPr algn="ctr"/>
+            <a:r>
+              <a:rPr lang="ko-KR" altLang="en-US" sz="1300" dirty="0" err="1">
+                <a:solidFill>
+                  <a:schemeClr val="bg1"/>
+                </a:solidFill>
+              </a:rPr>
+              <a:t>게시글번호</a:t>
+            </a:r>
+            <a:endParaRPr lang="ko-KR" altLang="en-US" sz="1300" dirty="0">
+              <a:solidFill>
+                <a:schemeClr val="bg1"/>
+              </a:solidFill>
+            </a:endParaRPr>
+          </a:p>
+        </p:txBody>
+      </p:sp>
+      <p:sp>
+        <p:nvSpPr>
+          <p:cNvPr id="4" name="직사각형 3">
+            <a:extLst>
+              <a:ext uri="{FF2B5EF4-FFF2-40B4-BE49-F238E27FC236}">
+                <a16:creationId xmlns:a16="http://schemas.microsoft.com/office/drawing/2014/main" id="{88716C7A-B007-4908-8FB1-3FB8B1585293}"/>
+              </a:ext>
+            </a:extLst>
+          </p:cNvPr>
+          <p:cNvSpPr/>
+          <p:nvPr/>
+        </p:nvSpPr>
+        <p:spPr>
+          <a:xfrm>
+            <a:off x="2708863" y="545431"/>
+            <a:ext cx="1122947" cy="393030"/>
+          </a:xfrm>
+          <a:prstGeom prst="rect">
+            <a:avLst/>
+          </a:prstGeom>
+          <a:solidFill>
+            <a:schemeClr val="accent1">
+              <a:lumMod val="75000"/>
+            </a:schemeClr>
+          </a:solidFill>
+          <a:ln>
+            <a:solidFill>
+              <a:schemeClr val="accent1">
+                <a:lumMod val="50000"/>
+              </a:schemeClr>
+            </a:solidFill>
+          </a:ln>
+        </p:spPr>
+        <p:style>
+          <a:lnRef idx="1">
+            <a:schemeClr val="accent6"/>
+          </a:lnRef>
+          <a:fillRef idx="2">
+            <a:schemeClr val="accent6"/>
+          </a:fillRef>
+          <a:effectRef idx="1">
+            <a:schemeClr val="accent6"/>
+          </a:effectRef>
+          <a:fontRef idx="minor">
+            <a:schemeClr val="dk1"/>
+          </a:fontRef>
+        </p:style>
+        <p:txBody>
+          <a:bodyPr rtlCol="0" anchor="ctr"/>
+          <a:lstStyle/>
+          <a:p>
+            <a:pPr algn="ctr"/>
+            <a:r>
+              <a:rPr lang="ko-KR" altLang="en-US" sz="1300" dirty="0">
+                <a:solidFill>
+                  <a:schemeClr val="bg1"/>
+                </a:solidFill>
+              </a:rPr>
+              <a:t>커뮤니티</a:t>
+            </a:r>
+          </a:p>
+        </p:txBody>
+      </p:sp>
+      <p:sp>
+        <p:nvSpPr>
+          <p:cNvPr id="5" name="타원 4">
+            <a:extLst>
+              <a:ext uri="{FF2B5EF4-FFF2-40B4-BE49-F238E27FC236}">
+                <a16:creationId xmlns:a16="http://schemas.microsoft.com/office/drawing/2014/main" id="{335B486C-23C0-4DAC-A095-B921AD393BBE}"/>
+              </a:ext>
+            </a:extLst>
+          </p:cNvPr>
+          <p:cNvSpPr/>
+          <p:nvPr/>
+        </p:nvSpPr>
+        <p:spPr>
+          <a:xfrm>
+            <a:off x="2908393" y="1994527"/>
+            <a:ext cx="774591" cy="622831"/>
+          </a:xfrm>
+          <a:prstGeom prst="ellipse">
+            <a:avLst/>
+          </a:prstGeom>
+          <a:solidFill>
+            <a:schemeClr val="accent1">
+              <a:lumMod val="75000"/>
+            </a:schemeClr>
+          </a:solidFill>
+          <a:ln>
+            <a:solidFill>
+              <a:schemeClr val="accent1">
+                <a:lumMod val="50000"/>
+              </a:schemeClr>
+            </a:solidFill>
+          </a:ln>
+        </p:spPr>
+        <p:style>
+          <a:lnRef idx="1">
+            <a:schemeClr val="accent6"/>
+          </a:lnRef>
+          <a:fillRef idx="2">
+            <a:schemeClr val="accent6"/>
+          </a:fillRef>
+          <a:effectRef idx="1">
+            <a:schemeClr val="accent6"/>
+          </a:effectRef>
+          <a:fontRef idx="minor">
+            <a:schemeClr val="dk1"/>
+          </a:fontRef>
+        </p:style>
+        <p:txBody>
+          <a:bodyPr rtlCol="0" anchor="ctr"/>
+          <a:lstStyle/>
+          <a:p>
+            <a:pPr algn="ctr"/>
+            <a:r>
+              <a:rPr lang="ko-KR" altLang="en-US" sz="1300" dirty="0">
+                <a:solidFill>
+                  <a:schemeClr val="bg1"/>
+                </a:solidFill>
+              </a:rPr>
+              <a:t>분류번호</a:t>
+            </a:r>
+            <a:endParaRPr lang="en-US" altLang="ko-KR" sz="1300" dirty="0">
+              <a:solidFill>
+                <a:schemeClr val="bg1"/>
+              </a:solidFill>
+            </a:endParaRPr>
+          </a:p>
+        </p:txBody>
+      </p:sp>
+      <p:cxnSp>
+        <p:nvCxnSpPr>
+          <p:cNvPr id="7" name="직선 연결선 6">
+            <a:extLst>
+              <a:ext uri="{FF2B5EF4-FFF2-40B4-BE49-F238E27FC236}">
+                <a16:creationId xmlns:a16="http://schemas.microsoft.com/office/drawing/2014/main" id="{C5320C3F-8FBB-41E2-90A9-84542701F693}"/>
+              </a:ext>
+            </a:extLst>
+          </p:cNvPr>
+          <p:cNvCxnSpPr>
+            <a:cxnSpLocks/>
+            <a:stCxn id="5" idx="5"/>
+            <a:endCxn id="5" idx="5"/>
+          </p:cNvCxnSpPr>
+          <p:nvPr/>
+        </p:nvCxnSpPr>
+        <p:spPr>
+          <a:xfrm>
+            <a:off x="3569548" y="2526147"/>
+            <a:ext cx="0" cy="0"/>
+          </a:xfrm>
+          <a:prstGeom prst="line">
+            <a:avLst/>
+          </a:prstGeom>
+          <a:ln>
+            <a:solidFill>
+              <a:schemeClr val="accent1">
+                <a:lumMod val="50000"/>
+              </a:schemeClr>
+            </a:solidFill>
+          </a:ln>
+        </p:spPr>
+        <p:style>
+          <a:lnRef idx="1">
+            <a:schemeClr val="accent6"/>
+          </a:lnRef>
+          <a:fillRef idx="2">
+            <a:schemeClr val="accent6"/>
+          </a:fillRef>
+          <a:effectRef idx="1">
+            <a:schemeClr val="accent6"/>
+          </a:effectRef>
+          <a:fontRef idx="minor">
+            <a:schemeClr val="dk1"/>
+          </a:fontRef>
+        </p:style>
+      </p:cxnSp>
+      <p:cxnSp>
+        <p:nvCxnSpPr>
+          <p:cNvPr id="15" name="직선 연결선 14">
+            <a:extLst>
+              <a:ext uri="{FF2B5EF4-FFF2-40B4-BE49-F238E27FC236}">
+                <a16:creationId xmlns:a16="http://schemas.microsoft.com/office/drawing/2014/main" id="{B0CFBCF0-ACB4-4739-8C9A-4706797C66AE}"/>
+              </a:ext>
+            </a:extLst>
+          </p:cNvPr>
+          <p:cNvCxnSpPr>
+            <a:cxnSpLocks/>
+          </p:cNvCxnSpPr>
+          <p:nvPr/>
+        </p:nvCxnSpPr>
+        <p:spPr>
+          <a:xfrm>
+            <a:off x="2917518" y="1689506"/>
+            <a:ext cx="828294" cy="1201"/>
+          </a:xfrm>
+          <a:prstGeom prst="line">
+            <a:avLst/>
+          </a:prstGeom>
+          <a:ln w="38100">
+            <a:solidFill>
+              <a:schemeClr val="bg1"/>
+            </a:solidFill>
+          </a:ln>
+        </p:spPr>
+        <p:style>
+          <a:lnRef idx="3">
+            <a:schemeClr val="accent2"/>
+          </a:lnRef>
+          <a:fillRef idx="0">
+            <a:schemeClr val="accent2"/>
+          </a:fillRef>
+          <a:effectRef idx="2">
+            <a:schemeClr val="accent2"/>
+          </a:effectRef>
+          <a:fontRef idx="minor">
+            <a:schemeClr val="tx1"/>
+          </a:fontRef>
+        </p:style>
+      </p:cxnSp>
+      <p:cxnSp>
+        <p:nvCxnSpPr>
+          <p:cNvPr id="16" name="직선 연결선 15">
+            <a:extLst>
+              <a:ext uri="{FF2B5EF4-FFF2-40B4-BE49-F238E27FC236}">
+                <a16:creationId xmlns:a16="http://schemas.microsoft.com/office/drawing/2014/main" id="{51C9BC98-FD55-43B8-B22B-813723CCD2BE}"/>
+              </a:ext>
+            </a:extLst>
+          </p:cNvPr>
+          <p:cNvCxnSpPr>
+            <a:cxnSpLocks/>
+            <a:stCxn id="18" idx="2"/>
+            <a:endCxn id="20" idx="0"/>
+          </p:cNvCxnSpPr>
+          <p:nvPr/>
+        </p:nvCxnSpPr>
+        <p:spPr>
+          <a:xfrm>
+            <a:off x="6473344" y="938461"/>
+            <a:ext cx="42224" cy="5336183"/>
+          </a:xfrm>
+          <a:prstGeom prst="line">
+            <a:avLst/>
+          </a:prstGeom>
+          <a:ln>
+            <a:solidFill>
+              <a:schemeClr val="accent4">
+                <a:lumMod val="50000"/>
+              </a:schemeClr>
+            </a:solidFill>
+          </a:ln>
+        </p:spPr>
+        <p:style>
+          <a:lnRef idx="1">
+            <a:schemeClr val="accent6"/>
+          </a:lnRef>
+          <a:fillRef idx="2">
+            <a:schemeClr val="accent6"/>
+          </a:fillRef>
+          <a:effectRef idx="1">
+            <a:schemeClr val="accent6"/>
+          </a:effectRef>
+          <a:fontRef idx="minor">
+            <a:schemeClr val="dk1"/>
+          </a:fontRef>
+        </p:style>
+      </p:cxnSp>
+      <p:sp>
+        <p:nvSpPr>
+          <p:cNvPr id="17" name="타원 16">
+            <a:extLst>
+              <a:ext uri="{FF2B5EF4-FFF2-40B4-BE49-F238E27FC236}">
+                <a16:creationId xmlns:a16="http://schemas.microsoft.com/office/drawing/2014/main" id="{1ADED4A9-22D6-47F2-AAB8-5A1D1A102564}"/>
+              </a:ext>
+            </a:extLst>
+          </p:cNvPr>
+          <p:cNvSpPr/>
+          <p:nvPr/>
+        </p:nvSpPr>
+        <p:spPr>
+          <a:xfrm>
+            <a:off x="6096000" y="1074270"/>
+            <a:ext cx="754685" cy="719325"/>
+          </a:xfrm>
+          <a:prstGeom prst="ellipse">
+            <a:avLst/>
+          </a:prstGeom>
+          <a:solidFill>
+            <a:schemeClr val="accent4">
+              <a:lumMod val="75000"/>
+            </a:schemeClr>
+          </a:solidFill>
+          <a:ln>
+            <a:solidFill>
+              <a:schemeClr val="accent4">
+                <a:lumMod val="50000"/>
+              </a:schemeClr>
+            </a:solidFill>
+          </a:ln>
+        </p:spPr>
+        <p:style>
+          <a:lnRef idx="1">
+            <a:schemeClr val="accent6"/>
+          </a:lnRef>
+          <a:fillRef idx="2">
+            <a:schemeClr val="accent6"/>
+          </a:fillRef>
+          <a:effectRef idx="1">
+            <a:schemeClr val="accent6"/>
+          </a:effectRef>
+          <a:fontRef idx="minor">
+            <a:schemeClr val="dk1"/>
+          </a:fontRef>
+        </p:style>
+        <p:txBody>
+          <a:bodyPr rtlCol="0" anchor="ctr"/>
+          <a:lstStyle/>
+          <a:p>
+            <a:pPr algn="ctr"/>
+            <a:r>
+              <a:rPr lang="ko-KR" altLang="en-US" sz="1300" dirty="0">
+                <a:solidFill>
+                  <a:schemeClr val="bg1"/>
+                </a:solidFill>
+              </a:rPr>
+              <a:t>배너 번호</a:t>
+            </a:r>
+          </a:p>
+        </p:txBody>
+      </p:sp>
+      <p:sp>
+        <p:nvSpPr>
+          <p:cNvPr id="18" name="직사각형 17">
+            <a:extLst>
+              <a:ext uri="{FF2B5EF4-FFF2-40B4-BE49-F238E27FC236}">
+                <a16:creationId xmlns:a16="http://schemas.microsoft.com/office/drawing/2014/main" id="{036F2B10-AF45-41D3-9FF3-CDD8BF4863EA}"/>
+              </a:ext>
+            </a:extLst>
+          </p:cNvPr>
+          <p:cNvSpPr/>
+          <p:nvPr/>
+        </p:nvSpPr>
+        <p:spPr>
+          <a:xfrm>
+            <a:off x="5911870" y="545431"/>
+            <a:ext cx="1122947" cy="393030"/>
+          </a:xfrm>
+          <a:prstGeom prst="rect">
+            <a:avLst/>
+          </a:prstGeom>
+          <a:solidFill>
+            <a:schemeClr val="accent4">
+              <a:lumMod val="75000"/>
+            </a:schemeClr>
+          </a:solidFill>
+          <a:ln>
+            <a:solidFill>
+              <a:schemeClr val="accent4">
+                <a:lumMod val="50000"/>
+              </a:schemeClr>
+            </a:solidFill>
+          </a:ln>
+        </p:spPr>
+        <p:style>
+          <a:lnRef idx="1">
+            <a:schemeClr val="accent6"/>
+          </a:lnRef>
+          <a:fillRef idx="2">
+            <a:schemeClr val="accent6"/>
+          </a:fillRef>
+          <a:effectRef idx="1">
+            <a:schemeClr val="accent6"/>
+          </a:effectRef>
+          <a:fontRef idx="minor">
+            <a:schemeClr val="dk1"/>
+          </a:fontRef>
+        </p:style>
+        <p:txBody>
+          <a:bodyPr rtlCol="0" anchor="ctr"/>
+          <a:lstStyle/>
+          <a:p>
+            <a:pPr algn="ctr"/>
+            <a:r>
+              <a:rPr lang="ko-KR" altLang="en-US" sz="1300" dirty="0">
+                <a:solidFill>
+                  <a:schemeClr val="bg1"/>
+                </a:solidFill>
+              </a:rPr>
+              <a:t>배너</a:t>
+            </a:r>
+          </a:p>
+        </p:txBody>
+      </p:sp>
+      <p:sp>
+        <p:nvSpPr>
+          <p:cNvPr id="20" name="타원 19">
+            <a:extLst>
+              <a:ext uri="{FF2B5EF4-FFF2-40B4-BE49-F238E27FC236}">
+                <a16:creationId xmlns:a16="http://schemas.microsoft.com/office/drawing/2014/main" id="{8760C6AE-6A2C-48AC-A62F-217518C90B3D}"/>
+              </a:ext>
+            </a:extLst>
+          </p:cNvPr>
+          <p:cNvSpPr/>
+          <p:nvPr/>
+        </p:nvSpPr>
+        <p:spPr>
+          <a:xfrm>
+            <a:off x="6152325" y="6274644"/>
+            <a:ext cx="726485" cy="583356"/>
+          </a:xfrm>
+          <a:prstGeom prst="ellipse">
+            <a:avLst/>
+          </a:prstGeom>
+          <a:solidFill>
+            <a:schemeClr val="accent4">
+              <a:lumMod val="75000"/>
+            </a:schemeClr>
+          </a:solidFill>
+          <a:ln>
+            <a:solidFill>
+              <a:schemeClr val="accent4">
+                <a:lumMod val="50000"/>
+              </a:schemeClr>
+            </a:solidFill>
+          </a:ln>
+        </p:spPr>
+        <p:style>
+          <a:lnRef idx="1">
+            <a:schemeClr val="accent6"/>
+          </a:lnRef>
+          <a:fillRef idx="2">
+            <a:schemeClr val="accent6"/>
+          </a:fillRef>
+          <a:effectRef idx="1">
+            <a:schemeClr val="accent6"/>
+          </a:effectRef>
+          <a:fontRef idx="minor">
+            <a:schemeClr val="dk1"/>
+          </a:fontRef>
+        </p:style>
+        <p:txBody>
+          <a:bodyPr rtlCol="0" anchor="ctr"/>
+          <a:lstStyle/>
+          <a:p>
+            <a:pPr algn="ctr"/>
+            <a:endParaRPr lang="ko-KR" altLang="en-US" sz="1300" dirty="0">
+              <a:solidFill>
+                <a:schemeClr val="bg1"/>
+              </a:solidFill>
+            </a:endParaRPr>
+          </a:p>
+        </p:txBody>
+      </p:sp>
+      <p:cxnSp>
+        <p:nvCxnSpPr>
+          <p:cNvPr id="21" name="직선 연결선 20">
+            <a:extLst>
+              <a:ext uri="{FF2B5EF4-FFF2-40B4-BE49-F238E27FC236}">
+                <a16:creationId xmlns:a16="http://schemas.microsoft.com/office/drawing/2014/main" id="{977B81C1-D1B5-4438-ADEA-A58EF4A30733}"/>
+              </a:ext>
+            </a:extLst>
+          </p:cNvPr>
+          <p:cNvCxnSpPr>
+            <a:cxnSpLocks/>
+          </p:cNvCxnSpPr>
+          <p:nvPr/>
+        </p:nvCxnSpPr>
+        <p:spPr>
+          <a:xfrm>
+            <a:off x="6833412" y="2518835"/>
+            <a:ext cx="0" cy="0"/>
+          </a:xfrm>
+          <a:prstGeom prst="line">
+            <a:avLst/>
+          </a:prstGeom>
+          <a:ln>
+            <a:solidFill>
+              <a:schemeClr val="accent4">
+                <a:lumMod val="50000"/>
+              </a:schemeClr>
+            </a:solidFill>
+          </a:ln>
+        </p:spPr>
+        <p:style>
+          <a:lnRef idx="1">
+            <a:schemeClr val="accent6"/>
+          </a:lnRef>
+          <a:fillRef idx="2">
+            <a:schemeClr val="accent6"/>
+          </a:fillRef>
+          <a:effectRef idx="1">
+            <a:schemeClr val="accent6"/>
+          </a:effectRef>
+          <a:fontRef idx="minor">
+            <a:schemeClr val="dk1"/>
+          </a:fontRef>
+        </p:style>
+      </p:cxnSp>
+      <p:cxnSp>
+        <p:nvCxnSpPr>
+          <p:cNvPr id="23" name="직선 연결선 22">
+            <a:extLst>
+              <a:ext uri="{FF2B5EF4-FFF2-40B4-BE49-F238E27FC236}">
+                <a16:creationId xmlns:a16="http://schemas.microsoft.com/office/drawing/2014/main" id="{FFF950A4-0B74-4A2D-A5FF-F7B355D48B46}"/>
+              </a:ext>
+            </a:extLst>
+          </p:cNvPr>
+          <p:cNvCxnSpPr>
+            <a:cxnSpLocks/>
+          </p:cNvCxnSpPr>
+          <p:nvPr/>
+        </p:nvCxnSpPr>
+        <p:spPr>
+          <a:xfrm>
+            <a:off x="6806154" y="2796096"/>
+            <a:ext cx="0" cy="0"/>
+          </a:xfrm>
+          <a:prstGeom prst="line">
+            <a:avLst/>
+          </a:prstGeom>
+          <a:ln>
+            <a:solidFill>
+              <a:schemeClr val="accent4">
+                <a:lumMod val="50000"/>
+              </a:schemeClr>
+            </a:solidFill>
+          </a:ln>
+        </p:spPr>
+        <p:style>
+          <a:lnRef idx="1">
+            <a:schemeClr val="accent6"/>
+          </a:lnRef>
+          <a:fillRef idx="2">
+            <a:schemeClr val="accent6"/>
+          </a:fillRef>
+          <a:effectRef idx="1">
+            <a:schemeClr val="accent6"/>
+          </a:effectRef>
+          <a:fontRef idx="minor">
+            <a:schemeClr val="dk1"/>
+          </a:fontRef>
+        </p:style>
+      </p:cxnSp>
+      <p:sp>
+        <p:nvSpPr>
+          <p:cNvPr id="24" name="타원 23">
+            <a:extLst>
+              <a:ext uri="{FF2B5EF4-FFF2-40B4-BE49-F238E27FC236}">
+                <a16:creationId xmlns:a16="http://schemas.microsoft.com/office/drawing/2014/main" id="{D41AF442-E34F-416A-AE06-27A34DDCD75C}"/>
+              </a:ext>
+            </a:extLst>
+          </p:cNvPr>
+          <p:cNvSpPr/>
+          <p:nvPr/>
+        </p:nvSpPr>
+        <p:spPr>
+          <a:xfrm>
+            <a:off x="6007366" y="2483934"/>
+            <a:ext cx="974180" cy="393031"/>
+          </a:xfrm>
+          <a:prstGeom prst="ellipse">
+            <a:avLst/>
+          </a:prstGeom>
+          <a:solidFill>
+            <a:schemeClr val="accent4">
+              <a:lumMod val="75000"/>
+            </a:schemeClr>
+          </a:solidFill>
+          <a:ln>
+            <a:solidFill>
+              <a:schemeClr val="accent4">
+                <a:lumMod val="50000"/>
+              </a:schemeClr>
+            </a:solidFill>
+          </a:ln>
+        </p:spPr>
+        <p:style>
+          <a:lnRef idx="1">
+            <a:schemeClr val="accent6"/>
+          </a:lnRef>
+          <a:fillRef idx="2">
+            <a:schemeClr val="accent6"/>
+          </a:fillRef>
+          <a:effectRef idx="1">
+            <a:schemeClr val="accent6"/>
+          </a:effectRef>
+          <a:fontRef idx="minor">
+            <a:schemeClr val="dk1"/>
+          </a:fontRef>
+        </p:style>
+        <p:txBody>
+          <a:bodyPr rtlCol="0" anchor="ctr"/>
+          <a:lstStyle/>
+          <a:p>
+            <a:pPr algn="ctr"/>
+            <a:r>
+              <a:rPr lang="ko-KR" altLang="en-US" sz="1300" dirty="0">
+                <a:solidFill>
+                  <a:schemeClr val="bg1"/>
+                </a:solidFill>
+              </a:rPr>
+              <a:t>링크</a:t>
+            </a:r>
+          </a:p>
+        </p:txBody>
+      </p:sp>
+      <p:sp>
+        <p:nvSpPr>
+          <p:cNvPr id="25" name="타원 24">
+            <a:extLst>
+              <a:ext uri="{FF2B5EF4-FFF2-40B4-BE49-F238E27FC236}">
+                <a16:creationId xmlns:a16="http://schemas.microsoft.com/office/drawing/2014/main" id="{E002AB4C-3FC4-46E8-98C0-3E3471C7BA8D}"/>
+              </a:ext>
+            </a:extLst>
+          </p:cNvPr>
+          <p:cNvSpPr/>
+          <p:nvPr/>
+        </p:nvSpPr>
+        <p:spPr>
+          <a:xfrm>
+            <a:off x="5988313" y="1929404"/>
+            <a:ext cx="974180" cy="393031"/>
+          </a:xfrm>
+          <a:prstGeom prst="ellipse">
+            <a:avLst/>
+          </a:prstGeom>
+          <a:solidFill>
+            <a:schemeClr val="accent4">
+              <a:lumMod val="75000"/>
+            </a:schemeClr>
+          </a:solidFill>
+          <a:ln>
+            <a:solidFill>
+              <a:schemeClr val="accent4">
+                <a:lumMod val="50000"/>
+              </a:schemeClr>
+            </a:solidFill>
+          </a:ln>
+        </p:spPr>
+        <p:style>
+          <a:lnRef idx="1">
+            <a:schemeClr val="accent6"/>
+          </a:lnRef>
+          <a:fillRef idx="2">
+            <a:schemeClr val="accent6"/>
+          </a:fillRef>
+          <a:effectRef idx="1">
+            <a:schemeClr val="accent6"/>
+          </a:effectRef>
+          <a:fontRef idx="minor">
+            <a:schemeClr val="dk1"/>
+          </a:fontRef>
+        </p:style>
+        <p:txBody>
+          <a:bodyPr rtlCol="0" anchor="ctr"/>
+          <a:lstStyle/>
+          <a:p>
+            <a:pPr algn="ctr"/>
+            <a:r>
+              <a:rPr lang="ko-KR" altLang="en-US" sz="1300" dirty="0">
+                <a:solidFill>
+                  <a:schemeClr val="bg1"/>
+                </a:solidFill>
+              </a:rPr>
+              <a:t>제목</a:t>
+            </a:r>
+          </a:p>
+        </p:txBody>
+      </p:sp>
+      <p:sp>
+        <p:nvSpPr>
+          <p:cNvPr id="26" name="타원 25">
+            <a:extLst>
+              <a:ext uri="{FF2B5EF4-FFF2-40B4-BE49-F238E27FC236}">
+                <a16:creationId xmlns:a16="http://schemas.microsoft.com/office/drawing/2014/main" id="{B9826B46-4E11-4BD3-B045-85CAF533DDCF}"/>
+              </a:ext>
+            </a:extLst>
+          </p:cNvPr>
+          <p:cNvSpPr/>
+          <p:nvPr/>
+        </p:nvSpPr>
+        <p:spPr>
+          <a:xfrm>
+            <a:off x="6075446" y="3041567"/>
+            <a:ext cx="841715" cy="488230"/>
+          </a:xfrm>
+          <a:prstGeom prst="ellipse">
+            <a:avLst/>
+          </a:prstGeom>
+          <a:solidFill>
+            <a:schemeClr val="accent4">
+              <a:lumMod val="75000"/>
+            </a:schemeClr>
+          </a:solidFill>
+          <a:ln>
+            <a:solidFill>
+              <a:schemeClr val="accent4">
+                <a:lumMod val="50000"/>
+              </a:schemeClr>
+            </a:solidFill>
+          </a:ln>
+        </p:spPr>
+        <p:style>
+          <a:lnRef idx="1">
+            <a:schemeClr val="accent6"/>
+          </a:lnRef>
+          <a:fillRef idx="2">
+            <a:schemeClr val="accent6"/>
+          </a:fillRef>
+          <a:effectRef idx="1">
+            <a:schemeClr val="accent6"/>
+          </a:effectRef>
+          <a:fontRef idx="minor">
+            <a:schemeClr val="dk1"/>
+          </a:fontRef>
+        </p:style>
+        <p:txBody>
+          <a:bodyPr rtlCol="0" anchor="ctr"/>
+          <a:lstStyle/>
+          <a:p>
+            <a:pPr algn="ctr"/>
+            <a:r>
+              <a:rPr lang="ko-KR" altLang="en-US" sz="1300" dirty="0">
+                <a:solidFill>
+                  <a:schemeClr val="bg1"/>
+                </a:solidFill>
+              </a:rPr>
+              <a:t>첨부파일</a:t>
+            </a:r>
+          </a:p>
+        </p:txBody>
+      </p:sp>
+      <p:sp>
+        <p:nvSpPr>
+          <p:cNvPr id="28" name="타원 27">
+            <a:extLst>
+              <a:ext uri="{FF2B5EF4-FFF2-40B4-BE49-F238E27FC236}">
+                <a16:creationId xmlns:a16="http://schemas.microsoft.com/office/drawing/2014/main" id="{382BD003-70CD-49A0-995E-EE78C0DB41D9}"/>
+              </a:ext>
+            </a:extLst>
+          </p:cNvPr>
+          <p:cNvSpPr/>
+          <p:nvPr/>
+        </p:nvSpPr>
+        <p:spPr>
+          <a:xfrm>
+            <a:off x="6152325" y="3660084"/>
+            <a:ext cx="726485" cy="488230"/>
+          </a:xfrm>
+          <a:prstGeom prst="ellipse">
+            <a:avLst/>
+          </a:prstGeom>
+          <a:solidFill>
+            <a:schemeClr val="accent4">
+              <a:lumMod val="75000"/>
+            </a:schemeClr>
+          </a:solidFill>
+          <a:ln>
+            <a:solidFill>
+              <a:schemeClr val="accent4">
+                <a:lumMod val="50000"/>
+              </a:schemeClr>
+            </a:solidFill>
+          </a:ln>
+        </p:spPr>
+        <p:style>
+          <a:lnRef idx="1">
+            <a:schemeClr val="accent6"/>
+          </a:lnRef>
+          <a:fillRef idx="2">
+            <a:schemeClr val="accent6"/>
+          </a:fillRef>
+          <a:effectRef idx="1">
+            <a:schemeClr val="accent6"/>
+          </a:effectRef>
+          <a:fontRef idx="minor">
+            <a:schemeClr val="dk1"/>
+          </a:fontRef>
+        </p:style>
+        <p:txBody>
+          <a:bodyPr rtlCol="0" anchor="ctr"/>
+          <a:lstStyle/>
+          <a:p>
+            <a:pPr algn="ctr"/>
+            <a:r>
+              <a:rPr lang="ko-KR" altLang="en-US" sz="1300">
+                <a:solidFill>
+                  <a:schemeClr val="bg1"/>
+                </a:solidFill>
+              </a:rPr>
+              <a:t>설명</a:t>
+            </a:r>
+            <a:endParaRPr lang="ko-KR" altLang="en-US" sz="1300" dirty="0">
+              <a:solidFill>
+                <a:schemeClr val="bg1"/>
+              </a:solidFill>
+            </a:endParaRPr>
+          </a:p>
+        </p:txBody>
+      </p:sp>
+      <p:cxnSp>
+        <p:nvCxnSpPr>
+          <p:cNvPr id="29" name="직선 연결선 28">
+            <a:extLst>
+              <a:ext uri="{FF2B5EF4-FFF2-40B4-BE49-F238E27FC236}">
+                <a16:creationId xmlns:a16="http://schemas.microsoft.com/office/drawing/2014/main" id="{C960BC39-58C6-4E50-908A-ED4AF376371A}"/>
+              </a:ext>
+            </a:extLst>
+          </p:cNvPr>
+          <p:cNvCxnSpPr>
+            <a:cxnSpLocks/>
+          </p:cNvCxnSpPr>
+          <p:nvPr/>
+        </p:nvCxnSpPr>
+        <p:spPr>
+          <a:xfrm>
+            <a:off x="6120525" y="1689506"/>
+            <a:ext cx="828294" cy="1201"/>
+          </a:xfrm>
+          <a:prstGeom prst="line">
+            <a:avLst/>
+          </a:prstGeom>
+          <a:ln w="38100">
+            <a:solidFill>
+              <a:schemeClr val="bg1"/>
+            </a:solidFill>
+          </a:ln>
+        </p:spPr>
+        <p:style>
+          <a:lnRef idx="3">
+            <a:schemeClr val="accent2"/>
+          </a:lnRef>
+          <a:fillRef idx="0">
+            <a:schemeClr val="accent2"/>
+          </a:fillRef>
+          <a:effectRef idx="2">
+            <a:schemeClr val="accent2"/>
+          </a:effectRef>
+          <a:fontRef idx="minor">
+            <a:schemeClr val="tx1"/>
+          </a:fontRef>
+        </p:style>
+      </p:cxnSp>
+      <p:sp>
+        <p:nvSpPr>
+          <p:cNvPr id="33" name="타원 32">
+            <a:extLst>
+              <a:ext uri="{FF2B5EF4-FFF2-40B4-BE49-F238E27FC236}">
+                <a16:creationId xmlns:a16="http://schemas.microsoft.com/office/drawing/2014/main" id="{3535A310-B868-4AB5-AD8F-58488830AFF4}"/>
+              </a:ext>
+            </a:extLst>
+          </p:cNvPr>
+          <p:cNvSpPr/>
+          <p:nvPr/>
+        </p:nvSpPr>
+        <p:spPr>
+          <a:xfrm>
+            <a:off x="2814163" y="3273581"/>
+            <a:ext cx="974180" cy="393031"/>
+          </a:xfrm>
+          <a:prstGeom prst="ellipse">
+            <a:avLst/>
+          </a:prstGeom>
+          <a:solidFill>
+            <a:schemeClr val="accent1">
+              <a:lumMod val="75000"/>
+            </a:schemeClr>
+          </a:solidFill>
+          <a:ln>
+            <a:solidFill>
+              <a:schemeClr val="accent1">
+                <a:lumMod val="50000"/>
+              </a:schemeClr>
+            </a:solidFill>
+          </a:ln>
+        </p:spPr>
+        <p:style>
+          <a:lnRef idx="2">
+            <a:schemeClr val="accent2">
+              <a:shade val="50000"/>
+            </a:schemeClr>
+          </a:lnRef>
+          <a:fillRef idx="1">
+            <a:schemeClr val="accent2"/>
+          </a:fillRef>
+          <a:effectRef idx="0">
+            <a:schemeClr val="accent2"/>
+          </a:effectRef>
+          <a:fontRef idx="minor">
+            <a:schemeClr val="lt1"/>
+          </a:fontRef>
+        </p:style>
+        <p:txBody>
+          <a:bodyPr rtlCol="0" anchor="ctr"/>
+          <a:lstStyle/>
+          <a:p>
+            <a:pPr algn="ctr"/>
+            <a:r>
+              <a:rPr lang="ko-KR" altLang="en-US" sz="1300" dirty="0"/>
+              <a:t>작성자</a:t>
+            </a:r>
+          </a:p>
+        </p:txBody>
+      </p:sp>
+      <p:cxnSp>
+        <p:nvCxnSpPr>
+          <p:cNvPr id="34" name="직선 연결선 33">
+            <a:extLst>
+              <a:ext uri="{FF2B5EF4-FFF2-40B4-BE49-F238E27FC236}">
+                <a16:creationId xmlns:a16="http://schemas.microsoft.com/office/drawing/2014/main" id="{1DE11D61-5931-419A-BFD0-C1C9F976655B}"/>
+              </a:ext>
+            </a:extLst>
+          </p:cNvPr>
+          <p:cNvCxnSpPr>
+            <a:cxnSpLocks/>
+            <a:stCxn id="33" idx="5"/>
+            <a:endCxn id="33" idx="5"/>
+          </p:cNvCxnSpPr>
+          <p:nvPr/>
+        </p:nvCxnSpPr>
+        <p:spPr>
+          <a:xfrm>
+            <a:off x="3645678" y="3609054"/>
+            <a:ext cx="0" cy="0"/>
+          </a:xfrm>
+          <a:prstGeom prst="line">
+            <a:avLst/>
+          </a:prstGeom>
+          <a:ln>
+            <a:solidFill>
+              <a:schemeClr val="accent1">
+                <a:lumMod val="50000"/>
+              </a:schemeClr>
+            </a:solidFill>
+          </a:ln>
+        </p:spPr>
+        <p:style>
+          <a:lnRef idx="2">
+            <a:schemeClr val="accent2">
+              <a:shade val="50000"/>
+            </a:schemeClr>
+          </a:lnRef>
+          <a:fillRef idx="1">
+            <a:schemeClr val="accent2"/>
+          </a:fillRef>
+          <a:effectRef idx="0">
+            <a:schemeClr val="accent2"/>
+          </a:effectRef>
+          <a:fontRef idx="minor">
+            <a:schemeClr val="lt1"/>
+          </a:fontRef>
+        </p:style>
+      </p:cxnSp>
+      <p:sp>
+        <p:nvSpPr>
+          <p:cNvPr id="35" name="타원 34">
+            <a:extLst>
+              <a:ext uri="{FF2B5EF4-FFF2-40B4-BE49-F238E27FC236}">
+                <a16:creationId xmlns:a16="http://schemas.microsoft.com/office/drawing/2014/main" id="{6E6318EB-9000-457A-9349-CF87B27B1159}"/>
+              </a:ext>
+            </a:extLst>
+          </p:cNvPr>
+          <p:cNvSpPr/>
+          <p:nvPr/>
+        </p:nvSpPr>
+        <p:spPr>
+          <a:xfrm>
+            <a:off x="2814163" y="3843983"/>
+            <a:ext cx="974180" cy="393031"/>
+          </a:xfrm>
+          <a:prstGeom prst="ellipse">
+            <a:avLst/>
+          </a:prstGeom>
+          <a:solidFill>
+            <a:schemeClr val="accent1">
+              <a:lumMod val="75000"/>
+            </a:schemeClr>
+          </a:solidFill>
+          <a:ln>
+            <a:solidFill>
+              <a:schemeClr val="accent1">
+                <a:lumMod val="50000"/>
+              </a:schemeClr>
+            </a:solidFill>
+          </a:ln>
+        </p:spPr>
+        <p:style>
+          <a:lnRef idx="2">
+            <a:schemeClr val="accent2">
+              <a:shade val="50000"/>
+            </a:schemeClr>
+          </a:lnRef>
+          <a:fillRef idx="1">
+            <a:schemeClr val="accent2"/>
+          </a:fillRef>
+          <a:effectRef idx="0">
+            <a:schemeClr val="accent2"/>
+          </a:effectRef>
+          <a:fontRef idx="minor">
+            <a:schemeClr val="lt1"/>
+          </a:fontRef>
+        </p:style>
+        <p:txBody>
+          <a:bodyPr rtlCol="0" anchor="ctr"/>
+          <a:lstStyle/>
+          <a:p>
+            <a:pPr algn="ctr"/>
+            <a:r>
+              <a:rPr lang="ko-KR" altLang="en-US" sz="1300" dirty="0"/>
+              <a:t>내용</a:t>
+            </a:r>
+          </a:p>
+        </p:txBody>
+      </p:sp>
+      <p:sp>
+        <p:nvSpPr>
+          <p:cNvPr id="36" name="타원 35">
+            <a:extLst>
+              <a:ext uri="{FF2B5EF4-FFF2-40B4-BE49-F238E27FC236}">
+                <a16:creationId xmlns:a16="http://schemas.microsoft.com/office/drawing/2014/main" id="{E9BBC2DC-2BC5-47D8-A522-B79821EAFFA0}"/>
+              </a:ext>
+            </a:extLst>
+          </p:cNvPr>
+          <p:cNvSpPr/>
+          <p:nvPr/>
+        </p:nvSpPr>
+        <p:spPr>
+          <a:xfrm>
+            <a:off x="2798890" y="2739461"/>
+            <a:ext cx="974180" cy="393031"/>
+          </a:xfrm>
+          <a:prstGeom prst="ellipse">
+            <a:avLst/>
+          </a:prstGeom>
+          <a:solidFill>
+            <a:schemeClr val="accent1">
+              <a:lumMod val="75000"/>
+            </a:schemeClr>
+          </a:solidFill>
+          <a:ln>
+            <a:solidFill>
+              <a:schemeClr val="accent1">
+                <a:lumMod val="50000"/>
+              </a:schemeClr>
+            </a:solidFill>
+          </a:ln>
+        </p:spPr>
+        <p:style>
+          <a:lnRef idx="2">
+            <a:schemeClr val="accent2">
+              <a:shade val="50000"/>
+            </a:schemeClr>
+          </a:lnRef>
+          <a:fillRef idx="1">
+            <a:schemeClr val="accent2"/>
+          </a:fillRef>
+          <a:effectRef idx="0">
+            <a:schemeClr val="accent2"/>
+          </a:effectRef>
+          <a:fontRef idx="minor">
+            <a:schemeClr val="lt1"/>
+          </a:fontRef>
+        </p:style>
+        <p:txBody>
+          <a:bodyPr rtlCol="0" anchor="ctr"/>
+          <a:lstStyle/>
+          <a:p>
+            <a:pPr algn="ctr"/>
+            <a:r>
+              <a:rPr lang="ko-KR" altLang="en-US" sz="1300" dirty="0"/>
+              <a:t>제목</a:t>
+            </a:r>
+          </a:p>
+        </p:txBody>
+      </p:sp>
+      <p:sp>
+        <p:nvSpPr>
+          <p:cNvPr id="37" name="타원 36">
+            <a:extLst>
+              <a:ext uri="{FF2B5EF4-FFF2-40B4-BE49-F238E27FC236}">
+                <a16:creationId xmlns:a16="http://schemas.microsoft.com/office/drawing/2014/main" id="{F09F670D-FAF1-40E6-A797-ED26FB7B37AE}"/>
+              </a:ext>
+            </a:extLst>
+          </p:cNvPr>
+          <p:cNvSpPr/>
+          <p:nvPr/>
+        </p:nvSpPr>
+        <p:spPr>
+          <a:xfrm>
+            <a:off x="2880395" y="4385929"/>
+            <a:ext cx="841715" cy="488230"/>
+          </a:xfrm>
+          <a:prstGeom prst="ellipse">
+            <a:avLst/>
+          </a:prstGeom>
+          <a:solidFill>
+            <a:schemeClr val="accent1">
+              <a:lumMod val="75000"/>
+            </a:schemeClr>
+          </a:solidFill>
+          <a:ln>
+            <a:solidFill>
+              <a:schemeClr val="accent1">
+                <a:lumMod val="50000"/>
+              </a:schemeClr>
+            </a:solidFill>
+          </a:ln>
+        </p:spPr>
+        <p:style>
+          <a:lnRef idx="2">
+            <a:schemeClr val="accent2">
+              <a:shade val="50000"/>
+            </a:schemeClr>
+          </a:lnRef>
+          <a:fillRef idx="1">
+            <a:schemeClr val="accent2"/>
+          </a:fillRef>
+          <a:effectRef idx="0">
+            <a:schemeClr val="accent2"/>
+          </a:effectRef>
+          <a:fontRef idx="minor">
+            <a:schemeClr val="lt1"/>
+          </a:fontRef>
+        </p:style>
+        <p:txBody>
+          <a:bodyPr rtlCol="0" anchor="ctr"/>
+          <a:lstStyle/>
+          <a:p>
+            <a:pPr algn="ctr"/>
+            <a:r>
+              <a:rPr lang="ko-KR" altLang="en-US" sz="1300" dirty="0"/>
+              <a:t>첨부파일</a:t>
+            </a:r>
+          </a:p>
+        </p:txBody>
+      </p:sp>
+      <p:sp>
+        <p:nvSpPr>
+          <p:cNvPr id="38" name="타원 37">
+            <a:extLst>
+              <a:ext uri="{FF2B5EF4-FFF2-40B4-BE49-F238E27FC236}">
+                <a16:creationId xmlns:a16="http://schemas.microsoft.com/office/drawing/2014/main" id="{6D207176-ED73-4D3C-A75B-1770B0945414}"/>
+              </a:ext>
+            </a:extLst>
+          </p:cNvPr>
+          <p:cNvSpPr/>
+          <p:nvPr/>
+        </p:nvSpPr>
+        <p:spPr>
+          <a:xfrm>
+            <a:off x="2964592" y="5023074"/>
+            <a:ext cx="742646" cy="488230"/>
+          </a:xfrm>
+          <a:prstGeom prst="ellipse">
+            <a:avLst/>
+          </a:prstGeom>
+          <a:solidFill>
+            <a:schemeClr val="accent1">
+              <a:lumMod val="75000"/>
+            </a:schemeClr>
+          </a:solidFill>
+          <a:ln>
+            <a:solidFill>
+              <a:schemeClr val="accent1">
+                <a:lumMod val="50000"/>
+              </a:schemeClr>
+            </a:solidFill>
+          </a:ln>
+        </p:spPr>
+        <p:style>
+          <a:lnRef idx="2">
+            <a:schemeClr val="accent2">
+              <a:shade val="50000"/>
+            </a:schemeClr>
+          </a:lnRef>
+          <a:fillRef idx="1">
+            <a:schemeClr val="accent2"/>
+          </a:fillRef>
+          <a:effectRef idx="0">
+            <a:schemeClr val="accent2"/>
+          </a:effectRef>
+          <a:fontRef idx="minor">
+            <a:schemeClr val="lt1"/>
+          </a:fontRef>
+        </p:style>
+        <p:txBody>
+          <a:bodyPr rtlCol="0" anchor="ctr"/>
+          <a:lstStyle/>
+          <a:p>
+            <a:pPr algn="ctr"/>
+            <a:r>
+              <a:rPr lang="ko-KR" altLang="en-US" sz="1300"/>
+              <a:t>작성날짜</a:t>
+            </a:r>
+            <a:endParaRPr lang="ko-KR" altLang="en-US" sz="1300" dirty="0"/>
+          </a:p>
+        </p:txBody>
+      </p:sp>
+      <p:sp>
+        <p:nvSpPr>
+          <p:cNvPr id="54" name="TextBox 53">
+            <a:extLst>
+              <a:ext uri="{FF2B5EF4-FFF2-40B4-BE49-F238E27FC236}">
+                <a16:creationId xmlns:a16="http://schemas.microsoft.com/office/drawing/2014/main" id="{CD487B78-FBF0-415C-A224-FB6D641C05FC}"/>
               </a:ext>
             </a:extLst>
           </p:cNvPr>
@@ -5415,8 +9736,8 @@
         </p:nvSpPr>
         <p:spPr>
           <a:xfrm>
-            <a:off x="1606858" y="550416"/>
-            <a:ext cx="1624614" cy="369332"/>
+            <a:off x="7727175" y="1382612"/>
+            <a:ext cx="3251391" cy="923330"/>
           </a:xfrm>
           <a:prstGeom prst="rect">
             <a:avLst/>
@@ -5430,51 +9751,48 @@
           <a:lstStyle/>
           <a:p>
             <a:r>
-              <a:rPr lang="ko-KR" altLang="en-US"/>
-              <a:t>회원</a:t>
-            </a:r>
-          </a:p>
-        </p:txBody>
-      </p:sp>
-      <p:sp>
-        <p:nvSpPr>
-          <p:cNvPr id="9" name="TextBox 8">
-            <a:extLst>
-              <a:ext uri="{FF2B5EF4-FFF2-40B4-BE49-F238E27FC236}">
-                <a16:creationId xmlns:a16="http://schemas.microsoft.com/office/drawing/2014/main" id="{517B55BC-AD0C-462C-88C5-E07FF010F065}"/>
-              </a:ext>
-            </a:extLst>
-          </p:cNvPr>
-          <p:cNvSpPr txBox="1"/>
-          <p:nvPr/>
-        </p:nvSpPr>
-        <p:spPr>
-          <a:xfrm>
-            <a:off x="1155576" y="3350318"/>
-            <a:ext cx="1624614" cy="369332"/>
-          </a:xfrm>
-          <a:prstGeom prst="rect">
-            <a:avLst/>
-          </a:prstGeom>
-          <a:noFill/>
-        </p:spPr>
-        <p:txBody>
-          <a:bodyPr wrap="square" rtlCol="0">
-            <a:spAutoFit/>
-          </a:bodyPr>
-          <a:lstStyle/>
-          <a:p>
-            <a:r>
               <a:rPr lang="ko-KR" altLang="en-US" dirty="0"/>
-              <a:t>회원역할</a:t>
-            </a:r>
+              <a:t>프론트에서</a:t>
+            </a:r>
+            <a:endParaRPr lang="en-US" altLang="ko-KR" dirty="0"/>
+          </a:p>
+          <a:p>
+            <a:r>
+              <a:rPr lang="en-US" altLang="ko-KR" dirty="0"/>
+              <a:t>Segment = [‘</a:t>
+            </a:r>
+            <a:r>
+              <a:rPr lang="ko-KR" altLang="en-US" dirty="0"/>
+              <a:t>질문</a:t>
+            </a:r>
+            <a:r>
+              <a:rPr lang="en-US" altLang="ko-KR" dirty="0"/>
+              <a:t>’, ‘</a:t>
+            </a:r>
+            <a:r>
+              <a:rPr lang="ko-KR" altLang="en-US" dirty="0"/>
+              <a:t>자유</a:t>
+            </a:r>
+            <a:r>
+              <a:rPr lang="en-US" altLang="ko-KR" dirty="0"/>
+              <a:t>’, ‘</a:t>
+            </a:r>
+            <a:r>
+              <a:rPr lang="ko-KR" altLang="en-US" dirty="0"/>
+              <a:t>홍보</a:t>
+            </a:r>
+            <a:r>
+              <a:rPr lang="en-US" altLang="ko-KR" dirty="0"/>
+              <a:t>’];</a:t>
+            </a:r>
+            <a:endParaRPr lang="ko-KR" altLang="en-US" dirty="0"/>
           </a:p>
         </p:txBody>
       </p:sp>
     </p:spTree>
     <p:extLst>
       <p:ext uri="{BB962C8B-B14F-4D97-AF65-F5344CB8AC3E}">
-        <p14:creationId xmlns:p14="http://schemas.microsoft.com/office/powerpoint/2010/main" val="1660689953"/>
+        <p14:creationId xmlns:p14="http://schemas.microsoft.com/office/powerpoint/2010/main" val="3679387048"/>
       </p:ext>
     </p:extLst>
   </p:cSld>
@@ -5501,792 +9819,10 @@
           <a:chExt cx="0" cy="0"/>
         </a:xfrm>
       </p:grpSpPr>
-      <p:graphicFrame>
-        <p:nvGraphicFramePr>
-          <p:cNvPr id="2" name="표 2">
-            <a:extLst>
-              <a:ext uri="{FF2B5EF4-FFF2-40B4-BE49-F238E27FC236}">
-                <a16:creationId xmlns:a16="http://schemas.microsoft.com/office/drawing/2014/main" id="{1B2855A4-26FD-4F27-A29A-2BFD263FAD9F}"/>
-              </a:ext>
-            </a:extLst>
-          </p:cNvPr>
-          <p:cNvGraphicFramePr>
-            <a:graphicFrameLocks noGrp="1"/>
-          </p:cNvGraphicFramePr>
-          <p:nvPr>
-            <p:extLst>
-              <p:ext uri="{D42A27DB-BD31-4B8C-83A1-F6EECF244321}">
-                <p14:modId xmlns:p14="http://schemas.microsoft.com/office/powerpoint/2010/main" val="2672182248"/>
-              </p:ext>
-            </p:extLst>
-          </p:nvPr>
-        </p:nvGraphicFramePr>
-        <p:xfrm>
-          <a:off x="957802" y="1013107"/>
-          <a:ext cx="10689701" cy="2026920"/>
-        </p:xfrm>
-        <a:graphic>
-          <a:graphicData uri="http://schemas.openxmlformats.org/drawingml/2006/table">
-            <a:tbl>
-              <a:tblPr firstRow="1" bandRow="1">
-                <a:tableStyleId>{5C22544A-7EE6-4342-B048-85BDC9FD1C3A}</a:tableStyleId>
-              </a:tblPr>
-              <a:tblGrid>
-                <a:gridCol w="1429869">
-                  <a:extLst>
-                    <a:ext uri="{9D8B030D-6E8A-4147-A177-3AD203B41FA5}">
-                      <a16:colId xmlns:a16="http://schemas.microsoft.com/office/drawing/2014/main" val="1818860348"/>
-                    </a:ext>
-                  </a:extLst>
-                </a:gridCol>
-                <a:gridCol w="1429869">
-                  <a:extLst>
-                    <a:ext uri="{9D8B030D-6E8A-4147-A177-3AD203B41FA5}">
-                      <a16:colId xmlns:a16="http://schemas.microsoft.com/office/drawing/2014/main" val="1745494479"/>
-                    </a:ext>
-                  </a:extLst>
-                </a:gridCol>
-                <a:gridCol w="979049">
-                  <a:extLst>
-                    <a:ext uri="{9D8B030D-6E8A-4147-A177-3AD203B41FA5}">
-                      <a16:colId xmlns:a16="http://schemas.microsoft.com/office/drawing/2014/main" val="944405031"/>
-                    </a:ext>
-                  </a:extLst>
-                </a:gridCol>
-                <a:gridCol w="1395664">
-                  <a:extLst>
-                    <a:ext uri="{9D8B030D-6E8A-4147-A177-3AD203B41FA5}">
-                      <a16:colId xmlns:a16="http://schemas.microsoft.com/office/drawing/2014/main" val="3553971249"/>
-                    </a:ext>
-                  </a:extLst>
-                </a:gridCol>
-                <a:gridCol w="1914894">
-                  <a:extLst>
-                    <a:ext uri="{9D8B030D-6E8A-4147-A177-3AD203B41FA5}">
-                      <a16:colId xmlns:a16="http://schemas.microsoft.com/office/drawing/2014/main" val="2099459287"/>
-                    </a:ext>
-                  </a:extLst>
-                </a:gridCol>
-                <a:gridCol w="1568527">
-                  <a:extLst>
-                    <a:ext uri="{9D8B030D-6E8A-4147-A177-3AD203B41FA5}">
-                      <a16:colId xmlns:a16="http://schemas.microsoft.com/office/drawing/2014/main" val="2231416164"/>
-                    </a:ext>
-                  </a:extLst>
-                </a:gridCol>
-                <a:gridCol w="1971829">
-                  <a:extLst>
-                    <a:ext uri="{9D8B030D-6E8A-4147-A177-3AD203B41FA5}">
-                      <a16:colId xmlns:a16="http://schemas.microsoft.com/office/drawing/2014/main" val="1406185506"/>
-                    </a:ext>
-                  </a:extLst>
-                </a:gridCol>
-              </a:tblGrid>
-              <a:tr h="370840">
-                <a:tc>
-                  <a:txBody>
-                    <a:bodyPr/>
-                    <a:lstStyle/>
-                    <a:p>
-                      <a:pPr latinLnBrk="1"/>
-                      <a:r>
-                        <a:rPr lang="en-US" altLang="ko-KR" dirty="0"/>
-                        <a:t>PK – </a:t>
-                      </a:r>
-                      <a:r>
-                        <a:rPr lang="en-US" altLang="ko-KR" dirty="0" err="1"/>
-                        <a:t>auto_increment</a:t>
-                      </a:r>
-                      <a:endParaRPr lang="ko-KR" altLang="en-US" dirty="0"/>
-                    </a:p>
-                  </a:txBody>
-                  <a:tcPr/>
-                </a:tc>
-                <a:tc>
-                  <a:txBody>
-                    <a:bodyPr/>
-                    <a:lstStyle/>
-                    <a:p>
-                      <a:pPr latinLnBrk="1"/>
-                      <a:r>
-                        <a:rPr lang="ko-KR" altLang="en-US" dirty="0"/>
-                        <a:t>동아리이름</a:t>
-                      </a:r>
-                    </a:p>
-                  </a:txBody>
-                  <a:tcPr/>
-                </a:tc>
-                <a:tc>
-                  <a:txBody>
-                    <a:bodyPr/>
-                    <a:lstStyle/>
-                    <a:p>
-                      <a:pPr latinLnBrk="1"/>
-                      <a:r>
-                        <a:rPr lang="ko-KR" altLang="en-US" dirty="0"/>
-                        <a:t>대분류</a:t>
-                      </a:r>
-                    </a:p>
-                  </a:txBody>
-                  <a:tcPr/>
-                </a:tc>
-                <a:tc>
-                  <a:txBody>
-                    <a:bodyPr/>
-                    <a:lstStyle/>
-                    <a:p>
-                      <a:pPr latinLnBrk="1"/>
-                      <a:r>
-                        <a:rPr lang="ko-KR" altLang="en-US" dirty="0"/>
-                        <a:t>소분류</a:t>
-                      </a:r>
-                    </a:p>
-                  </a:txBody>
-                  <a:tcPr/>
-                </a:tc>
-                <a:tc>
-                  <a:txBody>
-                    <a:bodyPr/>
-                    <a:lstStyle/>
-                    <a:p>
-                      <a:pPr latinLnBrk="1"/>
-                      <a:r>
-                        <a:rPr lang="ko-KR" altLang="en-US" dirty="0" err="1"/>
-                        <a:t>프로필이미지</a:t>
-                      </a:r>
-                      <a:endParaRPr lang="ko-KR" altLang="en-US" dirty="0"/>
-                    </a:p>
-                  </a:txBody>
-                  <a:tcPr/>
-                </a:tc>
-                <a:tc>
-                  <a:txBody>
-                    <a:bodyPr/>
-                    <a:lstStyle/>
-                    <a:p>
-                      <a:pPr latinLnBrk="1"/>
-                      <a:r>
-                        <a:rPr lang="ko-KR" altLang="en-US" dirty="0"/>
-                        <a:t>동아리설명</a:t>
-                      </a:r>
-                    </a:p>
-                  </a:txBody>
-                  <a:tcPr/>
-                </a:tc>
-                <a:tc>
-                  <a:txBody>
-                    <a:bodyPr/>
-                    <a:lstStyle/>
-                    <a:p>
-                      <a:pPr latinLnBrk="1"/>
-                      <a:endParaRPr lang="ko-KR" altLang="en-US" dirty="0"/>
-                    </a:p>
-                  </a:txBody>
-                  <a:tcPr/>
-                </a:tc>
-                <a:extLst>
-                  <a:ext uri="{0D108BD9-81ED-4DB2-BD59-A6C34878D82A}">
-                    <a16:rowId xmlns:a16="http://schemas.microsoft.com/office/drawing/2014/main" val="3215540548"/>
-                  </a:ext>
-                </a:extLst>
-              </a:tr>
-              <a:tr h="370840">
-                <a:tc>
-                  <a:txBody>
-                    <a:bodyPr/>
-                    <a:lstStyle/>
-                    <a:p>
-                      <a:pPr latinLnBrk="1"/>
-                      <a:endParaRPr lang="ko-KR" altLang="en-US"/>
-                    </a:p>
-                  </a:txBody>
-                  <a:tcPr/>
-                </a:tc>
-                <a:tc>
-                  <a:txBody>
-                    <a:bodyPr/>
-                    <a:lstStyle/>
-                    <a:p>
-                      <a:pPr latinLnBrk="1"/>
-                      <a:endParaRPr lang="ko-KR" altLang="en-US" dirty="0"/>
-                    </a:p>
-                  </a:txBody>
-                  <a:tcPr/>
-                </a:tc>
-                <a:tc>
-                  <a:txBody>
-                    <a:bodyPr/>
-                    <a:lstStyle/>
-                    <a:p>
-                      <a:pPr latinLnBrk="1"/>
-                      <a:endParaRPr lang="ko-KR" altLang="en-US" dirty="0"/>
-                    </a:p>
-                  </a:txBody>
-                  <a:tcPr/>
-                </a:tc>
-                <a:tc>
-                  <a:txBody>
-                    <a:bodyPr/>
-                    <a:lstStyle/>
-                    <a:p>
-                      <a:pPr latinLnBrk="1"/>
-                      <a:endParaRPr lang="ko-KR" altLang="en-US" dirty="0"/>
-                    </a:p>
-                  </a:txBody>
-                  <a:tcPr/>
-                </a:tc>
-                <a:tc>
-                  <a:txBody>
-                    <a:bodyPr/>
-                    <a:lstStyle/>
-                    <a:p>
-                      <a:pPr latinLnBrk="1"/>
-                      <a:endParaRPr lang="ko-KR" altLang="en-US"/>
-                    </a:p>
-                  </a:txBody>
-                  <a:tcPr/>
-                </a:tc>
-                <a:tc>
-                  <a:txBody>
-                    <a:bodyPr/>
-                    <a:lstStyle/>
-                    <a:p>
-                      <a:pPr latinLnBrk="1"/>
-                      <a:endParaRPr lang="ko-KR" altLang="en-US" dirty="0"/>
-                    </a:p>
-                  </a:txBody>
-                  <a:tcPr/>
-                </a:tc>
-                <a:tc>
-                  <a:txBody>
-                    <a:bodyPr/>
-                    <a:lstStyle/>
-                    <a:p>
-                      <a:pPr latinLnBrk="1"/>
-                      <a:endParaRPr lang="ko-KR" altLang="en-US"/>
-                    </a:p>
-                  </a:txBody>
-                  <a:tcPr/>
-                </a:tc>
-                <a:extLst>
-                  <a:ext uri="{0D108BD9-81ED-4DB2-BD59-A6C34878D82A}">
-                    <a16:rowId xmlns:a16="http://schemas.microsoft.com/office/drawing/2014/main" val="3544587410"/>
-                  </a:ext>
-                </a:extLst>
-              </a:tr>
-              <a:tr h="370840">
-                <a:tc>
-                  <a:txBody>
-                    <a:bodyPr/>
-                    <a:lstStyle/>
-                    <a:p>
-                      <a:pPr latinLnBrk="1"/>
-                      <a:endParaRPr lang="ko-KR" altLang="en-US"/>
-                    </a:p>
-                  </a:txBody>
-                  <a:tcPr/>
-                </a:tc>
-                <a:tc>
-                  <a:txBody>
-                    <a:bodyPr/>
-                    <a:lstStyle/>
-                    <a:p>
-                      <a:pPr latinLnBrk="1"/>
-                      <a:endParaRPr lang="ko-KR" altLang="en-US"/>
-                    </a:p>
-                  </a:txBody>
-                  <a:tcPr/>
-                </a:tc>
-                <a:tc>
-                  <a:txBody>
-                    <a:bodyPr/>
-                    <a:lstStyle/>
-                    <a:p>
-                      <a:pPr latinLnBrk="1"/>
-                      <a:endParaRPr lang="ko-KR" altLang="en-US" dirty="0"/>
-                    </a:p>
-                  </a:txBody>
-                  <a:tcPr/>
-                </a:tc>
-                <a:tc>
-                  <a:txBody>
-                    <a:bodyPr/>
-                    <a:lstStyle/>
-                    <a:p>
-                      <a:pPr latinLnBrk="1"/>
-                      <a:endParaRPr lang="ko-KR" altLang="en-US" dirty="0"/>
-                    </a:p>
-                  </a:txBody>
-                  <a:tcPr/>
-                </a:tc>
-                <a:tc>
-                  <a:txBody>
-                    <a:bodyPr/>
-                    <a:lstStyle/>
-                    <a:p>
-                      <a:pPr latinLnBrk="1"/>
-                      <a:endParaRPr lang="ko-KR" altLang="en-US"/>
-                    </a:p>
-                  </a:txBody>
-                  <a:tcPr/>
-                </a:tc>
-                <a:tc>
-                  <a:txBody>
-                    <a:bodyPr/>
-                    <a:lstStyle/>
-                    <a:p>
-                      <a:pPr latinLnBrk="1"/>
-                      <a:endParaRPr lang="ko-KR" altLang="en-US"/>
-                    </a:p>
-                  </a:txBody>
-                  <a:tcPr/>
-                </a:tc>
-                <a:tc>
-                  <a:txBody>
-                    <a:bodyPr/>
-                    <a:lstStyle/>
-                    <a:p>
-                      <a:pPr latinLnBrk="1"/>
-                      <a:endParaRPr lang="ko-KR" altLang="en-US"/>
-                    </a:p>
-                  </a:txBody>
-                  <a:tcPr/>
-                </a:tc>
-                <a:extLst>
-                  <a:ext uri="{0D108BD9-81ED-4DB2-BD59-A6C34878D82A}">
-                    <a16:rowId xmlns:a16="http://schemas.microsoft.com/office/drawing/2014/main" val="3226105878"/>
-                  </a:ext>
-                </a:extLst>
-              </a:tr>
-              <a:tr h="370840">
-                <a:tc>
-                  <a:txBody>
-                    <a:bodyPr/>
-                    <a:lstStyle/>
-                    <a:p>
-                      <a:pPr latinLnBrk="1"/>
-                      <a:endParaRPr lang="ko-KR" altLang="en-US"/>
-                    </a:p>
-                  </a:txBody>
-                  <a:tcPr/>
-                </a:tc>
-                <a:tc>
-                  <a:txBody>
-                    <a:bodyPr/>
-                    <a:lstStyle/>
-                    <a:p>
-                      <a:pPr latinLnBrk="1"/>
-                      <a:endParaRPr lang="ko-KR" altLang="en-US"/>
-                    </a:p>
-                  </a:txBody>
-                  <a:tcPr/>
-                </a:tc>
-                <a:tc>
-                  <a:txBody>
-                    <a:bodyPr/>
-                    <a:lstStyle/>
-                    <a:p>
-                      <a:pPr latinLnBrk="1"/>
-                      <a:endParaRPr lang="ko-KR" altLang="en-US" dirty="0"/>
-                    </a:p>
-                  </a:txBody>
-                  <a:tcPr/>
-                </a:tc>
-                <a:tc>
-                  <a:txBody>
-                    <a:bodyPr/>
-                    <a:lstStyle/>
-                    <a:p>
-                      <a:pPr latinLnBrk="1"/>
-                      <a:endParaRPr lang="ko-KR" altLang="en-US" dirty="0"/>
-                    </a:p>
-                  </a:txBody>
-                  <a:tcPr/>
-                </a:tc>
-                <a:tc>
-                  <a:txBody>
-                    <a:bodyPr/>
-                    <a:lstStyle/>
-                    <a:p>
-                      <a:pPr latinLnBrk="1"/>
-                      <a:endParaRPr lang="ko-KR" altLang="en-US" dirty="0"/>
-                    </a:p>
-                  </a:txBody>
-                  <a:tcPr/>
-                </a:tc>
-                <a:tc>
-                  <a:txBody>
-                    <a:bodyPr/>
-                    <a:lstStyle/>
-                    <a:p>
-                      <a:pPr latinLnBrk="1"/>
-                      <a:endParaRPr lang="ko-KR" altLang="en-US" dirty="0"/>
-                    </a:p>
-                  </a:txBody>
-                  <a:tcPr/>
-                </a:tc>
-                <a:tc>
-                  <a:txBody>
-                    <a:bodyPr/>
-                    <a:lstStyle/>
-                    <a:p>
-                      <a:pPr latinLnBrk="1"/>
-                      <a:endParaRPr lang="ko-KR" altLang="en-US" dirty="0"/>
-                    </a:p>
-                  </a:txBody>
-                  <a:tcPr/>
-                </a:tc>
-                <a:extLst>
-                  <a:ext uri="{0D108BD9-81ED-4DB2-BD59-A6C34878D82A}">
-                    <a16:rowId xmlns:a16="http://schemas.microsoft.com/office/drawing/2014/main" val="4153154275"/>
-                  </a:ext>
-                </a:extLst>
-              </a:tr>
-            </a:tbl>
-          </a:graphicData>
-        </a:graphic>
-      </p:graphicFrame>
-      <p:graphicFrame>
-        <p:nvGraphicFramePr>
-          <p:cNvPr id="3" name="표 3">
-            <a:extLst>
-              <a:ext uri="{FF2B5EF4-FFF2-40B4-BE49-F238E27FC236}">
-                <a16:creationId xmlns:a16="http://schemas.microsoft.com/office/drawing/2014/main" id="{4A66AB6B-B705-4832-BCFA-3168B2F6BC95}"/>
-              </a:ext>
-            </a:extLst>
-          </p:cNvPr>
-          <p:cNvGraphicFramePr>
-            <a:graphicFrameLocks noGrp="1"/>
-          </p:cNvGraphicFramePr>
-          <p:nvPr>
-            <p:extLst>
-              <p:ext uri="{D42A27DB-BD31-4B8C-83A1-F6EECF244321}">
-                <p14:modId xmlns:p14="http://schemas.microsoft.com/office/powerpoint/2010/main" val="4275968945"/>
-              </p:ext>
-            </p:extLst>
-          </p:nvPr>
-        </p:nvGraphicFramePr>
-        <p:xfrm>
-          <a:off x="957802" y="3992074"/>
-          <a:ext cx="6096000" cy="1849120"/>
-        </p:xfrm>
-        <a:graphic>
-          <a:graphicData uri="http://schemas.openxmlformats.org/drawingml/2006/table">
-            <a:tbl>
-              <a:tblPr firstRow="1" bandRow="1">
-                <a:tableStyleId>{5C22544A-7EE6-4342-B048-85BDC9FD1C3A}</a:tableStyleId>
-              </a:tblPr>
-              <a:tblGrid>
-                <a:gridCol w="2032000">
-                  <a:extLst>
-                    <a:ext uri="{9D8B030D-6E8A-4147-A177-3AD203B41FA5}">
-                      <a16:colId xmlns:a16="http://schemas.microsoft.com/office/drawing/2014/main" val="1112674849"/>
-                    </a:ext>
-                  </a:extLst>
-                </a:gridCol>
-                <a:gridCol w="2032000">
-                  <a:extLst>
-                    <a:ext uri="{9D8B030D-6E8A-4147-A177-3AD203B41FA5}">
-                      <a16:colId xmlns:a16="http://schemas.microsoft.com/office/drawing/2014/main" val="416484553"/>
-                    </a:ext>
-                  </a:extLst>
-                </a:gridCol>
-                <a:gridCol w="2032000">
-                  <a:extLst>
-                    <a:ext uri="{9D8B030D-6E8A-4147-A177-3AD203B41FA5}">
-                      <a16:colId xmlns:a16="http://schemas.microsoft.com/office/drawing/2014/main" val="110058877"/>
-                    </a:ext>
-                  </a:extLst>
-                </a:gridCol>
-              </a:tblGrid>
-              <a:tr h="0">
-                <a:tc>
-                  <a:txBody>
-                    <a:bodyPr/>
-                    <a:lstStyle/>
-                    <a:p>
-                      <a:pPr latinLnBrk="1"/>
-                      <a:r>
-                        <a:rPr lang="en-US" altLang="ko-KR" dirty="0" err="1"/>
-                        <a:t>Uid</a:t>
-                      </a:r>
-                      <a:endParaRPr lang="ko-KR" altLang="en-US" dirty="0"/>
-                    </a:p>
-                  </a:txBody>
-                  <a:tcPr/>
-                </a:tc>
-                <a:tc>
-                  <a:txBody>
-                    <a:bodyPr/>
-                    <a:lstStyle/>
-                    <a:p>
-                      <a:pPr latinLnBrk="1"/>
-                      <a:r>
-                        <a:rPr lang="ko-KR" altLang="en-US" dirty="0"/>
-                        <a:t>분류명</a:t>
-                      </a:r>
-                    </a:p>
-                  </a:txBody>
-                  <a:tcPr/>
-                </a:tc>
-                <a:tc>
-                  <a:txBody>
-                    <a:bodyPr/>
-                    <a:lstStyle/>
-                    <a:p>
-                      <a:pPr latinLnBrk="1"/>
-                      <a:r>
-                        <a:rPr lang="ko-KR" altLang="en-US" dirty="0"/>
-                        <a:t>이미지</a:t>
-                      </a:r>
-                    </a:p>
-                  </a:txBody>
-                  <a:tcPr/>
-                </a:tc>
-                <a:extLst>
-                  <a:ext uri="{0D108BD9-81ED-4DB2-BD59-A6C34878D82A}">
-                    <a16:rowId xmlns:a16="http://schemas.microsoft.com/office/drawing/2014/main" val="1023405224"/>
-                  </a:ext>
-                </a:extLst>
-              </a:tr>
-              <a:tr h="370840">
-                <a:tc>
-                  <a:txBody>
-                    <a:bodyPr/>
-                    <a:lstStyle/>
-                    <a:p>
-                      <a:pPr latinLnBrk="1"/>
-                      <a:endParaRPr lang="ko-KR" altLang="en-US"/>
-                    </a:p>
-                  </a:txBody>
-                  <a:tcPr/>
-                </a:tc>
-                <a:tc>
-                  <a:txBody>
-                    <a:bodyPr/>
-                    <a:lstStyle/>
-                    <a:p>
-                      <a:pPr latinLnBrk="1"/>
-                      <a:endParaRPr lang="ko-KR" altLang="en-US" dirty="0"/>
-                    </a:p>
-                  </a:txBody>
-                  <a:tcPr/>
-                </a:tc>
-                <a:tc>
-                  <a:txBody>
-                    <a:bodyPr/>
-                    <a:lstStyle/>
-                    <a:p>
-                      <a:pPr latinLnBrk="1"/>
-                      <a:endParaRPr lang="ko-KR" altLang="en-US" dirty="0"/>
-                    </a:p>
-                  </a:txBody>
-                  <a:tcPr/>
-                </a:tc>
-                <a:extLst>
-                  <a:ext uri="{0D108BD9-81ED-4DB2-BD59-A6C34878D82A}">
-                    <a16:rowId xmlns:a16="http://schemas.microsoft.com/office/drawing/2014/main" val="3022279404"/>
-                  </a:ext>
-                </a:extLst>
-              </a:tr>
-              <a:tr h="370840">
-                <a:tc>
-                  <a:txBody>
-                    <a:bodyPr/>
-                    <a:lstStyle/>
-                    <a:p>
-                      <a:pPr latinLnBrk="1"/>
-                      <a:endParaRPr lang="ko-KR" altLang="en-US"/>
-                    </a:p>
-                  </a:txBody>
-                  <a:tcPr/>
-                </a:tc>
-                <a:tc>
-                  <a:txBody>
-                    <a:bodyPr/>
-                    <a:lstStyle/>
-                    <a:p>
-                      <a:pPr latinLnBrk="1"/>
-                      <a:endParaRPr lang="ko-KR" altLang="en-US"/>
-                    </a:p>
-                  </a:txBody>
-                  <a:tcPr/>
-                </a:tc>
-                <a:tc>
-                  <a:txBody>
-                    <a:bodyPr/>
-                    <a:lstStyle/>
-                    <a:p>
-                      <a:pPr latinLnBrk="1"/>
-                      <a:endParaRPr lang="ko-KR" altLang="en-US" dirty="0"/>
-                    </a:p>
-                  </a:txBody>
-                  <a:tcPr/>
-                </a:tc>
-                <a:extLst>
-                  <a:ext uri="{0D108BD9-81ED-4DB2-BD59-A6C34878D82A}">
-                    <a16:rowId xmlns:a16="http://schemas.microsoft.com/office/drawing/2014/main" val="1159181379"/>
-                  </a:ext>
-                </a:extLst>
-              </a:tr>
-              <a:tr h="370840">
-                <a:tc>
-                  <a:txBody>
-                    <a:bodyPr/>
-                    <a:lstStyle/>
-                    <a:p>
-                      <a:pPr latinLnBrk="1"/>
-                      <a:endParaRPr lang="ko-KR" altLang="en-US"/>
-                    </a:p>
-                  </a:txBody>
-                  <a:tcPr/>
-                </a:tc>
-                <a:tc>
-                  <a:txBody>
-                    <a:bodyPr/>
-                    <a:lstStyle/>
-                    <a:p>
-                      <a:pPr latinLnBrk="1"/>
-                      <a:endParaRPr lang="ko-KR" altLang="en-US"/>
-                    </a:p>
-                  </a:txBody>
-                  <a:tcPr/>
-                </a:tc>
-                <a:tc>
-                  <a:txBody>
-                    <a:bodyPr/>
-                    <a:lstStyle/>
-                    <a:p>
-                      <a:pPr latinLnBrk="1"/>
-                      <a:endParaRPr lang="ko-KR" altLang="en-US" dirty="0"/>
-                    </a:p>
-                  </a:txBody>
-                  <a:tcPr/>
-                </a:tc>
-                <a:extLst>
-                  <a:ext uri="{0D108BD9-81ED-4DB2-BD59-A6C34878D82A}">
-                    <a16:rowId xmlns:a16="http://schemas.microsoft.com/office/drawing/2014/main" val="1188406513"/>
-                  </a:ext>
-                </a:extLst>
-              </a:tr>
-              <a:tr h="370840">
-                <a:tc>
-                  <a:txBody>
-                    <a:bodyPr/>
-                    <a:lstStyle/>
-                    <a:p>
-                      <a:pPr latinLnBrk="1"/>
-                      <a:endParaRPr lang="ko-KR" altLang="en-US"/>
-                    </a:p>
-                  </a:txBody>
-                  <a:tcPr/>
-                </a:tc>
-                <a:tc>
-                  <a:txBody>
-                    <a:bodyPr/>
-                    <a:lstStyle/>
-                    <a:p>
-                      <a:pPr latinLnBrk="1"/>
-                      <a:endParaRPr lang="ko-KR" altLang="en-US" dirty="0"/>
-                    </a:p>
-                  </a:txBody>
-                  <a:tcPr/>
-                </a:tc>
-                <a:tc>
-                  <a:txBody>
-                    <a:bodyPr/>
-                    <a:lstStyle/>
-                    <a:p>
-                      <a:pPr latinLnBrk="1"/>
-                      <a:endParaRPr lang="ko-KR" altLang="en-US" dirty="0"/>
-                    </a:p>
-                  </a:txBody>
-                  <a:tcPr/>
-                </a:tc>
-                <a:extLst>
-                  <a:ext uri="{0D108BD9-81ED-4DB2-BD59-A6C34878D82A}">
-                    <a16:rowId xmlns:a16="http://schemas.microsoft.com/office/drawing/2014/main" val="2436690821"/>
-                  </a:ext>
-                </a:extLst>
-              </a:tr>
-            </a:tbl>
-          </a:graphicData>
-        </a:graphic>
-      </p:graphicFrame>
-      <p:sp>
-        <p:nvSpPr>
-          <p:cNvPr id="4" name="TextBox 3">
-            <a:extLst>
-              <a:ext uri="{FF2B5EF4-FFF2-40B4-BE49-F238E27FC236}">
-                <a16:creationId xmlns:a16="http://schemas.microsoft.com/office/drawing/2014/main" id="{B1B70071-4184-444D-AF41-ABED2AC79688}"/>
-              </a:ext>
-            </a:extLst>
-          </p:cNvPr>
-          <p:cNvSpPr txBox="1"/>
-          <p:nvPr/>
-        </p:nvSpPr>
-        <p:spPr>
-          <a:xfrm>
-            <a:off x="1606858" y="550416"/>
-            <a:ext cx="1624614" cy="369332"/>
-          </a:xfrm>
-          <a:prstGeom prst="rect">
-            <a:avLst/>
-          </a:prstGeom>
-          <a:noFill/>
-        </p:spPr>
-        <p:txBody>
-          <a:bodyPr wrap="square" rtlCol="0">
-            <a:spAutoFit/>
-          </a:bodyPr>
-          <a:lstStyle/>
-          <a:p>
-            <a:r>
-              <a:rPr lang="ko-KR" altLang="en-US" dirty="0"/>
-              <a:t>동아리</a:t>
-            </a:r>
-          </a:p>
-        </p:txBody>
-      </p:sp>
-      <p:sp>
-        <p:nvSpPr>
-          <p:cNvPr id="6" name="TextBox 5">
-            <a:extLst>
-              <a:ext uri="{FF2B5EF4-FFF2-40B4-BE49-F238E27FC236}">
-                <a16:creationId xmlns:a16="http://schemas.microsoft.com/office/drawing/2014/main" id="{ED63BD5D-3D1A-49E5-B6BA-1A5E5C9A2F79}"/>
-              </a:ext>
-            </a:extLst>
-          </p:cNvPr>
-          <p:cNvSpPr txBox="1"/>
-          <p:nvPr/>
-        </p:nvSpPr>
-        <p:spPr>
-          <a:xfrm>
-            <a:off x="957802" y="3622742"/>
-            <a:ext cx="1624614" cy="369332"/>
-          </a:xfrm>
-          <a:prstGeom prst="rect">
-            <a:avLst/>
-          </a:prstGeom>
-          <a:noFill/>
-        </p:spPr>
-        <p:txBody>
-          <a:bodyPr wrap="square" rtlCol="0">
-            <a:spAutoFit/>
-          </a:bodyPr>
-          <a:lstStyle/>
-          <a:p>
-            <a:r>
-              <a:rPr lang="ko-KR" altLang="en-US" dirty="0"/>
-              <a:t>분류</a:t>
-            </a:r>
-          </a:p>
-        </p:txBody>
-      </p:sp>
     </p:spTree>
     <p:extLst>
       <p:ext uri="{BB962C8B-B14F-4D97-AF65-F5344CB8AC3E}">
-        <p14:creationId xmlns:p14="http://schemas.microsoft.com/office/powerpoint/2010/main" val="2932393549"/>
+        <p14:creationId xmlns:p14="http://schemas.microsoft.com/office/powerpoint/2010/main" val="1099748815"/>
       </p:ext>
     </p:extLst>
   </p:cSld>

--- a/document/db설계도.pptx
+++ b/document/db설계도.pptx
@@ -115,6 +115,18 @@
 </p:presentation>
 </file>
 
+<file path=ppt/commentAuthors.xml><?xml version="1.0" encoding="utf-8"?>
+<p:cmAuthorLst xmlns:a="http://schemas.openxmlformats.org/drawingml/2006/main" xmlns:r="http://schemas.openxmlformats.org/officeDocument/2006/relationships" xmlns:p="http://schemas.openxmlformats.org/presentationml/2006/main">
+  <p:cmAuthor id="1" name="정 현희" initials="정현" lastIdx="1" clrIdx="0">
+    <p:extLst>
+      <p:ext uri="{19B8F6BF-5375-455C-9EA6-DF929625EA0E}">
+        <p15:presenceInfo xmlns:p15="http://schemas.microsoft.com/office/powerpoint/2012/main" userId="36513891958fb9b3" providerId="Windows Live"/>
+      </p:ext>
+    </p:extLst>
+  </p:cmAuthor>
+</p:cmAuthorLst>
+</file>
+
 <file path=ppt/changesInfos/changesInfo1.xml><?xml version="1.0" encoding="utf-8"?>
 <pc:chgInfo xmlns:a="http://schemas.openxmlformats.org/drawingml/2006/main" xmlns:r="http://schemas.openxmlformats.org/officeDocument/2006/relationships" xmlns:ac="http://schemas.microsoft.com/office/drawing/2013/main/command" xmlns:pc="http://schemas.microsoft.com/office/powerpoint/2013/main/command">
   <pc:docChgLst>
@@ -221,6 +233,20 @@
 </pc:chgInfo>
 </file>
 
+<file path=ppt/comments/comment1.xml><?xml version="1.0" encoding="utf-8"?>
+<p:cmLst xmlns:a="http://schemas.openxmlformats.org/drawingml/2006/main" xmlns:r="http://schemas.openxmlformats.org/officeDocument/2006/relationships" xmlns:p="http://schemas.openxmlformats.org/presentationml/2006/main">
+  <p:cm authorId="1" dt="2021-03-02T22:13:43.235" idx="1">
+    <p:pos x="4983" y="2109"/>
+    <p:text>게시판 - 일정 / 자료실 / 공지사항 / 가입신청서 JPA로 상속관계 생성</p:text>
+    <p:extLst>
+      <p:ext uri="{C676402C-5697-4E1C-873F-D02D1690AC5C}">
+        <p15:threadingInfo xmlns:p15="http://schemas.microsoft.com/office/powerpoint/2012/main" timeZoneBias="-540"/>
+      </p:ext>
+    </p:extLst>
+  </p:cm>
+</p:cmLst>
+</file>
+
 <file path=ppt/slideLayouts/slideLayout1.xml><?xml version="1.0" encoding="utf-8"?>
 <p:sldLayout xmlns:a="http://schemas.openxmlformats.org/drawingml/2006/main" xmlns:r="http://schemas.openxmlformats.org/officeDocument/2006/relationships" xmlns:p="http://schemas.openxmlformats.org/presentationml/2006/main" type="title" preserve="1">
   <p:cSld name="제목 슬라이드">
@@ -368,7 +394,7 @@
           <a:p>
             <a:fld id="{8814E35C-E4D8-4661-AA90-51A9BCC45C6B}" type="datetimeFigureOut">
               <a:rPr lang="ko-KR" altLang="en-US" smtClean="0"/>
-              <a:t>2021-01-28</a:t>
+              <a:t>2021-03-02</a:t>
             </a:fld>
             <a:endParaRPr lang="ko-KR" altLang="en-US"/>
           </a:p>
@@ -566,7 +592,7 @@
           <a:p>
             <a:fld id="{8814E35C-E4D8-4661-AA90-51A9BCC45C6B}" type="datetimeFigureOut">
               <a:rPr lang="ko-KR" altLang="en-US" smtClean="0"/>
-              <a:t>2021-01-28</a:t>
+              <a:t>2021-03-02</a:t>
             </a:fld>
             <a:endParaRPr lang="ko-KR" altLang="en-US"/>
           </a:p>
@@ -774,7 +800,7 @@
           <a:p>
             <a:fld id="{8814E35C-E4D8-4661-AA90-51A9BCC45C6B}" type="datetimeFigureOut">
               <a:rPr lang="ko-KR" altLang="en-US" smtClean="0"/>
-              <a:t>2021-01-28</a:t>
+              <a:t>2021-03-02</a:t>
             </a:fld>
             <a:endParaRPr lang="ko-KR" altLang="en-US"/>
           </a:p>
@@ -972,7 +998,7 @@
           <a:p>
             <a:fld id="{8814E35C-E4D8-4661-AA90-51A9BCC45C6B}" type="datetimeFigureOut">
               <a:rPr lang="ko-KR" altLang="en-US" smtClean="0"/>
-              <a:t>2021-01-28</a:t>
+              <a:t>2021-03-02</a:t>
             </a:fld>
             <a:endParaRPr lang="ko-KR" altLang="en-US"/>
           </a:p>
@@ -1247,7 +1273,7 @@
           <a:p>
             <a:fld id="{8814E35C-E4D8-4661-AA90-51A9BCC45C6B}" type="datetimeFigureOut">
               <a:rPr lang="ko-KR" altLang="en-US" smtClean="0"/>
-              <a:t>2021-01-28</a:t>
+              <a:t>2021-03-02</a:t>
             </a:fld>
             <a:endParaRPr lang="ko-KR" altLang="en-US"/>
           </a:p>
@@ -1512,7 +1538,7 @@
           <a:p>
             <a:fld id="{8814E35C-E4D8-4661-AA90-51A9BCC45C6B}" type="datetimeFigureOut">
               <a:rPr lang="ko-KR" altLang="en-US" smtClean="0"/>
-              <a:t>2021-01-28</a:t>
+              <a:t>2021-03-02</a:t>
             </a:fld>
             <a:endParaRPr lang="ko-KR" altLang="en-US"/>
           </a:p>
@@ -1924,7 +1950,7 @@
           <a:p>
             <a:fld id="{8814E35C-E4D8-4661-AA90-51A9BCC45C6B}" type="datetimeFigureOut">
               <a:rPr lang="ko-KR" altLang="en-US" smtClean="0"/>
-              <a:t>2021-01-28</a:t>
+              <a:t>2021-03-02</a:t>
             </a:fld>
             <a:endParaRPr lang="ko-KR" altLang="en-US"/>
           </a:p>
@@ -2065,7 +2091,7 @@
           <a:p>
             <a:fld id="{8814E35C-E4D8-4661-AA90-51A9BCC45C6B}" type="datetimeFigureOut">
               <a:rPr lang="ko-KR" altLang="en-US" smtClean="0"/>
-              <a:t>2021-01-28</a:t>
+              <a:t>2021-03-02</a:t>
             </a:fld>
             <a:endParaRPr lang="ko-KR" altLang="en-US"/>
           </a:p>
@@ -2178,7 +2204,7 @@
           <a:p>
             <a:fld id="{8814E35C-E4D8-4661-AA90-51A9BCC45C6B}" type="datetimeFigureOut">
               <a:rPr lang="ko-KR" altLang="en-US" smtClean="0"/>
-              <a:t>2021-01-28</a:t>
+              <a:t>2021-03-02</a:t>
             </a:fld>
             <a:endParaRPr lang="ko-KR" altLang="en-US"/>
           </a:p>
@@ -2489,7 +2515,7 @@
           <a:p>
             <a:fld id="{8814E35C-E4D8-4661-AA90-51A9BCC45C6B}" type="datetimeFigureOut">
               <a:rPr lang="ko-KR" altLang="en-US" smtClean="0"/>
-              <a:t>2021-01-28</a:t>
+              <a:t>2021-03-02</a:t>
             </a:fld>
             <a:endParaRPr lang="ko-KR" altLang="en-US"/>
           </a:p>
@@ -2777,7 +2803,7 @@
           <a:p>
             <a:fld id="{8814E35C-E4D8-4661-AA90-51A9BCC45C6B}" type="datetimeFigureOut">
               <a:rPr lang="ko-KR" altLang="en-US" smtClean="0"/>
-              <a:t>2021-01-28</a:t>
+              <a:t>2021-03-02</a:t>
             </a:fld>
             <a:endParaRPr lang="ko-KR" altLang="en-US"/>
           </a:p>
@@ -3018,7 +3044,7 @@
           <a:p>
             <a:fld id="{8814E35C-E4D8-4661-AA90-51A9BCC45C6B}" type="datetimeFigureOut">
               <a:rPr lang="ko-KR" altLang="en-US" smtClean="0"/>
-              <a:t>2021-01-28</a:t>
+              <a:t>2021-03-02</a:t>
             </a:fld>
             <a:endParaRPr lang="ko-KR" altLang="en-US"/>
           </a:p>
@@ -3650,7 +3676,7 @@
           <a:p>
             <a:pPr algn="ctr"/>
             <a:r>
-              <a:rPr lang="ko-KR" altLang="en-US" sz="1300"/>
+              <a:rPr lang="ko-KR" altLang="en-US" sz="1300" dirty="0"/>
               <a:t>회원</a:t>
             </a:r>
           </a:p>
@@ -4172,10 +4198,9 @@
           <a:p>
             <a:pPr algn="ctr"/>
             <a:r>
-              <a:rPr lang="ko-KR" altLang="en-US" sz="1300"/>
+              <a:rPr lang="ko-KR" altLang="en-US" sz="1300" dirty="0"/>
               <a:t>동아리번호</a:t>
             </a:r>
-            <a:endParaRPr lang="ko-KR" altLang="en-US" sz="1300" dirty="0"/>
           </a:p>
         </p:txBody>
       </p:sp>
@@ -4827,13 +4852,14 @@
           <p:cNvCxnSpPr>
             <a:cxnSpLocks/>
             <a:stCxn id="211" idx="2"/>
+            <a:endCxn id="216" idx="4"/>
           </p:cNvCxnSpPr>
           <p:nvPr/>
         </p:nvCxnSpPr>
         <p:spPr>
-          <a:xfrm flipH="1">
-            <a:off x="5328025" y="941480"/>
-            <a:ext cx="6983" cy="5284343"/>
+          <a:xfrm>
+            <a:off x="5335008" y="941480"/>
+            <a:ext cx="13869" cy="3011215"/>
           </a:xfrm>
           <a:prstGeom prst="line">
             <a:avLst/>
@@ -5106,8 +5132,8 @@
         </p:nvSpPr>
         <p:spPr>
           <a:xfrm>
-            <a:off x="4914480" y="3047844"/>
-            <a:ext cx="841054" cy="376116"/>
+            <a:off x="4783691" y="3207715"/>
+            <a:ext cx="1130371" cy="744980"/>
           </a:xfrm>
           <a:prstGeom prst="ellipse">
             <a:avLst/>
@@ -5147,10 +5173,17 @@
           <a:p>
             <a:pPr algn="ctr"/>
             <a:r>
-              <a:rPr lang="ko-KR" altLang="en-US" sz="1300"/>
+              <a:rPr lang="ko-KR" altLang="en-US" sz="1300" dirty="0"/>
+              <a:t>동아리내</a:t>
+            </a:r>
+            <a:r>
+              <a:rPr lang="en-US" altLang="ko-KR" sz="1300" dirty="0"/>
+              <a:t> </a:t>
+            </a:r>
+            <a:r>
+              <a:rPr lang="ko-KR" altLang="en-US" sz="1300" dirty="0"/>
               <a:t>역할</a:t>
             </a:r>
-            <a:endParaRPr lang="ko-KR" altLang="en-US" sz="1300" dirty="0"/>
           </a:p>
         </p:txBody>
       </p:sp>
@@ -5322,614 +5355,6 @@
       </p:grpSpPr>
       <p:cxnSp>
         <p:nvCxnSpPr>
-          <p:cNvPr id="2" name="직선 연결선 1">
-            <a:extLst>
-              <a:ext uri="{FF2B5EF4-FFF2-40B4-BE49-F238E27FC236}">
-                <a16:creationId xmlns:a16="http://schemas.microsoft.com/office/drawing/2014/main" id="{2582CA62-A397-4DB4-A2DE-66C216D0502A}"/>
-              </a:ext>
-            </a:extLst>
-          </p:cNvPr>
-          <p:cNvCxnSpPr>
-            <a:cxnSpLocks/>
-            <a:stCxn id="4" idx="2"/>
-            <a:endCxn id="6" idx="0"/>
-          </p:cNvCxnSpPr>
-          <p:nvPr/>
-        </p:nvCxnSpPr>
-        <p:spPr>
-          <a:xfrm>
-            <a:off x="6747914" y="938461"/>
-            <a:ext cx="15643" cy="5336183"/>
-          </a:xfrm>
-          <a:prstGeom prst="line">
-            <a:avLst/>
-          </a:prstGeom>
-        </p:spPr>
-        <p:style>
-          <a:lnRef idx="2">
-            <a:schemeClr val="accent2">
-              <a:shade val="50000"/>
-            </a:schemeClr>
-          </a:lnRef>
-          <a:fillRef idx="1">
-            <a:schemeClr val="accent2"/>
-          </a:fillRef>
-          <a:effectRef idx="0">
-            <a:schemeClr val="accent2"/>
-          </a:effectRef>
-          <a:fontRef idx="minor">
-            <a:schemeClr val="lt1"/>
-          </a:fontRef>
-        </p:style>
-      </p:cxnSp>
-      <p:sp>
-        <p:nvSpPr>
-          <p:cNvPr id="3" name="타원 2">
-            <a:extLst>
-              <a:ext uri="{FF2B5EF4-FFF2-40B4-BE49-F238E27FC236}">
-                <a16:creationId xmlns:a16="http://schemas.microsoft.com/office/drawing/2014/main" id="{2A56E31B-F7DC-42C4-A55B-B7FE9C8B8D3B}"/>
-              </a:ext>
-            </a:extLst>
-          </p:cNvPr>
-          <p:cNvSpPr/>
-          <p:nvPr/>
-        </p:nvSpPr>
-        <p:spPr>
-          <a:xfrm>
-            <a:off x="6370570" y="1074270"/>
-            <a:ext cx="754685" cy="719325"/>
-          </a:xfrm>
-          <a:prstGeom prst="ellipse">
-            <a:avLst/>
-          </a:prstGeom>
-        </p:spPr>
-        <p:style>
-          <a:lnRef idx="2">
-            <a:schemeClr val="accent2">
-              <a:shade val="50000"/>
-            </a:schemeClr>
-          </a:lnRef>
-          <a:fillRef idx="1">
-            <a:schemeClr val="accent2"/>
-          </a:fillRef>
-          <a:effectRef idx="0">
-            <a:schemeClr val="accent2"/>
-          </a:effectRef>
-          <a:fontRef idx="minor">
-            <a:schemeClr val="lt1"/>
-          </a:fontRef>
-        </p:style>
-        <p:txBody>
-          <a:bodyPr rtlCol="0" anchor="ctr"/>
-          <a:lstStyle/>
-          <a:p>
-            <a:pPr algn="ctr"/>
-            <a:r>
-              <a:rPr lang="ko-KR" altLang="en-US" sz="1300" dirty="0"/>
-              <a:t>공지번호</a:t>
-            </a:r>
-          </a:p>
-        </p:txBody>
-      </p:sp>
-      <p:sp>
-        <p:nvSpPr>
-          <p:cNvPr id="4" name="직사각형 3">
-            <a:extLst>
-              <a:ext uri="{FF2B5EF4-FFF2-40B4-BE49-F238E27FC236}">
-                <a16:creationId xmlns:a16="http://schemas.microsoft.com/office/drawing/2014/main" id="{02CC9244-17A3-48D1-A4E6-85DC3A664EB2}"/>
-              </a:ext>
-            </a:extLst>
-          </p:cNvPr>
-          <p:cNvSpPr/>
-          <p:nvPr/>
-        </p:nvSpPr>
-        <p:spPr>
-          <a:xfrm>
-            <a:off x="6186440" y="545431"/>
-            <a:ext cx="1122947" cy="393030"/>
-          </a:xfrm>
-          <a:prstGeom prst="rect">
-            <a:avLst/>
-          </a:prstGeom>
-        </p:spPr>
-        <p:style>
-          <a:lnRef idx="2">
-            <a:schemeClr val="accent2">
-              <a:shade val="50000"/>
-            </a:schemeClr>
-          </a:lnRef>
-          <a:fillRef idx="1">
-            <a:schemeClr val="accent2"/>
-          </a:fillRef>
-          <a:effectRef idx="0">
-            <a:schemeClr val="accent2"/>
-          </a:effectRef>
-          <a:fontRef idx="minor">
-            <a:schemeClr val="lt1"/>
-          </a:fontRef>
-        </p:style>
-        <p:txBody>
-          <a:bodyPr rtlCol="0" anchor="ctr"/>
-          <a:lstStyle/>
-          <a:p>
-            <a:pPr algn="ctr"/>
-            <a:r>
-              <a:rPr lang="ko-KR" altLang="en-US" sz="1300" dirty="0"/>
-              <a:t>공지사항</a:t>
-            </a:r>
-          </a:p>
-        </p:txBody>
-      </p:sp>
-      <p:sp>
-        <p:nvSpPr>
-          <p:cNvPr id="5" name="타원 4">
-            <a:extLst>
-              <a:ext uri="{FF2B5EF4-FFF2-40B4-BE49-F238E27FC236}">
-                <a16:creationId xmlns:a16="http://schemas.microsoft.com/office/drawing/2014/main" id="{C555F305-D6A4-4FC7-9F16-7BAF8A0D5773}"/>
-              </a:ext>
-            </a:extLst>
-          </p:cNvPr>
-          <p:cNvSpPr/>
-          <p:nvPr/>
-        </p:nvSpPr>
-        <p:spPr>
-          <a:xfrm>
-            <a:off x="6276467" y="1987215"/>
-            <a:ext cx="974180" cy="622831"/>
-          </a:xfrm>
-          <a:prstGeom prst="ellipse">
-            <a:avLst/>
-          </a:prstGeom>
-        </p:spPr>
-        <p:style>
-          <a:lnRef idx="2">
-            <a:schemeClr val="accent2">
-              <a:shade val="50000"/>
-            </a:schemeClr>
-          </a:lnRef>
-          <a:fillRef idx="1">
-            <a:schemeClr val="accent2"/>
-          </a:fillRef>
-          <a:effectRef idx="0">
-            <a:schemeClr val="accent2"/>
-          </a:effectRef>
-          <a:fontRef idx="minor">
-            <a:schemeClr val="lt1"/>
-          </a:fontRef>
-        </p:style>
-        <p:txBody>
-          <a:bodyPr rtlCol="0" anchor="ctr"/>
-          <a:lstStyle/>
-          <a:p>
-            <a:pPr algn="ctr"/>
-            <a:r>
-              <a:rPr lang="ko-KR" altLang="en-US" sz="1300" dirty="0"/>
-              <a:t>동아리번호</a:t>
-            </a:r>
-          </a:p>
-        </p:txBody>
-      </p:sp>
-      <p:sp>
-        <p:nvSpPr>
-          <p:cNvPr id="6" name="타원 5">
-            <a:extLst>
-              <a:ext uri="{FF2B5EF4-FFF2-40B4-BE49-F238E27FC236}">
-                <a16:creationId xmlns:a16="http://schemas.microsoft.com/office/drawing/2014/main" id="{BD32CF65-B9D2-44A5-ADA7-F82A04F0FB24}"/>
-              </a:ext>
-            </a:extLst>
-          </p:cNvPr>
-          <p:cNvSpPr/>
-          <p:nvPr/>
-        </p:nvSpPr>
-        <p:spPr>
-          <a:xfrm>
-            <a:off x="6426895" y="6274644"/>
-            <a:ext cx="673323" cy="583356"/>
-          </a:xfrm>
-          <a:prstGeom prst="ellipse">
-            <a:avLst/>
-          </a:prstGeom>
-        </p:spPr>
-        <p:style>
-          <a:lnRef idx="2">
-            <a:schemeClr val="accent2">
-              <a:shade val="50000"/>
-            </a:schemeClr>
-          </a:lnRef>
-          <a:fillRef idx="1">
-            <a:schemeClr val="accent2"/>
-          </a:fillRef>
-          <a:effectRef idx="0">
-            <a:schemeClr val="accent2"/>
-          </a:effectRef>
-          <a:fontRef idx="minor">
-            <a:schemeClr val="lt1"/>
-          </a:fontRef>
-        </p:style>
-        <p:txBody>
-          <a:bodyPr rtlCol="0" anchor="ctr"/>
-          <a:lstStyle/>
-          <a:p>
-            <a:pPr algn="ctr"/>
-            <a:endParaRPr lang="ko-KR" altLang="en-US" sz="1300" dirty="0"/>
-          </a:p>
-        </p:txBody>
-      </p:sp>
-      <p:cxnSp>
-        <p:nvCxnSpPr>
-          <p:cNvPr id="7" name="직선 연결선 6">
-            <a:extLst>
-              <a:ext uri="{FF2B5EF4-FFF2-40B4-BE49-F238E27FC236}">
-                <a16:creationId xmlns:a16="http://schemas.microsoft.com/office/drawing/2014/main" id="{A235073D-CE31-485F-9073-3F4DCA6DD193}"/>
-              </a:ext>
-            </a:extLst>
-          </p:cNvPr>
-          <p:cNvCxnSpPr>
-            <a:cxnSpLocks/>
-            <a:stCxn id="5" idx="5"/>
-            <a:endCxn id="5" idx="5"/>
-          </p:cNvCxnSpPr>
-          <p:nvPr/>
-        </p:nvCxnSpPr>
-        <p:spPr>
-          <a:xfrm>
-            <a:off x="7107982" y="2518835"/>
-            <a:ext cx="0" cy="0"/>
-          </a:xfrm>
-          <a:prstGeom prst="line">
-            <a:avLst/>
-          </a:prstGeom>
-        </p:spPr>
-        <p:style>
-          <a:lnRef idx="2">
-            <a:schemeClr val="accent2">
-              <a:shade val="50000"/>
-            </a:schemeClr>
-          </a:lnRef>
-          <a:fillRef idx="1">
-            <a:schemeClr val="accent2"/>
-          </a:fillRef>
-          <a:effectRef idx="0">
-            <a:schemeClr val="accent2"/>
-          </a:effectRef>
-          <a:fontRef idx="minor">
-            <a:schemeClr val="lt1"/>
-          </a:fontRef>
-        </p:style>
-      </p:cxnSp>
-      <p:cxnSp>
-        <p:nvCxnSpPr>
-          <p:cNvPr id="8" name="직선 연결선 7">
-            <a:extLst>
-              <a:ext uri="{FF2B5EF4-FFF2-40B4-BE49-F238E27FC236}">
-                <a16:creationId xmlns:a16="http://schemas.microsoft.com/office/drawing/2014/main" id="{72C39242-254B-434E-87DF-A77EC39A60B5}"/>
-              </a:ext>
-            </a:extLst>
-          </p:cNvPr>
-          <p:cNvCxnSpPr>
-            <a:cxnSpLocks/>
-          </p:cNvCxnSpPr>
-          <p:nvPr/>
-        </p:nvCxnSpPr>
-        <p:spPr>
-          <a:xfrm>
-            <a:off x="6316940" y="1685850"/>
-            <a:ext cx="828294" cy="1201"/>
-          </a:xfrm>
-          <a:prstGeom prst="line">
-            <a:avLst/>
-          </a:prstGeom>
-          <a:ln w="38100">
-            <a:solidFill>
-              <a:schemeClr val="bg1"/>
-            </a:solidFill>
-          </a:ln>
-        </p:spPr>
-        <p:style>
-          <a:lnRef idx="3">
-            <a:schemeClr val="accent2"/>
-          </a:lnRef>
-          <a:fillRef idx="0">
-            <a:schemeClr val="accent2"/>
-          </a:fillRef>
-          <a:effectRef idx="2">
-            <a:schemeClr val="accent2"/>
-          </a:effectRef>
-          <a:fontRef idx="minor">
-            <a:schemeClr val="tx1"/>
-          </a:fontRef>
-        </p:style>
-      </p:cxnSp>
-      <p:sp>
-        <p:nvSpPr>
-          <p:cNvPr id="9" name="타원 8">
-            <a:extLst>
-              <a:ext uri="{FF2B5EF4-FFF2-40B4-BE49-F238E27FC236}">
-                <a16:creationId xmlns:a16="http://schemas.microsoft.com/office/drawing/2014/main" id="{40DF6806-BB7E-427A-96D6-DD8219AFC3C9}"/>
-              </a:ext>
-            </a:extLst>
-          </p:cNvPr>
-          <p:cNvSpPr/>
-          <p:nvPr/>
-        </p:nvSpPr>
-        <p:spPr>
-          <a:xfrm>
-            <a:off x="6335207" y="3262659"/>
-            <a:ext cx="974180" cy="393031"/>
-          </a:xfrm>
-          <a:prstGeom prst="ellipse">
-            <a:avLst/>
-          </a:prstGeom>
-        </p:spPr>
-        <p:style>
-          <a:lnRef idx="2">
-            <a:schemeClr val="accent2">
-              <a:shade val="50000"/>
-            </a:schemeClr>
-          </a:lnRef>
-          <a:fillRef idx="1">
-            <a:schemeClr val="accent2"/>
-          </a:fillRef>
-          <a:effectRef idx="0">
-            <a:schemeClr val="accent2"/>
-          </a:effectRef>
-          <a:fontRef idx="minor">
-            <a:schemeClr val="lt1"/>
-          </a:fontRef>
-        </p:style>
-        <p:txBody>
-          <a:bodyPr rtlCol="0" anchor="ctr"/>
-          <a:lstStyle/>
-          <a:p>
-            <a:pPr algn="ctr"/>
-            <a:r>
-              <a:rPr lang="ko-KR" altLang="en-US" sz="1300" dirty="0"/>
-              <a:t>작성자</a:t>
-            </a:r>
-          </a:p>
-        </p:txBody>
-      </p:sp>
-      <p:cxnSp>
-        <p:nvCxnSpPr>
-          <p:cNvPr id="10" name="직선 연결선 9">
-            <a:extLst>
-              <a:ext uri="{FF2B5EF4-FFF2-40B4-BE49-F238E27FC236}">
-                <a16:creationId xmlns:a16="http://schemas.microsoft.com/office/drawing/2014/main" id="{7D1CBE4B-7FB5-410B-BABA-FC88F9FB90F0}"/>
-              </a:ext>
-            </a:extLst>
-          </p:cNvPr>
-          <p:cNvCxnSpPr>
-            <a:cxnSpLocks/>
-            <a:stCxn id="9" idx="5"/>
-            <a:endCxn id="9" idx="5"/>
-          </p:cNvCxnSpPr>
-          <p:nvPr/>
-        </p:nvCxnSpPr>
-        <p:spPr>
-          <a:xfrm>
-            <a:off x="7166722" y="3598132"/>
-            <a:ext cx="0" cy="0"/>
-          </a:xfrm>
-          <a:prstGeom prst="line">
-            <a:avLst/>
-          </a:prstGeom>
-        </p:spPr>
-        <p:style>
-          <a:lnRef idx="2">
-            <a:schemeClr val="accent2">
-              <a:shade val="50000"/>
-            </a:schemeClr>
-          </a:lnRef>
-          <a:fillRef idx="1">
-            <a:schemeClr val="accent2"/>
-          </a:fillRef>
-          <a:effectRef idx="0">
-            <a:schemeClr val="accent2"/>
-          </a:effectRef>
-          <a:fontRef idx="minor">
-            <a:schemeClr val="lt1"/>
-          </a:fontRef>
-        </p:style>
-      </p:cxnSp>
-      <p:sp>
-        <p:nvSpPr>
-          <p:cNvPr id="11" name="타원 10">
-            <a:extLst>
-              <a:ext uri="{FF2B5EF4-FFF2-40B4-BE49-F238E27FC236}">
-                <a16:creationId xmlns:a16="http://schemas.microsoft.com/office/drawing/2014/main" id="{A8F1726A-DB64-4682-A1CD-1EC3EEFA6A6B}"/>
-              </a:ext>
-            </a:extLst>
-          </p:cNvPr>
-          <p:cNvSpPr/>
-          <p:nvPr/>
-        </p:nvSpPr>
-        <p:spPr>
-          <a:xfrm>
-            <a:off x="6335208" y="3833061"/>
-            <a:ext cx="974180" cy="393031"/>
-          </a:xfrm>
-          <a:prstGeom prst="ellipse">
-            <a:avLst/>
-          </a:prstGeom>
-        </p:spPr>
-        <p:style>
-          <a:lnRef idx="2">
-            <a:schemeClr val="accent2">
-              <a:shade val="50000"/>
-            </a:schemeClr>
-          </a:lnRef>
-          <a:fillRef idx="1">
-            <a:schemeClr val="accent2"/>
-          </a:fillRef>
-          <a:effectRef idx="0">
-            <a:schemeClr val="accent2"/>
-          </a:effectRef>
-          <a:fontRef idx="minor">
-            <a:schemeClr val="lt1"/>
-          </a:fontRef>
-        </p:style>
-        <p:txBody>
-          <a:bodyPr rtlCol="0" anchor="ctr"/>
-          <a:lstStyle/>
-          <a:p>
-            <a:pPr algn="ctr"/>
-            <a:r>
-              <a:rPr lang="ko-KR" altLang="en-US" sz="1300" dirty="0"/>
-              <a:t>내용</a:t>
-            </a:r>
-          </a:p>
-        </p:txBody>
-      </p:sp>
-      <p:sp>
-        <p:nvSpPr>
-          <p:cNvPr id="12" name="타원 11">
-            <a:extLst>
-              <a:ext uri="{FF2B5EF4-FFF2-40B4-BE49-F238E27FC236}">
-                <a16:creationId xmlns:a16="http://schemas.microsoft.com/office/drawing/2014/main" id="{343276FE-91DB-4FC7-BEC3-6195F69AF7A7}"/>
-              </a:ext>
-            </a:extLst>
-          </p:cNvPr>
-          <p:cNvSpPr/>
-          <p:nvPr/>
-        </p:nvSpPr>
-        <p:spPr>
-          <a:xfrm>
-            <a:off x="6335208" y="2739705"/>
-            <a:ext cx="974180" cy="393031"/>
-          </a:xfrm>
-          <a:prstGeom prst="ellipse">
-            <a:avLst/>
-          </a:prstGeom>
-        </p:spPr>
-        <p:style>
-          <a:lnRef idx="2">
-            <a:schemeClr val="accent2">
-              <a:shade val="50000"/>
-            </a:schemeClr>
-          </a:lnRef>
-          <a:fillRef idx="1">
-            <a:schemeClr val="accent2"/>
-          </a:fillRef>
-          <a:effectRef idx="0">
-            <a:schemeClr val="accent2"/>
-          </a:effectRef>
-          <a:fontRef idx="minor">
-            <a:schemeClr val="lt1"/>
-          </a:fontRef>
-        </p:style>
-        <p:txBody>
-          <a:bodyPr rtlCol="0" anchor="ctr"/>
-          <a:lstStyle/>
-          <a:p>
-            <a:pPr algn="ctr"/>
-            <a:r>
-              <a:rPr lang="ko-KR" altLang="en-US" sz="1300" dirty="0"/>
-              <a:t>제목</a:t>
-            </a:r>
-          </a:p>
-        </p:txBody>
-      </p:sp>
-      <p:sp>
-        <p:nvSpPr>
-          <p:cNvPr id="13" name="타원 12">
-            <a:extLst>
-              <a:ext uri="{FF2B5EF4-FFF2-40B4-BE49-F238E27FC236}">
-                <a16:creationId xmlns:a16="http://schemas.microsoft.com/office/drawing/2014/main" id="{0356A322-D13F-456D-986F-6DA98C8F46A8}"/>
-              </a:ext>
-            </a:extLst>
-          </p:cNvPr>
-          <p:cNvSpPr/>
-          <p:nvPr/>
-        </p:nvSpPr>
-        <p:spPr>
-          <a:xfrm>
-            <a:off x="6327054" y="4434849"/>
-            <a:ext cx="841715" cy="488230"/>
-          </a:xfrm>
-          <a:prstGeom prst="ellipse">
-            <a:avLst/>
-          </a:prstGeom>
-        </p:spPr>
-        <p:style>
-          <a:lnRef idx="2">
-            <a:schemeClr val="accent2">
-              <a:shade val="50000"/>
-            </a:schemeClr>
-          </a:lnRef>
-          <a:fillRef idx="1">
-            <a:schemeClr val="accent2"/>
-          </a:fillRef>
-          <a:effectRef idx="0">
-            <a:schemeClr val="accent2"/>
-          </a:effectRef>
-          <a:fontRef idx="minor">
-            <a:schemeClr val="lt1"/>
-          </a:fontRef>
-        </p:style>
-        <p:txBody>
-          <a:bodyPr rtlCol="0" anchor="ctr"/>
-          <a:lstStyle/>
-          <a:p>
-            <a:pPr algn="ctr"/>
-            <a:r>
-              <a:rPr lang="ko-KR" altLang="en-US" sz="1300" dirty="0"/>
-              <a:t>첨부파일</a:t>
-            </a:r>
-          </a:p>
-        </p:txBody>
-      </p:sp>
-      <p:sp>
-        <p:nvSpPr>
-          <p:cNvPr id="14" name="타원 13">
-            <a:extLst>
-              <a:ext uri="{FF2B5EF4-FFF2-40B4-BE49-F238E27FC236}">
-                <a16:creationId xmlns:a16="http://schemas.microsoft.com/office/drawing/2014/main" id="{D18304CC-9622-4A73-9728-D9045735076D}"/>
-              </a:ext>
-            </a:extLst>
-          </p:cNvPr>
-          <p:cNvSpPr/>
-          <p:nvPr/>
-        </p:nvSpPr>
-        <p:spPr>
-          <a:xfrm>
-            <a:off x="6370570" y="5039975"/>
-            <a:ext cx="742646" cy="488230"/>
-          </a:xfrm>
-          <a:prstGeom prst="ellipse">
-            <a:avLst/>
-          </a:prstGeom>
-        </p:spPr>
-        <p:style>
-          <a:lnRef idx="2">
-            <a:schemeClr val="accent2">
-              <a:shade val="50000"/>
-            </a:schemeClr>
-          </a:lnRef>
-          <a:fillRef idx="1">
-            <a:schemeClr val="accent2"/>
-          </a:fillRef>
-          <a:effectRef idx="0">
-            <a:schemeClr val="accent2"/>
-          </a:effectRef>
-          <a:fontRef idx="minor">
-            <a:schemeClr val="lt1"/>
-          </a:fontRef>
-        </p:style>
-        <p:txBody>
-          <a:bodyPr rtlCol="0" anchor="ctr"/>
-          <a:lstStyle/>
-          <a:p>
-            <a:pPr algn="ctr"/>
-            <a:r>
-              <a:rPr lang="ko-KR" altLang="en-US" sz="1300"/>
-              <a:t>작성날짜</a:t>
-            </a:r>
-            <a:endParaRPr lang="ko-KR" altLang="en-US" sz="1300" dirty="0"/>
-          </a:p>
-        </p:txBody>
-      </p:sp>
-      <p:cxnSp>
-        <p:nvCxnSpPr>
           <p:cNvPr id="15" name="직선 연결선 14">
             <a:extLst>
               <a:ext uri="{FF2B5EF4-FFF2-40B4-BE49-F238E27FC236}">
@@ -5947,7 +5372,7 @@
         <p:spPr>
           <a:xfrm>
             <a:off x="5106596" y="938461"/>
-            <a:ext cx="42224" cy="5336183"/>
+            <a:ext cx="25814" cy="1761697"/>
           </a:xfrm>
           <a:prstGeom prst="line">
             <a:avLst/>
@@ -5973,12 +5398,99 @@
           </a:fontRef>
         </p:style>
       </p:cxnSp>
-      <p:sp>
-        <p:nvSpPr>
-          <p:cNvPr id="16" name="타원 15">
-            <a:extLst>
-              <a:ext uri="{FF2B5EF4-FFF2-40B4-BE49-F238E27FC236}">
-                <a16:creationId xmlns:a16="http://schemas.microsoft.com/office/drawing/2014/main" id="{AA88F4B6-D73F-43A1-96F1-8ED1C1426FB3}"/>
+      <p:cxnSp>
+        <p:nvCxnSpPr>
+          <p:cNvPr id="94" name="직선 연결선 93">
+            <a:extLst>
+              <a:ext uri="{FF2B5EF4-FFF2-40B4-BE49-F238E27FC236}">
+                <a16:creationId xmlns:a16="http://schemas.microsoft.com/office/drawing/2014/main" id="{26EF071F-8C27-4FD6-B684-4AE775E2F9F6}"/>
+              </a:ext>
+            </a:extLst>
+          </p:cNvPr>
+          <p:cNvCxnSpPr>
+            <a:cxnSpLocks/>
+            <a:endCxn id="104" idx="4"/>
+          </p:cNvCxnSpPr>
+          <p:nvPr/>
+        </p:nvCxnSpPr>
+        <p:spPr>
+          <a:xfrm>
+            <a:off x="1061886" y="803391"/>
+            <a:ext cx="55937" cy="4751458"/>
+          </a:xfrm>
+          <a:prstGeom prst="line">
+            <a:avLst/>
+          </a:prstGeom>
+          <a:ln>
+            <a:solidFill>
+              <a:schemeClr val="accent1">
+                <a:lumMod val="50000"/>
+              </a:schemeClr>
+            </a:solidFill>
+          </a:ln>
+        </p:spPr>
+        <p:style>
+          <a:lnRef idx="1">
+            <a:schemeClr val="accent6"/>
+          </a:lnRef>
+          <a:fillRef idx="2">
+            <a:schemeClr val="accent6"/>
+          </a:fillRef>
+          <a:effectRef idx="1">
+            <a:schemeClr val="accent6"/>
+          </a:effectRef>
+          <a:fontRef idx="minor">
+            <a:schemeClr val="dk1"/>
+          </a:fontRef>
+        </p:style>
+      </p:cxnSp>
+      <p:cxnSp>
+        <p:nvCxnSpPr>
+          <p:cNvPr id="2" name="직선 연결선 1">
+            <a:extLst>
+              <a:ext uri="{FF2B5EF4-FFF2-40B4-BE49-F238E27FC236}">
+                <a16:creationId xmlns:a16="http://schemas.microsoft.com/office/drawing/2014/main" id="{2582CA62-A397-4DB4-A2DE-66C216D0502A}"/>
+              </a:ext>
+            </a:extLst>
+          </p:cNvPr>
+          <p:cNvCxnSpPr>
+            <a:cxnSpLocks/>
+            <a:endCxn id="43" idx="0"/>
+          </p:cNvCxnSpPr>
+          <p:nvPr/>
+        </p:nvCxnSpPr>
+        <p:spPr>
+          <a:xfrm flipH="1">
+            <a:off x="6773565" y="948449"/>
+            <a:ext cx="1118" cy="925850"/>
+          </a:xfrm>
+          <a:prstGeom prst="line">
+            <a:avLst/>
+          </a:prstGeom>
+        </p:spPr>
+        <p:style>
+          <a:lnRef idx="2">
+            <a:schemeClr val="accent2">
+              <a:shade val="50000"/>
+            </a:schemeClr>
+          </a:lnRef>
+          <a:fillRef idx="1">
+            <a:schemeClr val="accent2"/>
+          </a:fillRef>
+          <a:effectRef idx="0">
+            <a:schemeClr val="accent2"/>
+          </a:effectRef>
+          <a:fontRef idx="minor">
+            <a:schemeClr val="lt1"/>
+          </a:fontRef>
+        </p:style>
+      </p:cxnSp>
+      <p:sp>
+        <p:nvSpPr>
+          <p:cNvPr id="4" name="직사각형 3">
+            <a:extLst>
+              <a:ext uri="{FF2B5EF4-FFF2-40B4-BE49-F238E27FC236}">
+                <a16:creationId xmlns:a16="http://schemas.microsoft.com/office/drawing/2014/main" id="{02CC9244-17A3-48D1-A4E6-85DC3A664EB2}"/>
               </a:ext>
             </a:extLst>
           </p:cNvPr>
@@ -5987,10 +5499,59 @@
         </p:nvSpPr>
         <p:spPr>
           <a:xfrm>
-            <a:off x="4729252" y="1074270"/>
-            <a:ext cx="754685" cy="719325"/>
-          </a:xfrm>
-          <a:prstGeom prst="ellipse">
+            <a:off x="6186440" y="545431"/>
+            <a:ext cx="1122947" cy="393030"/>
+          </a:xfrm>
+          <a:prstGeom prst="rect">
+            <a:avLst/>
+          </a:prstGeom>
+        </p:spPr>
+        <p:style>
+          <a:lnRef idx="2">
+            <a:schemeClr val="accent2">
+              <a:shade val="50000"/>
+            </a:schemeClr>
+          </a:lnRef>
+          <a:fillRef idx="1">
+            <a:schemeClr val="accent2"/>
+          </a:fillRef>
+          <a:effectRef idx="0">
+            <a:schemeClr val="accent2"/>
+          </a:effectRef>
+          <a:fontRef idx="minor">
+            <a:schemeClr val="lt1"/>
+          </a:fontRef>
+        </p:style>
+        <p:txBody>
+          <a:bodyPr rtlCol="0" anchor="ctr"/>
+          <a:lstStyle/>
+          <a:p>
+            <a:pPr algn="ctr"/>
+            <a:r>
+              <a:rPr lang="ko-KR" altLang="en-US" sz="1300" dirty="0"/>
+              <a:t>공지사항</a:t>
+            </a:r>
+          </a:p>
+        </p:txBody>
+      </p:sp>
+      <p:sp>
+        <p:nvSpPr>
+          <p:cNvPr id="17" name="직사각형 16">
+            <a:extLst>
+              <a:ext uri="{FF2B5EF4-FFF2-40B4-BE49-F238E27FC236}">
+                <a16:creationId xmlns:a16="http://schemas.microsoft.com/office/drawing/2014/main" id="{198FF807-0A04-481F-9267-7EC5AA294C1F}"/>
+              </a:ext>
+            </a:extLst>
+          </p:cNvPr>
+          <p:cNvSpPr/>
+          <p:nvPr/>
+        </p:nvSpPr>
+        <p:spPr>
+          <a:xfrm>
+            <a:off x="4545122" y="545431"/>
+            <a:ext cx="1122947" cy="393030"/>
+          </a:xfrm>
+          <a:prstGeom prst="rect">
             <a:avLst/>
           </a:prstGeom>
           <a:solidFill>
@@ -6029,17 +5590,17 @@
                   <a:schemeClr val="bg1"/>
                 </a:solidFill>
               </a:rPr>
-              <a:t>자료번호</a:t>
-            </a:r>
-          </a:p>
-        </p:txBody>
-      </p:sp>
-      <p:sp>
-        <p:nvSpPr>
-          <p:cNvPr id="17" name="직사각형 16">
-            <a:extLst>
-              <a:ext uri="{FF2B5EF4-FFF2-40B4-BE49-F238E27FC236}">
-                <a16:creationId xmlns:a16="http://schemas.microsoft.com/office/drawing/2014/main" id="{198FF807-0A04-481F-9267-7EC5AA294C1F}"/>
+              <a:t>자료실</a:t>
+            </a:r>
+          </a:p>
+        </p:txBody>
+      </p:sp>
+      <p:sp>
+        <p:nvSpPr>
+          <p:cNvPr id="19" name="타원 18">
+            <a:extLst>
+              <a:ext uri="{FF2B5EF4-FFF2-40B4-BE49-F238E27FC236}">
+                <a16:creationId xmlns:a16="http://schemas.microsoft.com/office/drawing/2014/main" id="{FC8A9571-E92A-4F6C-BF33-0DF3D76E3CC5}"/>
               </a:ext>
             </a:extLst>
           </p:cNvPr>
@@ -6048,10 +5609,10 @@
         </p:nvSpPr>
         <p:spPr>
           <a:xfrm>
-            <a:off x="4545122" y="545431"/>
-            <a:ext cx="1122947" cy="393030"/>
-          </a:xfrm>
-          <a:prstGeom prst="rect">
+            <a:off x="4769167" y="2700158"/>
+            <a:ext cx="726485" cy="583356"/>
+          </a:xfrm>
+          <a:prstGeom prst="ellipse">
             <a:avLst/>
           </a:prstGeom>
           <a:solidFill>
@@ -6085,22 +5646,27 @@
           <a:p>
             <a:pPr algn="ctr"/>
             <a:r>
-              <a:rPr lang="ko-KR" altLang="en-US" sz="1300" dirty="0">
+              <a:rPr lang="ko-KR" altLang="en-US" sz="1300">
                 <a:solidFill>
                   <a:schemeClr val="bg1"/>
                 </a:solidFill>
               </a:rPr>
-              <a:t>자료실</a:t>
-            </a:r>
-          </a:p>
-        </p:txBody>
-      </p:sp>
-      <p:sp>
-        <p:nvSpPr>
-          <p:cNvPr id="18" name="타원 17">
-            <a:extLst>
-              <a:ext uri="{FF2B5EF4-FFF2-40B4-BE49-F238E27FC236}">
-                <a16:creationId xmlns:a16="http://schemas.microsoft.com/office/drawing/2014/main" id="{D7293AA4-783B-4E0B-B91F-8E9854BBEF15}"/>
+              <a:t>소분류명</a:t>
+            </a:r>
+            <a:endParaRPr lang="ko-KR" altLang="en-US" sz="1300" dirty="0">
+              <a:solidFill>
+                <a:schemeClr val="bg1"/>
+              </a:solidFill>
+            </a:endParaRPr>
+          </a:p>
+        </p:txBody>
+      </p:sp>
+      <p:sp>
+        <p:nvSpPr>
+          <p:cNvPr id="28" name="타원 27">
+            <a:extLst>
+              <a:ext uri="{FF2B5EF4-FFF2-40B4-BE49-F238E27FC236}">
+                <a16:creationId xmlns:a16="http://schemas.microsoft.com/office/drawing/2014/main" id="{29F14DCE-76B6-40CB-A688-B5B6649F6477}"/>
               </a:ext>
             </a:extLst>
           </p:cNvPr>
@@ -6109,8 +5675,8 @@
         </p:nvSpPr>
         <p:spPr>
           <a:xfrm>
-            <a:off x="4635149" y="1987215"/>
-            <a:ext cx="974180" cy="622831"/>
+            <a:off x="4738504" y="2001418"/>
+            <a:ext cx="726485" cy="488230"/>
           </a:xfrm>
           <a:prstGeom prst="ellipse">
             <a:avLst/>
@@ -6146,576 +5712,6 @@
           <a:p>
             <a:pPr algn="ctr"/>
             <a:r>
-              <a:rPr lang="ko-KR" altLang="en-US" sz="1300" dirty="0">
-                <a:solidFill>
-                  <a:schemeClr val="bg1"/>
-                </a:solidFill>
-              </a:rPr>
-              <a:t>동아리번호</a:t>
-            </a:r>
-          </a:p>
-        </p:txBody>
-      </p:sp>
-      <p:sp>
-        <p:nvSpPr>
-          <p:cNvPr id="19" name="타원 18">
-            <a:extLst>
-              <a:ext uri="{FF2B5EF4-FFF2-40B4-BE49-F238E27FC236}">
-                <a16:creationId xmlns:a16="http://schemas.microsoft.com/office/drawing/2014/main" id="{FC8A9571-E92A-4F6C-BF33-0DF3D76E3CC5}"/>
-              </a:ext>
-            </a:extLst>
-          </p:cNvPr>
-          <p:cNvSpPr/>
-          <p:nvPr/>
-        </p:nvSpPr>
-        <p:spPr>
-          <a:xfrm>
-            <a:off x="4785577" y="6274644"/>
-            <a:ext cx="726485" cy="583356"/>
-          </a:xfrm>
-          <a:prstGeom prst="ellipse">
-            <a:avLst/>
-          </a:prstGeom>
-          <a:solidFill>
-            <a:srgbClr val="990033">
-              <a:alpha val="69804"/>
-            </a:srgbClr>
-          </a:solidFill>
-          <a:ln>
-            <a:solidFill>
-              <a:srgbClr val="990033"/>
-            </a:solidFill>
-          </a:ln>
-        </p:spPr>
-        <p:style>
-          <a:lnRef idx="1">
-            <a:schemeClr val="accent6"/>
-          </a:lnRef>
-          <a:fillRef idx="2">
-            <a:schemeClr val="accent6"/>
-          </a:fillRef>
-          <a:effectRef idx="1">
-            <a:schemeClr val="accent6"/>
-          </a:effectRef>
-          <a:fontRef idx="minor">
-            <a:schemeClr val="dk1"/>
-          </a:fontRef>
-        </p:style>
-        <p:txBody>
-          <a:bodyPr rtlCol="0" anchor="ctr"/>
-          <a:lstStyle/>
-          <a:p>
-            <a:pPr algn="ctr"/>
-            <a:r>
-              <a:rPr lang="ko-KR" altLang="en-US" sz="1300">
-                <a:solidFill>
-                  <a:schemeClr val="bg1"/>
-                </a:solidFill>
-              </a:rPr>
-              <a:t>소분류명</a:t>
-            </a:r>
-            <a:endParaRPr lang="ko-KR" altLang="en-US" sz="1300" dirty="0">
-              <a:solidFill>
-                <a:schemeClr val="bg1"/>
-              </a:solidFill>
-            </a:endParaRPr>
-          </a:p>
-        </p:txBody>
-      </p:sp>
-      <p:cxnSp>
-        <p:nvCxnSpPr>
-          <p:cNvPr id="20" name="직선 연결선 19">
-            <a:extLst>
-              <a:ext uri="{FF2B5EF4-FFF2-40B4-BE49-F238E27FC236}">
-                <a16:creationId xmlns:a16="http://schemas.microsoft.com/office/drawing/2014/main" id="{6A766C26-B869-46DB-9A9C-C1107EA7A262}"/>
-              </a:ext>
-            </a:extLst>
-          </p:cNvPr>
-          <p:cNvCxnSpPr>
-            <a:cxnSpLocks/>
-            <a:stCxn id="18" idx="5"/>
-            <a:endCxn id="18" idx="5"/>
-          </p:cNvCxnSpPr>
-          <p:nvPr/>
-        </p:nvCxnSpPr>
-        <p:spPr>
-          <a:xfrm>
-            <a:off x="5466664" y="2518835"/>
-            <a:ext cx="0" cy="0"/>
-          </a:xfrm>
-          <a:prstGeom prst="line">
-            <a:avLst/>
-          </a:prstGeom>
-          <a:ln>
-            <a:solidFill>
-              <a:srgbClr val="990033"/>
-            </a:solidFill>
-          </a:ln>
-        </p:spPr>
-        <p:style>
-          <a:lnRef idx="1">
-            <a:schemeClr val="accent6"/>
-          </a:lnRef>
-          <a:fillRef idx="2">
-            <a:schemeClr val="accent6"/>
-          </a:fillRef>
-          <a:effectRef idx="1">
-            <a:schemeClr val="accent6"/>
-          </a:effectRef>
-          <a:fontRef idx="minor">
-            <a:schemeClr val="dk1"/>
-          </a:fontRef>
-        </p:style>
-      </p:cxnSp>
-      <p:sp>
-        <p:nvSpPr>
-          <p:cNvPr id="21" name="타원 20">
-            <a:extLst>
-              <a:ext uri="{FF2B5EF4-FFF2-40B4-BE49-F238E27FC236}">
-                <a16:creationId xmlns:a16="http://schemas.microsoft.com/office/drawing/2014/main" id="{33CA889A-793E-448C-AA01-93471349A366}"/>
-              </a:ext>
-            </a:extLst>
-          </p:cNvPr>
-          <p:cNvSpPr/>
-          <p:nvPr/>
-        </p:nvSpPr>
-        <p:spPr>
-          <a:xfrm>
-            <a:off x="4635148" y="3262659"/>
-            <a:ext cx="974180" cy="393031"/>
-          </a:xfrm>
-          <a:prstGeom prst="ellipse">
-            <a:avLst/>
-          </a:prstGeom>
-          <a:solidFill>
-            <a:srgbClr val="990033">
-              <a:alpha val="69804"/>
-            </a:srgbClr>
-          </a:solidFill>
-          <a:ln>
-            <a:solidFill>
-              <a:srgbClr val="990033"/>
-            </a:solidFill>
-          </a:ln>
-        </p:spPr>
-        <p:style>
-          <a:lnRef idx="1">
-            <a:schemeClr val="accent6"/>
-          </a:lnRef>
-          <a:fillRef idx="2">
-            <a:schemeClr val="accent6"/>
-          </a:fillRef>
-          <a:effectRef idx="1">
-            <a:schemeClr val="accent6"/>
-          </a:effectRef>
-          <a:fontRef idx="minor">
-            <a:schemeClr val="dk1"/>
-          </a:fontRef>
-        </p:style>
-        <p:txBody>
-          <a:bodyPr rtlCol="0" anchor="ctr"/>
-          <a:lstStyle/>
-          <a:p>
-            <a:pPr algn="ctr"/>
-            <a:r>
-              <a:rPr lang="ko-KR" altLang="en-US" sz="1300" dirty="0">
-                <a:solidFill>
-                  <a:schemeClr val="bg1"/>
-                </a:solidFill>
-              </a:rPr>
-              <a:t>작성자</a:t>
-            </a:r>
-          </a:p>
-        </p:txBody>
-      </p:sp>
-      <p:cxnSp>
-        <p:nvCxnSpPr>
-          <p:cNvPr id="22" name="직선 연결선 21">
-            <a:extLst>
-              <a:ext uri="{FF2B5EF4-FFF2-40B4-BE49-F238E27FC236}">
-                <a16:creationId xmlns:a16="http://schemas.microsoft.com/office/drawing/2014/main" id="{BFDE820A-6B81-45AF-8D2A-E22DF2CFA797}"/>
-              </a:ext>
-            </a:extLst>
-          </p:cNvPr>
-          <p:cNvCxnSpPr>
-            <a:cxnSpLocks/>
-            <a:stCxn id="21" idx="5"/>
-            <a:endCxn id="21" idx="5"/>
-          </p:cNvCxnSpPr>
-          <p:nvPr/>
-        </p:nvCxnSpPr>
-        <p:spPr>
-          <a:xfrm>
-            <a:off x="5466663" y="3598132"/>
-            <a:ext cx="0" cy="0"/>
-          </a:xfrm>
-          <a:prstGeom prst="line">
-            <a:avLst/>
-          </a:prstGeom>
-          <a:ln>
-            <a:solidFill>
-              <a:srgbClr val="990033"/>
-            </a:solidFill>
-          </a:ln>
-        </p:spPr>
-        <p:style>
-          <a:lnRef idx="1">
-            <a:schemeClr val="accent6"/>
-          </a:lnRef>
-          <a:fillRef idx="2">
-            <a:schemeClr val="accent6"/>
-          </a:fillRef>
-          <a:effectRef idx="1">
-            <a:schemeClr val="accent6"/>
-          </a:effectRef>
-          <a:fontRef idx="minor">
-            <a:schemeClr val="dk1"/>
-          </a:fontRef>
-        </p:style>
-      </p:cxnSp>
-      <p:sp>
-        <p:nvSpPr>
-          <p:cNvPr id="23" name="타원 22">
-            <a:extLst>
-              <a:ext uri="{FF2B5EF4-FFF2-40B4-BE49-F238E27FC236}">
-                <a16:creationId xmlns:a16="http://schemas.microsoft.com/office/drawing/2014/main" id="{1DBB3E9D-5413-45BE-9205-B082A4CF040B}"/>
-              </a:ext>
-            </a:extLst>
-          </p:cNvPr>
-          <p:cNvSpPr/>
-          <p:nvPr/>
-        </p:nvSpPr>
-        <p:spPr>
-          <a:xfrm>
-            <a:off x="4627327" y="3833061"/>
-            <a:ext cx="974180" cy="393031"/>
-          </a:xfrm>
-          <a:prstGeom prst="ellipse">
-            <a:avLst/>
-          </a:prstGeom>
-          <a:solidFill>
-            <a:srgbClr val="990033">
-              <a:alpha val="69804"/>
-            </a:srgbClr>
-          </a:solidFill>
-          <a:ln>
-            <a:solidFill>
-              <a:srgbClr val="990033"/>
-            </a:solidFill>
-          </a:ln>
-        </p:spPr>
-        <p:style>
-          <a:lnRef idx="1">
-            <a:schemeClr val="accent6"/>
-          </a:lnRef>
-          <a:fillRef idx="2">
-            <a:schemeClr val="accent6"/>
-          </a:fillRef>
-          <a:effectRef idx="1">
-            <a:schemeClr val="accent6"/>
-          </a:effectRef>
-          <a:fontRef idx="minor">
-            <a:schemeClr val="dk1"/>
-          </a:fontRef>
-        </p:style>
-        <p:txBody>
-          <a:bodyPr rtlCol="0" anchor="ctr"/>
-          <a:lstStyle/>
-          <a:p>
-            <a:pPr algn="ctr"/>
-            <a:r>
-              <a:rPr lang="ko-KR" altLang="en-US" sz="1300" dirty="0">
-                <a:solidFill>
-                  <a:schemeClr val="bg1"/>
-                </a:solidFill>
-              </a:rPr>
-              <a:t>내용</a:t>
-            </a:r>
-          </a:p>
-        </p:txBody>
-      </p:sp>
-      <p:sp>
-        <p:nvSpPr>
-          <p:cNvPr id="24" name="타원 23">
-            <a:extLst>
-              <a:ext uri="{FF2B5EF4-FFF2-40B4-BE49-F238E27FC236}">
-                <a16:creationId xmlns:a16="http://schemas.microsoft.com/office/drawing/2014/main" id="{C666B3FB-332F-4BAD-9593-AFC6D4FF8751}"/>
-              </a:ext>
-            </a:extLst>
-          </p:cNvPr>
-          <p:cNvSpPr/>
-          <p:nvPr/>
-        </p:nvSpPr>
-        <p:spPr>
-          <a:xfrm>
-            <a:off x="4640689" y="2739705"/>
-            <a:ext cx="974180" cy="393031"/>
-          </a:xfrm>
-          <a:prstGeom prst="ellipse">
-            <a:avLst/>
-          </a:prstGeom>
-          <a:solidFill>
-            <a:srgbClr val="990033">
-              <a:alpha val="69804"/>
-            </a:srgbClr>
-          </a:solidFill>
-          <a:ln>
-            <a:solidFill>
-              <a:srgbClr val="990033"/>
-            </a:solidFill>
-          </a:ln>
-        </p:spPr>
-        <p:style>
-          <a:lnRef idx="1">
-            <a:schemeClr val="accent6"/>
-          </a:lnRef>
-          <a:fillRef idx="2">
-            <a:schemeClr val="accent6"/>
-          </a:fillRef>
-          <a:effectRef idx="1">
-            <a:schemeClr val="accent6"/>
-          </a:effectRef>
-          <a:fontRef idx="minor">
-            <a:schemeClr val="dk1"/>
-          </a:fontRef>
-        </p:style>
-        <p:txBody>
-          <a:bodyPr rtlCol="0" anchor="ctr"/>
-          <a:lstStyle/>
-          <a:p>
-            <a:pPr algn="ctr"/>
-            <a:r>
-              <a:rPr lang="ko-KR" altLang="en-US" sz="1300" dirty="0">
-                <a:solidFill>
-                  <a:schemeClr val="bg1"/>
-                </a:solidFill>
-              </a:rPr>
-              <a:t>제목</a:t>
-            </a:r>
-          </a:p>
-        </p:txBody>
-      </p:sp>
-      <p:sp>
-        <p:nvSpPr>
-          <p:cNvPr id="25" name="타원 24">
-            <a:extLst>
-              <a:ext uri="{FF2B5EF4-FFF2-40B4-BE49-F238E27FC236}">
-                <a16:creationId xmlns:a16="http://schemas.microsoft.com/office/drawing/2014/main" id="{4B40AC10-40CD-419E-887A-F13E91CC8AEF}"/>
-              </a:ext>
-            </a:extLst>
-          </p:cNvPr>
-          <p:cNvSpPr/>
-          <p:nvPr/>
-        </p:nvSpPr>
-        <p:spPr>
-          <a:xfrm>
-            <a:off x="4708544" y="4434849"/>
-            <a:ext cx="841715" cy="488230"/>
-          </a:xfrm>
-          <a:prstGeom prst="ellipse">
-            <a:avLst/>
-          </a:prstGeom>
-          <a:solidFill>
-            <a:srgbClr val="990033">
-              <a:alpha val="69804"/>
-            </a:srgbClr>
-          </a:solidFill>
-          <a:ln>
-            <a:solidFill>
-              <a:srgbClr val="990033"/>
-            </a:solidFill>
-          </a:ln>
-        </p:spPr>
-        <p:style>
-          <a:lnRef idx="1">
-            <a:schemeClr val="accent6"/>
-          </a:lnRef>
-          <a:fillRef idx="2">
-            <a:schemeClr val="accent6"/>
-          </a:fillRef>
-          <a:effectRef idx="1">
-            <a:schemeClr val="accent6"/>
-          </a:effectRef>
-          <a:fontRef idx="minor">
-            <a:schemeClr val="dk1"/>
-          </a:fontRef>
-        </p:style>
-        <p:txBody>
-          <a:bodyPr rtlCol="0" anchor="ctr"/>
-          <a:lstStyle/>
-          <a:p>
-            <a:pPr algn="ctr"/>
-            <a:r>
-              <a:rPr lang="ko-KR" altLang="en-US" sz="1300" dirty="0">
-                <a:solidFill>
-                  <a:schemeClr val="bg1"/>
-                </a:solidFill>
-              </a:rPr>
-              <a:t>첨부파일</a:t>
-            </a:r>
-          </a:p>
-        </p:txBody>
-      </p:sp>
-      <p:sp>
-        <p:nvSpPr>
-          <p:cNvPr id="26" name="타원 25">
-            <a:extLst>
-              <a:ext uri="{FF2B5EF4-FFF2-40B4-BE49-F238E27FC236}">
-                <a16:creationId xmlns:a16="http://schemas.microsoft.com/office/drawing/2014/main" id="{4D5CA6F4-0C26-4F66-A287-7647F29DEA4E}"/>
-              </a:ext>
-            </a:extLst>
-          </p:cNvPr>
-          <p:cNvSpPr/>
-          <p:nvPr/>
-        </p:nvSpPr>
-        <p:spPr>
-          <a:xfrm>
-            <a:off x="4729252" y="5039975"/>
-            <a:ext cx="742646" cy="488230"/>
-          </a:xfrm>
-          <a:prstGeom prst="ellipse">
-            <a:avLst/>
-          </a:prstGeom>
-          <a:solidFill>
-            <a:srgbClr val="990033">
-              <a:alpha val="69804"/>
-            </a:srgbClr>
-          </a:solidFill>
-          <a:ln>
-            <a:solidFill>
-              <a:srgbClr val="990033"/>
-            </a:solidFill>
-          </a:ln>
-        </p:spPr>
-        <p:style>
-          <a:lnRef idx="1">
-            <a:schemeClr val="accent6"/>
-          </a:lnRef>
-          <a:fillRef idx="2">
-            <a:schemeClr val="accent6"/>
-          </a:fillRef>
-          <a:effectRef idx="1">
-            <a:schemeClr val="accent6"/>
-          </a:effectRef>
-          <a:fontRef idx="minor">
-            <a:schemeClr val="dk1"/>
-          </a:fontRef>
-        </p:style>
-        <p:txBody>
-          <a:bodyPr rtlCol="0" anchor="ctr"/>
-          <a:lstStyle/>
-          <a:p>
-            <a:pPr algn="ctr"/>
-            <a:r>
-              <a:rPr lang="ko-KR" altLang="en-US" sz="1300">
-                <a:solidFill>
-                  <a:schemeClr val="bg1"/>
-                </a:solidFill>
-              </a:rPr>
-              <a:t>작성날짜</a:t>
-            </a:r>
-            <a:endParaRPr lang="ko-KR" altLang="en-US" sz="1300" dirty="0">
-              <a:solidFill>
-                <a:schemeClr val="bg1"/>
-              </a:solidFill>
-            </a:endParaRPr>
-          </a:p>
-        </p:txBody>
-      </p:sp>
-      <p:cxnSp>
-        <p:nvCxnSpPr>
-          <p:cNvPr id="27" name="직선 연결선 26">
-            <a:extLst>
-              <a:ext uri="{FF2B5EF4-FFF2-40B4-BE49-F238E27FC236}">
-                <a16:creationId xmlns:a16="http://schemas.microsoft.com/office/drawing/2014/main" id="{CF4D553E-8B75-483C-89A8-5A088DCCB818}"/>
-              </a:ext>
-            </a:extLst>
-          </p:cNvPr>
-          <p:cNvCxnSpPr>
-            <a:cxnSpLocks/>
-          </p:cNvCxnSpPr>
-          <p:nvPr/>
-        </p:nvCxnSpPr>
-        <p:spPr>
-          <a:xfrm>
-            <a:off x="4655643" y="1684900"/>
-            <a:ext cx="828294" cy="1201"/>
-          </a:xfrm>
-          <a:prstGeom prst="line">
-            <a:avLst/>
-          </a:prstGeom>
-          <a:ln w="38100">
-            <a:solidFill>
-              <a:schemeClr val="bg1"/>
-            </a:solidFill>
-          </a:ln>
-        </p:spPr>
-        <p:style>
-          <a:lnRef idx="3">
-            <a:schemeClr val="accent2"/>
-          </a:lnRef>
-          <a:fillRef idx="0">
-            <a:schemeClr val="accent2"/>
-          </a:fillRef>
-          <a:effectRef idx="2">
-            <a:schemeClr val="accent2"/>
-          </a:effectRef>
-          <a:fontRef idx="minor">
-            <a:schemeClr val="tx1"/>
-          </a:fontRef>
-        </p:style>
-      </p:cxnSp>
-      <p:sp>
-        <p:nvSpPr>
-          <p:cNvPr id="28" name="타원 27">
-            <a:extLst>
-              <a:ext uri="{FF2B5EF4-FFF2-40B4-BE49-F238E27FC236}">
-                <a16:creationId xmlns:a16="http://schemas.microsoft.com/office/drawing/2014/main" id="{29F14DCE-76B6-40CB-A688-B5B6649F6477}"/>
-              </a:ext>
-            </a:extLst>
-          </p:cNvPr>
-          <p:cNvSpPr/>
-          <p:nvPr/>
-        </p:nvSpPr>
-        <p:spPr>
-          <a:xfrm>
-            <a:off x="4745413" y="5639109"/>
-            <a:ext cx="726485" cy="488230"/>
-          </a:xfrm>
-          <a:prstGeom prst="ellipse">
-            <a:avLst/>
-          </a:prstGeom>
-          <a:solidFill>
-            <a:srgbClr val="990033">
-              <a:alpha val="69804"/>
-            </a:srgbClr>
-          </a:solidFill>
-          <a:ln>
-            <a:solidFill>
-              <a:srgbClr val="990033"/>
-            </a:solidFill>
-          </a:ln>
-        </p:spPr>
-        <p:style>
-          <a:lnRef idx="1">
-            <a:schemeClr val="accent6"/>
-          </a:lnRef>
-          <a:fillRef idx="2">
-            <a:schemeClr val="accent6"/>
-          </a:fillRef>
-          <a:effectRef idx="1">
-            <a:schemeClr val="accent6"/>
-          </a:effectRef>
-          <a:fontRef idx="minor">
-            <a:schemeClr val="dk1"/>
-          </a:fontRef>
-        </p:style>
-        <p:txBody>
-          <a:bodyPr rtlCol="0" anchor="ctr"/>
-          <a:lstStyle/>
-          <a:p>
-            <a:pPr algn="ctr"/>
-            <a:r>
               <a:rPr lang="ko-KR" altLang="en-US" sz="1300">
                 <a:solidFill>
                   <a:schemeClr val="bg1"/>
@@ -6748,9 +5744,9 @@
           <p:nvPr/>
         </p:nvCxnSpPr>
         <p:spPr>
-          <a:xfrm>
-            <a:off x="10315398" y="938461"/>
-            <a:ext cx="57740" cy="5336183"/>
+          <a:xfrm flipH="1">
+            <a:off x="8430495" y="948449"/>
+            <a:ext cx="1418" cy="1154930"/>
           </a:xfrm>
           <a:prstGeom prst="line">
             <a:avLst/>
@@ -6792,7 +5788,7 @@
         </p:nvSpPr>
         <p:spPr>
           <a:xfrm>
-            <a:off x="9938054" y="1074270"/>
+            <a:off x="8054569" y="1084258"/>
             <a:ext cx="754685" cy="719325"/>
           </a:xfrm>
           <a:prstGeom prst="ellipse">
@@ -6832,7 +5828,7 @@
             <a:pPr algn="ctr"/>
             <a:r>
               <a:rPr lang="ko-KR" altLang="en-US" sz="1300" dirty="0"/>
-              <a:t>신청번호</a:t>
+              <a:t>게시번호</a:t>
             </a:r>
           </a:p>
         </p:txBody>
@@ -6851,7 +5847,7 @@
         </p:nvSpPr>
         <p:spPr>
           <a:xfrm>
-            <a:off x="9753924" y="545431"/>
+            <a:off x="7870439" y="555419"/>
             <a:ext cx="1122947" cy="393030"/>
           </a:xfrm>
           <a:prstGeom prst="rect">
@@ -6898,10 +5894,10 @@
       </p:sp>
       <p:sp>
         <p:nvSpPr>
-          <p:cNvPr id="32" name="타원 31">
-            <a:extLst>
-              <a:ext uri="{FF2B5EF4-FFF2-40B4-BE49-F238E27FC236}">
-                <a16:creationId xmlns:a16="http://schemas.microsoft.com/office/drawing/2014/main" id="{D970BE67-36A1-4668-B710-A8C322B72B5F}"/>
+          <p:cNvPr id="33" name="타원 32">
+            <a:extLst>
+              <a:ext uri="{FF2B5EF4-FFF2-40B4-BE49-F238E27FC236}">
+                <a16:creationId xmlns:a16="http://schemas.microsoft.com/office/drawing/2014/main" id="{34E3C18B-0A9C-44A8-B62F-AD131C8377CC}"/>
               </a:ext>
             </a:extLst>
           </p:cNvPr>
@@ -6910,8 +5906,8 @@
         </p:nvSpPr>
         <p:spPr>
           <a:xfrm>
-            <a:off x="9843951" y="1987215"/>
-            <a:ext cx="974180" cy="622831"/>
+            <a:off x="8051736" y="2103379"/>
+            <a:ext cx="757518" cy="583356"/>
           </a:xfrm>
           <a:prstGeom prst="ellipse">
             <a:avLst/>
@@ -6949,457 +5945,8 @@
           <a:p>
             <a:pPr algn="ctr"/>
             <a:r>
-              <a:rPr lang="ko-KR" altLang="en-US" sz="1300" dirty="0"/>
-              <a:t>동아리번호</a:t>
-            </a:r>
-          </a:p>
-        </p:txBody>
-      </p:sp>
-      <p:sp>
-        <p:nvSpPr>
-          <p:cNvPr id="33" name="타원 32">
-            <a:extLst>
-              <a:ext uri="{FF2B5EF4-FFF2-40B4-BE49-F238E27FC236}">
-                <a16:creationId xmlns:a16="http://schemas.microsoft.com/office/drawing/2014/main" id="{34E3C18B-0A9C-44A8-B62F-AD131C8377CC}"/>
-              </a:ext>
-            </a:extLst>
-          </p:cNvPr>
-          <p:cNvSpPr/>
-          <p:nvPr/>
-        </p:nvSpPr>
-        <p:spPr>
-          <a:xfrm>
-            <a:off x="9994379" y="6274644"/>
-            <a:ext cx="757518" cy="583356"/>
-          </a:xfrm>
-          <a:prstGeom prst="ellipse">
-            <a:avLst/>
-          </a:prstGeom>
-          <a:solidFill>
-            <a:schemeClr val="tx2">
-              <a:lumMod val="75000"/>
-            </a:schemeClr>
-          </a:solidFill>
-          <a:ln>
-            <a:solidFill>
-              <a:schemeClr val="tx2"/>
-            </a:solidFill>
-          </a:ln>
-        </p:spPr>
-        <p:style>
-          <a:lnRef idx="2">
-            <a:schemeClr val="accent2">
-              <a:shade val="50000"/>
-            </a:schemeClr>
-          </a:lnRef>
-          <a:fillRef idx="1">
-            <a:schemeClr val="accent2"/>
-          </a:fillRef>
-          <a:effectRef idx="0">
-            <a:schemeClr val="accent2"/>
-          </a:effectRef>
-          <a:fontRef idx="minor">
-            <a:schemeClr val="lt1"/>
-          </a:fontRef>
-        </p:style>
-        <p:txBody>
-          <a:bodyPr rtlCol="0" anchor="ctr"/>
-          <a:lstStyle/>
-          <a:p>
-            <a:pPr algn="ctr"/>
-            <a:r>
               <a:rPr lang="ko-KR" altLang="en-US" sz="1300"/>
               <a:t>승인여부</a:t>
-            </a:r>
-            <a:endParaRPr lang="ko-KR" altLang="en-US" sz="1300" dirty="0"/>
-          </a:p>
-        </p:txBody>
-      </p:sp>
-      <p:cxnSp>
-        <p:nvCxnSpPr>
-          <p:cNvPr id="34" name="직선 연결선 33">
-            <a:extLst>
-              <a:ext uri="{FF2B5EF4-FFF2-40B4-BE49-F238E27FC236}">
-                <a16:creationId xmlns:a16="http://schemas.microsoft.com/office/drawing/2014/main" id="{C89C8140-76A3-41A5-8C3D-A282C4FB4492}"/>
-              </a:ext>
-            </a:extLst>
-          </p:cNvPr>
-          <p:cNvCxnSpPr>
-            <a:cxnSpLocks/>
-            <a:stCxn id="32" idx="5"/>
-            <a:endCxn id="32" idx="5"/>
-          </p:cNvCxnSpPr>
-          <p:nvPr/>
-        </p:nvCxnSpPr>
-        <p:spPr>
-          <a:xfrm>
-            <a:off x="10675466" y="2518835"/>
-            <a:ext cx="0" cy="0"/>
-          </a:xfrm>
-          <a:prstGeom prst="line">
-            <a:avLst/>
-          </a:prstGeom>
-          <a:ln>
-            <a:solidFill>
-              <a:schemeClr val="tx2"/>
-            </a:solidFill>
-          </a:ln>
-        </p:spPr>
-        <p:style>
-          <a:lnRef idx="2">
-            <a:schemeClr val="accent2">
-              <a:shade val="50000"/>
-            </a:schemeClr>
-          </a:lnRef>
-          <a:fillRef idx="1">
-            <a:schemeClr val="accent2"/>
-          </a:fillRef>
-          <a:effectRef idx="0">
-            <a:schemeClr val="accent2"/>
-          </a:effectRef>
-          <a:fontRef idx="minor">
-            <a:schemeClr val="lt1"/>
-          </a:fontRef>
-        </p:style>
-      </p:cxnSp>
-      <p:sp>
-        <p:nvSpPr>
-          <p:cNvPr id="36" name="타원 35">
-            <a:extLst>
-              <a:ext uri="{FF2B5EF4-FFF2-40B4-BE49-F238E27FC236}">
-                <a16:creationId xmlns:a16="http://schemas.microsoft.com/office/drawing/2014/main" id="{7D55197E-E6F4-4ADB-9654-E54D221A2257}"/>
-              </a:ext>
-            </a:extLst>
-          </p:cNvPr>
-          <p:cNvSpPr/>
-          <p:nvPr/>
-        </p:nvSpPr>
-        <p:spPr>
-          <a:xfrm>
-            <a:off x="9843950" y="3262659"/>
-            <a:ext cx="974180" cy="393031"/>
-          </a:xfrm>
-          <a:prstGeom prst="ellipse">
-            <a:avLst/>
-          </a:prstGeom>
-          <a:solidFill>
-            <a:schemeClr val="tx2">
-              <a:lumMod val="75000"/>
-            </a:schemeClr>
-          </a:solidFill>
-          <a:ln>
-            <a:solidFill>
-              <a:schemeClr val="tx2"/>
-            </a:solidFill>
-          </a:ln>
-        </p:spPr>
-        <p:style>
-          <a:lnRef idx="2">
-            <a:schemeClr val="accent2">
-              <a:shade val="50000"/>
-            </a:schemeClr>
-          </a:lnRef>
-          <a:fillRef idx="1">
-            <a:schemeClr val="accent2"/>
-          </a:fillRef>
-          <a:effectRef idx="0">
-            <a:schemeClr val="accent2"/>
-          </a:effectRef>
-          <a:fontRef idx="minor">
-            <a:schemeClr val="lt1"/>
-          </a:fontRef>
-        </p:style>
-        <p:txBody>
-          <a:bodyPr rtlCol="0" anchor="ctr"/>
-          <a:lstStyle/>
-          <a:p>
-            <a:pPr algn="ctr"/>
-            <a:r>
-              <a:rPr lang="ko-KR" altLang="en-US" sz="1300" dirty="0"/>
-              <a:t>작성자</a:t>
-            </a:r>
-          </a:p>
-        </p:txBody>
-      </p:sp>
-      <p:cxnSp>
-        <p:nvCxnSpPr>
-          <p:cNvPr id="37" name="직선 연결선 36">
-            <a:extLst>
-              <a:ext uri="{FF2B5EF4-FFF2-40B4-BE49-F238E27FC236}">
-                <a16:creationId xmlns:a16="http://schemas.microsoft.com/office/drawing/2014/main" id="{D9C0B719-4F60-4233-9B94-9EE4F1093352}"/>
-              </a:ext>
-            </a:extLst>
-          </p:cNvPr>
-          <p:cNvCxnSpPr>
-            <a:cxnSpLocks/>
-            <a:stCxn id="36" idx="5"/>
-            <a:endCxn id="36" idx="5"/>
-          </p:cNvCxnSpPr>
-          <p:nvPr/>
-        </p:nvCxnSpPr>
-        <p:spPr>
-          <a:xfrm>
-            <a:off x="10675465" y="3598132"/>
-            <a:ext cx="0" cy="0"/>
-          </a:xfrm>
-          <a:prstGeom prst="line">
-            <a:avLst/>
-          </a:prstGeom>
-          <a:ln>
-            <a:solidFill>
-              <a:schemeClr val="tx2"/>
-            </a:solidFill>
-          </a:ln>
-        </p:spPr>
-        <p:style>
-          <a:lnRef idx="2">
-            <a:schemeClr val="accent2">
-              <a:shade val="50000"/>
-            </a:schemeClr>
-          </a:lnRef>
-          <a:fillRef idx="1">
-            <a:schemeClr val="accent2"/>
-          </a:fillRef>
-          <a:effectRef idx="0">
-            <a:schemeClr val="accent2"/>
-          </a:effectRef>
-          <a:fontRef idx="minor">
-            <a:schemeClr val="lt1"/>
-          </a:fontRef>
-        </p:style>
-      </p:cxnSp>
-      <p:sp>
-        <p:nvSpPr>
-          <p:cNvPr id="38" name="타원 37">
-            <a:extLst>
-              <a:ext uri="{FF2B5EF4-FFF2-40B4-BE49-F238E27FC236}">
-                <a16:creationId xmlns:a16="http://schemas.microsoft.com/office/drawing/2014/main" id="{A7B87ABD-8D64-40DD-AE71-3CF1E5C0F981}"/>
-              </a:ext>
-            </a:extLst>
-          </p:cNvPr>
-          <p:cNvSpPr/>
-          <p:nvPr/>
-        </p:nvSpPr>
-        <p:spPr>
-          <a:xfrm>
-            <a:off x="9843950" y="3833061"/>
-            <a:ext cx="974180" cy="393031"/>
-          </a:xfrm>
-          <a:prstGeom prst="ellipse">
-            <a:avLst/>
-          </a:prstGeom>
-          <a:solidFill>
-            <a:schemeClr val="tx2">
-              <a:lumMod val="75000"/>
-            </a:schemeClr>
-          </a:solidFill>
-          <a:ln>
-            <a:solidFill>
-              <a:schemeClr val="tx2"/>
-            </a:solidFill>
-          </a:ln>
-        </p:spPr>
-        <p:style>
-          <a:lnRef idx="2">
-            <a:schemeClr val="accent2">
-              <a:shade val="50000"/>
-            </a:schemeClr>
-          </a:lnRef>
-          <a:fillRef idx="1">
-            <a:schemeClr val="accent2"/>
-          </a:fillRef>
-          <a:effectRef idx="0">
-            <a:schemeClr val="accent2"/>
-          </a:effectRef>
-          <a:fontRef idx="minor">
-            <a:schemeClr val="lt1"/>
-          </a:fontRef>
-        </p:style>
-        <p:txBody>
-          <a:bodyPr rtlCol="0" anchor="ctr"/>
-          <a:lstStyle/>
-          <a:p>
-            <a:pPr algn="ctr"/>
-            <a:r>
-              <a:rPr lang="ko-KR" altLang="en-US" sz="1300" dirty="0"/>
-              <a:t>내용</a:t>
-            </a:r>
-          </a:p>
-        </p:txBody>
-      </p:sp>
-      <p:sp>
-        <p:nvSpPr>
-          <p:cNvPr id="39" name="타원 38">
-            <a:extLst>
-              <a:ext uri="{FF2B5EF4-FFF2-40B4-BE49-F238E27FC236}">
-                <a16:creationId xmlns:a16="http://schemas.microsoft.com/office/drawing/2014/main" id="{D4C314C7-8DF2-4325-8FC4-A5CB8805D0B7}"/>
-              </a:ext>
-            </a:extLst>
-          </p:cNvPr>
-          <p:cNvSpPr/>
-          <p:nvPr/>
-        </p:nvSpPr>
-        <p:spPr>
-          <a:xfrm>
-            <a:off x="9828677" y="2728539"/>
-            <a:ext cx="974180" cy="393031"/>
-          </a:xfrm>
-          <a:prstGeom prst="ellipse">
-            <a:avLst/>
-          </a:prstGeom>
-          <a:solidFill>
-            <a:schemeClr val="tx2">
-              <a:lumMod val="75000"/>
-            </a:schemeClr>
-          </a:solidFill>
-          <a:ln>
-            <a:solidFill>
-              <a:schemeClr val="tx2"/>
-            </a:solidFill>
-          </a:ln>
-        </p:spPr>
-        <p:style>
-          <a:lnRef idx="2">
-            <a:schemeClr val="accent2">
-              <a:shade val="50000"/>
-            </a:schemeClr>
-          </a:lnRef>
-          <a:fillRef idx="1">
-            <a:schemeClr val="accent2"/>
-          </a:fillRef>
-          <a:effectRef idx="0">
-            <a:schemeClr val="accent2"/>
-          </a:effectRef>
-          <a:fontRef idx="minor">
-            <a:schemeClr val="lt1"/>
-          </a:fontRef>
-        </p:style>
-        <p:txBody>
-          <a:bodyPr rtlCol="0" anchor="ctr"/>
-          <a:lstStyle/>
-          <a:p>
-            <a:pPr algn="ctr"/>
-            <a:r>
-              <a:rPr lang="ko-KR" altLang="en-US" sz="1300" dirty="0"/>
-              <a:t>제목</a:t>
-            </a:r>
-          </a:p>
-        </p:txBody>
-      </p:sp>
-      <p:sp>
-        <p:nvSpPr>
-          <p:cNvPr id="40" name="타원 39">
-            <a:extLst>
-              <a:ext uri="{FF2B5EF4-FFF2-40B4-BE49-F238E27FC236}">
-                <a16:creationId xmlns:a16="http://schemas.microsoft.com/office/drawing/2014/main" id="{028E7F54-1922-485F-97C2-1D90614D181E}"/>
-              </a:ext>
-            </a:extLst>
-          </p:cNvPr>
-          <p:cNvSpPr/>
-          <p:nvPr/>
-        </p:nvSpPr>
-        <p:spPr>
-          <a:xfrm>
-            <a:off x="9910182" y="4375007"/>
-            <a:ext cx="841715" cy="488230"/>
-          </a:xfrm>
-          <a:prstGeom prst="ellipse">
-            <a:avLst/>
-          </a:prstGeom>
-          <a:solidFill>
-            <a:schemeClr val="tx2">
-              <a:lumMod val="75000"/>
-            </a:schemeClr>
-          </a:solidFill>
-          <a:ln>
-            <a:solidFill>
-              <a:schemeClr val="tx2"/>
-            </a:solidFill>
-          </a:ln>
-        </p:spPr>
-        <p:style>
-          <a:lnRef idx="2">
-            <a:schemeClr val="accent2">
-              <a:shade val="50000"/>
-            </a:schemeClr>
-          </a:lnRef>
-          <a:fillRef idx="1">
-            <a:schemeClr val="accent2"/>
-          </a:fillRef>
-          <a:effectRef idx="0">
-            <a:schemeClr val="accent2"/>
-          </a:effectRef>
-          <a:fontRef idx="minor">
-            <a:schemeClr val="lt1"/>
-          </a:fontRef>
-        </p:style>
-        <p:txBody>
-          <a:bodyPr rtlCol="0" anchor="ctr"/>
-          <a:lstStyle/>
-          <a:p>
-            <a:pPr algn="ctr"/>
-            <a:r>
-              <a:rPr lang="ko-KR" altLang="en-US" sz="1300" dirty="0"/>
-              <a:t>첨부파일</a:t>
-            </a:r>
-          </a:p>
-        </p:txBody>
-      </p:sp>
-      <p:sp>
-        <p:nvSpPr>
-          <p:cNvPr id="41" name="타원 40">
-            <a:extLst>
-              <a:ext uri="{FF2B5EF4-FFF2-40B4-BE49-F238E27FC236}">
-                <a16:creationId xmlns:a16="http://schemas.microsoft.com/office/drawing/2014/main" id="{C56F5BC8-117B-44AB-934B-C334204C5275}"/>
-              </a:ext>
-            </a:extLst>
-          </p:cNvPr>
-          <p:cNvSpPr/>
-          <p:nvPr/>
-        </p:nvSpPr>
-        <p:spPr>
-          <a:xfrm>
-            <a:off x="9994379" y="5012152"/>
-            <a:ext cx="742646" cy="488230"/>
-          </a:xfrm>
-          <a:prstGeom prst="ellipse">
-            <a:avLst/>
-          </a:prstGeom>
-          <a:solidFill>
-            <a:schemeClr val="tx2">
-              <a:lumMod val="75000"/>
-            </a:schemeClr>
-          </a:solidFill>
-          <a:ln>
-            <a:solidFill>
-              <a:schemeClr val="tx2"/>
-            </a:solidFill>
-          </a:ln>
-        </p:spPr>
-        <p:style>
-          <a:lnRef idx="2">
-            <a:schemeClr val="accent2">
-              <a:shade val="50000"/>
-            </a:schemeClr>
-          </a:lnRef>
-          <a:fillRef idx="1">
-            <a:schemeClr val="accent2"/>
-          </a:fillRef>
-          <a:effectRef idx="0">
-            <a:schemeClr val="accent2"/>
-          </a:effectRef>
-          <a:fontRef idx="minor">
-            <a:schemeClr val="lt1"/>
-          </a:fontRef>
-        </p:style>
-        <p:txBody>
-          <a:bodyPr rtlCol="0" anchor="ctr"/>
-          <a:lstStyle/>
-          <a:p>
-            <a:pPr algn="ctr"/>
-            <a:r>
-              <a:rPr lang="ko-KR" altLang="en-US" sz="1300"/>
-              <a:t>작성날짜</a:t>
             </a:r>
             <a:endParaRPr lang="ko-KR" altLang="en-US" sz="1300" dirty="0"/>
           </a:p>
@@ -7421,7 +5968,7 @@
         </p:nvCxnSpPr>
         <p:spPr>
           <a:xfrm>
-            <a:off x="9864539" y="1684900"/>
+            <a:off x="7981054" y="1694888"/>
             <a:ext cx="828294" cy="1201"/>
           </a:xfrm>
           <a:prstGeom prst="line">
@@ -7462,7 +6009,7 @@
         </p:nvSpPr>
         <p:spPr>
           <a:xfrm>
-            <a:off x="6360402" y="5669518"/>
+            <a:off x="6402242" y="1874299"/>
             <a:ext cx="742646" cy="488230"/>
           </a:xfrm>
           <a:prstGeom prst="ellipse">
@@ -7514,9 +6061,9 @@
           <p:nvPr/>
         </p:nvCxnSpPr>
         <p:spPr>
-          <a:xfrm>
-            <a:off x="3270337" y="476819"/>
-            <a:ext cx="59998" cy="5797825"/>
+          <a:xfrm flipH="1">
+            <a:off x="3249544" y="938461"/>
+            <a:ext cx="4526" cy="2386913"/>
           </a:xfrm>
           <a:prstGeom prst="line">
             <a:avLst/>
@@ -7546,10 +6093,10 @@
       </p:cxnSp>
       <p:sp>
         <p:nvSpPr>
-          <p:cNvPr id="61" name="타원 60">
-            <a:extLst>
-              <a:ext uri="{FF2B5EF4-FFF2-40B4-BE49-F238E27FC236}">
-                <a16:creationId xmlns:a16="http://schemas.microsoft.com/office/drawing/2014/main" id="{88C162B1-2286-4496-A3A1-8204FEABE2A6}"/>
+          <p:cNvPr id="62" name="직사각형 61">
+            <a:extLst>
+              <a:ext uri="{FF2B5EF4-FFF2-40B4-BE49-F238E27FC236}">
+                <a16:creationId xmlns:a16="http://schemas.microsoft.com/office/drawing/2014/main" id="{7163173C-89F4-45B2-B144-FFDE38AF6059}"/>
               </a:ext>
             </a:extLst>
           </p:cNvPr>
@@ -7558,10 +6105,10 @@
         </p:nvSpPr>
         <p:spPr>
           <a:xfrm>
-            <a:off x="2892993" y="612628"/>
-            <a:ext cx="754685" cy="719325"/>
-          </a:xfrm>
-          <a:prstGeom prst="ellipse">
+            <a:off x="2692596" y="545431"/>
+            <a:ext cx="1122947" cy="393030"/>
+          </a:xfrm>
+          <a:prstGeom prst="rect">
             <a:avLst/>
           </a:prstGeom>
           <a:solidFill>
@@ -7602,17 +6149,17 @@
                   <a:schemeClr val="bg1"/>
                 </a:solidFill>
               </a:rPr>
-              <a:t>일정번호</a:t>
-            </a:r>
-          </a:p>
-        </p:txBody>
-      </p:sp>
-      <p:sp>
-        <p:nvSpPr>
-          <p:cNvPr id="62" name="직사각형 61">
-            <a:extLst>
-              <a:ext uri="{FF2B5EF4-FFF2-40B4-BE49-F238E27FC236}">
-                <a16:creationId xmlns:a16="http://schemas.microsoft.com/office/drawing/2014/main" id="{7163173C-89F4-45B2-B144-FFDE38AF6059}"/>
+              <a:t>일정</a:t>
+            </a:r>
+          </a:p>
+        </p:txBody>
+      </p:sp>
+      <p:sp>
+        <p:nvSpPr>
+          <p:cNvPr id="64" name="타원 63">
+            <a:extLst>
+              <a:ext uri="{FF2B5EF4-FFF2-40B4-BE49-F238E27FC236}">
+                <a16:creationId xmlns:a16="http://schemas.microsoft.com/office/drawing/2014/main" id="{AD0F9581-DB03-4804-8F9E-13C82F858BDC}"/>
               </a:ext>
             </a:extLst>
           </p:cNvPr>
@@ -7621,10 +6168,10 @@
         </p:nvSpPr>
         <p:spPr>
           <a:xfrm>
-            <a:off x="2708863" y="83789"/>
-            <a:ext cx="1122947" cy="393030"/>
-          </a:xfrm>
-          <a:prstGeom prst="rect">
+            <a:off x="2886301" y="3325374"/>
+            <a:ext cx="726485" cy="583356"/>
+          </a:xfrm>
+          <a:prstGeom prst="ellipse">
             <a:avLst/>
           </a:prstGeom>
           <a:solidFill>
@@ -7665,17 +6212,17 @@
                   <a:schemeClr val="bg1"/>
                 </a:solidFill>
               </a:rPr>
-              <a:t>일정</a:t>
-            </a:r>
-          </a:p>
-        </p:txBody>
-      </p:sp>
-      <p:sp>
-        <p:nvSpPr>
-          <p:cNvPr id="63" name="타원 62">
-            <a:extLst>
-              <a:ext uri="{FF2B5EF4-FFF2-40B4-BE49-F238E27FC236}">
-                <a16:creationId xmlns:a16="http://schemas.microsoft.com/office/drawing/2014/main" id="{0D8DEBEE-4224-4B59-9F95-350FD92A8E74}"/>
+              <a:t>종료시간</a:t>
+            </a:r>
+          </a:p>
+        </p:txBody>
+      </p:sp>
+      <p:sp>
+        <p:nvSpPr>
+          <p:cNvPr id="73" name="타원 72">
+            <a:extLst>
+              <a:ext uri="{FF2B5EF4-FFF2-40B4-BE49-F238E27FC236}">
+                <a16:creationId xmlns:a16="http://schemas.microsoft.com/office/drawing/2014/main" id="{80CE748D-119C-46B5-AE6F-5D8D3B1910AA}"/>
               </a:ext>
             </a:extLst>
           </p:cNvPr>
@@ -7684,8 +6231,8 @@
         </p:nvSpPr>
         <p:spPr>
           <a:xfrm>
-            <a:off x="2798890" y="1463427"/>
-            <a:ext cx="974180" cy="622831"/>
+            <a:off x="2884766" y="2608424"/>
+            <a:ext cx="726485" cy="488230"/>
           </a:xfrm>
           <a:prstGeom prst="ellipse">
             <a:avLst/>
@@ -7728,17 +6275,17 @@
                   <a:schemeClr val="bg1"/>
                 </a:solidFill>
               </a:rPr>
-              <a:t>동아리번호</a:t>
-            </a:r>
-          </a:p>
-        </p:txBody>
-      </p:sp>
-      <p:sp>
-        <p:nvSpPr>
-          <p:cNvPr id="64" name="타원 63">
-            <a:extLst>
-              <a:ext uri="{FF2B5EF4-FFF2-40B4-BE49-F238E27FC236}">
-                <a16:creationId xmlns:a16="http://schemas.microsoft.com/office/drawing/2014/main" id="{AD0F9581-DB03-4804-8F9E-13C82F858BDC}"/>
+              <a:t>시작시간</a:t>
+            </a:r>
+          </a:p>
+        </p:txBody>
+      </p:sp>
+      <p:sp>
+        <p:nvSpPr>
+          <p:cNvPr id="76" name="타원 75">
+            <a:extLst>
+              <a:ext uri="{FF2B5EF4-FFF2-40B4-BE49-F238E27FC236}">
+                <a16:creationId xmlns:a16="http://schemas.microsoft.com/office/drawing/2014/main" id="{0DE6AF20-57FD-46E2-B4A4-FB1017D054A0}"/>
               </a:ext>
             </a:extLst>
           </p:cNvPr>
@@ -7747,8 +6294,8 @@
         </p:nvSpPr>
         <p:spPr>
           <a:xfrm>
-            <a:off x="2967092" y="6274644"/>
-            <a:ext cx="726485" cy="583356"/>
+            <a:off x="2884766" y="1874299"/>
+            <a:ext cx="742646" cy="488230"/>
           </a:xfrm>
           <a:prstGeom prst="ellipse">
             <a:avLst/>
@@ -7791,39 +6338,41 @@
                   <a:schemeClr val="bg1"/>
                 </a:solidFill>
               </a:rPr>
-              <a:t>종료시간</a:t>
-            </a:r>
-          </a:p>
-        </p:txBody>
-      </p:sp>
-      <p:cxnSp>
-        <p:nvCxnSpPr>
-          <p:cNvPr id="65" name="직선 연결선 64">
-            <a:extLst>
-              <a:ext uri="{FF2B5EF4-FFF2-40B4-BE49-F238E27FC236}">
-                <a16:creationId xmlns:a16="http://schemas.microsoft.com/office/drawing/2014/main" id="{8A79D809-A34C-4F86-843E-8780C260A8FA}"/>
-              </a:ext>
-            </a:extLst>
-          </p:cNvPr>
-          <p:cNvCxnSpPr>
-            <a:cxnSpLocks/>
-            <a:stCxn id="63" idx="5"/>
-            <a:endCxn id="63" idx="5"/>
-          </p:cNvCxnSpPr>
-          <p:nvPr/>
-        </p:nvCxnSpPr>
-        <p:spPr>
-          <a:xfrm>
-            <a:off x="3630405" y="1995047"/>
-            <a:ext cx="0" cy="0"/>
-          </a:xfrm>
-          <a:prstGeom prst="line">
-            <a:avLst/>
-          </a:prstGeom>
+              <a:t>공개여부</a:t>
+            </a:r>
+          </a:p>
+        </p:txBody>
+      </p:sp>
+      <p:sp>
+        <p:nvSpPr>
+          <p:cNvPr id="58" name="타원 57">
+            <a:extLst>
+              <a:ext uri="{FF2B5EF4-FFF2-40B4-BE49-F238E27FC236}">
+                <a16:creationId xmlns:a16="http://schemas.microsoft.com/office/drawing/2014/main" id="{C021C045-328E-4D5E-86E8-F5275F939BBC}"/>
+              </a:ext>
+            </a:extLst>
+          </p:cNvPr>
+          <p:cNvSpPr/>
+          <p:nvPr/>
+        </p:nvSpPr>
+        <p:spPr>
+          <a:xfrm>
+            <a:off x="718683" y="938461"/>
+            <a:ext cx="754685" cy="719325"/>
+          </a:xfrm>
+          <a:prstGeom prst="ellipse">
+            <a:avLst/>
+          </a:prstGeom>
+          <a:solidFill>
+            <a:schemeClr val="bg1">
+              <a:lumMod val="50000"/>
+            </a:schemeClr>
+          </a:solidFill>
           <a:ln>
             <a:solidFill>
-              <a:schemeClr val="accent1">
-                <a:lumMod val="50000"/>
+              <a:schemeClr val="tx1">
+                <a:lumMod val="85000"/>
+                <a:lumOff val="15000"/>
               </a:schemeClr>
             </a:solidFill>
           </a:ln>
@@ -7842,13 +6391,204 @@
             <a:schemeClr val="dk1"/>
           </a:fontRef>
         </p:style>
+        <p:txBody>
+          <a:bodyPr rtlCol="0" anchor="ctr"/>
+          <a:lstStyle/>
+          <a:p>
+            <a:pPr algn="ctr"/>
+            <a:r>
+              <a:rPr lang="ko-KR" altLang="en-US" sz="1300" dirty="0">
+                <a:solidFill>
+                  <a:schemeClr val="bg1"/>
+                </a:solidFill>
+              </a:rPr>
+              <a:t>게시번호</a:t>
+            </a:r>
+          </a:p>
+        </p:txBody>
+      </p:sp>
+      <p:sp>
+        <p:nvSpPr>
+          <p:cNvPr id="59" name="직사각형 58">
+            <a:extLst>
+              <a:ext uri="{FF2B5EF4-FFF2-40B4-BE49-F238E27FC236}">
+                <a16:creationId xmlns:a16="http://schemas.microsoft.com/office/drawing/2014/main" id="{AD8269D7-BC87-4A30-A733-A8FF853A81E9}"/>
+              </a:ext>
+            </a:extLst>
+          </p:cNvPr>
+          <p:cNvSpPr/>
+          <p:nvPr/>
+        </p:nvSpPr>
+        <p:spPr>
+          <a:xfrm>
+            <a:off x="534553" y="409622"/>
+            <a:ext cx="1122947" cy="393030"/>
+          </a:xfrm>
+          <a:prstGeom prst="rect">
+            <a:avLst/>
+          </a:prstGeom>
+          <a:solidFill>
+            <a:schemeClr val="bg1">
+              <a:lumMod val="50000"/>
+            </a:schemeClr>
+          </a:solidFill>
+          <a:ln>
+            <a:solidFill>
+              <a:schemeClr val="tx1">
+                <a:lumMod val="85000"/>
+                <a:lumOff val="15000"/>
+              </a:schemeClr>
+            </a:solidFill>
+          </a:ln>
+        </p:spPr>
+        <p:style>
+          <a:lnRef idx="1">
+            <a:schemeClr val="accent6"/>
+          </a:lnRef>
+          <a:fillRef idx="2">
+            <a:schemeClr val="accent6"/>
+          </a:fillRef>
+          <a:effectRef idx="1">
+            <a:schemeClr val="accent6"/>
+          </a:effectRef>
+          <a:fontRef idx="minor">
+            <a:schemeClr val="dk1"/>
+          </a:fontRef>
+        </p:style>
+        <p:txBody>
+          <a:bodyPr rtlCol="0" anchor="ctr"/>
+          <a:lstStyle/>
+          <a:p>
+            <a:pPr algn="ctr"/>
+            <a:r>
+              <a:rPr lang="ko-KR" altLang="en-US" sz="1300" dirty="0">
+                <a:solidFill>
+                  <a:schemeClr val="bg1"/>
+                </a:solidFill>
+              </a:rPr>
+              <a:t>게시판</a:t>
+            </a:r>
+          </a:p>
+        </p:txBody>
+      </p:sp>
+      <p:sp>
+        <p:nvSpPr>
+          <p:cNvPr id="72" name="타원 71">
+            <a:extLst>
+              <a:ext uri="{FF2B5EF4-FFF2-40B4-BE49-F238E27FC236}">
+                <a16:creationId xmlns:a16="http://schemas.microsoft.com/office/drawing/2014/main" id="{6A04B6E6-D054-4191-8A9E-659E814163A6}"/>
+              </a:ext>
+            </a:extLst>
+          </p:cNvPr>
+          <p:cNvSpPr/>
+          <p:nvPr/>
+        </p:nvSpPr>
+        <p:spPr>
+          <a:xfrm>
+            <a:off x="624580" y="1789260"/>
+            <a:ext cx="974180" cy="622831"/>
+          </a:xfrm>
+          <a:prstGeom prst="ellipse">
+            <a:avLst/>
+          </a:prstGeom>
+          <a:solidFill>
+            <a:schemeClr val="bg1">
+              <a:lumMod val="50000"/>
+            </a:schemeClr>
+          </a:solidFill>
+          <a:ln>
+            <a:solidFill>
+              <a:schemeClr val="tx1">
+                <a:lumMod val="85000"/>
+                <a:lumOff val="15000"/>
+              </a:schemeClr>
+            </a:solidFill>
+          </a:ln>
+        </p:spPr>
+        <p:style>
+          <a:lnRef idx="1">
+            <a:schemeClr val="accent6"/>
+          </a:lnRef>
+          <a:fillRef idx="2">
+            <a:schemeClr val="accent6"/>
+          </a:fillRef>
+          <a:effectRef idx="1">
+            <a:schemeClr val="accent6"/>
+          </a:effectRef>
+          <a:fontRef idx="minor">
+            <a:schemeClr val="dk1"/>
+          </a:fontRef>
+        </p:style>
+        <p:txBody>
+          <a:bodyPr rtlCol="0" anchor="ctr"/>
+          <a:lstStyle/>
+          <a:p>
+            <a:pPr algn="ctr"/>
+            <a:r>
+              <a:rPr lang="ko-KR" altLang="en-US" sz="1300" dirty="0">
+                <a:solidFill>
+                  <a:schemeClr val="bg1"/>
+                </a:solidFill>
+              </a:rPr>
+              <a:t>동아리번호</a:t>
+            </a:r>
+          </a:p>
+        </p:txBody>
+      </p:sp>
+      <p:cxnSp>
+        <p:nvCxnSpPr>
+          <p:cNvPr id="75" name="직선 연결선 74">
+            <a:extLst>
+              <a:ext uri="{FF2B5EF4-FFF2-40B4-BE49-F238E27FC236}">
+                <a16:creationId xmlns:a16="http://schemas.microsoft.com/office/drawing/2014/main" id="{186982DF-514D-4620-8007-47993D0BC26F}"/>
+              </a:ext>
+            </a:extLst>
+          </p:cNvPr>
+          <p:cNvCxnSpPr>
+            <a:cxnSpLocks/>
+            <a:stCxn id="72" idx="5"/>
+            <a:endCxn id="72" idx="5"/>
+          </p:cNvCxnSpPr>
+          <p:nvPr/>
+        </p:nvCxnSpPr>
+        <p:spPr>
+          <a:xfrm>
+            <a:off x="1456095" y="2320880"/>
+            <a:ext cx="0" cy="0"/>
+          </a:xfrm>
+          <a:prstGeom prst="line">
+            <a:avLst/>
+          </a:prstGeom>
+          <a:ln>
+            <a:solidFill>
+              <a:schemeClr val="tx1">
+                <a:lumMod val="85000"/>
+                <a:lumOff val="15000"/>
+              </a:schemeClr>
+            </a:solidFill>
+          </a:ln>
+        </p:spPr>
+        <p:style>
+          <a:lnRef idx="1">
+            <a:schemeClr val="accent6"/>
+          </a:lnRef>
+          <a:fillRef idx="2">
+            <a:schemeClr val="accent6"/>
+          </a:fillRef>
+          <a:effectRef idx="1">
+            <a:schemeClr val="accent6"/>
+          </a:effectRef>
+          <a:fontRef idx="minor">
+            <a:schemeClr val="dk1"/>
+          </a:fontRef>
+        </p:style>
       </p:cxnSp>
       <p:sp>
         <p:nvSpPr>
-          <p:cNvPr id="66" name="타원 65">
-            <a:extLst>
-              <a:ext uri="{FF2B5EF4-FFF2-40B4-BE49-F238E27FC236}">
-                <a16:creationId xmlns:a16="http://schemas.microsoft.com/office/drawing/2014/main" id="{9889E1D4-1ECF-4D56-B14E-C799CD744781}"/>
+          <p:cNvPr id="77" name="타원 76">
+            <a:extLst>
+              <a:ext uri="{FF2B5EF4-FFF2-40B4-BE49-F238E27FC236}">
+                <a16:creationId xmlns:a16="http://schemas.microsoft.com/office/drawing/2014/main" id="{7091B35D-0F24-4705-BBDE-C8DC1E49557B}"/>
               </a:ext>
             </a:extLst>
           </p:cNvPr>
@@ -7857,8 +6597,424 @@
         </p:nvSpPr>
         <p:spPr>
           <a:xfrm>
-            <a:off x="2798889" y="2738871"/>
+            <a:off x="624579" y="3064704"/>
             <a:ext cx="974180" cy="393031"/>
+          </a:xfrm>
+          <a:prstGeom prst="ellipse">
+            <a:avLst/>
+          </a:prstGeom>
+          <a:solidFill>
+            <a:schemeClr val="bg1">
+              <a:lumMod val="50000"/>
+            </a:schemeClr>
+          </a:solidFill>
+          <a:ln>
+            <a:solidFill>
+              <a:schemeClr val="tx1">
+                <a:lumMod val="85000"/>
+                <a:lumOff val="15000"/>
+              </a:schemeClr>
+            </a:solidFill>
+          </a:ln>
+        </p:spPr>
+        <p:style>
+          <a:lnRef idx="1">
+            <a:schemeClr val="accent6"/>
+          </a:lnRef>
+          <a:fillRef idx="2">
+            <a:schemeClr val="accent6"/>
+          </a:fillRef>
+          <a:effectRef idx="1">
+            <a:schemeClr val="accent6"/>
+          </a:effectRef>
+          <a:fontRef idx="minor">
+            <a:schemeClr val="dk1"/>
+          </a:fontRef>
+        </p:style>
+        <p:txBody>
+          <a:bodyPr rtlCol="0" anchor="ctr"/>
+          <a:lstStyle/>
+          <a:p>
+            <a:pPr algn="ctr"/>
+            <a:r>
+              <a:rPr lang="ko-KR" altLang="en-US" sz="1300" dirty="0">
+                <a:solidFill>
+                  <a:schemeClr val="bg1"/>
+                </a:solidFill>
+              </a:rPr>
+              <a:t>작성자</a:t>
+            </a:r>
+          </a:p>
+        </p:txBody>
+      </p:sp>
+      <p:cxnSp>
+        <p:nvCxnSpPr>
+          <p:cNvPr id="78" name="직선 연결선 77">
+            <a:extLst>
+              <a:ext uri="{FF2B5EF4-FFF2-40B4-BE49-F238E27FC236}">
+                <a16:creationId xmlns:a16="http://schemas.microsoft.com/office/drawing/2014/main" id="{6A7ED836-5F5D-4DB6-AD22-2E93790305AB}"/>
+              </a:ext>
+            </a:extLst>
+          </p:cNvPr>
+          <p:cNvCxnSpPr>
+            <a:cxnSpLocks/>
+            <a:stCxn id="77" idx="5"/>
+            <a:endCxn id="77" idx="5"/>
+          </p:cNvCxnSpPr>
+          <p:nvPr/>
+        </p:nvCxnSpPr>
+        <p:spPr>
+          <a:xfrm>
+            <a:off x="1456094" y="3400177"/>
+            <a:ext cx="0" cy="0"/>
+          </a:xfrm>
+          <a:prstGeom prst="line">
+            <a:avLst/>
+          </a:prstGeom>
+          <a:ln>
+            <a:solidFill>
+              <a:schemeClr val="tx1">
+                <a:lumMod val="85000"/>
+                <a:lumOff val="15000"/>
+              </a:schemeClr>
+            </a:solidFill>
+          </a:ln>
+        </p:spPr>
+        <p:style>
+          <a:lnRef idx="1">
+            <a:schemeClr val="accent6"/>
+          </a:lnRef>
+          <a:fillRef idx="2">
+            <a:schemeClr val="accent6"/>
+          </a:fillRef>
+          <a:effectRef idx="1">
+            <a:schemeClr val="accent6"/>
+          </a:effectRef>
+          <a:fontRef idx="minor">
+            <a:schemeClr val="dk1"/>
+          </a:fontRef>
+        </p:style>
+      </p:cxnSp>
+      <p:sp>
+        <p:nvSpPr>
+          <p:cNvPr id="79" name="타원 78">
+            <a:extLst>
+              <a:ext uri="{FF2B5EF4-FFF2-40B4-BE49-F238E27FC236}">
+                <a16:creationId xmlns:a16="http://schemas.microsoft.com/office/drawing/2014/main" id="{FCCEBDA0-7435-4F8F-99AF-A8255FE4ECA3}"/>
+              </a:ext>
+            </a:extLst>
+          </p:cNvPr>
+          <p:cNvSpPr/>
+          <p:nvPr/>
+        </p:nvSpPr>
+        <p:spPr>
+          <a:xfrm>
+            <a:off x="616758" y="3635106"/>
+            <a:ext cx="974180" cy="393031"/>
+          </a:xfrm>
+          <a:prstGeom prst="ellipse">
+            <a:avLst/>
+          </a:prstGeom>
+          <a:solidFill>
+            <a:schemeClr val="bg1">
+              <a:lumMod val="50000"/>
+            </a:schemeClr>
+          </a:solidFill>
+          <a:ln>
+            <a:solidFill>
+              <a:schemeClr val="tx1">
+                <a:lumMod val="85000"/>
+                <a:lumOff val="15000"/>
+              </a:schemeClr>
+            </a:solidFill>
+          </a:ln>
+        </p:spPr>
+        <p:style>
+          <a:lnRef idx="1">
+            <a:schemeClr val="accent6"/>
+          </a:lnRef>
+          <a:fillRef idx="2">
+            <a:schemeClr val="accent6"/>
+          </a:fillRef>
+          <a:effectRef idx="1">
+            <a:schemeClr val="accent6"/>
+          </a:effectRef>
+          <a:fontRef idx="minor">
+            <a:schemeClr val="dk1"/>
+          </a:fontRef>
+        </p:style>
+        <p:txBody>
+          <a:bodyPr rtlCol="0" anchor="ctr"/>
+          <a:lstStyle/>
+          <a:p>
+            <a:pPr algn="ctr"/>
+            <a:r>
+              <a:rPr lang="ko-KR" altLang="en-US" sz="1300" dirty="0">
+                <a:solidFill>
+                  <a:schemeClr val="bg1"/>
+                </a:solidFill>
+              </a:rPr>
+              <a:t>내용</a:t>
+            </a:r>
+          </a:p>
+        </p:txBody>
+      </p:sp>
+      <p:sp>
+        <p:nvSpPr>
+          <p:cNvPr id="80" name="타원 79">
+            <a:extLst>
+              <a:ext uri="{FF2B5EF4-FFF2-40B4-BE49-F238E27FC236}">
+                <a16:creationId xmlns:a16="http://schemas.microsoft.com/office/drawing/2014/main" id="{F1CFA7EF-7B90-463E-A371-91D2994D5C42}"/>
+              </a:ext>
+            </a:extLst>
+          </p:cNvPr>
+          <p:cNvSpPr/>
+          <p:nvPr/>
+        </p:nvSpPr>
+        <p:spPr>
+          <a:xfrm>
+            <a:off x="630120" y="2541750"/>
+            <a:ext cx="974180" cy="393031"/>
+          </a:xfrm>
+          <a:prstGeom prst="ellipse">
+            <a:avLst/>
+          </a:prstGeom>
+          <a:solidFill>
+            <a:schemeClr val="bg1">
+              <a:lumMod val="50000"/>
+            </a:schemeClr>
+          </a:solidFill>
+          <a:ln>
+            <a:solidFill>
+              <a:schemeClr val="tx1">
+                <a:lumMod val="85000"/>
+                <a:lumOff val="15000"/>
+              </a:schemeClr>
+            </a:solidFill>
+          </a:ln>
+        </p:spPr>
+        <p:style>
+          <a:lnRef idx="1">
+            <a:schemeClr val="accent6"/>
+          </a:lnRef>
+          <a:fillRef idx="2">
+            <a:schemeClr val="accent6"/>
+          </a:fillRef>
+          <a:effectRef idx="1">
+            <a:schemeClr val="accent6"/>
+          </a:effectRef>
+          <a:fontRef idx="minor">
+            <a:schemeClr val="dk1"/>
+          </a:fontRef>
+        </p:style>
+        <p:txBody>
+          <a:bodyPr rtlCol="0" anchor="ctr"/>
+          <a:lstStyle/>
+          <a:p>
+            <a:pPr algn="ctr"/>
+            <a:r>
+              <a:rPr lang="ko-KR" altLang="en-US" sz="1300" dirty="0">
+                <a:solidFill>
+                  <a:schemeClr val="bg1"/>
+                </a:solidFill>
+              </a:rPr>
+              <a:t>제목</a:t>
+            </a:r>
+          </a:p>
+        </p:txBody>
+      </p:sp>
+      <p:cxnSp>
+        <p:nvCxnSpPr>
+          <p:cNvPr id="95" name="직선 연결선 94">
+            <a:extLst>
+              <a:ext uri="{FF2B5EF4-FFF2-40B4-BE49-F238E27FC236}">
+                <a16:creationId xmlns:a16="http://schemas.microsoft.com/office/drawing/2014/main" id="{BADEECF7-887C-4237-A027-8539227E7507}"/>
+              </a:ext>
+            </a:extLst>
+          </p:cNvPr>
+          <p:cNvCxnSpPr>
+            <a:cxnSpLocks/>
+          </p:cNvCxnSpPr>
+          <p:nvPr/>
+        </p:nvCxnSpPr>
+        <p:spPr>
+          <a:xfrm>
+            <a:off x="593209" y="1502977"/>
+            <a:ext cx="828294" cy="1201"/>
+          </a:xfrm>
+          <a:prstGeom prst="line">
+            <a:avLst/>
+          </a:prstGeom>
+          <a:ln w="38100">
+            <a:solidFill>
+              <a:schemeClr val="bg1"/>
+            </a:solidFill>
+          </a:ln>
+        </p:spPr>
+        <p:style>
+          <a:lnRef idx="3">
+            <a:schemeClr val="accent2"/>
+          </a:lnRef>
+          <a:fillRef idx="0">
+            <a:schemeClr val="accent2"/>
+          </a:fillRef>
+          <a:effectRef idx="2">
+            <a:schemeClr val="accent2"/>
+          </a:effectRef>
+          <a:fontRef idx="minor">
+            <a:schemeClr val="tx1"/>
+          </a:fontRef>
+        </p:style>
+      </p:cxnSp>
+      <p:sp>
+        <p:nvSpPr>
+          <p:cNvPr id="103" name="타원 102">
+            <a:extLst>
+              <a:ext uri="{FF2B5EF4-FFF2-40B4-BE49-F238E27FC236}">
+                <a16:creationId xmlns:a16="http://schemas.microsoft.com/office/drawing/2014/main" id="{4D321BCD-E5FB-4EA0-837E-C8BC809F5C65}"/>
+              </a:ext>
+            </a:extLst>
+          </p:cNvPr>
+          <p:cNvSpPr/>
+          <p:nvPr/>
+        </p:nvSpPr>
+        <p:spPr>
+          <a:xfrm>
+            <a:off x="689204" y="4224254"/>
+            <a:ext cx="784164" cy="583866"/>
+          </a:xfrm>
+          <a:prstGeom prst="ellipse">
+            <a:avLst/>
+          </a:prstGeom>
+          <a:solidFill>
+            <a:schemeClr val="bg1">
+              <a:lumMod val="50000"/>
+            </a:schemeClr>
+          </a:solidFill>
+          <a:ln>
+            <a:solidFill>
+              <a:schemeClr val="tx1">
+                <a:lumMod val="85000"/>
+                <a:lumOff val="15000"/>
+              </a:schemeClr>
+            </a:solidFill>
+          </a:ln>
+        </p:spPr>
+        <p:style>
+          <a:lnRef idx="1">
+            <a:schemeClr val="accent6"/>
+          </a:lnRef>
+          <a:fillRef idx="2">
+            <a:schemeClr val="accent6"/>
+          </a:fillRef>
+          <a:effectRef idx="1">
+            <a:schemeClr val="accent6"/>
+          </a:effectRef>
+          <a:fontRef idx="minor">
+            <a:schemeClr val="dk1"/>
+          </a:fontRef>
+        </p:style>
+        <p:txBody>
+          <a:bodyPr rtlCol="0" anchor="ctr"/>
+          <a:lstStyle/>
+          <a:p>
+            <a:pPr algn="ctr"/>
+            <a:r>
+              <a:rPr lang="ko-KR" altLang="en-US" sz="1300">
+                <a:solidFill>
+                  <a:schemeClr val="bg1"/>
+                </a:solidFill>
+              </a:rPr>
+              <a:t>첨부파일</a:t>
+            </a:r>
+            <a:endParaRPr lang="ko-KR" altLang="en-US" sz="1300" dirty="0">
+              <a:solidFill>
+                <a:schemeClr val="bg1"/>
+              </a:solidFill>
+            </a:endParaRPr>
+          </a:p>
+        </p:txBody>
+      </p:sp>
+      <p:sp>
+        <p:nvSpPr>
+          <p:cNvPr id="104" name="타원 103">
+            <a:extLst>
+              <a:ext uri="{FF2B5EF4-FFF2-40B4-BE49-F238E27FC236}">
+                <a16:creationId xmlns:a16="http://schemas.microsoft.com/office/drawing/2014/main" id="{B6331220-8099-4226-A881-B96CFFDBBF7F}"/>
+              </a:ext>
+            </a:extLst>
+          </p:cNvPr>
+          <p:cNvSpPr/>
+          <p:nvPr/>
+        </p:nvSpPr>
+        <p:spPr>
+          <a:xfrm>
+            <a:off x="725741" y="4970983"/>
+            <a:ext cx="784164" cy="583866"/>
+          </a:xfrm>
+          <a:prstGeom prst="ellipse">
+            <a:avLst/>
+          </a:prstGeom>
+          <a:solidFill>
+            <a:schemeClr val="bg1">
+              <a:lumMod val="50000"/>
+            </a:schemeClr>
+          </a:solidFill>
+          <a:ln>
+            <a:solidFill>
+              <a:schemeClr val="tx1">
+                <a:lumMod val="85000"/>
+                <a:lumOff val="15000"/>
+              </a:schemeClr>
+            </a:solidFill>
+          </a:ln>
+        </p:spPr>
+        <p:style>
+          <a:lnRef idx="1">
+            <a:schemeClr val="accent6"/>
+          </a:lnRef>
+          <a:fillRef idx="2">
+            <a:schemeClr val="accent6"/>
+          </a:fillRef>
+          <a:effectRef idx="1">
+            <a:schemeClr val="accent6"/>
+          </a:effectRef>
+          <a:fontRef idx="minor">
+            <a:schemeClr val="dk1"/>
+          </a:fontRef>
+        </p:style>
+        <p:txBody>
+          <a:bodyPr rtlCol="0" anchor="ctr"/>
+          <a:lstStyle/>
+          <a:p>
+            <a:pPr algn="ctr"/>
+            <a:r>
+              <a:rPr lang="ko-KR" altLang="en-US" sz="1300" dirty="0">
+                <a:solidFill>
+                  <a:schemeClr val="bg1"/>
+                </a:solidFill>
+              </a:rPr>
+              <a:t>작성날짜</a:t>
+            </a:r>
+          </a:p>
+        </p:txBody>
+      </p:sp>
+      <p:sp>
+        <p:nvSpPr>
+          <p:cNvPr id="106" name="타원 105">
+            <a:extLst>
+              <a:ext uri="{FF2B5EF4-FFF2-40B4-BE49-F238E27FC236}">
+                <a16:creationId xmlns:a16="http://schemas.microsoft.com/office/drawing/2014/main" id="{C96F7D15-DC09-40E8-9C7B-7274F48D5725}"/>
+              </a:ext>
+            </a:extLst>
+          </p:cNvPr>
+          <p:cNvSpPr/>
+          <p:nvPr/>
+        </p:nvSpPr>
+        <p:spPr>
+          <a:xfrm>
+            <a:off x="2887910" y="1074270"/>
+            <a:ext cx="742646" cy="620427"/>
           </a:xfrm>
           <a:prstGeom prst="ellipse">
             <a:avLst/>
@@ -7901,64 +7057,17 @@
                   <a:schemeClr val="bg1"/>
                 </a:solidFill>
               </a:rPr>
-              <a:t>작성자</a:t>
-            </a:r>
-          </a:p>
-        </p:txBody>
-      </p:sp>
-      <p:cxnSp>
-        <p:nvCxnSpPr>
-          <p:cNvPr id="67" name="직선 연결선 66">
-            <a:extLst>
-              <a:ext uri="{FF2B5EF4-FFF2-40B4-BE49-F238E27FC236}">
-                <a16:creationId xmlns:a16="http://schemas.microsoft.com/office/drawing/2014/main" id="{D5FE5B45-393B-4D3B-AA12-B77FBAE67348}"/>
-              </a:ext>
-            </a:extLst>
-          </p:cNvPr>
-          <p:cNvCxnSpPr>
-            <a:cxnSpLocks/>
-            <a:stCxn id="66" idx="5"/>
-            <a:endCxn id="66" idx="5"/>
-          </p:cNvCxnSpPr>
-          <p:nvPr/>
-        </p:nvCxnSpPr>
-        <p:spPr>
-          <a:xfrm>
-            <a:off x="3630404" y="3074344"/>
-            <a:ext cx="0" cy="0"/>
-          </a:xfrm>
-          <a:prstGeom prst="line">
-            <a:avLst/>
-          </a:prstGeom>
-          <a:ln>
-            <a:solidFill>
-              <a:schemeClr val="accent1">
-                <a:lumMod val="50000"/>
-              </a:schemeClr>
-            </a:solidFill>
-          </a:ln>
-        </p:spPr>
-        <p:style>
-          <a:lnRef idx="1">
-            <a:schemeClr val="accent6"/>
-          </a:lnRef>
-          <a:fillRef idx="2">
-            <a:schemeClr val="accent6"/>
-          </a:fillRef>
-          <a:effectRef idx="1">
-            <a:schemeClr val="accent6"/>
-          </a:effectRef>
-          <a:fontRef idx="minor">
-            <a:schemeClr val="dk1"/>
-          </a:fontRef>
-        </p:style>
-      </p:cxnSp>
-      <p:sp>
-        <p:nvSpPr>
-          <p:cNvPr id="68" name="타원 67">
-            <a:extLst>
-              <a:ext uri="{FF2B5EF4-FFF2-40B4-BE49-F238E27FC236}">
-                <a16:creationId xmlns:a16="http://schemas.microsoft.com/office/drawing/2014/main" id="{30CAD507-09A9-4BFC-B8B6-3477C954D283}"/>
+              <a:t>게시번호</a:t>
+            </a:r>
+          </a:p>
+        </p:txBody>
+      </p:sp>
+      <p:sp>
+        <p:nvSpPr>
+          <p:cNvPr id="107" name="타원 106">
+            <a:extLst>
+              <a:ext uri="{FF2B5EF4-FFF2-40B4-BE49-F238E27FC236}">
+                <a16:creationId xmlns:a16="http://schemas.microsoft.com/office/drawing/2014/main" id="{33D4E987-9F2B-409E-A0DE-C6FC622FFD78}"/>
               </a:ext>
             </a:extLst>
           </p:cNvPr>
@@ -7967,22 +7076,20 @@
         </p:nvSpPr>
         <p:spPr>
           <a:xfrm>
-            <a:off x="2791068" y="3309273"/>
-            <a:ext cx="974180" cy="393031"/>
+            <a:off x="4710304" y="1153874"/>
+            <a:ext cx="754685" cy="719325"/>
           </a:xfrm>
           <a:prstGeom prst="ellipse">
             <a:avLst/>
           </a:prstGeom>
           <a:solidFill>
-            <a:schemeClr val="accent1">
-              <a:lumMod val="75000"/>
-            </a:schemeClr>
+            <a:srgbClr val="990033">
+              <a:alpha val="69804"/>
+            </a:srgbClr>
           </a:solidFill>
           <a:ln>
             <a:solidFill>
-              <a:schemeClr val="accent1">
-                <a:lumMod val="50000"/>
-              </a:schemeClr>
+              <a:srgbClr val="990033"/>
             </a:solidFill>
           </a:ln>
         </p:spPr>
@@ -8011,17 +7118,17 @@
                   <a:schemeClr val="bg1"/>
                 </a:solidFill>
               </a:rPr>
-              <a:t>내용</a:t>
-            </a:r>
-          </a:p>
-        </p:txBody>
-      </p:sp>
-      <p:sp>
-        <p:nvSpPr>
-          <p:cNvPr id="69" name="타원 68">
-            <a:extLst>
-              <a:ext uri="{FF2B5EF4-FFF2-40B4-BE49-F238E27FC236}">
-                <a16:creationId xmlns:a16="http://schemas.microsoft.com/office/drawing/2014/main" id="{DDDB8AEE-2DE8-4C6A-ABEE-8BDE19C2EE6C}"/>
+              <a:t>게시번호</a:t>
+            </a:r>
+          </a:p>
+        </p:txBody>
+      </p:sp>
+      <p:sp>
+        <p:nvSpPr>
+          <p:cNvPr id="108" name="타원 107">
+            <a:extLst>
+              <a:ext uri="{FF2B5EF4-FFF2-40B4-BE49-F238E27FC236}">
+                <a16:creationId xmlns:a16="http://schemas.microsoft.com/office/drawing/2014/main" id="{FB666A0E-ED32-427C-8258-B24440D7C83C}"/>
               </a:ext>
             </a:extLst>
           </p:cNvPr>
@@ -8030,37 +7137,27 @@
         </p:nvSpPr>
         <p:spPr>
           <a:xfrm>
-            <a:off x="2804430" y="2215917"/>
-            <a:ext cx="974180" cy="393031"/>
+            <a:off x="6391383" y="1160375"/>
+            <a:ext cx="742646" cy="617889"/>
           </a:xfrm>
           <a:prstGeom prst="ellipse">
             <a:avLst/>
           </a:prstGeom>
-          <a:solidFill>
-            <a:schemeClr val="accent1">
-              <a:lumMod val="75000"/>
+        </p:spPr>
+        <p:style>
+          <a:lnRef idx="2">
+            <a:schemeClr val="accent2">
+              <a:shade val="50000"/>
             </a:schemeClr>
-          </a:solidFill>
-          <a:ln>
-            <a:solidFill>
-              <a:schemeClr val="accent1">
-                <a:lumMod val="50000"/>
-              </a:schemeClr>
-            </a:solidFill>
-          </a:ln>
-        </p:spPr>
-        <p:style>
-          <a:lnRef idx="1">
-            <a:schemeClr val="accent6"/>
-          </a:lnRef>
-          <a:fillRef idx="2">
-            <a:schemeClr val="accent6"/>
-          </a:fillRef>
-          <a:effectRef idx="1">
-            <a:schemeClr val="accent6"/>
-          </a:effectRef>
-          <a:fontRef idx="minor">
-            <a:schemeClr val="dk1"/>
+          </a:lnRef>
+          <a:fillRef idx="1">
+            <a:schemeClr val="accent2"/>
+          </a:fillRef>
+          <a:effectRef idx="0">
+            <a:schemeClr val="accent2"/>
+          </a:effectRef>
+          <a:fontRef idx="minor">
+            <a:schemeClr val="lt1"/>
           </a:fontRef>
         </p:style>
         <p:txBody>
@@ -8069,216 +7166,18 @@
           <a:p>
             <a:pPr algn="ctr"/>
             <a:r>
-              <a:rPr lang="ko-KR" altLang="en-US" sz="1300" dirty="0">
-                <a:solidFill>
-                  <a:schemeClr val="bg1"/>
-                </a:solidFill>
-              </a:rPr>
-              <a:t>제목</a:t>
-            </a:r>
-          </a:p>
-        </p:txBody>
-      </p:sp>
-      <p:sp>
-        <p:nvSpPr>
-          <p:cNvPr id="70" name="타원 69">
-            <a:extLst>
-              <a:ext uri="{FF2B5EF4-FFF2-40B4-BE49-F238E27FC236}">
-                <a16:creationId xmlns:a16="http://schemas.microsoft.com/office/drawing/2014/main" id="{F182C6BA-B77C-4A8D-B0F5-DC4CB76D771F}"/>
-              </a:ext>
-            </a:extLst>
-          </p:cNvPr>
-          <p:cNvSpPr/>
-          <p:nvPr/>
-        </p:nvSpPr>
-        <p:spPr>
-          <a:xfrm>
-            <a:off x="2872285" y="3911061"/>
-            <a:ext cx="841715" cy="488230"/>
-          </a:xfrm>
-          <a:prstGeom prst="ellipse">
-            <a:avLst/>
-          </a:prstGeom>
-          <a:solidFill>
-            <a:schemeClr val="accent1">
-              <a:lumMod val="75000"/>
-            </a:schemeClr>
-          </a:solidFill>
-          <a:ln>
-            <a:solidFill>
-              <a:schemeClr val="accent1">
-                <a:lumMod val="50000"/>
-              </a:schemeClr>
-            </a:solidFill>
-          </a:ln>
-        </p:spPr>
-        <p:style>
-          <a:lnRef idx="1">
-            <a:schemeClr val="accent6"/>
-          </a:lnRef>
-          <a:fillRef idx="2">
-            <a:schemeClr val="accent6"/>
-          </a:fillRef>
-          <a:effectRef idx="1">
-            <a:schemeClr val="accent6"/>
-          </a:effectRef>
-          <a:fontRef idx="minor">
-            <a:schemeClr val="dk1"/>
-          </a:fontRef>
-        </p:style>
-        <p:txBody>
-          <a:bodyPr rtlCol="0" anchor="ctr"/>
-          <a:lstStyle/>
-          <a:p>
-            <a:pPr algn="ctr"/>
-            <a:r>
-              <a:rPr lang="ko-KR" altLang="en-US" sz="1300" dirty="0">
-                <a:solidFill>
-                  <a:schemeClr val="bg1"/>
-                </a:solidFill>
-              </a:rPr>
-              <a:t>첨부파일</a:t>
-            </a:r>
-          </a:p>
-        </p:txBody>
-      </p:sp>
-      <p:sp>
-        <p:nvSpPr>
-          <p:cNvPr id="71" name="타원 70">
-            <a:extLst>
-              <a:ext uri="{FF2B5EF4-FFF2-40B4-BE49-F238E27FC236}">
-                <a16:creationId xmlns:a16="http://schemas.microsoft.com/office/drawing/2014/main" id="{B90952E5-7040-4866-BCA7-1B5B91D06AA5}"/>
-              </a:ext>
-            </a:extLst>
-          </p:cNvPr>
-          <p:cNvSpPr/>
-          <p:nvPr/>
-        </p:nvSpPr>
-        <p:spPr>
-          <a:xfrm>
-            <a:off x="2892993" y="4516187"/>
-            <a:ext cx="742646" cy="488230"/>
-          </a:xfrm>
-          <a:prstGeom prst="ellipse">
-            <a:avLst/>
-          </a:prstGeom>
-          <a:solidFill>
-            <a:schemeClr val="accent1">
-              <a:lumMod val="75000"/>
-            </a:schemeClr>
-          </a:solidFill>
-          <a:ln>
-            <a:solidFill>
-              <a:schemeClr val="accent1">
-                <a:lumMod val="50000"/>
-              </a:schemeClr>
-            </a:solidFill>
-          </a:ln>
-        </p:spPr>
-        <p:style>
-          <a:lnRef idx="1">
-            <a:schemeClr val="accent6"/>
-          </a:lnRef>
-          <a:fillRef idx="2">
-            <a:schemeClr val="accent6"/>
-          </a:fillRef>
-          <a:effectRef idx="1">
-            <a:schemeClr val="accent6"/>
-          </a:effectRef>
-          <a:fontRef idx="minor">
-            <a:schemeClr val="dk1"/>
-          </a:fontRef>
-        </p:style>
-        <p:txBody>
-          <a:bodyPr rtlCol="0" anchor="ctr"/>
-          <a:lstStyle/>
-          <a:p>
-            <a:pPr algn="ctr"/>
-            <a:r>
-              <a:rPr lang="ko-KR" altLang="en-US" sz="1300">
-                <a:solidFill>
-                  <a:schemeClr val="bg1"/>
-                </a:solidFill>
-              </a:rPr>
-              <a:t>작성날짜</a:t>
-            </a:r>
-            <a:endParaRPr lang="ko-KR" altLang="en-US" sz="1300" dirty="0">
-              <a:solidFill>
-                <a:schemeClr val="bg1"/>
-              </a:solidFill>
-            </a:endParaRPr>
-          </a:p>
-        </p:txBody>
-      </p:sp>
-      <p:sp>
-        <p:nvSpPr>
-          <p:cNvPr id="73" name="타원 72">
-            <a:extLst>
-              <a:ext uri="{FF2B5EF4-FFF2-40B4-BE49-F238E27FC236}">
-                <a16:creationId xmlns:a16="http://schemas.microsoft.com/office/drawing/2014/main" id="{80CE748D-119C-46B5-AE6F-5D8D3B1910AA}"/>
-              </a:ext>
-            </a:extLst>
-          </p:cNvPr>
-          <p:cNvSpPr/>
-          <p:nvPr/>
-        </p:nvSpPr>
-        <p:spPr>
-          <a:xfrm>
-            <a:off x="2981308" y="5669518"/>
-            <a:ext cx="726485" cy="488230"/>
-          </a:xfrm>
-          <a:prstGeom prst="ellipse">
-            <a:avLst/>
-          </a:prstGeom>
-          <a:solidFill>
-            <a:schemeClr val="accent1">
-              <a:lumMod val="75000"/>
-            </a:schemeClr>
-          </a:solidFill>
-          <a:ln>
-            <a:solidFill>
-              <a:schemeClr val="accent1">
-                <a:lumMod val="50000"/>
-              </a:schemeClr>
-            </a:solidFill>
-          </a:ln>
-        </p:spPr>
-        <p:style>
-          <a:lnRef idx="1">
-            <a:schemeClr val="accent6"/>
-          </a:lnRef>
-          <a:fillRef idx="2">
-            <a:schemeClr val="accent6"/>
-          </a:fillRef>
-          <a:effectRef idx="1">
-            <a:schemeClr val="accent6"/>
-          </a:effectRef>
-          <a:fontRef idx="minor">
-            <a:schemeClr val="dk1"/>
-          </a:fontRef>
-        </p:style>
-        <p:txBody>
-          <a:bodyPr rtlCol="0" anchor="ctr"/>
-          <a:lstStyle/>
-          <a:p>
-            <a:pPr algn="ctr"/>
-            <a:r>
-              <a:rPr lang="ko-KR" altLang="en-US" sz="1300" dirty="0">
-                <a:solidFill>
-                  <a:schemeClr val="bg1"/>
-                </a:solidFill>
-              </a:rPr>
-              <a:t>시작시간</a:t>
+              <a:rPr lang="ko-KR" altLang="en-US" sz="1300" dirty="0"/>
+              <a:t>게시번호</a:t>
             </a:r>
           </a:p>
         </p:txBody>
       </p:sp>
       <p:cxnSp>
         <p:nvCxnSpPr>
-          <p:cNvPr id="74" name="직선 연결선 73">
-            <a:extLst>
-              <a:ext uri="{FF2B5EF4-FFF2-40B4-BE49-F238E27FC236}">
-                <a16:creationId xmlns:a16="http://schemas.microsoft.com/office/drawing/2014/main" id="{5F752AE8-3236-4690-B61D-FAF8A7D64E03}"/>
+          <p:cNvPr id="109" name="직선 연결선 108">
+            <a:extLst>
+              <a:ext uri="{FF2B5EF4-FFF2-40B4-BE49-F238E27FC236}">
+                <a16:creationId xmlns:a16="http://schemas.microsoft.com/office/drawing/2014/main" id="{8675BEA3-1F7A-401F-AE76-648843FC7D1E}"/>
               </a:ext>
             </a:extLst>
           </p:cNvPr>
@@ -8289,7 +7188,7 @@
         </p:nvCxnSpPr>
         <p:spPr>
           <a:xfrm>
-            <a:off x="2917518" y="1227864"/>
+            <a:off x="2812100" y="1611322"/>
             <a:ext cx="828294" cy="1201"/>
           </a:xfrm>
           <a:prstGeom prst="line">
@@ -8316,69 +7215,92 @@
           </a:fontRef>
         </p:style>
       </p:cxnSp>
-      <p:sp>
-        <p:nvSpPr>
-          <p:cNvPr id="76" name="타원 75">
-            <a:extLst>
-              <a:ext uri="{FF2B5EF4-FFF2-40B4-BE49-F238E27FC236}">
-                <a16:creationId xmlns:a16="http://schemas.microsoft.com/office/drawing/2014/main" id="{0DE6AF20-57FD-46E2-B4A4-FB1017D054A0}"/>
-              </a:ext>
-            </a:extLst>
-          </p:cNvPr>
-          <p:cNvSpPr/>
-          <p:nvPr/>
-        </p:nvSpPr>
-        <p:spPr>
-          <a:xfrm>
-            <a:off x="2965147" y="5066619"/>
-            <a:ext cx="742646" cy="488230"/>
-          </a:xfrm>
-          <a:prstGeom prst="ellipse">
-            <a:avLst/>
-          </a:prstGeom>
-          <a:solidFill>
-            <a:schemeClr val="accent1">
-              <a:lumMod val="75000"/>
-            </a:schemeClr>
-          </a:solidFill>
-          <a:ln>
+      <p:cxnSp>
+        <p:nvCxnSpPr>
+          <p:cNvPr id="110" name="직선 연결선 109">
+            <a:extLst>
+              <a:ext uri="{FF2B5EF4-FFF2-40B4-BE49-F238E27FC236}">
+                <a16:creationId xmlns:a16="http://schemas.microsoft.com/office/drawing/2014/main" id="{019C9144-2402-439D-B779-114E0B5EBE99}"/>
+              </a:ext>
+            </a:extLst>
+          </p:cNvPr>
+          <p:cNvCxnSpPr>
+            <a:cxnSpLocks/>
+          </p:cNvCxnSpPr>
+          <p:nvPr/>
+        </p:nvCxnSpPr>
+        <p:spPr>
+          <a:xfrm>
+            <a:off x="4664809" y="1763853"/>
+            <a:ext cx="845674" cy="6664"/>
+          </a:xfrm>
+          <a:prstGeom prst="line">
+            <a:avLst/>
+          </a:prstGeom>
+          <a:ln w="38100">
             <a:solidFill>
-              <a:schemeClr val="accent1">
-                <a:lumMod val="50000"/>
-              </a:schemeClr>
+              <a:schemeClr val="bg1"/>
             </a:solidFill>
           </a:ln>
         </p:spPr>
         <p:style>
-          <a:lnRef idx="1">
-            <a:schemeClr val="accent6"/>
-          </a:lnRef>
-          <a:fillRef idx="2">
-            <a:schemeClr val="accent6"/>
-          </a:fillRef>
-          <a:effectRef idx="1">
-            <a:schemeClr val="accent6"/>
-          </a:effectRef>
-          <a:fontRef idx="minor">
-            <a:schemeClr val="dk1"/>
-          </a:fontRef>
-        </p:style>
-        <p:txBody>
-          <a:bodyPr rtlCol="0" anchor="ctr"/>
-          <a:lstStyle/>
-          <a:p>
-            <a:pPr algn="ctr"/>
-            <a:r>
-              <a:rPr lang="ko-KR" altLang="en-US" sz="1300" dirty="0">
-                <a:solidFill>
-                  <a:schemeClr val="bg1"/>
-                </a:solidFill>
-              </a:rPr>
-              <a:t>공개여부</a:t>
-            </a:r>
-          </a:p>
-        </p:txBody>
-      </p:sp>
+          <a:lnRef idx="3">
+            <a:schemeClr val="accent2"/>
+          </a:lnRef>
+          <a:fillRef idx="0">
+            <a:schemeClr val="accent2"/>
+          </a:fillRef>
+          <a:effectRef idx="2">
+            <a:schemeClr val="accent2"/>
+          </a:effectRef>
+          <a:fontRef idx="minor">
+            <a:schemeClr val="tx1"/>
+          </a:fontRef>
+        </p:style>
+      </p:cxnSp>
+      <p:cxnSp>
+        <p:nvCxnSpPr>
+          <p:cNvPr id="111" name="직선 연결선 110">
+            <a:extLst>
+              <a:ext uri="{FF2B5EF4-FFF2-40B4-BE49-F238E27FC236}">
+                <a16:creationId xmlns:a16="http://schemas.microsoft.com/office/drawing/2014/main" id="{B5BFCC1C-2D7A-4CDD-8393-B48D6C00F9B4}"/>
+              </a:ext>
+            </a:extLst>
+          </p:cNvPr>
+          <p:cNvCxnSpPr>
+            <a:cxnSpLocks/>
+          </p:cNvCxnSpPr>
+          <p:nvPr/>
+        </p:nvCxnSpPr>
+        <p:spPr>
+          <a:xfrm>
+            <a:off x="6282501" y="1705413"/>
+            <a:ext cx="845674" cy="6664"/>
+          </a:xfrm>
+          <a:prstGeom prst="line">
+            <a:avLst/>
+          </a:prstGeom>
+          <a:ln w="38100">
+            <a:solidFill>
+              <a:schemeClr val="bg1"/>
+            </a:solidFill>
+          </a:ln>
+        </p:spPr>
+        <p:style>
+          <a:lnRef idx="3">
+            <a:schemeClr val="accent2"/>
+          </a:lnRef>
+          <a:fillRef idx="0">
+            <a:schemeClr val="accent2"/>
+          </a:fillRef>
+          <a:effectRef idx="2">
+            <a:schemeClr val="accent2"/>
+          </a:effectRef>
+          <a:fontRef idx="minor">
+            <a:schemeClr val="tx1"/>
+          </a:fontRef>
+        </p:style>
+      </p:cxnSp>
     </p:spTree>
     <p:extLst>
       <p:ext uri="{BB962C8B-B14F-4D97-AF65-F5344CB8AC3E}">
@@ -8411,341 +7333,6 @@
       </p:grpSpPr>
       <p:cxnSp>
         <p:nvCxnSpPr>
-          <p:cNvPr id="2" name="직선 연결선 1">
-            <a:extLst>
-              <a:ext uri="{FF2B5EF4-FFF2-40B4-BE49-F238E27FC236}">
-                <a16:creationId xmlns:a16="http://schemas.microsoft.com/office/drawing/2014/main" id="{605988A2-15B2-43B4-9C7F-986E521D5708}"/>
-              </a:ext>
-            </a:extLst>
-          </p:cNvPr>
-          <p:cNvCxnSpPr>
-            <a:cxnSpLocks/>
-            <a:stCxn id="4" idx="2"/>
-          </p:cNvCxnSpPr>
-          <p:nvPr/>
-        </p:nvCxnSpPr>
-        <p:spPr>
-          <a:xfrm>
-            <a:off x="3270337" y="938461"/>
-            <a:ext cx="42224" cy="5336183"/>
-          </a:xfrm>
-          <a:prstGeom prst="line">
-            <a:avLst/>
-          </a:prstGeom>
-          <a:ln>
-            <a:solidFill>
-              <a:schemeClr val="accent1">
-                <a:lumMod val="50000"/>
-              </a:schemeClr>
-            </a:solidFill>
-          </a:ln>
-        </p:spPr>
-        <p:style>
-          <a:lnRef idx="1">
-            <a:schemeClr val="accent6"/>
-          </a:lnRef>
-          <a:fillRef idx="2">
-            <a:schemeClr val="accent6"/>
-          </a:fillRef>
-          <a:effectRef idx="1">
-            <a:schemeClr val="accent6"/>
-          </a:effectRef>
-          <a:fontRef idx="minor">
-            <a:schemeClr val="dk1"/>
-          </a:fontRef>
-        </p:style>
-      </p:cxnSp>
-      <p:sp>
-        <p:nvSpPr>
-          <p:cNvPr id="3" name="타원 2">
-            <a:extLst>
-              <a:ext uri="{FF2B5EF4-FFF2-40B4-BE49-F238E27FC236}">
-                <a16:creationId xmlns:a16="http://schemas.microsoft.com/office/drawing/2014/main" id="{010BD411-9372-4119-861B-E8496545F575}"/>
-              </a:ext>
-            </a:extLst>
-          </p:cNvPr>
-          <p:cNvSpPr/>
-          <p:nvPr/>
-        </p:nvSpPr>
-        <p:spPr>
-          <a:xfrm>
-            <a:off x="2792184" y="1074270"/>
-            <a:ext cx="974180" cy="719325"/>
-          </a:xfrm>
-          <a:prstGeom prst="ellipse">
-            <a:avLst/>
-          </a:prstGeom>
-          <a:solidFill>
-            <a:schemeClr val="accent1">
-              <a:lumMod val="75000"/>
-            </a:schemeClr>
-          </a:solidFill>
-          <a:ln>
-            <a:solidFill>
-              <a:schemeClr val="accent1">
-                <a:lumMod val="50000"/>
-              </a:schemeClr>
-            </a:solidFill>
-          </a:ln>
-        </p:spPr>
-        <p:style>
-          <a:lnRef idx="1">
-            <a:schemeClr val="accent6"/>
-          </a:lnRef>
-          <a:fillRef idx="2">
-            <a:schemeClr val="accent6"/>
-          </a:fillRef>
-          <a:effectRef idx="1">
-            <a:schemeClr val="accent6"/>
-          </a:effectRef>
-          <a:fontRef idx="minor">
-            <a:schemeClr val="dk1"/>
-          </a:fontRef>
-        </p:style>
-        <p:txBody>
-          <a:bodyPr rtlCol="0" anchor="ctr"/>
-          <a:lstStyle/>
-          <a:p>
-            <a:pPr algn="ctr"/>
-            <a:r>
-              <a:rPr lang="ko-KR" altLang="en-US" sz="1300" dirty="0" err="1">
-                <a:solidFill>
-                  <a:schemeClr val="bg1"/>
-                </a:solidFill>
-              </a:rPr>
-              <a:t>게시글번호</a:t>
-            </a:r>
-            <a:endParaRPr lang="ko-KR" altLang="en-US" sz="1300" dirty="0">
-              <a:solidFill>
-                <a:schemeClr val="bg1"/>
-              </a:solidFill>
-            </a:endParaRPr>
-          </a:p>
-        </p:txBody>
-      </p:sp>
-      <p:sp>
-        <p:nvSpPr>
-          <p:cNvPr id="4" name="직사각형 3">
-            <a:extLst>
-              <a:ext uri="{FF2B5EF4-FFF2-40B4-BE49-F238E27FC236}">
-                <a16:creationId xmlns:a16="http://schemas.microsoft.com/office/drawing/2014/main" id="{88716C7A-B007-4908-8FB1-3FB8B1585293}"/>
-              </a:ext>
-            </a:extLst>
-          </p:cNvPr>
-          <p:cNvSpPr/>
-          <p:nvPr/>
-        </p:nvSpPr>
-        <p:spPr>
-          <a:xfrm>
-            <a:off x="2708863" y="545431"/>
-            <a:ext cx="1122947" cy="393030"/>
-          </a:xfrm>
-          <a:prstGeom prst="rect">
-            <a:avLst/>
-          </a:prstGeom>
-          <a:solidFill>
-            <a:schemeClr val="accent1">
-              <a:lumMod val="75000"/>
-            </a:schemeClr>
-          </a:solidFill>
-          <a:ln>
-            <a:solidFill>
-              <a:schemeClr val="accent1">
-                <a:lumMod val="50000"/>
-              </a:schemeClr>
-            </a:solidFill>
-          </a:ln>
-        </p:spPr>
-        <p:style>
-          <a:lnRef idx="1">
-            <a:schemeClr val="accent6"/>
-          </a:lnRef>
-          <a:fillRef idx="2">
-            <a:schemeClr val="accent6"/>
-          </a:fillRef>
-          <a:effectRef idx="1">
-            <a:schemeClr val="accent6"/>
-          </a:effectRef>
-          <a:fontRef idx="minor">
-            <a:schemeClr val="dk1"/>
-          </a:fontRef>
-        </p:style>
-        <p:txBody>
-          <a:bodyPr rtlCol="0" anchor="ctr"/>
-          <a:lstStyle/>
-          <a:p>
-            <a:pPr algn="ctr"/>
-            <a:r>
-              <a:rPr lang="ko-KR" altLang="en-US" sz="1300" dirty="0">
-                <a:solidFill>
-                  <a:schemeClr val="bg1"/>
-                </a:solidFill>
-              </a:rPr>
-              <a:t>커뮤니티</a:t>
-            </a:r>
-          </a:p>
-        </p:txBody>
-      </p:sp>
-      <p:sp>
-        <p:nvSpPr>
-          <p:cNvPr id="5" name="타원 4">
-            <a:extLst>
-              <a:ext uri="{FF2B5EF4-FFF2-40B4-BE49-F238E27FC236}">
-                <a16:creationId xmlns:a16="http://schemas.microsoft.com/office/drawing/2014/main" id="{335B486C-23C0-4DAC-A095-B921AD393BBE}"/>
-              </a:ext>
-            </a:extLst>
-          </p:cNvPr>
-          <p:cNvSpPr/>
-          <p:nvPr/>
-        </p:nvSpPr>
-        <p:spPr>
-          <a:xfrm>
-            <a:off x="2908393" y="1994527"/>
-            <a:ext cx="774591" cy="622831"/>
-          </a:xfrm>
-          <a:prstGeom prst="ellipse">
-            <a:avLst/>
-          </a:prstGeom>
-          <a:solidFill>
-            <a:schemeClr val="accent1">
-              <a:lumMod val="75000"/>
-            </a:schemeClr>
-          </a:solidFill>
-          <a:ln>
-            <a:solidFill>
-              <a:schemeClr val="accent1">
-                <a:lumMod val="50000"/>
-              </a:schemeClr>
-            </a:solidFill>
-          </a:ln>
-        </p:spPr>
-        <p:style>
-          <a:lnRef idx="1">
-            <a:schemeClr val="accent6"/>
-          </a:lnRef>
-          <a:fillRef idx="2">
-            <a:schemeClr val="accent6"/>
-          </a:fillRef>
-          <a:effectRef idx="1">
-            <a:schemeClr val="accent6"/>
-          </a:effectRef>
-          <a:fontRef idx="minor">
-            <a:schemeClr val="dk1"/>
-          </a:fontRef>
-        </p:style>
-        <p:txBody>
-          <a:bodyPr rtlCol="0" anchor="ctr"/>
-          <a:lstStyle/>
-          <a:p>
-            <a:pPr algn="ctr"/>
-            <a:r>
-              <a:rPr lang="ko-KR" altLang="en-US" sz="1300" dirty="0">
-                <a:solidFill>
-                  <a:schemeClr val="bg1"/>
-                </a:solidFill>
-              </a:rPr>
-              <a:t>분류번호</a:t>
-            </a:r>
-            <a:endParaRPr lang="en-US" altLang="ko-KR" sz="1300" dirty="0">
-              <a:solidFill>
-                <a:schemeClr val="bg1"/>
-              </a:solidFill>
-            </a:endParaRPr>
-          </a:p>
-        </p:txBody>
-      </p:sp>
-      <p:cxnSp>
-        <p:nvCxnSpPr>
-          <p:cNvPr id="7" name="직선 연결선 6">
-            <a:extLst>
-              <a:ext uri="{FF2B5EF4-FFF2-40B4-BE49-F238E27FC236}">
-                <a16:creationId xmlns:a16="http://schemas.microsoft.com/office/drawing/2014/main" id="{C5320C3F-8FBB-41E2-90A9-84542701F693}"/>
-              </a:ext>
-            </a:extLst>
-          </p:cNvPr>
-          <p:cNvCxnSpPr>
-            <a:cxnSpLocks/>
-            <a:stCxn id="5" idx="5"/>
-            <a:endCxn id="5" idx="5"/>
-          </p:cNvCxnSpPr>
-          <p:nvPr/>
-        </p:nvCxnSpPr>
-        <p:spPr>
-          <a:xfrm>
-            <a:off x="3569548" y="2526147"/>
-            <a:ext cx="0" cy="0"/>
-          </a:xfrm>
-          <a:prstGeom prst="line">
-            <a:avLst/>
-          </a:prstGeom>
-          <a:ln>
-            <a:solidFill>
-              <a:schemeClr val="accent1">
-                <a:lumMod val="50000"/>
-              </a:schemeClr>
-            </a:solidFill>
-          </a:ln>
-        </p:spPr>
-        <p:style>
-          <a:lnRef idx="1">
-            <a:schemeClr val="accent6"/>
-          </a:lnRef>
-          <a:fillRef idx="2">
-            <a:schemeClr val="accent6"/>
-          </a:fillRef>
-          <a:effectRef idx="1">
-            <a:schemeClr val="accent6"/>
-          </a:effectRef>
-          <a:fontRef idx="minor">
-            <a:schemeClr val="dk1"/>
-          </a:fontRef>
-        </p:style>
-      </p:cxnSp>
-      <p:cxnSp>
-        <p:nvCxnSpPr>
-          <p:cNvPr id="15" name="직선 연결선 14">
-            <a:extLst>
-              <a:ext uri="{FF2B5EF4-FFF2-40B4-BE49-F238E27FC236}">
-                <a16:creationId xmlns:a16="http://schemas.microsoft.com/office/drawing/2014/main" id="{B0CFBCF0-ACB4-4739-8C9A-4706797C66AE}"/>
-              </a:ext>
-            </a:extLst>
-          </p:cNvPr>
-          <p:cNvCxnSpPr>
-            <a:cxnSpLocks/>
-          </p:cNvCxnSpPr>
-          <p:nvPr/>
-        </p:nvCxnSpPr>
-        <p:spPr>
-          <a:xfrm>
-            <a:off x="2917518" y="1689506"/>
-            <a:ext cx="828294" cy="1201"/>
-          </a:xfrm>
-          <a:prstGeom prst="line">
-            <a:avLst/>
-          </a:prstGeom>
-          <a:ln w="38100">
-            <a:solidFill>
-              <a:schemeClr val="bg1"/>
-            </a:solidFill>
-          </a:ln>
-        </p:spPr>
-        <p:style>
-          <a:lnRef idx="3">
-            <a:schemeClr val="accent2"/>
-          </a:lnRef>
-          <a:fillRef idx="0">
-            <a:schemeClr val="accent2"/>
-          </a:fillRef>
-          <a:effectRef idx="2">
-            <a:schemeClr val="accent2"/>
-          </a:effectRef>
-          <a:fontRef idx="minor">
-            <a:schemeClr val="tx1"/>
-          </a:fontRef>
-        </p:style>
-      </p:cxnSp>
-      <p:cxnSp>
-        <p:nvCxnSpPr>
           <p:cNvPr id="16" name="직선 연결선 15">
             <a:extLst>
               <a:ext uri="{FF2B5EF4-FFF2-40B4-BE49-F238E27FC236}">
@@ -9369,10 +7956,123 @@
       </p:cxnSp>
       <p:sp>
         <p:nvSpPr>
-          <p:cNvPr id="33" name="타원 32">
-            <a:extLst>
-              <a:ext uri="{FF2B5EF4-FFF2-40B4-BE49-F238E27FC236}">
-                <a16:creationId xmlns:a16="http://schemas.microsoft.com/office/drawing/2014/main" id="{3535A310-B868-4AB5-AD8F-58488830AFF4}"/>
+          <p:cNvPr id="54" name="TextBox 53">
+            <a:extLst>
+              <a:ext uri="{FF2B5EF4-FFF2-40B4-BE49-F238E27FC236}">
+                <a16:creationId xmlns:a16="http://schemas.microsoft.com/office/drawing/2014/main" id="{CD487B78-FBF0-415C-A224-FB6D641C05FC}"/>
+              </a:ext>
+            </a:extLst>
+          </p:cNvPr>
+          <p:cNvSpPr txBox="1"/>
+          <p:nvPr/>
+        </p:nvSpPr>
+        <p:spPr>
+          <a:xfrm>
+            <a:off x="7727175" y="1382612"/>
+            <a:ext cx="3251391" cy="923330"/>
+          </a:xfrm>
+          <a:prstGeom prst="rect">
+            <a:avLst/>
+          </a:prstGeom>
+          <a:noFill/>
+        </p:spPr>
+        <p:txBody>
+          <a:bodyPr wrap="square" rtlCol="0">
+            <a:spAutoFit/>
+          </a:bodyPr>
+          <a:lstStyle/>
+          <a:p>
+            <a:r>
+              <a:rPr lang="ko-KR" altLang="en-US" dirty="0"/>
+              <a:t>프론트에서</a:t>
+            </a:r>
+            <a:endParaRPr lang="en-US" altLang="ko-KR" dirty="0"/>
+          </a:p>
+          <a:p>
+            <a:r>
+              <a:rPr lang="en-US" altLang="ko-KR" dirty="0"/>
+              <a:t>Segment = [‘</a:t>
+            </a:r>
+            <a:r>
+              <a:rPr lang="ko-KR" altLang="en-US" dirty="0"/>
+              <a:t>질문</a:t>
+            </a:r>
+            <a:r>
+              <a:rPr lang="en-US" altLang="ko-KR" dirty="0"/>
+              <a:t>’, ‘</a:t>
+            </a:r>
+            <a:r>
+              <a:rPr lang="ko-KR" altLang="en-US" dirty="0"/>
+              <a:t>자유</a:t>
+            </a:r>
+            <a:r>
+              <a:rPr lang="en-US" altLang="ko-KR" dirty="0"/>
+              <a:t>’, ‘</a:t>
+            </a:r>
+            <a:r>
+              <a:rPr lang="ko-KR" altLang="en-US" dirty="0"/>
+              <a:t>홍보</a:t>
+            </a:r>
+            <a:r>
+              <a:rPr lang="en-US" altLang="ko-KR" dirty="0"/>
+              <a:t>’];</a:t>
+            </a:r>
+            <a:endParaRPr lang="ko-KR" altLang="en-US" dirty="0"/>
+          </a:p>
+        </p:txBody>
+      </p:sp>
+      <p:cxnSp>
+        <p:nvCxnSpPr>
+          <p:cNvPr id="27" name="직선 연결선 26">
+            <a:extLst>
+              <a:ext uri="{FF2B5EF4-FFF2-40B4-BE49-F238E27FC236}">
+                <a16:creationId xmlns:a16="http://schemas.microsoft.com/office/drawing/2014/main" id="{BFA1B3C9-92F4-4F24-BBAC-1C97DE18991E}"/>
+              </a:ext>
+            </a:extLst>
+          </p:cNvPr>
+          <p:cNvCxnSpPr>
+            <a:cxnSpLocks/>
+            <a:stCxn id="31" idx="2"/>
+          </p:cNvCxnSpPr>
+          <p:nvPr/>
+        </p:nvCxnSpPr>
+        <p:spPr>
+          <a:xfrm>
+            <a:off x="3351758" y="938461"/>
+            <a:ext cx="42224" cy="5336183"/>
+          </a:xfrm>
+          <a:prstGeom prst="line">
+            <a:avLst/>
+          </a:prstGeom>
+          <a:ln>
+            <a:solidFill>
+              <a:schemeClr val="accent6">
+                <a:lumMod val="50000"/>
+              </a:schemeClr>
+            </a:solidFill>
+          </a:ln>
+        </p:spPr>
+        <p:style>
+          <a:lnRef idx="1">
+            <a:schemeClr val="accent6"/>
+          </a:lnRef>
+          <a:fillRef idx="2">
+            <a:schemeClr val="accent6"/>
+          </a:fillRef>
+          <a:effectRef idx="1">
+            <a:schemeClr val="accent6"/>
+          </a:effectRef>
+          <a:fontRef idx="minor">
+            <a:schemeClr val="dk1"/>
+          </a:fontRef>
+        </p:style>
+      </p:cxnSp>
+      <p:sp>
+        <p:nvSpPr>
+          <p:cNvPr id="30" name="타원 29">
+            <a:extLst>
+              <a:ext uri="{FF2B5EF4-FFF2-40B4-BE49-F238E27FC236}">
+                <a16:creationId xmlns:a16="http://schemas.microsoft.com/office/drawing/2014/main" id="{DF0C2286-7825-4224-A769-0F634A9C7BBB}"/>
               </a:ext>
             </a:extLst>
           </p:cNvPr>
@@ -9381,39 +8081,37 @@
         </p:nvSpPr>
         <p:spPr>
           <a:xfrm>
-            <a:off x="2814163" y="3273581"/>
-            <a:ext cx="974180" cy="393031"/>
+            <a:off x="2873605" y="1074270"/>
+            <a:ext cx="974180" cy="719325"/>
           </a:xfrm>
           <a:prstGeom prst="ellipse">
             <a:avLst/>
           </a:prstGeom>
           <a:solidFill>
-            <a:schemeClr val="accent1">
+            <a:schemeClr val="accent6">
               <a:lumMod val="75000"/>
             </a:schemeClr>
           </a:solidFill>
           <a:ln>
             <a:solidFill>
-              <a:schemeClr val="accent1">
+              <a:schemeClr val="accent6">
                 <a:lumMod val="50000"/>
               </a:schemeClr>
             </a:solidFill>
           </a:ln>
         </p:spPr>
         <p:style>
-          <a:lnRef idx="2">
-            <a:schemeClr val="accent2">
-              <a:shade val="50000"/>
-            </a:schemeClr>
-          </a:lnRef>
-          <a:fillRef idx="1">
-            <a:schemeClr val="accent2"/>
-          </a:fillRef>
-          <a:effectRef idx="0">
-            <a:schemeClr val="accent2"/>
-          </a:effectRef>
-          <a:fontRef idx="minor">
-            <a:schemeClr val="lt1"/>
+          <a:lnRef idx="1">
+            <a:schemeClr val="accent6"/>
+          </a:lnRef>
+          <a:fillRef idx="2">
+            <a:schemeClr val="accent6"/>
+          </a:fillRef>
+          <a:effectRef idx="1">
+            <a:schemeClr val="accent6"/>
+          </a:effectRef>
+          <a:fontRef idx="minor">
+            <a:schemeClr val="dk1"/>
           </a:fontRef>
         </p:style>
         <p:txBody>
@@ -9422,67 +8120,27 @@
           <a:p>
             <a:pPr algn="ctr"/>
             <a:r>
-              <a:rPr lang="ko-KR" altLang="en-US" sz="1300" dirty="0"/>
-              <a:t>작성자</a:t>
-            </a:r>
-          </a:p>
-        </p:txBody>
-      </p:sp>
-      <p:cxnSp>
-        <p:nvCxnSpPr>
-          <p:cNvPr id="34" name="직선 연결선 33">
-            <a:extLst>
-              <a:ext uri="{FF2B5EF4-FFF2-40B4-BE49-F238E27FC236}">
-                <a16:creationId xmlns:a16="http://schemas.microsoft.com/office/drawing/2014/main" id="{1DE11D61-5931-419A-BFD0-C1C9F976655B}"/>
-              </a:ext>
-            </a:extLst>
-          </p:cNvPr>
-          <p:cNvCxnSpPr>
-            <a:cxnSpLocks/>
-            <a:stCxn id="33" idx="5"/>
-            <a:endCxn id="33" idx="5"/>
-          </p:cNvCxnSpPr>
-          <p:nvPr/>
-        </p:nvCxnSpPr>
-        <p:spPr>
-          <a:xfrm>
-            <a:off x="3645678" y="3609054"/>
-            <a:ext cx="0" cy="0"/>
-          </a:xfrm>
-          <a:prstGeom prst="line">
-            <a:avLst/>
-          </a:prstGeom>
-          <a:ln>
-            <a:solidFill>
-              <a:schemeClr val="accent1">
-                <a:lumMod val="50000"/>
-              </a:schemeClr>
-            </a:solidFill>
-          </a:ln>
-        </p:spPr>
-        <p:style>
-          <a:lnRef idx="2">
-            <a:schemeClr val="accent2">
-              <a:shade val="50000"/>
-            </a:schemeClr>
-          </a:lnRef>
-          <a:fillRef idx="1">
-            <a:schemeClr val="accent2"/>
-          </a:fillRef>
-          <a:effectRef idx="0">
-            <a:schemeClr val="accent2"/>
-          </a:effectRef>
-          <a:fontRef idx="minor">
-            <a:schemeClr val="lt1"/>
-          </a:fontRef>
-        </p:style>
-      </p:cxnSp>
-      <p:sp>
-        <p:nvSpPr>
-          <p:cNvPr id="35" name="타원 34">
-            <a:extLst>
-              <a:ext uri="{FF2B5EF4-FFF2-40B4-BE49-F238E27FC236}">
-                <a16:creationId xmlns:a16="http://schemas.microsoft.com/office/drawing/2014/main" id="{6E6318EB-9000-457A-9349-CF87B27B1159}"/>
+              <a:rPr lang="ko-KR" altLang="en-US" sz="1300" dirty="0" err="1">
+                <a:solidFill>
+                  <a:schemeClr val="bg1"/>
+                </a:solidFill>
+              </a:rPr>
+              <a:t>게시글번호</a:t>
+            </a:r>
+            <a:endParaRPr lang="ko-KR" altLang="en-US" sz="1300" dirty="0">
+              <a:solidFill>
+                <a:schemeClr val="bg1"/>
+              </a:solidFill>
+            </a:endParaRPr>
+          </a:p>
+        </p:txBody>
+      </p:sp>
+      <p:sp>
+        <p:nvSpPr>
+          <p:cNvPr id="31" name="직사각형 30">
+            <a:extLst>
+              <a:ext uri="{FF2B5EF4-FFF2-40B4-BE49-F238E27FC236}">
+                <a16:creationId xmlns:a16="http://schemas.microsoft.com/office/drawing/2014/main" id="{F4359001-573F-4B46-9F25-110AD4CF80CB}"/>
               </a:ext>
             </a:extLst>
           </p:cNvPr>
@@ -9491,39 +8149,37 @@
         </p:nvSpPr>
         <p:spPr>
           <a:xfrm>
-            <a:off x="2814163" y="3843983"/>
-            <a:ext cx="974180" cy="393031"/>
-          </a:xfrm>
-          <a:prstGeom prst="ellipse">
+            <a:off x="2790284" y="545431"/>
+            <a:ext cx="1122947" cy="393030"/>
+          </a:xfrm>
+          <a:prstGeom prst="rect">
             <a:avLst/>
           </a:prstGeom>
           <a:solidFill>
-            <a:schemeClr val="accent1">
+            <a:schemeClr val="accent6">
               <a:lumMod val="75000"/>
             </a:schemeClr>
           </a:solidFill>
           <a:ln>
             <a:solidFill>
-              <a:schemeClr val="accent1">
+              <a:schemeClr val="accent6">
                 <a:lumMod val="50000"/>
               </a:schemeClr>
             </a:solidFill>
           </a:ln>
         </p:spPr>
         <p:style>
-          <a:lnRef idx="2">
-            <a:schemeClr val="accent2">
-              <a:shade val="50000"/>
-            </a:schemeClr>
-          </a:lnRef>
-          <a:fillRef idx="1">
-            <a:schemeClr val="accent2"/>
-          </a:fillRef>
-          <a:effectRef idx="0">
-            <a:schemeClr val="accent2"/>
-          </a:effectRef>
-          <a:fontRef idx="minor">
-            <a:schemeClr val="lt1"/>
+          <a:lnRef idx="1">
+            <a:schemeClr val="accent6"/>
+          </a:lnRef>
+          <a:fillRef idx="2">
+            <a:schemeClr val="accent6"/>
+          </a:fillRef>
+          <a:effectRef idx="1">
+            <a:schemeClr val="accent6"/>
+          </a:effectRef>
+          <a:fontRef idx="minor">
+            <a:schemeClr val="dk1"/>
           </a:fontRef>
         </p:style>
         <p:txBody>
@@ -9532,18 +8188,22 @@
           <a:p>
             <a:pPr algn="ctr"/>
             <a:r>
-              <a:rPr lang="ko-KR" altLang="en-US" sz="1300" dirty="0"/>
-              <a:t>내용</a:t>
-            </a:r>
-          </a:p>
-        </p:txBody>
-      </p:sp>
-      <p:sp>
-        <p:nvSpPr>
-          <p:cNvPr id="36" name="타원 35">
-            <a:extLst>
-              <a:ext uri="{FF2B5EF4-FFF2-40B4-BE49-F238E27FC236}">
-                <a16:creationId xmlns:a16="http://schemas.microsoft.com/office/drawing/2014/main" id="{E9BBC2DC-2BC5-47D8-A522-B79821EAFFA0}"/>
+              <a:rPr lang="ko-KR" altLang="en-US" sz="1300" dirty="0">
+                <a:solidFill>
+                  <a:schemeClr val="bg1"/>
+                </a:solidFill>
+              </a:rPr>
+              <a:t>커뮤니티</a:t>
+            </a:r>
+          </a:p>
+        </p:txBody>
+      </p:sp>
+      <p:sp>
+        <p:nvSpPr>
+          <p:cNvPr id="32" name="타원 31">
+            <a:extLst>
+              <a:ext uri="{FF2B5EF4-FFF2-40B4-BE49-F238E27FC236}">
+                <a16:creationId xmlns:a16="http://schemas.microsoft.com/office/drawing/2014/main" id="{4E2C0DDB-6417-4B7D-B29E-2E4ED35B1175}"/>
               </a:ext>
             </a:extLst>
           </p:cNvPr>
@@ -9552,59 +8212,158 @@
         </p:nvSpPr>
         <p:spPr>
           <a:xfrm>
-            <a:off x="2798890" y="2739461"/>
-            <a:ext cx="974180" cy="393031"/>
+            <a:off x="2989814" y="1994527"/>
+            <a:ext cx="774591" cy="622831"/>
           </a:xfrm>
           <a:prstGeom prst="ellipse">
             <a:avLst/>
           </a:prstGeom>
           <a:solidFill>
-            <a:schemeClr val="accent1">
+            <a:schemeClr val="accent6">
               <a:lumMod val="75000"/>
             </a:schemeClr>
           </a:solidFill>
           <a:ln>
             <a:solidFill>
-              <a:schemeClr val="accent1">
+              <a:schemeClr val="accent6">
                 <a:lumMod val="50000"/>
               </a:schemeClr>
             </a:solidFill>
           </a:ln>
         </p:spPr>
         <p:style>
-          <a:lnRef idx="2">
-            <a:schemeClr val="accent2">
-              <a:shade val="50000"/>
-            </a:schemeClr>
-          </a:lnRef>
-          <a:fillRef idx="1">
+          <a:lnRef idx="1">
+            <a:schemeClr val="accent6"/>
+          </a:lnRef>
+          <a:fillRef idx="2">
+            <a:schemeClr val="accent6"/>
+          </a:fillRef>
+          <a:effectRef idx="1">
+            <a:schemeClr val="accent6"/>
+          </a:effectRef>
+          <a:fontRef idx="minor">
+            <a:schemeClr val="dk1"/>
+          </a:fontRef>
+        </p:style>
+        <p:txBody>
+          <a:bodyPr rtlCol="0" anchor="ctr"/>
+          <a:lstStyle/>
+          <a:p>
+            <a:pPr algn="ctr"/>
+            <a:r>
+              <a:rPr lang="ko-KR" altLang="en-US" sz="1300" dirty="0">
+                <a:solidFill>
+                  <a:schemeClr val="bg1"/>
+                </a:solidFill>
+              </a:rPr>
+              <a:t>분류번호</a:t>
+            </a:r>
+            <a:endParaRPr lang="en-US" altLang="ko-KR" sz="1300" dirty="0">
+              <a:solidFill>
+                <a:schemeClr val="bg1"/>
+              </a:solidFill>
+            </a:endParaRPr>
+          </a:p>
+        </p:txBody>
+      </p:sp>
+      <p:cxnSp>
+        <p:nvCxnSpPr>
+          <p:cNvPr id="39" name="직선 연결선 38">
+            <a:extLst>
+              <a:ext uri="{FF2B5EF4-FFF2-40B4-BE49-F238E27FC236}">
+                <a16:creationId xmlns:a16="http://schemas.microsoft.com/office/drawing/2014/main" id="{AE7AEEA0-81B0-4E52-98E9-8F468613151F}"/>
+              </a:ext>
+            </a:extLst>
+          </p:cNvPr>
+          <p:cNvCxnSpPr>
+            <a:cxnSpLocks/>
+            <a:stCxn id="32" idx="5"/>
+            <a:endCxn id="32" idx="5"/>
+          </p:cNvCxnSpPr>
+          <p:nvPr/>
+        </p:nvCxnSpPr>
+        <p:spPr>
+          <a:xfrm>
+            <a:off x="3650969" y="2526147"/>
+            <a:ext cx="0" cy="0"/>
+          </a:xfrm>
+          <a:prstGeom prst="line">
+            <a:avLst/>
+          </a:prstGeom>
+          <a:ln>
+            <a:solidFill>
+              <a:schemeClr val="accent6">
+                <a:lumMod val="50000"/>
+              </a:schemeClr>
+            </a:solidFill>
+          </a:ln>
+        </p:spPr>
+        <p:style>
+          <a:lnRef idx="1">
+            <a:schemeClr val="accent6"/>
+          </a:lnRef>
+          <a:fillRef idx="2">
+            <a:schemeClr val="accent6"/>
+          </a:fillRef>
+          <a:effectRef idx="1">
+            <a:schemeClr val="accent6"/>
+          </a:effectRef>
+          <a:fontRef idx="minor">
+            <a:schemeClr val="dk1"/>
+          </a:fontRef>
+        </p:style>
+      </p:cxnSp>
+      <p:cxnSp>
+        <p:nvCxnSpPr>
+          <p:cNvPr id="40" name="직선 연결선 39">
+            <a:extLst>
+              <a:ext uri="{FF2B5EF4-FFF2-40B4-BE49-F238E27FC236}">
+                <a16:creationId xmlns:a16="http://schemas.microsoft.com/office/drawing/2014/main" id="{E086884C-AD7A-4F08-BE70-5D472F9A0C9A}"/>
+              </a:ext>
+            </a:extLst>
+          </p:cNvPr>
+          <p:cNvCxnSpPr>
+            <a:cxnSpLocks/>
+          </p:cNvCxnSpPr>
+          <p:nvPr/>
+        </p:nvCxnSpPr>
+        <p:spPr>
+          <a:xfrm>
+            <a:off x="2998939" y="1689506"/>
+            <a:ext cx="828294" cy="1201"/>
+          </a:xfrm>
+          <a:prstGeom prst="line">
+            <a:avLst/>
+          </a:prstGeom>
+          <a:ln w="38100">
+            <a:solidFill>
+              <a:schemeClr val="accent6">
+                <a:lumMod val="50000"/>
+              </a:schemeClr>
+            </a:solidFill>
+          </a:ln>
+        </p:spPr>
+        <p:style>
+          <a:lnRef idx="3">
             <a:schemeClr val="accent2"/>
-          </a:fillRef>
-          <a:effectRef idx="0">
+          </a:lnRef>
+          <a:fillRef idx="0">
             <a:schemeClr val="accent2"/>
-          </a:effectRef>
-          <a:fontRef idx="minor">
-            <a:schemeClr val="lt1"/>
-          </a:fontRef>
-        </p:style>
-        <p:txBody>
-          <a:bodyPr rtlCol="0" anchor="ctr"/>
-          <a:lstStyle/>
-          <a:p>
-            <a:pPr algn="ctr"/>
-            <a:r>
-              <a:rPr lang="ko-KR" altLang="en-US" sz="1300" dirty="0"/>
-              <a:t>제목</a:t>
-            </a:r>
-          </a:p>
-        </p:txBody>
-      </p:sp>
-      <p:sp>
-        <p:nvSpPr>
-          <p:cNvPr id="37" name="타원 36">
-            <a:extLst>
-              <a:ext uri="{FF2B5EF4-FFF2-40B4-BE49-F238E27FC236}">
-                <a16:creationId xmlns:a16="http://schemas.microsoft.com/office/drawing/2014/main" id="{F09F670D-FAF1-40E6-A797-ED26FB7B37AE}"/>
+          </a:fillRef>
+          <a:effectRef idx="2">
+            <a:schemeClr val="accent2"/>
+          </a:effectRef>
+          <a:fontRef idx="minor">
+            <a:schemeClr val="tx1"/>
+          </a:fontRef>
+        </p:style>
+      </p:cxnSp>
+      <p:sp>
+        <p:nvSpPr>
+          <p:cNvPr id="41" name="타원 40">
+            <a:extLst>
+              <a:ext uri="{FF2B5EF4-FFF2-40B4-BE49-F238E27FC236}">
+                <a16:creationId xmlns:a16="http://schemas.microsoft.com/office/drawing/2014/main" id="{BCD7EE1D-97A3-4843-956C-589A85C18F69}"/>
               </a:ext>
             </a:extLst>
           </p:cNvPr>
@@ -9613,20 +8372,20 @@
         </p:nvSpPr>
         <p:spPr>
           <a:xfrm>
-            <a:off x="2880395" y="4385929"/>
-            <a:ext cx="841715" cy="488230"/>
+            <a:off x="2895584" y="3273581"/>
+            <a:ext cx="974180" cy="393031"/>
           </a:xfrm>
           <a:prstGeom prst="ellipse">
             <a:avLst/>
           </a:prstGeom>
           <a:solidFill>
-            <a:schemeClr val="accent1">
+            <a:schemeClr val="accent6">
               <a:lumMod val="75000"/>
             </a:schemeClr>
           </a:solidFill>
           <a:ln>
             <a:solidFill>
-              <a:schemeClr val="accent1">
+              <a:schemeClr val="accent6">
                 <a:lumMod val="50000"/>
               </a:schemeClr>
             </a:solidFill>
@@ -9655,17 +8414,66 @@
             <a:pPr algn="ctr"/>
             <a:r>
               <a:rPr lang="ko-KR" altLang="en-US" sz="1300" dirty="0"/>
-              <a:t>첨부파일</a:t>
-            </a:r>
-          </a:p>
-        </p:txBody>
-      </p:sp>
-      <p:sp>
-        <p:nvSpPr>
-          <p:cNvPr id="38" name="타원 37">
-            <a:extLst>
-              <a:ext uri="{FF2B5EF4-FFF2-40B4-BE49-F238E27FC236}">
-                <a16:creationId xmlns:a16="http://schemas.microsoft.com/office/drawing/2014/main" id="{6D207176-ED73-4D3C-A75B-1770B0945414}"/>
+              <a:t>작성자</a:t>
+            </a:r>
+          </a:p>
+        </p:txBody>
+      </p:sp>
+      <p:cxnSp>
+        <p:nvCxnSpPr>
+          <p:cNvPr id="42" name="직선 연결선 41">
+            <a:extLst>
+              <a:ext uri="{FF2B5EF4-FFF2-40B4-BE49-F238E27FC236}">
+                <a16:creationId xmlns:a16="http://schemas.microsoft.com/office/drawing/2014/main" id="{8B2929D6-7AA2-4304-8A31-82440F81FF48}"/>
+              </a:ext>
+            </a:extLst>
+          </p:cNvPr>
+          <p:cNvCxnSpPr>
+            <a:cxnSpLocks/>
+            <a:stCxn id="41" idx="5"/>
+            <a:endCxn id="41" idx="5"/>
+          </p:cNvCxnSpPr>
+          <p:nvPr/>
+        </p:nvCxnSpPr>
+        <p:spPr>
+          <a:xfrm>
+            <a:off x="3727099" y="3609054"/>
+            <a:ext cx="0" cy="0"/>
+          </a:xfrm>
+          <a:prstGeom prst="line">
+            <a:avLst/>
+          </a:prstGeom>
+          <a:ln>
+            <a:solidFill>
+              <a:schemeClr val="accent6">
+                <a:lumMod val="50000"/>
+              </a:schemeClr>
+            </a:solidFill>
+          </a:ln>
+        </p:spPr>
+        <p:style>
+          <a:lnRef idx="2">
+            <a:schemeClr val="accent2">
+              <a:shade val="50000"/>
+            </a:schemeClr>
+          </a:lnRef>
+          <a:fillRef idx="1">
+            <a:schemeClr val="accent2"/>
+          </a:fillRef>
+          <a:effectRef idx="0">
+            <a:schemeClr val="accent2"/>
+          </a:effectRef>
+          <a:fontRef idx="minor">
+            <a:schemeClr val="lt1"/>
+          </a:fontRef>
+        </p:style>
+      </p:cxnSp>
+      <p:sp>
+        <p:nvSpPr>
+          <p:cNvPr id="43" name="타원 42">
+            <a:extLst>
+              <a:ext uri="{FF2B5EF4-FFF2-40B4-BE49-F238E27FC236}">
+                <a16:creationId xmlns:a16="http://schemas.microsoft.com/office/drawing/2014/main" id="{ED6018B5-75C9-455F-ADE7-B6589A90096F}"/>
               </a:ext>
             </a:extLst>
           </p:cNvPr>
@@ -9674,20 +8482,20 @@
         </p:nvSpPr>
         <p:spPr>
           <a:xfrm>
-            <a:off x="2964592" y="5023074"/>
-            <a:ext cx="742646" cy="488230"/>
+            <a:off x="2895584" y="3843983"/>
+            <a:ext cx="974180" cy="393031"/>
           </a:xfrm>
           <a:prstGeom prst="ellipse">
             <a:avLst/>
           </a:prstGeom>
           <a:solidFill>
-            <a:schemeClr val="accent1">
+            <a:schemeClr val="accent6">
               <a:lumMod val="75000"/>
             </a:schemeClr>
           </a:solidFill>
           <a:ln>
             <a:solidFill>
-              <a:schemeClr val="accent1">
+              <a:schemeClr val="accent6">
                 <a:lumMod val="50000"/>
               </a:schemeClr>
             </a:solidFill>
@@ -9715,77 +8523,193 @@
           <a:p>
             <a:pPr algn="ctr"/>
             <a:r>
+              <a:rPr lang="ko-KR" altLang="en-US" sz="1300" dirty="0"/>
+              <a:t>내용</a:t>
+            </a:r>
+          </a:p>
+        </p:txBody>
+      </p:sp>
+      <p:sp>
+        <p:nvSpPr>
+          <p:cNvPr id="44" name="타원 43">
+            <a:extLst>
+              <a:ext uri="{FF2B5EF4-FFF2-40B4-BE49-F238E27FC236}">
+                <a16:creationId xmlns:a16="http://schemas.microsoft.com/office/drawing/2014/main" id="{16A63AE4-EF20-47D8-A9A0-D8F913EB0231}"/>
+              </a:ext>
+            </a:extLst>
+          </p:cNvPr>
+          <p:cNvSpPr/>
+          <p:nvPr/>
+        </p:nvSpPr>
+        <p:spPr>
+          <a:xfrm>
+            <a:off x="2880311" y="2739461"/>
+            <a:ext cx="974180" cy="393031"/>
+          </a:xfrm>
+          <a:prstGeom prst="ellipse">
+            <a:avLst/>
+          </a:prstGeom>
+          <a:solidFill>
+            <a:schemeClr val="accent6">
+              <a:lumMod val="75000"/>
+            </a:schemeClr>
+          </a:solidFill>
+          <a:ln>
+            <a:solidFill>
+              <a:schemeClr val="accent6">
+                <a:lumMod val="50000"/>
+              </a:schemeClr>
+            </a:solidFill>
+          </a:ln>
+        </p:spPr>
+        <p:style>
+          <a:lnRef idx="2">
+            <a:schemeClr val="accent2">
+              <a:shade val="50000"/>
+            </a:schemeClr>
+          </a:lnRef>
+          <a:fillRef idx="1">
+            <a:schemeClr val="accent2"/>
+          </a:fillRef>
+          <a:effectRef idx="0">
+            <a:schemeClr val="accent2"/>
+          </a:effectRef>
+          <a:fontRef idx="minor">
+            <a:schemeClr val="lt1"/>
+          </a:fontRef>
+        </p:style>
+        <p:txBody>
+          <a:bodyPr rtlCol="0" anchor="ctr"/>
+          <a:lstStyle/>
+          <a:p>
+            <a:pPr algn="ctr"/>
+            <a:r>
+              <a:rPr lang="ko-KR" altLang="en-US" sz="1300" dirty="0"/>
+              <a:t>제목</a:t>
+            </a:r>
+          </a:p>
+        </p:txBody>
+      </p:sp>
+      <p:sp>
+        <p:nvSpPr>
+          <p:cNvPr id="45" name="타원 44">
+            <a:extLst>
+              <a:ext uri="{FF2B5EF4-FFF2-40B4-BE49-F238E27FC236}">
+                <a16:creationId xmlns:a16="http://schemas.microsoft.com/office/drawing/2014/main" id="{DAA8920A-84AC-4B6F-9327-9C6B8E52C13A}"/>
+              </a:ext>
+            </a:extLst>
+          </p:cNvPr>
+          <p:cNvSpPr/>
+          <p:nvPr/>
+        </p:nvSpPr>
+        <p:spPr>
+          <a:xfrm>
+            <a:off x="2961816" y="4385929"/>
+            <a:ext cx="841715" cy="488230"/>
+          </a:xfrm>
+          <a:prstGeom prst="ellipse">
+            <a:avLst/>
+          </a:prstGeom>
+          <a:solidFill>
+            <a:schemeClr val="accent6">
+              <a:lumMod val="75000"/>
+            </a:schemeClr>
+          </a:solidFill>
+          <a:ln>
+            <a:solidFill>
+              <a:schemeClr val="accent6">
+                <a:lumMod val="50000"/>
+              </a:schemeClr>
+            </a:solidFill>
+          </a:ln>
+        </p:spPr>
+        <p:style>
+          <a:lnRef idx="2">
+            <a:schemeClr val="accent2">
+              <a:shade val="50000"/>
+            </a:schemeClr>
+          </a:lnRef>
+          <a:fillRef idx="1">
+            <a:schemeClr val="accent2"/>
+          </a:fillRef>
+          <a:effectRef idx="0">
+            <a:schemeClr val="accent2"/>
+          </a:effectRef>
+          <a:fontRef idx="minor">
+            <a:schemeClr val="lt1"/>
+          </a:fontRef>
+        </p:style>
+        <p:txBody>
+          <a:bodyPr rtlCol="0" anchor="ctr"/>
+          <a:lstStyle/>
+          <a:p>
+            <a:pPr algn="ctr"/>
+            <a:r>
+              <a:rPr lang="ko-KR" altLang="en-US" sz="1300" dirty="0"/>
+              <a:t>첨부파일</a:t>
+            </a:r>
+          </a:p>
+        </p:txBody>
+      </p:sp>
+      <p:sp>
+        <p:nvSpPr>
+          <p:cNvPr id="46" name="타원 45">
+            <a:extLst>
+              <a:ext uri="{FF2B5EF4-FFF2-40B4-BE49-F238E27FC236}">
+                <a16:creationId xmlns:a16="http://schemas.microsoft.com/office/drawing/2014/main" id="{F9B5619C-2280-417F-96E4-BCF1C73F34BD}"/>
+              </a:ext>
+            </a:extLst>
+          </p:cNvPr>
+          <p:cNvSpPr/>
+          <p:nvPr/>
+        </p:nvSpPr>
+        <p:spPr>
+          <a:xfrm>
+            <a:off x="3046013" y="5023074"/>
+            <a:ext cx="742646" cy="488230"/>
+          </a:xfrm>
+          <a:prstGeom prst="ellipse">
+            <a:avLst/>
+          </a:prstGeom>
+          <a:solidFill>
+            <a:schemeClr val="accent6">
+              <a:lumMod val="75000"/>
+            </a:schemeClr>
+          </a:solidFill>
+          <a:ln>
+            <a:solidFill>
+              <a:schemeClr val="accent6">
+                <a:lumMod val="50000"/>
+              </a:schemeClr>
+            </a:solidFill>
+          </a:ln>
+        </p:spPr>
+        <p:style>
+          <a:lnRef idx="2">
+            <a:schemeClr val="accent2">
+              <a:shade val="50000"/>
+            </a:schemeClr>
+          </a:lnRef>
+          <a:fillRef idx="1">
+            <a:schemeClr val="accent2"/>
+          </a:fillRef>
+          <a:effectRef idx="0">
+            <a:schemeClr val="accent2"/>
+          </a:effectRef>
+          <a:fontRef idx="minor">
+            <a:schemeClr val="lt1"/>
+          </a:fontRef>
+        </p:style>
+        <p:txBody>
+          <a:bodyPr rtlCol="0" anchor="ctr"/>
+          <a:lstStyle/>
+          <a:p>
+            <a:pPr algn="ctr"/>
+            <a:r>
               <a:rPr lang="ko-KR" altLang="en-US" sz="1300"/>
               <a:t>작성날짜</a:t>
             </a:r>
             <a:endParaRPr lang="ko-KR" altLang="en-US" sz="1300" dirty="0"/>
-          </a:p>
-        </p:txBody>
-      </p:sp>
-      <p:sp>
-        <p:nvSpPr>
-          <p:cNvPr id="54" name="TextBox 53">
-            <a:extLst>
-              <a:ext uri="{FF2B5EF4-FFF2-40B4-BE49-F238E27FC236}">
-                <a16:creationId xmlns:a16="http://schemas.microsoft.com/office/drawing/2014/main" id="{CD487B78-FBF0-415C-A224-FB6D641C05FC}"/>
-              </a:ext>
-            </a:extLst>
-          </p:cNvPr>
-          <p:cNvSpPr txBox="1"/>
-          <p:nvPr/>
-        </p:nvSpPr>
-        <p:spPr>
-          <a:xfrm>
-            <a:off x="7727175" y="1382612"/>
-            <a:ext cx="3251391" cy="923330"/>
-          </a:xfrm>
-          <a:prstGeom prst="rect">
-            <a:avLst/>
-          </a:prstGeom>
-          <a:noFill/>
-        </p:spPr>
-        <p:txBody>
-          <a:bodyPr wrap="square" rtlCol="0">
-            <a:spAutoFit/>
-          </a:bodyPr>
-          <a:lstStyle/>
-          <a:p>
-            <a:r>
-              <a:rPr lang="ko-KR" altLang="en-US" dirty="0"/>
-              <a:t>프론트에서</a:t>
-            </a:r>
-            <a:endParaRPr lang="en-US" altLang="ko-KR" dirty="0"/>
-          </a:p>
-          <a:p>
-            <a:r>
-              <a:rPr lang="en-US" altLang="ko-KR" dirty="0"/>
-              <a:t>Segment = [‘</a:t>
-            </a:r>
-            <a:r>
-              <a:rPr lang="ko-KR" altLang="en-US" dirty="0"/>
-              <a:t>질문</a:t>
-            </a:r>
-            <a:r>
-              <a:rPr lang="en-US" altLang="ko-KR" dirty="0"/>
-              <a:t>’, ‘</a:t>
-            </a:r>
-            <a:r>
-              <a:rPr lang="ko-KR" altLang="en-US" dirty="0"/>
-              <a:t>자유</a:t>
-            </a:r>
-            <a:r>
-              <a:rPr lang="en-US" altLang="ko-KR" dirty="0"/>
-              <a:t>’, ‘</a:t>
-            </a:r>
-            <a:r>
-              <a:rPr lang="ko-KR" altLang="en-US" dirty="0"/>
-              <a:t>홍보</a:t>
-            </a:r>
-            <a:r>
-              <a:rPr lang="en-US" altLang="ko-KR" dirty="0"/>
-              <a:t>’];</a:t>
-            </a:r>
-            <a:endParaRPr lang="ko-KR" altLang="en-US" dirty="0"/>
           </a:p>
         </p:txBody>
       </p:sp>

--- a/document/db설계도.pptx
+++ b/document/db설계도.pptx
@@ -394,7 +394,7 @@
           <a:p>
             <a:fld id="{8814E35C-E4D8-4661-AA90-51A9BCC45C6B}" type="datetimeFigureOut">
               <a:rPr lang="ko-KR" altLang="en-US" smtClean="0"/>
-              <a:t>2021-03-02</a:t>
+              <a:t>2021-03-03</a:t>
             </a:fld>
             <a:endParaRPr lang="ko-KR" altLang="en-US"/>
           </a:p>
@@ -592,7 +592,7 @@
           <a:p>
             <a:fld id="{8814E35C-E4D8-4661-AA90-51A9BCC45C6B}" type="datetimeFigureOut">
               <a:rPr lang="ko-KR" altLang="en-US" smtClean="0"/>
-              <a:t>2021-03-02</a:t>
+              <a:t>2021-03-03</a:t>
             </a:fld>
             <a:endParaRPr lang="ko-KR" altLang="en-US"/>
           </a:p>
@@ -800,7 +800,7 @@
           <a:p>
             <a:fld id="{8814E35C-E4D8-4661-AA90-51A9BCC45C6B}" type="datetimeFigureOut">
               <a:rPr lang="ko-KR" altLang="en-US" smtClean="0"/>
-              <a:t>2021-03-02</a:t>
+              <a:t>2021-03-03</a:t>
             </a:fld>
             <a:endParaRPr lang="ko-KR" altLang="en-US"/>
           </a:p>
@@ -998,7 +998,7 @@
           <a:p>
             <a:fld id="{8814E35C-E4D8-4661-AA90-51A9BCC45C6B}" type="datetimeFigureOut">
               <a:rPr lang="ko-KR" altLang="en-US" smtClean="0"/>
-              <a:t>2021-03-02</a:t>
+              <a:t>2021-03-03</a:t>
             </a:fld>
             <a:endParaRPr lang="ko-KR" altLang="en-US"/>
           </a:p>
@@ -1273,7 +1273,7 @@
           <a:p>
             <a:fld id="{8814E35C-E4D8-4661-AA90-51A9BCC45C6B}" type="datetimeFigureOut">
               <a:rPr lang="ko-KR" altLang="en-US" smtClean="0"/>
-              <a:t>2021-03-02</a:t>
+              <a:t>2021-03-03</a:t>
             </a:fld>
             <a:endParaRPr lang="ko-KR" altLang="en-US"/>
           </a:p>
@@ -1538,7 +1538,7 @@
           <a:p>
             <a:fld id="{8814E35C-E4D8-4661-AA90-51A9BCC45C6B}" type="datetimeFigureOut">
               <a:rPr lang="ko-KR" altLang="en-US" smtClean="0"/>
-              <a:t>2021-03-02</a:t>
+              <a:t>2021-03-03</a:t>
             </a:fld>
             <a:endParaRPr lang="ko-KR" altLang="en-US"/>
           </a:p>
@@ -1950,7 +1950,7 @@
           <a:p>
             <a:fld id="{8814E35C-E4D8-4661-AA90-51A9BCC45C6B}" type="datetimeFigureOut">
               <a:rPr lang="ko-KR" altLang="en-US" smtClean="0"/>
-              <a:t>2021-03-02</a:t>
+              <a:t>2021-03-03</a:t>
             </a:fld>
             <a:endParaRPr lang="ko-KR" altLang="en-US"/>
           </a:p>
@@ -2091,7 +2091,7 @@
           <a:p>
             <a:fld id="{8814E35C-E4D8-4661-AA90-51A9BCC45C6B}" type="datetimeFigureOut">
               <a:rPr lang="ko-KR" altLang="en-US" smtClean="0"/>
-              <a:t>2021-03-02</a:t>
+              <a:t>2021-03-03</a:t>
             </a:fld>
             <a:endParaRPr lang="ko-KR" altLang="en-US"/>
           </a:p>
@@ -2204,7 +2204,7 @@
           <a:p>
             <a:fld id="{8814E35C-E4D8-4661-AA90-51A9BCC45C6B}" type="datetimeFigureOut">
               <a:rPr lang="ko-KR" altLang="en-US" smtClean="0"/>
-              <a:t>2021-03-02</a:t>
+              <a:t>2021-03-03</a:t>
             </a:fld>
             <a:endParaRPr lang="ko-KR" altLang="en-US"/>
           </a:p>
@@ -2515,7 +2515,7 @@
           <a:p>
             <a:fld id="{8814E35C-E4D8-4661-AA90-51A9BCC45C6B}" type="datetimeFigureOut">
               <a:rPr lang="ko-KR" altLang="en-US" smtClean="0"/>
-              <a:t>2021-03-02</a:t>
+              <a:t>2021-03-03</a:t>
             </a:fld>
             <a:endParaRPr lang="ko-KR" altLang="en-US"/>
           </a:p>
@@ -2803,7 +2803,7 @@
           <a:p>
             <a:fld id="{8814E35C-E4D8-4661-AA90-51A9BCC45C6B}" type="datetimeFigureOut">
               <a:rPr lang="ko-KR" altLang="en-US" smtClean="0"/>
-              <a:t>2021-03-02</a:t>
+              <a:t>2021-03-03</a:t>
             </a:fld>
             <a:endParaRPr lang="ko-KR" altLang="en-US"/>
           </a:p>
@@ -3044,7 +3044,7 @@
           <a:p>
             <a:fld id="{8814E35C-E4D8-4661-AA90-51A9BCC45C6B}" type="datetimeFigureOut">
               <a:rPr lang="ko-KR" altLang="en-US" smtClean="0"/>
-              <a:t>2021-03-02</a:t>
+              <a:t>2021-03-03</a:t>
             </a:fld>
             <a:endParaRPr lang="ko-KR" altLang="en-US"/>
           </a:p>
@@ -4857,9 +4857,9 @@
           <p:nvPr/>
         </p:nvCxnSpPr>
         <p:spPr>
-          <a:xfrm>
-            <a:off x="5335008" y="941480"/>
-            <a:ext cx="13869" cy="3011215"/>
+          <a:xfrm flipH="1">
+            <a:off x="5335007" y="941480"/>
+            <a:ext cx="1" cy="2933616"/>
           </a:xfrm>
           <a:prstGeom prst="line">
             <a:avLst/>
@@ -5132,7 +5132,7 @@
         </p:nvSpPr>
         <p:spPr>
           <a:xfrm>
-            <a:off x="4783691" y="3207715"/>
+            <a:off x="4769821" y="3130116"/>
             <a:ext cx="1130371" cy="744980"/>
           </a:xfrm>
           <a:prstGeom prst="ellipse">
@@ -5320,6 +5320,78 @@
               <a:t>로그인상태</a:t>
             </a:r>
             <a:endParaRPr lang="ko-KR" altLang="en-US" sz="1300" dirty="0"/>
+          </a:p>
+        </p:txBody>
+      </p:sp>
+      <p:sp>
+        <p:nvSpPr>
+          <p:cNvPr id="3" name="TextBox 2">
+            <a:extLst>
+              <a:ext uri="{FF2B5EF4-FFF2-40B4-BE49-F238E27FC236}">
+                <a16:creationId xmlns:a16="http://schemas.microsoft.com/office/drawing/2014/main" id="{F42D8A00-80CB-4A0F-858A-94F4384DA117}"/>
+              </a:ext>
+            </a:extLst>
+          </p:cNvPr>
+          <p:cNvSpPr txBox="1"/>
+          <p:nvPr/>
+        </p:nvSpPr>
+        <p:spPr>
+          <a:xfrm>
+            <a:off x="3314607" y="531934"/>
+            <a:ext cx="737177" cy="369332"/>
+          </a:xfrm>
+          <a:prstGeom prst="rect">
+            <a:avLst/>
+          </a:prstGeom>
+          <a:noFill/>
+        </p:spPr>
+        <p:txBody>
+          <a:bodyPr wrap="square" rtlCol="0">
+            <a:spAutoFit/>
+          </a:bodyPr>
+          <a:lstStyle/>
+          <a:p>
+            <a:r>
+              <a:rPr lang="en-US" altLang="ko-KR" dirty="0"/>
+              <a:t>1 : N</a:t>
+            </a:r>
+            <a:endParaRPr lang="ko-KR" altLang="en-US" dirty="0"/>
+          </a:p>
+        </p:txBody>
+      </p:sp>
+      <p:sp>
+        <p:nvSpPr>
+          <p:cNvPr id="41" name="TextBox 40">
+            <a:extLst>
+              <a:ext uri="{FF2B5EF4-FFF2-40B4-BE49-F238E27FC236}">
+                <a16:creationId xmlns:a16="http://schemas.microsoft.com/office/drawing/2014/main" id="{6B46A89D-AF32-41FD-8CC5-244998D7BEF5}"/>
+              </a:ext>
+            </a:extLst>
+          </p:cNvPr>
+          <p:cNvSpPr txBox="1"/>
+          <p:nvPr/>
+        </p:nvSpPr>
+        <p:spPr>
+          <a:xfrm>
+            <a:off x="6847241" y="593246"/>
+            <a:ext cx="737177" cy="369332"/>
+          </a:xfrm>
+          <a:prstGeom prst="rect">
+            <a:avLst/>
+          </a:prstGeom>
+          <a:noFill/>
+        </p:spPr>
+        <p:txBody>
+          <a:bodyPr wrap="square" rtlCol="0">
+            <a:spAutoFit/>
+          </a:bodyPr>
+          <a:lstStyle/>
+          <a:p>
+            <a:r>
+              <a:rPr lang="en-US" altLang="ko-KR" dirty="0"/>
+              <a:t>N : 1</a:t>
+            </a:r>
+            <a:endParaRPr lang="ko-KR" altLang="en-US" dirty="0"/>
           </a:p>
         </p:txBody>
       </p:sp>
